--- a/2017/C语言课程设计/C语言课程设计.pptx
+++ b/2017/C语言课程设计/C语言课程设计.pptx
@@ -3072,7 +3072,7 @@
           <a:p>
             <a:fld id="{9B897E2D-957B-4D9D-A0C2-5B7D912FC07C}" type="datetime10">
               <a:rPr lang="zh-CN" altLang="en-US" smtClean="0"/>
-              <a:t>15:34</a:t>
+              <a:t>11:14</a:t>
             </a:fld>
             <a:endParaRPr lang="zh-CN" altLang="en-US"/>
           </a:p>
@@ -3285,7 +3285,7 @@
           <a:p>
             <a:fld id="{FEB5EFE7-A783-4554-B77F-DF14040FF23C}" type="datetime10">
               <a:rPr lang="zh-CN" altLang="en-US" smtClean="0"/>
-              <a:t>15:34</a:t>
+              <a:t>11:14</a:t>
             </a:fld>
             <a:endParaRPr lang="zh-CN" altLang="en-US"/>
           </a:p>
@@ -3595,7 +3595,7 @@
           <a:p>
             <a:fld id="{FAE39FCF-E57F-4C7B-8DA8-2F4FAAA6797D}" type="datetime10">
               <a:rPr lang="zh-CN" altLang="en-US" smtClean="0"/>
-              <a:t>15:34</a:t>
+              <a:t>11:14</a:t>
             </a:fld>
             <a:endParaRPr lang="zh-CN" altLang="en-US"/>
           </a:p>
@@ -3770,7 +3770,7 @@
           <a:p>
             <a:fld id="{027287E7-C195-4956-AB5F-C5E4FB6E648D}" type="datetime10">
               <a:rPr lang="zh-CN" altLang="en-US" smtClean="0"/>
-              <a:t>15:34</a:t>
+              <a:t>11:14</a:t>
             </a:fld>
             <a:endParaRPr lang="zh-CN" altLang="en-US"/>
           </a:p>
@@ -3894,7 +3894,7 @@
           <a:p>
             <a:fld id="{2BC22A67-3ECF-487E-A853-13104F322C26}" type="datetime10">
               <a:rPr lang="zh-CN" altLang="en-US" smtClean="0"/>
-              <a:t>15:34</a:t>
+              <a:t>11:14</a:t>
             </a:fld>
             <a:endParaRPr lang="zh-CN" altLang="en-US"/>
           </a:p>
@@ -4355,7 +4355,7 @@
           <a:p>
             <a:fld id="{CDF13AE3-D21E-49E3-A634-69B00BCC8341}" type="datetime10">
               <a:rPr lang="zh-CN" altLang="en-US" smtClean="0"/>
-              <a:t>15:34</a:t>
+              <a:t>11:14</a:t>
             </a:fld>
             <a:endParaRPr lang="zh-CN" altLang="en-US"/>
           </a:p>
@@ -5886,7 +5886,7 @@
           <a:p>
             <a:fld id="{D4B924C2-6AF3-4CA9-B4C1-E65BE2C5A8D2}" type="datetime10">
               <a:rPr lang="zh-CN" altLang="en-US" smtClean="0"/>
-              <a:t>15:34</a:t>
+              <a:t>11:14</a:t>
             </a:fld>
             <a:endParaRPr lang="zh-CN" altLang="en-US"/>
           </a:p>
@@ -6136,7 +6136,7 @@
           <a:p>
             <a:fld id="{1DF8ECE8-2F79-442C-B009-BF24F53FEA95}" type="datetime10">
               <a:rPr lang="zh-CN" altLang="en-US" smtClean="0"/>
-              <a:t>15:34</a:t>
+              <a:t>11:15</a:t>
             </a:fld>
             <a:endParaRPr lang="zh-CN" altLang="en-US"/>
           </a:p>
@@ -6536,7 +6536,7 @@
           <a:p>
             <a:fld id="{BD558A68-2CCC-49FA-A58C-536E17F3B137}" type="datetime10">
               <a:rPr lang="zh-CN" altLang="en-US" smtClean="0"/>
-              <a:t>15:34</a:t>
+              <a:t>11:15</a:t>
             </a:fld>
             <a:endParaRPr lang="zh-CN" altLang="en-US"/>
           </a:p>
@@ -6936,7 +6936,7 @@
           <a:p>
             <a:fld id="{1901CB65-9D5A-4CA6-98E1-6B263BA07C5F}" type="datetime10">
               <a:rPr lang="zh-CN" altLang="en-US" smtClean="0"/>
-              <a:t>15:34</a:t>
+              <a:t>11:15</a:t>
             </a:fld>
             <a:endParaRPr lang="zh-CN" altLang="en-US"/>
           </a:p>
@@ -7843,7 +7843,7 @@
           <a:p>
             <a:fld id="{C503C4C8-8C25-4B5F-9CBC-FB43B2AE1AF3}" type="datetime10">
               <a:rPr lang="zh-CN" altLang="en-US" smtClean="0"/>
-              <a:t>15:34</a:t>
+              <a:t>11:15</a:t>
             </a:fld>
             <a:endParaRPr lang="zh-CN" altLang="en-US"/>
           </a:p>
@@ -8331,13 +8331,7 @@
               <a:rPr lang="en-US" altLang="zh-CN" kern="0" dirty="0" smtClean="0">
                 <a:latin typeface="Times New Roman" pitchFamily="18" charset="0"/>
               </a:rPr>
-              <a:t>(</a:t>
-            </a:r>
-            <a:r>
-              <a:rPr lang="en-US" altLang="zh-CN" kern="0" dirty="0" smtClean="0">
-                <a:latin typeface="Times New Roman" pitchFamily="18" charset="0"/>
-              </a:rPr>
-              <a:t>Transition)</a:t>
+              <a:t>(Transition)</a:t>
             </a:r>
             <a:r>
               <a:rPr lang="zh-CN" altLang="en-US" kern="0" dirty="0" smtClean="0">
@@ -8740,7 +8734,7 @@
           <a:p>
             <a:fld id="{E94650C5-04D2-4978-9CD7-FA728BF25977}" type="datetime10">
               <a:rPr lang="zh-CN" altLang="en-US" smtClean="0"/>
-              <a:t>15:34</a:t>
+              <a:t>11:15</a:t>
             </a:fld>
             <a:endParaRPr lang="zh-CN" altLang="en-US"/>
           </a:p>
@@ -9026,11 +9020,7 @@
             </a:r>
             <a:r>
               <a:rPr lang="en-US" altLang="zh-CN" sz="2000" dirty="0" smtClean="0"/>
-              <a:t>(0); </a:t>
-            </a:r>
-            <a:r>
-              <a:rPr lang="en-US" altLang="zh-CN" sz="2000" dirty="0" smtClean="0"/>
-              <a:t> </a:t>
+              <a:t>(0);  </a:t>
             </a:r>
             <a:r>
               <a:rPr lang="en-US" altLang="zh-CN" sz="2000" dirty="0" smtClean="0">
@@ -9605,7 +9595,7 @@
           <a:p>
             <a:fld id="{57A94393-DCF7-403D-A87F-F244F11AA608}" type="datetime10">
               <a:rPr lang="zh-CN" altLang="en-US" smtClean="0"/>
-              <a:t>15:34</a:t>
+              <a:t>11:15</a:t>
             </a:fld>
             <a:endParaRPr lang="zh-CN" altLang="en-US"/>
           </a:p>
@@ -9962,7 +9952,7 @@
           <a:p>
             <a:fld id="{6606D06D-BD90-4ECE-83BA-BFB60DA6A5BE}" type="datetime10">
               <a:rPr lang="zh-CN" altLang="en-US" smtClean="0"/>
-              <a:t>15:34</a:t>
+              <a:t>11:15</a:t>
             </a:fld>
             <a:endParaRPr lang="zh-CN" altLang="en-US"/>
           </a:p>
@@ -10487,7 +10477,7 @@
           <a:p>
             <a:fld id="{EB5ADC9E-F51B-47BE-99D3-DA62903491B0}" type="datetime10">
               <a:rPr lang="zh-CN" altLang="en-US" smtClean="0"/>
-              <a:t>15:34</a:t>
+              <a:t>11:15</a:t>
             </a:fld>
             <a:endParaRPr lang="zh-CN" altLang="en-US"/>
           </a:p>
@@ -10959,11 +10949,7 @@
             </a:r>
             <a:r>
               <a:rPr lang="en-US" altLang="zh-CN" sz="2000" dirty="0" smtClean="0"/>
-              <a:t>(</a:t>
-            </a:r>
-            <a:r>
-              <a:rPr lang="en-US" altLang="zh-CN" sz="2000" dirty="0" smtClean="0"/>
-              <a:t>Transition)</a:t>
+              <a:t>(Transition)</a:t>
             </a:r>
           </a:p>
           <a:p>
@@ -11284,7 +11270,7 @@
           <a:p>
             <a:fld id="{5B15ED53-32A7-4FF4-BF75-7A0619B23433}" type="datetime10">
               <a:rPr lang="zh-CN" altLang="en-US" smtClean="0"/>
-              <a:t>15:34</a:t>
+              <a:t>11:15</a:t>
             </a:fld>
             <a:endParaRPr lang="zh-CN" altLang="en-US"/>
           </a:p>
@@ -11395,11 +11381,7 @@
           <a:p>
             <a:r>
               <a:rPr lang="zh-CN" altLang="en-US" dirty="0" smtClean="0"/>
-              <a:t>状态</a:t>
-            </a:r>
-            <a:r>
-              <a:rPr lang="zh-CN" altLang="en-US" dirty="0" smtClean="0"/>
-              <a:t>与状态机基本概念</a:t>
+              <a:t>状态与状态机基本概念</a:t>
             </a:r>
             <a:endParaRPr lang="en-US" altLang="zh-CN" dirty="0" smtClean="0"/>
           </a:p>
@@ -11531,7 +11513,7 @@
           <a:p>
             <a:fld id="{2C1DB555-715E-4CC2-8236-9766A92FC189}" type="datetime10">
               <a:rPr lang="zh-CN" altLang="en-US" smtClean="0"/>
-              <a:t>15:34</a:t>
+              <a:t>11:14</a:t>
             </a:fld>
             <a:endParaRPr lang="zh-CN" altLang="en-US"/>
           </a:p>
@@ -12015,7 +11997,7 @@
           <a:p>
             <a:fld id="{E2546516-918C-4B93-8C28-8B85FDF9AEFB}" type="datetime10">
               <a:rPr lang="zh-CN" altLang="en-US" smtClean="0"/>
-              <a:t>15:34</a:t>
+              <a:t>11:15</a:t>
             </a:fld>
             <a:endParaRPr lang="zh-CN" altLang="en-US"/>
           </a:p>
@@ -13100,7 +13082,7 @@
           <a:p>
             <a:fld id="{9E518833-6C06-484D-8281-4FEA42096733}" type="datetime10">
               <a:rPr lang="zh-CN" altLang="en-US" smtClean="0"/>
-              <a:t>15:34</a:t>
+              <a:t>11:15</a:t>
             </a:fld>
             <a:endParaRPr lang="zh-CN" altLang="en-US"/>
           </a:p>
@@ -13320,7 +13302,7 @@
           <a:p>
             <a:fld id="{80F8C20A-6B4D-4497-8FEB-052C47EB3E84}" type="datetime10">
               <a:rPr lang="zh-CN" altLang="en-US" smtClean="0"/>
-              <a:t>15:34</a:t>
+              <a:t>11:15</a:t>
             </a:fld>
             <a:endParaRPr lang="zh-CN" altLang="en-US"/>
           </a:p>
@@ -13542,7 +13524,7 @@
           <a:p>
             <a:fld id="{27B67446-34F8-4747-A347-013A8B8DA8E4}" type="datetime10">
               <a:rPr lang="zh-CN" altLang="en-US" smtClean="0"/>
-              <a:t>15:34</a:t>
+              <a:t>11:15</a:t>
             </a:fld>
             <a:endParaRPr lang="zh-CN" altLang="en-US"/>
           </a:p>
@@ -14699,7 +14681,7 @@
           <a:p>
             <a:fld id="{E56CF979-7C5D-4B42-A02B-605B7DC1861E}" type="datetime10">
               <a:rPr lang="zh-CN" altLang="en-US" smtClean="0"/>
-              <a:t>15:34</a:t>
+              <a:t>11:15</a:t>
             </a:fld>
             <a:endParaRPr lang="zh-CN" altLang="en-US"/>
           </a:p>
@@ -14921,7 +14903,7 @@
           <a:p>
             <a:fld id="{5F37A737-29F8-4039-87B5-EF61464426AE}" type="datetime10">
               <a:rPr lang="zh-CN" altLang="en-US" smtClean="0"/>
-              <a:t>15:34</a:t>
+              <a:t>11:15</a:t>
             </a:fld>
             <a:endParaRPr lang="zh-CN" altLang="en-US"/>
           </a:p>
@@ -15330,7 +15312,7 @@
           <a:p>
             <a:fld id="{8D1F04B0-10ED-43F8-837A-0961035CB7FD}" type="datetime10">
               <a:rPr lang="zh-CN" altLang="en-US" smtClean="0"/>
-              <a:t>15:34</a:t>
+              <a:t>11:15</a:t>
             </a:fld>
             <a:endParaRPr lang="zh-CN" altLang="en-US"/>
           </a:p>
@@ -15696,7 +15678,7 @@
           <a:p>
             <a:fld id="{B87535FB-A371-4F35-9B28-911E89E9053A}" type="datetime10">
               <a:rPr lang="zh-CN" altLang="en-US" smtClean="0"/>
-              <a:t>15:34</a:t>
+              <a:t>11:15</a:t>
             </a:fld>
             <a:endParaRPr lang="zh-CN" altLang="en-US"/>
           </a:p>
@@ -16007,7 +15989,7 @@
           <a:p>
             <a:fld id="{806108C5-AE88-47AA-BB8B-5FD69F4B1CCD}" type="datetime10">
               <a:rPr lang="zh-CN" altLang="en-US" smtClean="0"/>
-              <a:t>15:34</a:t>
+              <a:t>11:15</a:t>
             </a:fld>
             <a:endParaRPr lang="zh-CN" altLang="en-US"/>
           </a:p>
@@ -16301,15 +16283,7 @@
                   <a:srgbClr val="FF0000"/>
                 </a:solidFill>
               </a:rPr>
-              <a:t>课程设计说明及要求</a:t>
-            </a:r>
-            <a:r>
-              <a:rPr lang="zh-CN" altLang="en-US" sz="2400" dirty="0" smtClean="0">
-                <a:solidFill>
-                  <a:srgbClr val="FF0000"/>
-                </a:solidFill>
-              </a:rPr>
-              <a:t>：</a:t>
+              <a:t>课程设计说明及要求：</a:t>
             </a:r>
             <a:r>
               <a:rPr lang="zh-CN" altLang="en-US" sz="2400" dirty="0"/>
@@ -16412,7 +16386,7 @@
           <a:p>
             <a:fld id="{A96F25E7-7818-4997-A486-52F03BB724F4}" type="datetime10">
               <a:rPr lang="zh-CN" altLang="en-US" smtClean="0"/>
-              <a:t>15:34</a:t>
+              <a:t>11:15</a:t>
             </a:fld>
             <a:endParaRPr lang="zh-CN" altLang="en-US"/>
           </a:p>
@@ -16596,11 +16570,7 @@
             </a:pPr>
             <a:r>
               <a:rPr lang="zh-CN" altLang="en-US" sz="2400" dirty="0" smtClean="0"/>
-              <a:t>辅导答疑</a:t>
-            </a:r>
-            <a:r>
-              <a:rPr lang="zh-CN" altLang="en-US" sz="2400" dirty="0" smtClean="0"/>
-              <a:t>时间：第</a:t>
+              <a:t>辅导答疑时间：第</a:t>
             </a:r>
             <a:r>
               <a:rPr lang="en-US" altLang="zh-CN" sz="2400" dirty="0" smtClean="0"/>
@@ -16624,19 +16594,7 @@
             </a:r>
             <a:r>
               <a:rPr lang="zh-CN" altLang="en-US" sz="2400" dirty="0" smtClean="0"/>
-              <a:t>楼</a:t>
-            </a:r>
-            <a:r>
-              <a:rPr lang="zh-CN" altLang="en-US" sz="2400" dirty="0" smtClean="0"/>
-              <a:t>教师休息室</a:t>
-            </a:r>
-            <a:r>
-              <a:rPr lang="zh-CN" altLang="en-US" sz="2400" dirty="0" smtClean="0"/>
-              <a:t>，要求</a:t>
-            </a:r>
-            <a:r>
-              <a:rPr lang="zh-CN" altLang="en-US" sz="2400" dirty="0" smtClean="0"/>
-              <a:t>届时所有学生在</a:t>
+              <a:t>楼教师休息室，要求届时所有学生在</a:t>
             </a:r>
             <a:r>
               <a:rPr lang="en-US" altLang="zh-CN" sz="2400" dirty="0" smtClean="0"/>
@@ -16682,11 +16640,7 @@
             </a:r>
             <a:r>
               <a:rPr lang="zh-CN" altLang="en-US" sz="2400" dirty="0" smtClean="0"/>
-              <a:t>日）晚上提交课程设计报告，具体要求见</a:t>
-            </a:r>
-            <a:r>
-              <a:rPr lang="zh-CN" altLang="en-US" sz="2400" dirty="0" smtClean="0"/>
-              <a:t>后页。</a:t>
+              <a:t>日）晚上提交课程设计报告，具体要求见后页。</a:t>
             </a:r>
             <a:endParaRPr lang="en-US" altLang="zh-CN" sz="2400" dirty="0" smtClean="0"/>
           </a:p>
@@ -16807,7 +16761,7 @@
           <a:p>
             <a:fld id="{E19C31DD-5C22-46AF-B21A-BFD9140BE8D8}" type="datetime10">
               <a:rPr lang="zh-CN" altLang="en-US" smtClean="0"/>
-              <a:t>15:34</a:t>
+              <a:t>11:14</a:t>
             </a:fld>
             <a:endParaRPr lang="zh-CN" altLang="en-US"/>
           </a:p>
@@ -17492,7 +17446,7 @@
           <a:p>
             <a:fld id="{ECDCA962-CA37-431E-A9AD-A883F0E3A72A}" type="datetime10">
               <a:rPr lang="zh-CN" altLang="en-US" smtClean="0"/>
-              <a:t>15:34</a:t>
+              <a:t>11:15</a:t>
             </a:fld>
             <a:endParaRPr lang="zh-CN" altLang="en-US"/>
           </a:p>
@@ -18039,7 +17993,7 @@
           <a:p>
             <a:fld id="{0504BC3E-8B07-48AF-AAA5-D94DBE3626EA}" type="datetime10">
               <a:rPr lang="zh-CN" altLang="en-US" smtClean="0"/>
-              <a:t>15:34</a:t>
+              <a:t>11:15</a:t>
             </a:fld>
             <a:endParaRPr lang="zh-CN" altLang="en-US"/>
           </a:p>
@@ -18316,11 +18270,7 @@
             </a:r>
             <a:r>
               <a:rPr lang="zh-CN" altLang="en-US" sz="2400" dirty="0" smtClean="0"/>
-              <a:t>两</a:t>
-            </a:r>
-            <a:r>
-              <a:rPr lang="zh-CN" altLang="en-US" sz="2400" dirty="0" smtClean="0"/>
-              <a:t>个文件压缩为一个文件，文件名：</a:t>
+              <a:t>两个文件压缩为一个文件，文件名：</a:t>
             </a:r>
             <a:r>
               <a:rPr lang="zh-CN" altLang="en-US" sz="2400" dirty="0"/>
@@ -18350,15 +18300,7 @@
             </a:pPr>
             <a:r>
               <a:rPr lang="zh-CN" altLang="en-US" sz="2400" dirty="0" smtClean="0"/>
-              <a:t>如果</a:t>
-            </a:r>
-            <a:r>
-              <a:rPr lang="zh-CN" altLang="en-US" sz="2400" dirty="0" smtClean="0"/>
-              <a:t>发现抄袭现象</a:t>
-            </a:r>
-            <a:r>
-              <a:rPr lang="zh-CN" altLang="en-US" sz="2400" dirty="0" smtClean="0"/>
-              <a:t>，相关同学的成绩以</a:t>
+              <a:t>如果发现抄袭现象，相关同学的成绩以</a:t>
             </a:r>
             <a:r>
               <a:rPr lang="en-US" altLang="zh-CN" sz="2400" dirty="0" smtClean="0"/>
@@ -18439,7 +18381,7 @@
           <a:p>
             <a:fld id="{E19C31DD-5C22-46AF-B21A-BFD9140BE8D8}" type="datetime10">
               <a:rPr lang="zh-CN" altLang="en-US" smtClean="0"/>
-              <a:t>15:34</a:t>
+              <a:t>11:15</a:t>
             </a:fld>
             <a:endParaRPr lang="zh-CN" altLang="en-US"/>
           </a:p>
@@ -18670,7 +18612,7 @@
           <a:p>
             <a:fld id="{F70C1397-6B38-4600-BAA3-4520FF6B7512}" type="datetime10">
               <a:rPr lang="zh-CN" altLang="en-US" smtClean="0"/>
-              <a:t>15:34</a:t>
+              <a:t>11:15</a:t>
             </a:fld>
             <a:endParaRPr lang="zh-CN" altLang="en-US"/>
           </a:p>
@@ -19097,7 +19039,7 @@
           <a:p>
             <a:fld id="{062F2478-A231-4DD8-90F0-17632984B186}" type="datetime10">
               <a:rPr lang="zh-CN" altLang="en-US" smtClean="0"/>
-              <a:t>15:34</a:t>
+              <a:t>11:15</a:t>
             </a:fld>
             <a:endParaRPr lang="zh-CN" altLang="en-US"/>
           </a:p>
@@ -19663,11 +19605,7 @@
             </a:r>
             <a:r>
               <a:rPr lang="zh-CN" altLang="en-US" sz="2000" b="1" dirty="0" smtClean="0"/>
-              <a:t>。</a:t>
-            </a:r>
-            <a:r>
-              <a:rPr lang="zh-CN" altLang="en-US" sz="2000" b="1" dirty="0" smtClean="0"/>
-              <a:t>上升</a:t>
+              <a:t>。上升</a:t>
             </a:r>
             <a:r>
               <a:rPr lang="en-US" altLang="zh-CN" sz="2000" b="1" dirty="0" err="1" smtClean="0"/>
@@ -19675,7 +19613,23 @@
             </a:r>
             <a:r>
               <a:rPr lang="en-US" altLang="zh-CN" sz="2000" b="1" dirty="0" smtClean="0"/>
-              <a:t>(1)</a:t>
+              <a:t>(1</a:t>
+            </a:r>
+            <a:r>
+              <a:rPr lang="en-US" altLang="zh-CN" sz="2000" b="1" dirty="0" smtClean="0"/>
+              <a:t>)</a:t>
+            </a:r>
+            <a:r>
+              <a:rPr lang="zh-CN" altLang="en-US" sz="2000" b="1" dirty="0" smtClean="0"/>
+              <a:t>。进入</a:t>
+            </a:r>
+            <a:r>
+              <a:rPr lang="en-US" altLang="zh-CN" sz="2000" b="1" dirty="0" err="1" smtClean="0"/>
+              <a:t>MovingUp</a:t>
+            </a:r>
+            <a:r>
+              <a:rPr lang="zh-CN" altLang="en-US" sz="2000" b="1" dirty="0" smtClean="0"/>
+              <a:t>状态。</a:t>
             </a:r>
             <a:endParaRPr lang="zh-CN" altLang="en-US" sz="2000" b="1" dirty="0"/>
           </a:p>
@@ -19808,7 +19762,7 @@
           <a:p>
             <a:fld id="{FFCBFCD3-6900-4801-A3A8-ABFF77EF36E9}" type="datetime10">
               <a:rPr lang="zh-CN" altLang="en-US" smtClean="0"/>
-              <a:t>18:35</a:t>
+              <a:t>11:15</a:t>
             </a:fld>
             <a:endParaRPr lang="zh-CN" altLang="en-US"/>
           </a:p>
@@ -20358,7 +20312,23 @@
             </a:r>
             <a:r>
               <a:rPr lang="en-US" altLang="zh-CN" sz="2000" b="1" dirty="0" smtClean="0"/>
-              <a:t>(-1)</a:t>
+              <a:t>(-1</a:t>
+            </a:r>
+            <a:r>
+              <a:rPr lang="en-US" altLang="zh-CN" sz="2000" b="1" dirty="0" smtClean="0"/>
+              <a:t>)</a:t>
+            </a:r>
+            <a:r>
+              <a:rPr lang="zh-CN" altLang="en-US" sz="2000" b="1" dirty="0" smtClean="0"/>
+              <a:t>。进入</a:t>
+            </a:r>
+            <a:r>
+              <a:rPr lang="en-US" altLang="zh-CN" sz="2000" b="1" dirty="0" err="1" smtClean="0"/>
+              <a:t>MovingDown</a:t>
+            </a:r>
+            <a:r>
+              <a:rPr lang="zh-CN" altLang="en-US" sz="2000" b="1" dirty="0" smtClean="0"/>
+              <a:t>状态</a:t>
             </a:r>
             <a:endParaRPr lang="zh-CN" altLang="en-US" sz="2000" b="1" dirty="0"/>
           </a:p>
@@ -20488,7 +20458,7 @@
           <a:p>
             <a:fld id="{FFCBFCD3-6900-4801-A3A8-ABFF77EF36E9}" type="datetime10">
               <a:rPr lang="zh-CN" altLang="en-US" smtClean="0"/>
-              <a:t>18:23</a:t>
+              <a:t>11:15</a:t>
             </a:fld>
             <a:endParaRPr lang="zh-CN" altLang="en-US"/>
           </a:p>
@@ -20925,6 +20895,18 @@
               <a:rPr lang="en-US" altLang="zh-CN" sz="2000" b="1" dirty="0" smtClean="0"/>
               <a:t>(); </a:t>
             </a:r>
+            <a:r>
+              <a:rPr lang="zh-CN" altLang="en-US" sz="2000" b="1" dirty="0" smtClean="0"/>
+              <a:t>进入</a:t>
+            </a:r>
+            <a:r>
+              <a:rPr lang="en-US" altLang="zh-CN" sz="2000" b="1" dirty="0" err="1" smtClean="0"/>
+              <a:t>DoorOpen</a:t>
+            </a:r>
+            <a:r>
+              <a:rPr lang="zh-CN" altLang="en-US" sz="2000" b="1" dirty="0" smtClean="0"/>
+              <a:t>状态</a:t>
+            </a:r>
             <a:endParaRPr lang="zh-CN" altLang="en-US" sz="2000" b="1" dirty="0"/>
           </a:p>
           <a:p>
@@ -21189,7 +21171,7 @@
           <a:p>
             <a:fld id="{B3A5277A-74C6-4D5A-B698-EA3D9D662265}" type="datetime10">
               <a:rPr lang="zh-CN" altLang="en-US" smtClean="0"/>
-              <a:t>18:05</a:t>
+              <a:t>11:15</a:t>
             </a:fld>
             <a:endParaRPr lang="zh-CN" altLang="en-US"/>
           </a:p>
@@ -21747,7 +21729,7 @@
           <a:p>
             <a:fld id="{B3A5277A-74C6-4D5A-B698-EA3D9D662265}" type="datetime10">
               <a:rPr lang="zh-CN" altLang="en-US" smtClean="0"/>
-              <a:t>18:46</a:t>
+              <a:t>11:15</a:t>
             </a:fld>
             <a:endParaRPr lang="zh-CN" altLang="en-US"/>
           </a:p>
@@ -22262,6 +22244,18 @@
               <a:rPr lang="en-US" altLang="zh-CN" sz="2000" b="1" dirty="0" smtClean="0"/>
               <a:t>();</a:t>
             </a:r>
+            <a:r>
+              <a:rPr lang="zh-CN" altLang="en-US" sz="2000" b="1" dirty="0" smtClean="0"/>
+              <a:t>进入</a:t>
+            </a:r>
+            <a:r>
+              <a:rPr lang="en-US" altLang="zh-CN" sz="2000" b="1" dirty="0" err="1" smtClean="0"/>
+              <a:t>DoorOpen</a:t>
+            </a:r>
+            <a:r>
+              <a:rPr lang="zh-CN" altLang="en-US" sz="2000" b="1" dirty="0" smtClean="0"/>
+              <a:t>状态。</a:t>
+            </a:r>
             <a:endParaRPr lang="zh-CN" altLang="en-US" sz="2000" b="1" dirty="0"/>
           </a:p>
           <a:p>
@@ -22460,7 +22454,7 @@
           <a:p>
             <a:fld id="{78FEED2D-F7E8-4C4A-84AE-93C7F94FE09E}" type="datetime10">
               <a:rPr lang="zh-CN" altLang="en-US" smtClean="0"/>
-              <a:t>18:55</a:t>
+              <a:t>11:15</a:t>
             </a:fld>
             <a:endParaRPr lang="zh-CN" altLang="en-US"/>
           </a:p>
@@ -22733,7 +22727,7 @@
           <a:p>
             <a:fld id="{E801C748-8E21-4420-98CB-69D901245379}" type="datetime10">
               <a:rPr lang="zh-CN" altLang="en-US" smtClean="0"/>
-              <a:t>15:59</a:t>
+              <a:t>11:14</a:t>
             </a:fld>
             <a:endParaRPr lang="zh-CN" altLang="en-US" dirty="0"/>
           </a:p>
@@ -23685,7 +23679,7 @@
           <a:p>
             <a:fld id="{78FEED2D-F7E8-4C4A-84AE-93C7F94FE09E}" type="datetime10">
               <a:rPr lang="zh-CN" altLang="en-US" smtClean="0"/>
-              <a:t>18:52</a:t>
+              <a:t>11:15</a:t>
             </a:fld>
             <a:endParaRPr lang="zh-CN" altLang="en-US"/>
           </a:p>
@@ -24216,6 +24210,18 @@
               <a:rPr lang="en-US" altLang="zh-CN" sz="2000" b="1" dirty="0" smtClean="0"/>
               <a:t>();</a:t>
             </a:r>
+            <a:r>
+              <a:rPr lang="zh-CN" altLang="en-US" sz="2000" b="1" dirty="0" smtClean="0"/>
+              <a:t>进入</a:t>
+            </a:r>
+            <a:r>
+              <a:rPr lang="en-US" altLang="zh-CN" sz="2000" b="1" dirty="0" err="1" smtClean="0"/>
+              <a:t>DoorOpen</a:t>
+            </a:r>
+            <a:r>
+              <a:rPr lang="zh-CN" altLang="en-US" sz="2000" b="1" dirty="0" smtClean="0"/>
+              <a:t>状态。</a:t>
+            </a:r>
             <a:endParaRPr lang="zh-CN" altLang="en-US" sz="2000" b="1" dirty="0"/>
           </a:p>
           <a:p>
@@ -24446,7 +24452,7 @@
           <a:p>
             <a:fld id="{78FEED2D-F7E8-4C4A-84AE-93C7F94FE09E}" type="datetime10">
               <a:rPr lang="zh-CN" altLang="en-US" smtClean="0"/>
-              <a:t>15:34</a:t>
+              <a:t>11:15</a:t>
             </a:fld>
             <a:endParaRPr lang="zh-CN" altLang="en-US"/>
           </a:p>
@@ -24867,7 +24873,7 @@
           <a:p>
             <a:fld id="{78FEED2D-F7E8-4C4A-84AE-93C7F94FE09E}" type="datetime10">
               <a:rPr lang="zh-CN" altLang="en-US" smtClean="0"/>
-              <a:t>18:59</a:t>
+              <a:t>11:15</a:t>
             </a:fld>
             <a:endParaRPr lang="zh-CN" altLang="en-US" dirty="0"/>
           </a:p>
@@ -25442,6 +25448,38 @@
               </a:rPr>
               <a:t>(S7) </a:t>
             </a:r>
+            <a:r>
+              <a:rPr lang="zh-CN" altLang="en-US" sz="2000" b="1" dirty="0" smtClean="0">
+                <a:solidFill>
+                  <a:srgbClr val="FF0000"/>
+                </a:solidFill>
+              </a:rPr>
+              <a:t>首先</a:t>
+            </a:r>
+            <a:r>
+              <a:rPr lang="en-US" altLang="zh-CN" sz="2000" b="1" dirty="0" err="1" smtClean="0">
+                <a:solidFill>
+                  <a:srgbClr val="FF0000"/>
+                </a:solidFill>
+              </a:rPr>
+              <a:t>GetNearestFloor</a:t>
+            </a:r>
+            <a:r>
+              <a:rPr lang="en-US" altLang="zh-CN" sz="2000" b="1" dirty="0" smtClean="0">
+                <a:solidFill>
+                  <a:srgbClr val="FF0000"/>
+                </a:solidFill>
+              </a:rPr>
+              <a:t>()</a:t>
+            </a:r>
+            <a:r>
+              <a:rPr lang="zh-CN" altLang="en-US" sz="2000" b="1" dirty="0" smtClean="0">
+                <a:solidFill>
+                  <a:srgbClr val="FF0000"/>
+                </a:solidFill>
+              </a:rPr>
+              <a:t>获取当前楼层</a:t>
+            </a:r>
             <a:endParaRPr lang="en-US" altLang="zh-CN" sz="2000" b="1" dirty="0" smtClean="0">
               <a:solidFill>
                 <a:srgbClr val="FF0000"/>
@@ -25479,15 +25517,7 @@
             </a:r>
             <a:r>
               <a:rPr lang="zh-CN" altLang="en-US" sz="2000" b="1" dirty="0" smtClean="0"/>
-              <a:t>，</a:t>
-            </a:r>
-            <a:r>
-              <a:rPr lang="zh-CN" altLang="en-US" sz="2000" b="1" dirty="0"/>
-              <a:t>转而</a:t>
-            </a:r>
-            <a:r>
-              <a:rPr lang="zh-CN" altLang="en-US" sz="2000" b="1" dirty="0" smtClean="0"/>
-              <a:t>关门</a:t>
+              <a:t>，关门</a:t>
             </a:r>
             <a:r>
               <a:rPr lang="en-US" altLang="zh-CN" sz="2000" b="1" dirty="0" err="1" smtClean="0"/>
@@ -25519,7 +25549,15 @@
             </a:r>
             <a:r>
               <a:rPr lang="zh-CN" altLang="en-US" sz="2000" b="1" dirty="0" smtClean="0"/>
-              <a:t>。</a:t>
+              <a:t>。进入</a:t>
+            </a:r>
+            <a:r>
+              <a:rPr lang="en-US" altLang="zh-CN" sz="2000" b="1" dirty="0" err="1" smtClean="0"/>
+              <a:t>DoorClosing</a:t>
+            </a:r>
+            <a:r>
+              <a:rPr lang="zh-CN" altLang="en-US" sz="2000" b="1" dirty="0" smtClean="0"/>
+              <a:t>状态。</a:t>
             </a:r>
             <a:endParaRPr lang="zh-CN" altLang="en-US" sz="2000" b="1" dirty="0"/>
           </a:p>
@@ -25534,7 +25572,11 @@
             </a:r>
             <a:r>
               <a:rPr lang="zh-CN" altLang="en-US" sz="2000" b="1" dirty="0"/>
-              <a:t>结束后，自动进入关门状态。</a:t>
+              <a:t>结束</a:t>
+            </a:r>
+            <a:r>
+              <a:rPr lang="zh-CN" altLang="en-US" sz="2000" b="1" dirty="0" smtClean="0"/>
+              <a:t>后</a:t>
             </a:r>
             <a:r>
               <a:rPr lang="en-US" altLang="zh-CN" sz="2000" b="1" dirty="0" err="1"/>
@@ -25542,19 +25584,35 @@
             </a:r>
             <a:r>
               <a:rPr lang="en-US" altLang="zh-CN" sz="2000" b="1" dirty="0"/>
-              <a:t>();</a:t>
+              <a:t>(); </a:t>
+            </a:r>
+            <a:r>
+              <a:rPr lang="zh-CN" altLang="en-US" sz="2000" b="1" dirty="0" smtClean="0"/>
+              <a:t>关门</a:t>
+            </a:r>
+            <a:r>
+              <a:rPr lang="en-US" altLang="zh-CN" sz="2000" b="1" dirty="0" err="1" smtClean="0"/>
+              <a:t>SetDoor</a:t>
+            </a:r>
+            <a:r>
+              <a:rPr lang="en-US" altLang="zh-CN" sz="2000" b="1" dirty="0" smtClean="0"/>
+              <a:t>()</a:t>
+            </a:r>
+            <a:r>
+              <a:rPr lang="zh-CN" altLang="en-US" sz="2000" b="1" dirty="0" smtClean="0"/>
+              <a:t>，</a:t>
+            </a:r>
+            <a:r>
+              <a:rPr lang="zh-CN" altLang="en-US" sz="2000" b="1" dirty="0" smtClean="0"/>
+              <a:t>进入</a:t>
             </a:r>
             <a:r>
               <a:rPr lang="en-US" altLang="zh-CN" sz="2000" b="1" dirty="0" err="1"/>
-              <a:t>SetDoor</a:t>
-            </a:r>
-            <a:r>
-              <a:rPr lang="en-US" altLang="zh-CN" sz="2000" b="1" dirty="0" smtClean="0"/>
-              <a:t>();</a:t>
+              <a:t>DoorClosing</a:t>
             </a:r>
             <a:r>
               <a:rPr lang="zh-CN" altLang="en-US" sz="2000" b="1" dirty="0" smtClean="0"/>
-              <a:t>     </a:t>
+              <a:t>状态。     </a:t>
             </a:r>
             <a:endParaRPr lang="en-US" altLang="zh-CN" sz="2000" b="1" dirty="0" smtClean="0"/>
           </a:p>
@@ -25609,11 +25667,7 @@
             </a:r>
             <a:r>
               <a:rPr lang="en-US" altLang="zh-CN" sz="2000" b="1" dirty="0" err="1" smtClean="0"/>
-              <a:t>Set</a:t>
-            </a:r>
-            <a:r>
-              <a:rPr lang="en-US" altLang="zh-CN" sz="2000" b="1" dirty="0" err="1" smtClean="0"/>
-              <a:t>OpenDoorLight</a:t>
+              <a:t>SetOpenDoorLight</a:t>
             </a:r>
             <a:r>
               <a:rPr lang="en-US" altLang="zh-CN" sz="2000" b="1" dirty="0"/>
@@ -25758,7 +25812,7 @@
           <a:p>
             <a:fld id="{ED09B6BC-40CC-4337-B768-71FED894D31A}" type="datetime10">
               <a:rPr lang="zh-CN" altLang="en-US" smtClean="0"/>
-              <a:t>19:10</a:t>
+              <a:t>11:27</a:t>
             </a:fld>
             <a:endParaRPr lang="zh-CN" altLang="en-US"/>
           </a:p>
@@ -26057,7 +26111,7 @@
         <p:spPr>
           <a:xfrm>
             <a:off x="179512" y="3650248"/>
-            <a:ext cx="8712968" cy="2554545"/>
+            <a:ext cx="8712968" cy="2862322"/>
           </a:xfrm>
           <a:prstGeom prst="rect">
             <a:avLst/>
@@ -26157,10 +26211,69 @@
                   <a:srgbClr val="FF0000"/>
                 </a:solidFill>
               </a:rPr>
-              <a:t>(S8) </a:t>
-            </a:r>
-            <a:r>
-              <a:rPr lang="zh-CN" altLang="en-US" sz="2000" b="1" dirty="0"/>
+              <a:t>(S8</a:t>
+            </a:r>
+            <a:r>
+              <a:rPr lang="en-US" altLang="zh-CN" sz="2000" b="1" dirty="0" smtClean="0">
+                <a:solidFill>
+                  <a:srgbClr val="FF0000"/>
+                </a:solidFill>
+              </a:rPr>
+              <a:t>)</a:t>
+            </a:r>
+            <a:r>
+              <a:rPr lang="zh-CN" altLang="en-US" sz="2000" b="1" dirty="0">
+                <a:solidFill>
+                  <a:srgbClr val="FF0000"/>
+                </a:solidFill>
+              </a:rPr>
+              <a:t>首先</a:t>
+            </a:r>
+            <a:r>
+              <a:rPr lang="en-US" altLang="zh-CN" sz="2000" b="1" dirty="0" err="1">
+                <a:solidFill>
+                  <a:srgbClr val="FF0000"/>
+                </a:solidFill>
+              </a:rPr>
+              <a:t>GetNearestFloor</a:t>
+            </a:r>
+            <a:r>
+              <a:rPr lang="en-US" altLang="zh-CN" sz="2000" b="1" dirty="0">
+                <a:solidFill>
+                  <a:srgbClr val="FF0000"/>
+                </a:solidFill>
+              </a:rPr>
+              <a:t>()</a:t>
+            </a:r>
+            <a:r>
+              <a:rPr lang="zh-CN" altLang="en-US" sz="2000" b="1" dirty="0">
+                <a:solidFill>
+                  <a:srgbClr val="FF0000"/>
+                </a:solidFill>
+              </a:rPr>
+              <a:t>获取当前</a:t>
+            </a:r>
+            <a:r>
+              <a:rPr lang="zh-CN" altLang="en-US" sz="2000" b="1" dirty="0" smtClean="0">
+                <a:solidFill>
+                  <a:srgbClr val="FF0000"/>
+                </a:solidFill>
+              </a:rPr>
+              <a:t>楼层</a:t>
+            </a:r>
+            <a:endParaRPr lang="en-US" altLang="zh-CN" sz="2000" b="1" dirty="0" smtClean="0">
+              <a:solidFill>
+                <a:srgbClr val="FF0000"/>
+              </a:solidFill>
+            </a:endParaRPr>
+          </a:p>
+          <a:p>
+            <a:pPr marL="457200" indent="-457200">
+              <a:buFont typeface="+mj-lt"/>
+              <a:buAutoNum type="arabicPeriod"/>
+            </a:pPr>
+            <a:r>
+              <a:rPr lang="zh-CN" altLang="en-US" sz="2000" b="1" dirty="0" smtClean="0"/>
               <a:t>检查</a:t>
             </a:r>
             <a:r>
@@ -26181,7 +26294,7 @@
             </a:r>
             <a:r>
               <a:rPr lang="zh-CN" altLang="en-US" sz="2000" b="1" dirty="0" smtClean="0"/>
-              <a:t>转而开门</a:t>
+              <a:t>开门</a:t>
             </a:r>
             <a:r>
               <a:rPr lang="en-US" altLang="zh-CN" sz="2000" b="1" dirty="0" err="1" smtClean="0"/>
@@ -26201,11 +26314,7 @@
             </a:r>
             <a:r>
               <a:rPr lang="zh-CN" altLang="en-US" sz="2000" b="1" dirty="0" smtClean="0"/>
-              <a:t>门</a:t>
-            </a:r>
-            <a:r>
-              <a:rPr lang="zh-CN" altLang="en-US" sz="2000" b="1" dirty="0" smtClean="0"/>
-              <a:t>按钮</a:t>
+              <a:t>门按钮</a:t>
             </a:r>
             <a:r>
               <a:rPr lang="en-US" altLang="zh-CN" sz="2000" b="1" dirty="0" err="1" smtClean="0"/>
@@ -26217,14 +26326,26 @@
             </a:r>
             <a:r>
               <a:rPr lang="zh-CN" altLang="en-US" sz="2000" b="1" dirty="0" smtClean="0"/>
-              <a:t>。</a:t>
+              <a:t>。进入</a:t>
+            </a:r>
+            <a:r>
+              <a:rPr lang="en-US" altLang="zh-CN" sz="2000" b="1" dirty="0" err="1" smtClean="0"/>
+              <a:t>DoorOpen</a:t>
+            </a:r>
+            <a:r>
+              <a:rPr lang="zh-CN" altLang="en-US" sz="2000" b="1" dirty="0" smtClean="0"/>
+              <a:t>状态。</a:t>
             </a:r>
             <a:endParaRPr lang="zh-CN" altLang="en-US" sz="2000" b="1" dirty="0"/>
           </a:p>
           <a:p>
-            <a:r>
-              <a:rPr lang="zh-CN" altLang="en-US" sz="2000" b="1" dirty="0"/>
-              <a:t>     检查</a:t>
+            <a:pPr marL="457200" indent="-457200">
+              <a:buFont typeface="+mj-lt"/>
+              <a:buAutoNum type="arabicPeriod"/>
+            </a:pPr>
+            <a:r>
+              <a:rPr lang="zh-CN" altLang="en-US" sz="2000" b="1" dirty="0" smtClean="0"/>
+              <a:t>检查</a:t>
             </a:r>
             <a:r>
               <a:rPr lang="en-US" altLang="zh-CN" sz="2000" b="1" dirty="0"/>
@@ -26346,7 +26467,23 @@
             </a:r>
             <a:r>
               <a:rPr lang="zh-CN" altLang="en-US" sz="2000" b="1" dirty="0"/>
-              <a:t>关门结束后，进入</a:t>
+              <a:t>关门结束</a:t>
+            </a:r>
+            <a:r>
+              <a:rPr lang="zh-CN" altLang="en-US" sz="2000" b="1" dirty="0" smtClean="0"/>
+              <a:t>后</a:t>
+            </a:r>
+            <a:r>
+              <a:rPr lang="en-US" altLang="zh-CN" sz="2000" b="1" dirty="0" err="1"/>
+              <a:t>IsDoorClosed</a:t>
+            </a:r>
+            <a:r>
+              <a:rPr lang="en-US" altLang="zh-CN" sz="2000" b="1" dirty="0"/>
+              <a:t>(); </a:t>
+            </a:r>
+            <a:r>
+              <a:rPr lang="zh-CN" altLang="en-US" sz="2000" b="1" dirty="0" smtClean="0"/>
+              <a:t>进入</a:t>
             </a:r>
             <a:r>
               <a:rPr lang="en-US" altLang="zh-CN" sz="2000" b="1" dirty="0"/>
@@ -26354,15 +26491,11 @@
             </a:r>
             <a:r>
               <a:rPr lang="zh-CN" altLang="en-US" sz="2000" b="1" dirty="0"/>
-              <a:t>状态。</a:t>
-            </a:r>
-            <a:r>
-              <a:rPr lang="en-US" altLang="zh-CN" sz="2000" b="1" dirty="0" err="1"/>
-              <a:t>IsDoorClosed</a:t>
-            </a:r>
-            <a:r>
-              <a:rPr lang="en-US" altLang="zh-CN" sz="2000" b="1" dirty="0" smtClean="0"/>
-              <a:t>();</a:t>
+              <a:t>状态</a:t>
+            </a:r>
+            <a:r>
+              <a:rPr lang="zh-CN" altLang="en-US" sz="2000" b="1" dirty="0" smtClean="0"/>
+              <a:t>。</a:t>
             </a:r>
             <a:endParaRPr lang="zh-CN" altLang="en-US" sz="2000" b="1" dirty="0"/>
           </a:p>
@@ -26499,7 +26632,7 @@
           <a:p>
             <a:fld id="{ED09B6BC-40CC-4337-B768-71FED894D31A}" type="datetime10">
               <a:rPr lang="zh-CN" altLang="en-US" smtClean="0"/>
-              <a:t>19:18</a:t>
+              <a:t>11:59</a:t>
             </a:fld>
             <a:endParaRPr lang="zh-CN" altLang="en-US"/>
           </a:p>
@@ -26658,7 +26791,7 @@
           <a:p>
             <a:fld id="{027287E7-C195-4956-AB5F-C5E4FB6E648D}" type="datetime10">
               <a:rPr lang="zh-CN" altLang="en-US" smtClean="0"/>
-              <a:t>15:34</a:t>
+              <a:t>11:15</a:t>
             </a:fld>
             <a:endParaRPr lang="zh-CN" altLang="en-US"/>
           </a:p>
@@ -27787,7 +27920,7 @@
           <a:p>
             <a:fld id="{8939A372-A03C-433A-9E8B-DCC16223F0AC}" type="datetime10">
               <a:rPr lang="zh-CN" altLang="en-US" smtClean="0"/>
-              <a:t>15:34</a:t>
+              <a:t>11:15</a:t>
             </a:fld>
             <a:endParaRPr lang="zh-CN" altLang="en-US"/>
           </a:p>
@@ -28450,7 +28583,7 @@
           <a:p>
             <a:fld id="{A11504DA-9D07-4BAC-9342-4BE459119F9A}" type="datetime10">
               <a:rPr lang="zh-CN" altLang="en-US" smtClean="0"/>
-              <a:t>15:34</a:t>
+              <a:t>11:15</a:t>
             </a:fld>
             <a:endParaRPr lang="zh-CN" altLang="en-US"/>
           </a:p>
@@ -28549,8 +28682,8 @@
         </p:nvSpPr>
         <p:spPr>
           <a:xfrm>
-            <a:off x="179511" y="1055046"/>
-            <a:ext cx="8287707" cy="2169825"/>
+            <a:off x="107504" y="1586116"/>
+            <a:ext cx="8856985" cy="1338828"/>
           </a:xfrm>
           <a:prstGeom prst="rect">
             <a:avLst/>
@@ -28663,7 +28796,19 @@
             </a:r>
             <a:r>
               <a:rPr lang="en-US" altLang="zh-CN" dirty="0" smtClean="0"/>
-              <a:t>();  // </a:t>
+              <a:t>();  </a:t>
+            </a:r>
+            <a:r>
+              <a:rPr lang="en-US" altLang="zh-CN" dirty="0" smtClean="0"/>
+              <a:t>// </a:t>
+            </a:r>
+            <a:r>
+              <a:rPr lang="zh-CN" altLang="en-US" dirty="0" smtClean="0"/>
+              <a:t>获取</a:t>
+            </a:r>
+            <a:r>
+              <a:rPr lang="zh-CN" altLang="en-US" dirty="0"/>
+              <a:t>当前楼层或最近的楼层，即</a:t>
             </a:r>
             <a:r>
               <a:rPr lang="en-US" altLang="zh-CN" dirty="0" err="1"/>
@@ -28674,191 +28819,14 @@
               <a:t>()</a:t>
             </a:r>
             <a:r>
+              <a:rPr lang="zh-CN" altLang="en-US" dirty="0"/>
+              <a:t>的最近</a:t>
+            </a:r>
+            <a:r>
               <a:rPr lang="zh-CN" altLang="en-US" dirty="0" smtClean="0"/>
-              <a:t>函数的四舍五入值</a:t>
+              <a:t>整数</a:t>
             </a:r>
             <a:endParaRPr lang="en-US" altLang="zh-CN" dirty="0"/>
-          </a:p>
-          <a:p>
-            <a:pPr>
-              <a:lnSpc>
-                <a:spcPct val="150000"/>
-              </a:lnSpc>
-            </a:pPr>
-            <a:r>
-              <a:rPr lang="en-US" altLang="zh-CN" dirty="0" smtClean="0">
-                <a:solidFill>
-                  <a:schemeClr val="tx2">
-                    <a:lumMod val="50000"/>
-                  </a:schemeClr>
-                </a:solidFill>
-              </a:rPr>
-              <a:t>if(</a:t>
-            </a:r>
-            <a:r>
-              <a:rPr lang="en-US" altLang="zh-CN" dirty="0" err="1" smtClean="0">
-                <a:solidFill>
-                  <a:schemeClr val="tx2">
-                    <a:lumMod val="50000"/>
-                  </a:schemeClr>
-                </a:solidFill>
-              </a:rPr>
-              <a:t>fabs</a:t>
-            </a:r>
-            <a:r>
-              <a:rPr lang="en-US" altLang="zh-CN" dirty="0" smtClean="0">
-                <a:solidFill>
-                  <a:schemeClr val="tx2">
-                    <a:lumMod val="50000"/>
-                  </a:schemeClr>
-                </a:solidFill>
-              </a:rPr>
-              <a:t>(</a:t>
-            </a:r>
-            <a:r>
-              <a:rPr lang="en-US" altLang="zh-CN" dirty="0" err="1" smtClean="0">
-                <a:solidFill>
-                  <a:schemeClr val="tx2">
-                    <a:lumMod val="50000"/>
-                  </a:schemeClr>
-                </a:solidFill>
-              </a:rPr>
-              <a:t>GetFloor</a:t>
-            </a:r>
-            <a:r>
-              <a:rPr lang="en-US" altLang="zh-CN" dirty="0">
-                <a:solidFill>
-                  <a:schemeClr val="tx2">
-                    <a:lumMod val="50000"/>
-                  </a:schemeClr>
-                </a:solidFill>
-              </a:rPr>
-              <a:t>() - </a:t>
-            </a:r>
-            <a:r>
-              <a:rPr lang="en-US" altLang="zh-CN" dirty="0" err="1">
-                <a:solidFill>
-                  <a:schemeClr val="tx2">
-                    <a:lumMod val="50000"/>
-                  </a:schemeClr>
-                </a:solidFill>
-              </a:rPr>
-              <a:t>GetNearestFloor</a:t>
-            </a:r>
-            <a:r>
-              <a:rPr lang="en-US" altLang="zh-CN" dirty="0" smtClean="0">
-                <a:solidFill>
-                  <a:schemeClr val="tx2">
-                    <a:lumMod val="50000"/>
-                  </a:schemeClr>
-                </a:solidFill>
-              </a:rPr>
-              <a:t>()) </a:t>
-            </a:r>
-            <a:r>
-              <a:rPr lang="en-US" altLang="zh-CN" dirty="0">
-                <a:solidFill>
-                  <a:schemeClr val="tx2">
-                    <a:lumMod val="50000"/>
-                  </a:schemeClr>
-                </a:solidFill>
-              </a:rPr>
-              <a:t>&lt; </a:t>
-            </a:r>
-            <a:r>
-              <a:rPr lang="en-US" altLang="zh-CN" dirty="0" err="1">
-                <a:solidFill>
-                  <a:schemeClr val="tx2">
-                    <a:lumMod val="50000"/>
-                  </a:schemeClr>
-                </a:solidFill>
-              </a:rPr>
-              <a:t>Lib_FloorTolerance</a:t>
-            </a:r>
-            <a:r>
-              <a:rPr lang="en-US" altLang="zh-CN" dirty="0">
-                <a:solidFill>
-                  <a:schemeClr val="tx2">
-                    <a:lumMod val="50000"/>
-                  </a:schemeClr>
-                </a:solidFill>
-              </a:rPr>
-              <a:t>) </a:t>
-            </a:r>
-            <a:endParaRPr lang="en-US" altLang="zh-CN" dirty="0" smtClean="0">
-              <a:solidFill>
-                <a:schemeClr val="tx2">
-                  <a:lumMod val="50000"/>
-                </a:schemeClr>
-              </a:solidFill>
-            </a:endParaRPr>
-          </a:p>
-          <a:p>
-            <a:pPr>
-              <a:lnSpc>
-                <a:spcPct val="150000"/>
-              </a:lnSpc>
-            </a:pPr>
-            <a:r>
-              <a:rPr lang="en-US" altLang="zh-CN" dirty="0" smtClean="0">
-                <a:solidFill>
-                  <a:schemeClr val="tx2">
-                    <a:lumMod val="50000"/>
-                  </a:schemeClr>
-                </a:solidFill>
-              </a:rPr>
-              <a:t>{  </a:t>
-            </a:r>
-            <a:r>
-              <a:rPr lang="zh-CN" altLang="en-US" dirty="0" smtClean="0">
-                <a:solidFill>
-                  <a:schemeClr val="tx2">
-                    <a:lumMod val="50000"/>
-                  </a:schemeClr>
-                </a:solidFill>
-              </a:rPr>
-              <a:t>到达</a:t>
-            </a:r>
-            <a:r>
-              <a:rPr lang="en-US" altLang="zh-CN" dirty="0" err="1" smtClean="0">
-                <a:solidFill>
-                  <a:schemeClr val="tx2">
-                    <a:lumMod val="50000"/>
-                  </a:schemeClr>
-                </a:solidFill>
-              </a:rPr>
-              <a:t>GetNearestFloor</a:t>
-            </a:r>
-            <a:r>
-              <a:rPr lang="en-US" altLang="zh-CN" dirty="0" smtClean="0">
-                <a:solidFill>
-                  <a:schemeClr val="tx2">
-                    <a:lumMod val="50000"/>
-                  </a:schemeClr>
-                </a:solidFill>
-              </a:rPr>
-              <a:t>()</a:t>
-            </a:r>
-            <a:r>
-              <a:rPr lang="zh-CN" altLang="en-US" dirty="0" smtClean="0">
-                <a:solidFill>
-                  <a:schemeClr val="tx2">
-                    <a:lumMod val="50000"/>
-                  </a:schemeClr>
-                </a:solidFill>
-              </a:rPr>
-              <a:t>层  </a:t>
-            </a:r>
-            <a:r>
-              <a:rPr lang="en-US" altLang="zh-CN" dirty="0" smtClean="0">
-                <a:solidFill>
-                  <a:schemeClr val="tx2">
-                    <a:lumMod val="50000"/>
-                  </a:schemeClr>
-                </a:solidFill>
-              </a:rPr>
-              <a:t>}</a:t>
-            </a:r>
           </a:p>
         </p:txBody>
       </p:sp>
@@ -28906,8 +28874,8 @@
         </p:nvSpPr>
         <p:spPr>
           <a:xfrm>
-            <a:off x="186299" y="3212976"/>
-            <a:ext cx="8280920" cy="3365024"/>
+            <a:off x="186298" y="3291949"/>
+            <a:ext cx="8850197" cy="2585323"/>
           </a:xfrm>
           <a:prstGeom prst="rect">
             <a:avLst/>
@@ -29031,20 +28999,32 @@
               <a:t> </a:t>
             </a:r>
             <a:r>
+              <a:rPr lang="en-US" altLang="zh-CN" dirty="0"/>
+              <a:t>floor; </a:t>
+            </a:r>
+            <a:r>
+              <a:rPr lang="en-US" altLang="zh-CN" dirty="0" err="1"/>
+              <a:t>bool</a:t>
+            </a:r>
+            <a:r>
+              <a:rPr lang="en-US" altLang="zh-CN" dirty="0"/>
+              <a:t> </a:t>
+            </a:r>
+            <a:r>
+              <a:rPr lang="en-US" altLang="zh-CN" dirty="0"/>
+              <a:t>up; floor </a:t>
+            </a:r>
+            <a:r>
+              <a:rPr lang="en-US" altLang="zh-CN" dirty="0"/>
+              <a:t>= </a:t>
+            </a:r>
+            <a:r>
               <a:rPr lang="en-US" altLang="zh-CN" dirty="0" err="1"/>
               <a:t>IdleWhatFloorToGoTo</a:t>
             </a:r>
             <a:r>
               <a:rPr lang="en-US" altLang="zh-CN" dirty="0"/>
-              <a:t>(</a:t>
-            </a:r>
-            <a:r>
-              <a:rPr lang="en-US" altLang="zh-CN" dirty="0" err="1"/>
-              <a:t>bool</a:t>
-            </a:r>
-            <a:r>
-              <a:rPr lang="en-US" altLang="zh-CN" dirty="0"/>
-              <a:t> *up);</a:t>
+              <a:t>(&amp;up);</a:t>
             </a:r>
           </a:p>
           <a:p>
@@ -29054,12 +29034,28 @@
               </a:lnSpc>
             </a:pPr>
             <a:r>
-              <a:rPr lang="en-US" altLang="zh-CN" dirty="0" err="1">
+              <a:rPr lang="en-US" altLang="zh-CN" dirty="0" smtClean="0">
                 <a:solidFill>
                   <a:srgbClr val="C00000"/>
                 </a:solidFill>
               </a:rPr>
-              <a:t>int</a:t>
+              <a:t>// </a:t>
+            </a:r>
+            <a:r>
+              <a:rPr lang="zh-CN" altLang="en-US" dirty="0" smtClean="0">
+                <a:solidFill>
+                  <a:srgbClr val="C00000"/>
+                </a:solidFill>
+              </a:rPr>
+              <a:t>动态</a:t>
+            </a:r>
+            <a:r>
+              <a:rPr lang="zh-CN" altLang="en-US" dirty="0">
+                <a:solidFill>
+                  <a:srgbClr val="C00000"/>
+                </a:solidFill>
+              </a:rPr>
+              <a:t>监测</a:t>
             </a:r>
             <a:r>
               <a:rPr lang="en-US" altLang="zh-CN" dirty="0">
@@ -29067,15 +29063,15 @@
                   <a:srgbClr val="C00000"/>
                 </a:solidFill>
               </a:rPr>
-              <a:t> floor; </a:t>
-            </a:r>
-            <a:r>
-              <a:rPr lang="en-US" altLang="zh-CN" dirty="0" err="1">
+              <a:t>, </a:t>
+            </a:r>
+            <a:r>
+              <a:rPr lang="zh-CN" altLang="en-US" dirty="0">
                 <a:solidFill>
                   <a:srgbClr val="C00000"/>
                 </a:solidFill>
               </a:rPr>
-              <a:t>bool</a:t>
+              <a:t>电梯正在上升时，检测将要到达停止的最近楼层</a:t>
             </a:r>
             <a:r>
               <a:rPr lang="en-US" altLang="zh-CN" dirty="0">
@@ -29083,7 +29079,23 @@
                   <a:srgbClr val="C00000"/>
                 </a:solidFill>
               </a:rPr>
-              <a:t> up;</a:t>
+              <a:t>(</a:t>
+            </a:r>
+            <a:r>
+              <a:rPr lang="zh-CN" altLang="en-US" dirty="0">
+                <a:solidFill>
+                  <a:srgbClr val="C00000"/>
+                </a:solidFill>
+              </a:rPr>
+              <a:t>目标楼层</a:t>
+            </a:r>
+            <a:r>
+              <a:rPr lang="en-US" altLang="zh-CN" dirty="0" smtClean="0">
+                <a:solidFill>
+                  <a:srgbClr val="C00000"/>
+                </a:solidFill>
+              </a:rPr>
+              <a:t>)</a:t>
             </a:r>
           </a:p>
           <a:p>
@@ -29093,37 +29105,50 @@
               </a:lnSpc>
             </a:pPr>
             <a:r>
-              <a:rPr lang="en-US" altLang="zh-CN" dirty="0" smtClean="0">
-                <a:solidFill>
-                  <a:srgbClr val="C00000"/>
-                </a:solidFill>
-              </a:rPr>
-              <a:t>floor </a:t>
-            </a:r>
-            <a:r>
-              <a:rPr lang="en-US" altLang="zh-CN" dirty="0">
-                <a:solidFill>
-                  <a:srgbClr val="C00000"/>
-                </a:solidFill>
-              </a:rPr>
-              <a:t>= </a:t>
-            </a:r>
-            <a:r>
-              <a:rPr lang="en-US" altLang="zh-CN" dirty="0" err="1">
-                <a:solidFill>
-                  <a:srgbClr val="C00000"/>
-                </a:solidFill>
-              </a:rPr>
-              <a:t>IdleWhatFloorToGoTo</a:t>
-            </a:r>
-            <a:r>
-              <a:rPr lang="en-US" altLang="zh-CN" dirty="0">
-                <a:solidFill>
-                  <a:srgbClr val="C00000"/>
-                </a:solidFill>
-              </a:rPr>
-              <a:t>(&amp;up);</a:t>
-            </a:r>
+              <a:rPr lang="en-US" altLang="zh-CN" dirty="0" smtClean="0"/>
+              <a:t>floor = </a:t>
+            </a:r>
+            <a:r>
+              <a:rPr lang="en-US" altLang="zh-CN" dirty="0" err="1" smtClean="0"/>
+              <a:t>GoingUpToFloor</a:t>
+            </a:r>
+            <a:r>
+              <a:rPr lang="en-US" altLang="zh-CN" dirty="0" smtClean="0"/>
+              <a:t>(); </a:t>
+            </a:r>
+            <a:r>
+              <a:rPr lang="zh-CN" altLang="en-US" dirty="0" smtClean="0"/>
+              <a:t>到达</a:t>
+            </a:r>
+            <a:r>
+              <a:rPr lang="en-US" altLang="zh-CN" dirty="0" smtClean="0"/>
+              <a:t>floor</a:t>
+            </a:r>
+            <a:r>
+              <a:rPr lang="zh-CN" altLang="en-US" dirty="0" smtClean="0"/>
+              <a:t>层，</a:t>
+            </a:r>
+            <a:r>
+              <a:rPr lang="en-US" altLang="zh-CN" dirty="0" err="1" smtClean="0"/>
+              <a:t>fabs</a:t>
+            </a:r>
+            <a:r>
+              <a:rPr lang="en-US" altLang="zh-CN" dirty="0" smtClean="0"/>
+              <a:t>(</a:t>
+            </a:r>
+            <a:r>
+              <a:rPr lang="en-US" altLang="zh-CN" dirty="0" err="1" smtClean="0"/>
+              <a:t>GetFloor</a:t>
+            </a:r>
+            <a:r>
+              <a:rPr lang="en-US" altLang="zh-CN" dirty="0"/>
+              <a:t>() - floor) &lt; </a:t>
+            </a:r>
+            <a:r>
+              <a:rPr lang="en-US" altLang="zh-CN" dirty="0" err="1"/>
+              <a:t>Lib_FloorTolerance</a:t>
+            </a:r>
+            <a:endParaRPr lang="en-US" altLang="zh-CN" dirty="0" smtClean="0"/>
           </a:p>
           <a:p>
             <a:pPr>
@@ -29169,7 +29194,7 @@
                   <a:srgbClr val="C00000"/>
                 </a:solidFill>
               </a:rPr>
-              <a:t>电梯正在上升时，检测将要到达停止的最近楼层</a:t>
+              <a:t>电梯正在下降时，检测将要到达停止的最近楼层</a:t>
             </a:r>
             <a:r>
               <a:rPr lang="en-US" altLang="zh-CN" dirty="0">
@@ -29188,13 +29213,18 @@
               <a:t>目标楼层</a:t>
             </a:r>
             <a:r>
-              <a:rPr lang="en-US" altLang="zh-CN" dirty="0" smtClean="0">
+              <a:rPr lang="en-US" altLang="zh-CN" dirty="0">
                 <a:solidFill>
                   <a:srgbClr val="C00000"/>
                 </a:solidFill>
               </a:rPr>
               <a:t>)</a:t>
             </a:r>
+            <a:endParaRPr lang="en-US" altLang="zh-CN" dirty="0" smtClean="0">
+              <a:solidFill>
+                <a:srgbClr val="C00000"/>
+              </a:solidFill>
+            </a:endParaRPr>
           </a:p>
           <a:p>
             <a:pPr>
@@ -29203,111 +29233,8 @@
               </a:lnSpc>
             </a:pPr>
             <a:r>
-              <a:rPr lang="en-US" altLang="zh-CN" dirty="0" err="1"/>
-              <a:t>int</a:t>
-            </a:r>
-            <a:r>
-              <a:rPr lang="en-US" altLang="zh-CN" dirty="0"/>
-              <a:t> </a:t>
-            </a:r>
-            <a:r>
-              <a:rPr lang="en-US" altLang="zh-CN" dirty="0" err="1"/>
-              <a:t>GoingUpToFloor</a:t>
-            </a:r>
-            <a:r>
               <a:rPr lang="en-US" altLang="zh-CN" dirty="0" smtClean="0"/>
-              <a:t>();</a:t>
-            </a:r>
-          </a:p>
-          <a:p>
-            <a:pPr>
-              <a:lnSpc>
-                <a:spcPct val="150000"/>
-              </a:lnSpc>
-            </a:pPr>
-            <a:r>
-              <a:rPr lang="en-US" altLang="zh-CN" dirty="0" smtClean="0">
-                <a:solidFill>
-                  <a:srgbClr val="C00000"/>
-                </a:solidFill>
-              </a:rPr>
-              <a:t>// </a:t>
-            </a:r>
-            <a:r>
-              <a:rPr lang="zh-CN" altLang="en-US" dirty="0" smtClean="0">
-                <a:solidFill>
-                  <a:srgbClr val="C00000"/>
-                </a:solidFill>
-              </a:rPr>
-              <a:t>动态</a:t>
-            </a:r>
-            <a:r>
-              <a:rPr lang="zh-CN" altLang="en-US" dirty="0">
-                <a:solidFill>
-                  <a:srgbClr val="C00000"/>
-                </a:solidFill>
-              </a:rPr>
-              <a:t>监测</a:t>
-            </a:r>
-            <a:r>
-              <a:rPr lang="en-US" altLang="zh-CN" dirty="0">
-                <a:solidFill>
-                  <a:srgbClr val="C00000"/>
-                </a:solidFill>
-              </a:rPr>
-              <a:t>, </a:t>
-            </a:r>
-            <a:r>
-              <a:rPr lang="zh-CN" altLang="en-US" dirty="0">
-                <a:solidFill>
-                  <a:srgbClr val="C00000"/>
-                </a:solidFill>
-              </a:rPr>
-              <a:t>电梯正在下降时，检测将要到达停止的最近楼层</a:t>
-            </a:r>
-            <a:r>
-              <a:rPr lang="en-US" altLang="zh-CN" dirty="0">
-                <a:solidFill>
-                  <a:srgbClr val="C00000"/>
-                </a:solidFill>
-              </a:rPr>
-              <a:t>(</a:t>
-            </a:r>
-            <a:r>
-              <a:rPr lang="zh-CN" altLang="en-US" dirty="0">
-                <a:solidFill>
-                  <a:srgbClr val="C00000"/>
-                </a:solidFill>
-              </a:rPr>
-              <a:t>目标楼层</a:t>
-            </a:r>
-            <a:r>
-              <a:rPr lang="en-US" altLang="zh-CN" dirty="0">
-                <a:solidFill>
-                  <a:srgbClr val="C00000"/>
-                </a:solidFill>
-              </a:rPr>
-              <a:t>)</a:t>
-            </a:r>
-            <a:endParaRPr lang="en-US" altLang="zh-CN" dirty="0" smtClean="0">
-              <a:solidFill>
-                <a:srgbClr val="C00000"/>
-              </a:solidFill>
-            </a:endParaRPr>
-          </a:p>
-          <a:p>
-            <a:pPr>
-              <a:lnSpc>
-                <a:spcPct val="150000"/>
-              </a:lnSpc>
-            </a:pPr>
-            <a:r>
-              <a:rPr lang="en-US" altLang="zh-CN" dirty="0" err="1" smtClean="0"/>
-              <a:t>int</a:t>
-            </a:r>
-            <a:r>
-              <a:rPr lang="en-US" altLang="zh-CN" dirty="0" smtClean="0"/>
-              <a:t> </a:t>
+              <a:t>floor = </a:t>
             </a:r>
             <a:r>
               <a:rPr lang="en-US" altLang="zh-CN" dirty="0" err="1" smtClean="0"/>
@@ -29315,7 +29242,39 @@
             </a:r>
             <a:r>
               <a:rPr lang="en-US" altLang="zh-CN" dirty="0" smtClean="0"/>
-              <a:t>();</a:t>
+              <a:t>(); </a:t>
+            </a:r>
+            <a:r>
+              <a:rPr lang="zh-CN" altLang="en-US" dirty="0" smtClean="0"/>
+              <a:t>到达</a:t>
+            </a:r>
+            <a:r>
+              <a:rPr lang="en-US" altLang="zh-CN" dirty="0"/>
+              <a:t>floor</a:t>
+            </a:r>
+            <a:r>
+              <a:rPr lang="zh-CN" altLang="en-US" dirty="0"/>
+              <a:t>层，</a:t>
+            </a:r>
+            <a:r>
+              <a:rPr lang="en-US" altLang="zh-CN" dirty="0" err="1"/>
+              <a:t>fabs</a:t>
+            </a:r>
+            <a:r>
+              <a:rPr lang="en-US" altLang="zh-CN" dirty="0"/>
+              <a:t>(</a:t>
+            </a:r>
+            <a:r>
+              <a:rPr lang="en-US" altLang="zh-CN" dirty="0" err="1"/>
+              <a:t>GetFloor</a:t>
+            </a:r>
+            <a:r>
+              <a:rPr lang="en-US" altLang="zh-CN" dirty="0"/>
+              <a:t>() - floor) &lt; </a:t>
+            </a:r>
+            <a:r>
+              <a:rPr lang="en-US" altLang="zh-CN" dirty="0" err="1"/>
+              <a:t>Lib_FloorToleran</a:t>
             </a:r>
             <a:endParaRPr lang="en-US" altLang="zh-CN" dirty="0"/>
           </a:p>
@@ -29388,7 +29347,7 @@
           <a:p>
             <a:fld id="{280E80CF-9183-4DEF-8CE1-65DF7D196D3D}" type="datetime10">
               <a:rPr lang="zh-CN" altLang="en-US" smtClean="0"/>
-              <a:t>15:34</a:t>
+              <a:t>11:56</a:t>
             </a:fld>
             <a:endParaRPr lang="zh-CN" altLang="en-US"/>
           </a:p>
@@ -29836,7 +29795,7 @@
           <a:p>
             <a:fld id="{5CA67B0E-786C-4D6D-A09E-10B07FBCED20}" type="datetime10">
               <a:rPr lang="zh-CN" altLang="en-US" smtClean="0"/>
-              <a:t>15:34</a:t>
+              <a:t>11:15</a:t>
             </a:fld>
             <a:endParaRPr lang="zh-CN" altLang="en-US"/>
           </a:p>
@@ -30103,7 +30062,7 @@
           <a:p>
             <a:fld id="{6E45DBF5-B756-47BE-B41E-FBAEEF05FD62}" type="datetime10">
               <a:rPr lang="zh-CN" altLang="en-US" smtClean="0"/>
-              <a:t>16:01</a:t>
+              <a:t>11:14</a:t>
             </a:fld>
             <a:endParaRPr lang="zh-CN" altLang="en-US"/>
           </a:p>
@@ -31418,7 +31377,7 @@
           <a:p>
             <a:fld id="{85A0177B-8AA1-48F5-862B-B20AC3E89A89}" type="datetime10">
               <a:rPr lang="zh-CN" altLang="en-US" smtClean="0"/>
-              <a:t>15:34</a:t>
+              <a:t>11:15</a:t>
             </a:fld>
             <a:endParaRPr lang="zh-CN" altLang="en-US"/>
           </a:p>
@@ -31983,7 +31942,7 @@
           <a:p>
             <a:fld id="{E14C8692-4A63-4ADD-A897-20248F0F8FEB}" type="datetime10">
               <a:rPr lang="zh-CN" altLang="en-US" smtClean="0"/>
-              <a:t>15:34</a:t>
+              <a:t>11:15</a:t>
             </a:fld>
             <a:endParaRPr lang="zh-CN" altLang="en-US"/>
           </a:p>
@@ -32384,7 +32343,7 @@
           <a:p>
             <a:fld id="{2FC65C35-36BD-456E-897A-4011AA0C7FCA}" type="datetime10">
               <a:rPr lang="zh-CN" altLang="en-US" smtClean="0"/>
-              <a:t>15:34</a:t>
+              <a:t>11:15</a:t>
             </a:fld>
             <a:endParaRPr lang="zh-CN" altLang="en-US"/>
           </a:p>
@@ -32659,7 +32618,7 @@
           <a:p>
             <a:fld id="{0A3C77DE-45D0-4E65-84ED-190440F28CD8}" type="datetime10">
               <a:rPr lang="zh-CN" altLang="en-US" smtClean="0"/>
-              <a:t>15:34</a:t>
+              <a:t>11:15</a:t>
             </a:fld>
             <a:endParaRPr lang="zh-CN" altLang="en-US"/>
           </a:p>
@@ -33020,7 +32979,7 @@
           <a:p>
             <a:fld id="{2D5ABED3-9ECF-4B8A-992D-04AF78D41A9B}" type="datetime10">
               <a:rPr lang="zh-CN" altLang="en-US" smtClean="0"/>
-              <a:t>15:34</a:t>
+              <a:t>11:15</a:t>
             </a:fld>
             <a:endParaRPr lang="zh-CN" altLang="en-US"/>
           </a:p>
@@ -33269,7 +33228,7 @@
           <a:p>
             <a:fld id="{63009937-3399-4835-8C0B-7BAB3F5943F9}" type="datetime10">
               <a:rPr lang="zh-CN" altLang="en-US" smtClean="0"/>
-              <a:t>15:34</a:t>
+              <a:t>11:15</a:t>
             </a:fld>
             <a:endParaRPr lang="zh-CN" altLang="en-US"/>
           </a:p>
@@ -34015,7 +33974,7 @@
           <a:p>
             <a:fld id="{ED49E5FD-0E58-4D33-9F9A-FE8C76855300}" type="datetime10">
               <a:rPr lang="zh-CN" altLang="en-US" smtClean="0"/>
-              <a:t>15:34</a:t>
+              <a:t>11:15</a:t>
             </a:fld>
             <a:endParaRPr lang="zh-CN" altLang="en-US"/>
           </a:p>
@@ -34560,7 +34519,7 @@
           <a:p>
             <a:fld id="{1B3645CC-3E08-4304-93E4-2D7A955CF558}" type="datetime10">
               <a:rPr lang="zh-CN" altLang="en-US" smtClean="0"/>
-              <a:t>15:34</a:t>
+              <a:t>11:15</a:t>
             </a:fld>
             <a:endParaRPr lang="zh-CN" altLang="en-US"/>
           </a:p>
@@ -35271,7 +35230,7 @@
           <a:p>
             <a:fld id="{44F66471-6FA6-4203-9C5C-41045CCAF8CE}" type="datetime10">
               <a:rPr lang="zh-CN" altLang="en-US" smtClean="0"/>
-              <a:t>15:34</a:t>
+              <a:t>11:15</a:t>
             </a:fld>
             <a:endParaRPr lang="zh-CN" altLang="en-US"/>
           </a:p>
@@ -35963,7 +35922,7 @@
           <a:p>
             <a:fld id="{EF1B528B-2CC7-4879-984A-89097D750F87}" type="datetime10">
               <a:rPr lang="zh-CN" altLang="en-US" smtClean="0"/>
-              <a:t>15:34</a:t>
+              <a:t>11:14</a:t>
             </a:fld>
             <a:endParaRPr lang="zh-CN" altLang="en-US"/>
           </a:p>
@@ -36782,7 +36741,7 @@
           <a:p>
             <a:fld id="{225BBFCE-D1A0-48A7-B208-D8F26EEC3AC3}" type="datetime10">
               <a:rPr lang="zh-CN" altLang="en-US" smtClean="0"/>
-              <a:t>15:34</a:t>
+              <a:t>11:14</a:t>
             </a:fld>
             <a:endParaRPr lang="zh-CN" altLang="en-US"/>
           </a:p>
@@ -37567,7 +37526,7 @@
           <a:p>
             <a:fld id="{65DEFA4A-0771-4AA5-8C70-A63112250E1E}" type="datetime10">
               <a:rPr lang="zh-CN" altLang="en-US" smtClean="0"/>
-              <a:t>15:34</a:t>
+              <a:t>11:14</a:t>
             </a:fld>
             <a:endParaRPr lang="zh-CN" altLang="en-US"/>
           </a:p>
@@ -38449,7 +38408,7 @@
           <a:p>
             <a:fld id="{D970E9A2-F322-4BCB-8C96-9A745930F08D}" type="datetime10">
               <a:rPr lang="zh-CN" altLang="en-US" smtClean="0"/>
-              <a:t>15:34</a:t>
+              <a:t>11:14</a:t>
             </a:fld>
             <a:endParaRPr lang="zh-CN" altLang="en-US"/>
           </a:p>

--- a/2017/C语言课程设计/C语言课程设计.pptx
+++ b/2017/C语言课程设计/C语言课程设计.pptx
@@ -3072,7 +3072,7 @@
           <a:p>
             <a:fld id="{9B897E2D-957B-4D9D-A0C2-5B7D912FC07C}" type="datetime10">
               <a:rPr lang="zh-CN" altLang="en-US" smtClean="0"/>
-              <a:t>11:14</a:t>
+              <a:t>11:40</a:t>
             </a:fld>
             <a:endParaRPr lang="zh-CN" altLang="en-US"/>
           </a:p>
@@ -3285,7 +3285,7 @@
           <a:p>
             <a:fld id="{FEB5EFE7-A783-4554-B77F-DF14040FF23C}" type="datetime10">
               <a:rPr lang="zh-CN" altLang="en-US" smtClean="0"/>
-              <a:t>11:14</a:t>
+              <a:t>11:40</a:t>
             </a:fld>
             <a:endParaRPr lang="zh-CN" altLang="en-US"/>
           </a:p>
@@ -3595,7 +3595,7 @@
           <a:p>
             <a:fld id="{FAE39FCF-E57F-4C7B-8DA8-2F4FAAA6797D}" type="datetime10">
               <a:rPr lang="zh-CN" altLang="en-US" smtClean="0"/>
-              <a:t>11:14</a:t>
+              <a:t>11:40</a:t>
             </a:fld>
             <a:endParaRPr lang="zh-CN" altLang="en-US"/>
           </a:p>
@@ -3770,7 +3770,7 @@
           <a:p>
             <a:fld id="{027287E7-C195-4956-AB5F-C5E4FB6E648D}" type="datetime10">
               <a:rPr lang="zh-CN" altLang="en-US" smtClean="0"/>
-              <a:t>11:14</a:t>
+              <a:t>11:40</a:t>
             </a:fld>
             <a:endParaRPr lang="zh-CN" altLang="en-US"/>
           </a:p>
@@ -3894,7 +3894,7 @@
           <a:p>
             <a:fld id="{2BC22A67-3ECF-487E-A853-13104F322C26}" type="datetime10">
               <a:rPr lang="zh-CN" altLang="en-US" smtClean="0"/>
-              <a:t>11:14</a:t>
+              <a:t>11:40</a:t>
             </a:fld>
             <a:endParaRPr lang="zh-CN" altLang="en-US"/>
           </a:p>
@@ -4355,7 +4355,7 @@
           <a:p>
             <a:fld id="{CDF13AE3-D21E-49E3-A634-69B00BCC8341}" type="datetime10">
               <a:rPr lang="zh-CN" altLang="en-US" smtClean="0"/>
-              <a:t>11:14</a:t>
+              <a:t>11:40</a:t>
             </a:fld>
             <a:endParaRPr lang="zh-CN" altLang="en-US"/>
           </a:p>
@@ -5886,7 +5886,7 @@
           <a:p>
             <a:fld id="{D4B924C2-6AF3-4CA9-B4C1-E65BE2C5A8D2}" type="datetime10">
               <a:rPr lang="zh-CN" altLang="en-US" smtClean="0"/>
-              <a:t>11:14</a:t>
+              <a:t>11:40</a:t>
             </a:fld>
             <a:endParaRPr lang="zh-CN" altLang="en-US"/>
           </a:p>
@@ -6136,7 +6136,7 @@
           <a:p>
             <a:fld id="{1DF8ECE8-2F79-442C-B009-BF24F53FEA95}" type="datetime10">
               <a:rPr lang="zh-CN" altLang="en-US" smtClean="0"/>
-              <a:t>11:15</a:t>
+              <a:t>11:40</a:t>
             </a:fld>
             <a:endParaRPr lang="zh-CN" altLang="en-US"/>
           </a:p>
@@ -6536,7 +6536,7 @@
           <a:p>
             <a:fld id="{BD558A68-2CCC-49FA-A58C-536E17F3B137}" type="datetime10">
               <a:rPr lang="zh-CN" altLang="en-US" smtClean="0"/>
-              <a:t>11:15</a:t>
+              <a:t>11:40</a:t>
             </a:fld>
             <a:endParaRPr lang="zh-CN" altLang="en-US"/>
           </a:p>
@@ -6936,7 +6936,7 @@
           <a:p>
             <a:fld id="{1901CB65-9D5A-4CA6-98E1-6B263BA07C5F}" type="datetime10">
               <a:rPr lang="zh-CN" altLang="en-US" smtClean="0"/>
-              <a:t>11:15</a:t>
+              <a:t>11:40</a:t>
             </a:fld>
             <a:endParaRPr lang="zh-CN" altLang="en-US"/>
           </a:p>
@@ -7843,7 +7843,7 @@
           <a:p>
             <a:fld id="{C503C4C8-8C25-4B5F-9CBC-FB43B2AE1AF3}" type="datetime10">
               <a:rPr lang="zh-CN" altLang="en-US" smtClean="0"/>
-              <a:t>11:15</a:t>
+              <a:t>11:40</a:t>
             </a:fld>
             <a:endParaRPr lang="zh-CN" altLang="en-US"/>
           </a:p>
@@ -8734,7 +8734,7 @@
           <a:p>
             <a:fld id="{E94650C5-04D2-4978-9CD7-FA728BF25977}" type="datetime10">
               <a:rPr lang="zh-CN" altLang="en-US" smtClean="0"/>
-              <a:t>11:15</a:t>
+              <a:t>11:40</a:t>
             </a:fld>
             <a:endParaRPr lang="zh-CN" altLang="en-US"/>
           </a:p>
@@ -9595,7 +9595,7 @@
           <a:p>
             <a:fld id="{57A94393-DCF7-403D-A87F-F244F11AA608}" type="datetime10">
               <a:rPr lang="zh-CN" altLang="en-US" smtClean="0"/>
-              <a:t>11:15</a:t>
+              <a:t>11:40</a:t>
             </a:fld>
             <a:endParaRPr lang="zh-CN" altLang="en-US"/>
           </a:p>
@@ -9952,7 +9952,7 @@
           <a:p>
             <a:fld id="{6606D06D-BD90-4ECE-83BA-BFB60DA6A5BE}" type="datetime10">
               <a:rPr lang="zh-CN" altLang="en-US" smtClean="0"/>
-              <a:t>11:15</a:t>
+              <a:t>11:40</a:t>
             </a:fld>
             <a:endParaRPr lang="zh-CN" altLang="en-US"/>
           </a:p>
@@ -10477,7 +10477,7 @@
           <a:p>
             <a:fld id="{EB5ADC9E-F51B-47BE-99D3-DA62903491B0}" type="datetime10">
               <a:rPr lang="zh-CN" altLang="en-US" smtClean="0"/>
-              <a:t>11:15</a:t>
+              <a:t>11:40</a:t>
             </a:fld>
             <a:endParaRPr lang="zh-CN" altLang="en-US"/>
           </a:p>
@@ -11270,7 +11270,7 @@
           <a:p>
             <a:fld id="{5B15ED53-32A7-4FF4-BF75-7A0619B23433}" type="datetime10">
               <a:rPr lang="zh-CN" altLang="en-US" smtClean="0"/>
-              <a:t>11:15</a:t>
+              <a:t>11:40</a:t>
             </a:fld>
             <a:endParaRPr lang="zh-CN" altLang="en-US"/>
           </a:p>
@@ -11513,7 +11513,7 @@
           <a:p>
             <a:fld id="{2C1DB555-715E-4CC2-8236-9766A92FC189}" type="datetime10">
               <a:rPr lang="zh-CN" altLang="en-US" smtClean="0"/>
-              <a:t>11:14</a:t>
+              <a:t>11:40</a:t>
             </a:fld>
             <a:endParaRPr lang="zh-CN" altLang="en-US"/>
           </a:p>
@@ -11997,7 +11997,7 @@
           <a:p>
             <a:fld id="{E2546516-918C-4B93-8C28-8B85FDF9AEFB}" type="datetime10">
               <a:rPr lang="zh-CN" altLang="en-US" smtClean="0"/>
-              <a:t>11:15</a:t>
+              <a:t>11:40</a:t>
             </a:fld>
             <a:endParaRPr lang="zh-CN" altLang="en-US"/>
           </a:p>
@@ -13082,7 +13082,7 @@
           <a:p>
             <a:fld id="{9E518833-6C06-484D-8281-4FEA42096733}" type="datetime10">
               <a:rPr lang="zh-CN" altLang="en-US" smtClean="0"/>
-              <a:t>11:15</a:t>
+              <a:t>11:40</a:t>
             </a:fld>
             <a:endParaRPr lang="zh-CN" altLang="en-US"/>
           </a:p>
@@ -13302,7 +13302,7 @@
           <a:p>
             <a:fld id="{80F8C20A-6B4D-4497-8FEB-052C47EB3E84}" type="datetime10">
               <a:rPr lang="zh-CN" altLang="en-US" smtClean="0"/>
-              <a:t>11:15</a:t>
+              <a:t>11:40</a:t>
             </a:fld>
             <a:endParaRPr lang="zh-CN" altLang="en-US"/>
           </a:p>
@@ -13524,7 +13524,7 @@
           <a:p>
             <a:fld id="{27B67446-34F8-4747-A347-013A8B8DA8E4}" type="datetime10">
               <a:rPr lang="zh-CN" altLang="en-US" smtClean="0"/>
-              <a:t>11:15</a:t>
+              <a:t>11:40</a:t>
             </a:fld>
             <a:endParaRPr lang="zh-CN" altLang="en-US"/>
           </a:p>
@@ -14681,7 +14681,7 @@
           <a:p>
             <a:fld id="{E56CF979-7C5D-4B42-A02B-605B7DC1861E}" type="datetime10">
               <a:rPr lang="zh-CN" altLang="en-US" smtClean="0"/>
-              <a:t>11:15</a:t>
+              <a:t>11:40</a:t>
             </a:fld>
             <a:endParaRPr lang="zh-CN" altLang="en-US"/>
           </a:p>
@@ -14903,7 +14903,7 @@
           <a:p>
             <a:fld id="{5F37A737-29F8-4039-87B5-EF61464426AE}" type="datetime10">
               <a:rPr lang="zh-CN" altLang="en-US" smtClean="0"/>
-              <a:t>11:15</a:t>
+              <a:t>11:40</a:t>
             </a:fld>
             <a:endParaRPr lang="zh-CN" altLang="en-US"/>
           </a:p>
@@ -15312,7 +15312,7 @@
           <a:p>
             <a:fld id="{8D1F04B0-10ED-43F8-837A-0961035CB7FD}" type="datetime10">
               <a:rPr lang="zh-CN" altLang="en-US" smtClean="0"/>
-              <a:t>11:15</a:t>
+              <a:t>11:40</a:t>
             </a:fld>
             <a:endParaRPr lang="zh-CN" altLang="en-US"/>
           </a:p>
@@ -15678,7 +15678,7 @@
           <a:p>
             <a:fld id="{B87535FB-A371-4F35-9B28-911E89E9053A}" type="datetime10">
               <a:rPr lang="zh-CN" altLang="en-US" smtClean="0"/>
-              <a:t>11:15</a:t>
+              <a:t>11:40</a:t>
             </a:fld>
             <a:endParaRPr lang="zh-CN" altLang="en-US"/>
           </a:p>
@@ -15989,7 +15989,7 @@
           <a:p>
             <a:fld id="{806108C5-AE88-47AA-BB8B-5FD69F4B1CCD}" type="datetime10">
               <a:rPr lang="zh-CN" altLang="en-US" smtClean="0"/>
-              <a:t>11:15</a:t>
+              <a:t>11:40</a:t>
             </a:fld>
             <a:endParaRPr lang="zh-CN" altLang="en-US"/>
           </a:p>
@@ -16386,7 +16386,7 @@
           <a:p>
             <a:fld id="{A96F25E7-7818-4997-A486-52F03BB724F4}" type="datetime10">
               <a:rPr lang="zh-CN" altLang="en-US" smtClean="0"/>
-              <a:t>11:15</a:t>
+              <a:t>11:40</a:t>
             </a:fld>
             <a:endParaRPr lang="zh-CN" altLang="en-US"/>
           </a:p>
@@ -16517,11 +16517,11 @@
             </a:r>
             <a:r>
               <a:rPr lang="en-US" altLang="zh-CN" sz="2400" dirty="0" smtClean="0"/>
-              <a:t>10</a:t>
+              <a:t>11</a:t>
             </a:r>
             <a:r>
               <a:rPr lang="zh-CN" altLang="en-US" sz="2400" dirty="0" smtClean="0"/>
-              <a:t>周星期五（</a:t>
+              <a:t>周星期三（</a:t>
             </a:r>
             <a:r>
               <a:rPr lang="en-US" altLang="zh-CN" sz="2400" dirty="0" smtClean="0"/>
@@ -16533,11 +16533,15 @@
             </a:r>
             <a:r>
               <a:rPr lang="en-US" altLang="zh-CN" sz="2400" dirty="0" smtClean="0"/>
-              <a:t>5</a:t>
+              <a:t>10</a:t>
             </a:r>
             <a:r>
               <a:rPr lang="zh-CN" altLang="en-US" sz="2400" dirty="0" smtClean="0"/>
-              <a:t>日）下午</a:t>
+              <a:t>日</a:t>
+            </a:r>
+            <a:r>
+              <a:rPr lang="zh-CN" altLang="en-US" sz="2400" dirty="0" smtClean="0"/>
+              <a:t>）下午</a:t>
             </a:r>
             <a:r>
               <a:rPr lang="en-US" altLang="zh-CN" sz="2400" dirty="0" smtClean="0"/>
@@ -16557,8 +16561,9 @@
             </a:r>
             <a:r>
               <a:rPr lang="en-US" altLang="zh-CN" sz="2400" dirty="0" smtClean="0"/>
-              <a:t>I</a:t>
-            </a:r>
+              <a:t>I219</a:t>
+            </a:r>
+            <a:endParaRPr lang="en-US" altLang="zh-CN" sz="2400" dirty="0" smtClean="0"/>
           </a:p>
           <a:p>
             <a:pPr marL="342900" indent="-342900">
@@ -16574,19 +16579,15 @@
             </a:r>
             <a:r>
               <a:rPr lang="en-US" altLang="zh-CN" sz="2400" dirty="0" smtClean="0"/>
-              <a:t>11</a:t>
+              <a:t>12</a:t>
             </a:r>
             <a:r>
               <a:rPr lang="zh-CN" altLang="en-US" sz="2400" dirty="0" smtClean="0"/>
-              <a:t>周和</a:t>
-            </a:r>
-            <a:r>
-              <a:rPr lang="en-US" altLang="zh-CN" sz="2400" dirty="0" smtClean="0"/>
-              <a:t>12</a:t>
+              <a:t>周星期</a:t>
             </a:r>
             <a:r>
               <a:rPr lang="zh-CN" altLang="en-US" sz="2400" dirty="0" smtClean="0"/>
-              <a:t>周星期二、四晚上信远</a:t>
+              <a:t>二、四晚上信远</a:t>
             </a:r>
             <a:r>
               <a:rPr lang="en-US" altLang="zh-CN" sz="2400" dirty="0" smtClean="0"/>
@@ -16688,7 +16689,27 @@
             </a:r>
             <a:r>
               <a:rPr lang="zh-CN" altLang="en-US" sz="2400" dirty="0" smtClean="0"/>
-              <a:t>，认真研读；编写程序代码；提高辅导答疑的效率。</a:t>
+              <a:t>，认真研读；编写</a:t>
+            </a:r>
+            <a:r>
+              <a:rPr lang="zh-CN" altLang="en-US" sz="2400" smtClean="0"/>
+              <a:t>程序代码</a:t>
+            </a:r>
+            <a:r>
+              <a:rPr lang="zh-CN" altLang="en-US" sz="2400" smtClean="0"/>
+              <a:t>；</a:t>
+            </a:r>
+            <a:r>
+              <a:rPr lang="zh-CN" altLang="en-US" sz="2400"/>
+              <a:t>提高</a:t>
+            </a:r>
+            <a:r>
+              <a:rPr lang="zh-CN" altLang="en-US" sz="2400" smtClean="0"/>
+              <a:t>辅导</a:t>
+            </a:r>
+            <a:r>
+              <a:rPr lang="zh-CN" altLang="en-US" sz="2400" dirty="0" smtClean="0"/>
+              <a:t>答疑的效率。</a:t>
             </a:r>
             <a:endParaRPr lang="en-US" altLang="zh-CN" sz="2400" dirty="0"/>
           </a:p>
@@ -16761,7 +16782,7 @@
           <a:p>
             <a:fld id="{E19C31DD-5C22-46AF-B21A-BFD9140BE8D8}" type="datetime10">
               <a:rPr lang="zh-CN" altLang="en-US" smtClean="0"/>
-              <a:t>11:14</a:t>
+              <a:t>11:40</a:t>
             </a:fld>
             <a:endParaRPr lang="zh-CN" altLang="en-US"/>
           </a:p>
@@ -17446,7 +17467,7 @@
           <a:p>
             <a:fld id="{ECDCA962-CA37-431E-A9AD-A883F0E3A72A}" type="datetime10">
               <a:rPr lang="zh-CN" altLang="en-US" smtClean="0"/>
-              <a:t>11:15</a:t>
+              <a:t>11:40</a:t>
             </a:fld>
             <a:endParaRPr lang="zh-CN" altLang="en-US"/>
           </a:p>
@@ -17993,7 +18014,7 @@
           <a:p>
             <a:fld id="{0504BC3E-8B07-48AF-AAA5-D94DBE3626EA}" type="datetime10">
               <a:rPr lang="zh-CN" altLang="en-US" smtClean="0"/>
-              <a:t>11:15</a:t>
+              <a:t>11:41</a:t>
             </a:fld>
             <a:endParaRPr lang="zh-CN" altLang="en-US"/>
           </a:p>
@@ -18381,7 +18402,7 @@
           <a:p>
             <a:fld id="{E19C31DD-5C22-46AF-B21A-BFD9140BE8D8}" type="datetime10">
               <a:rPr lang="zh-CN" altLang="en-US" smtClean="0"/>
-              <a:t>11:15</a:t>
+              <a:t>11:41</a:t>
             </a:fld>
             <a:endParaRPr lang="zh-CN" altLang="en-US"/>
           </a:p>
@@ -18612,7 +18633,7 @@
           <a:p>
             <a:fld id="{F70C1397-6B38-4600-BAA3-4520FF6B7512}" type="datetime10">
               <a:rPr lang="zh-CN" altLang="en-US" smtClean="0"/>
-              <a:t>11:15</a:t>
+              <a:t>11:41</a:t>
             </a:fld>
             <a:endParaRPr lang="zh-CN" altLang="en-US"/>
           </a:p>
@@ -19039,7 +19060,7 @@
           <a:p>
             <a:fld id="{062F2478-A231-4DD8-90F0-17632984B186}" type="datetime10">
               <a:rPr lang="zh-CN" altLang="en-US" smtClean="0"/>
-              <a:t>11:15</a:t>
+              <a:t>11:41</a:t>
             </a:fld>
             <a:endParaRPr lang="zh-CN" altLang="en-US"/>
           </a:p>
@@ -19613,11 +19634,7 @@
             </a:r>
             <a:r>
               <a:rPr lang="en-US" altLang="zh-CN" sz="2000" b="1" dirty="0" smtClean="0"/>
-              <a:t>(1</a:t>
-            </a:r>
-            <a:r>
-              <a:rPr lang="en-US" altLang="zh-CN" sz="2000" b="1" dirty="0" smtClean="0"/>
-              <a:t>)</a:t>
+              <a:t>(1)</a:t>
             </a:r>
             <a:r>
               <a:rPr lang="zh-CN" altLang="en-US" sz="2000" b="1" dirty="0" smtClean="0"/>
@@ -19762,7 +19779,7 @@
           <a:p>
             <a:fld id="{FFCBFCD3-6900-4801-A3A8-ABFF77EF36E9}" type="datetime10">
               <a:rPr lang="zh-CN" altLang="en-US" smtClean="0"/>
-              <a:t>11:15</a:t>
+              <a:t>11:41</a:t>
             </a:fld>
             <a:endParaRPr lang="zh-CN" altLang="en-US"/>
           </a:p>
@@ -20312,11 +20329,7 @@
             </a:r>
             <a:r>
               <a:rPr lang="en-US" altLang="zh-CN" sz="2000" b="1" dirty="0" smtClean="0"/>
-              <a:t>(-1</a:t>
-            </a:r>
-            <a:r>
-              <a:rPr lang="en-US" altLang="zh-CN" sz="2000" b="1" dirty="0" smtClean="0"/>
-              <a:t>)</a:t>
+              <a:t>(-1)</a:t>
             </a:r>
             <a:r>
               <a:rPr lang="zh-CN" altLang="en-US" sz="2000" b="1" dirty="0" smtClean="0"/>
@@ -20458,7 +20471,7 @@
           <a:p>
             <a:fld id="{FFCBFCD3-6900-4801-A3A8-ABFF77EF36E9}" type="datetime10">
               <a:rPr lang="zh-CN" altLang="en-US" smtClean="0"/>
-              <a:t>11:15</a:t>
+              <a:t>11:41</a:t>
             </a:fld>
             <a:endParaRPr lang="zh-CN" altLang="en-US"/>
           </a:p>
@@ -21171,7 +21184,7 @@
           <a:p>
             <a:fld id="{B3A5277A-74C6-4D5A-B698-EA3D9D662265}" type="datetime10">
               <a:rPr lang="zh-CN" altLang="en-US" smtClean="0"/>
-              <a:t>11:15</a:t>
+              <a:t>11:41</a:t>
             </a:fld>
             <a:endParaRPr lang="zh-CN" altLang="en-US"/>
           </a:p>
@@ -21729,7 +21742,7 @@
           <a:p>
             <a:fld id="{B3A5277A-74C6-4D5A-B698-EA3D9D662265}" type="datetime10">
               <a:rPr lang="zh-CN" altLang="en-US" smtClean="0"/>
-              <a:t>11:15</a:t>
+              <a:t>11:41</a:t>
             </a:fld>
             <a:endParaRPr lang="zh-CN" altLang="en-US"/>
           </a:p>
@@ -22454,7 +22467,7 @@
           <a:p>
             <a:fld id="{78FEED2D-F7E8-4C4A-84AE-93C7F94FE09E}" type="datetime10">
               <a:rPr lang="zh-CN" altLang="en-US" smtClean="0"/>
-              <a:t>11:15</a:t>
+              <a:t>11:41</a:t>
             </a:fld>
             <a:endParaRPr lang="zh-CN" altLang="en-US"/>
           </a:p>
@@ -22727,7 +22740,7 @@
           <a:p>
             <a:fld id="{E801C748-8E21-4420-98CB-69D901245379}" type="datetime10">
               <a:rPr lang="zh-CN" altLang="en-US" smtClean="0"/>
-              <a:t>11:14</a:t>
+              <a:t>11:40</a:t>
             </a:fld>
             <a:endParaRPr lang="zh-CN" altLang="en-US" dirty="0"/>
           </a:p>
@@ -23679,7 +23692,7 @@
           <a:p>
             <a:fld id="{78FEED2D-F7E8-4C4A-84AE-93C7F94FE09E}" type="datetime10">
               <a:rPr lang="zh-CN" altLang="en-US" smtClean="0"/>
-              <a:t>11:15</a:t>
+              <a:t>11:41</a:t>
             </a:fld>
             <a:endParaRPr lang="zh-CN" altLang="en-US"/>
           </a:p>
@@ -24452,7 +24465,7 @@
           <a:p>
             <a:fld id="{78FEED2D-F7E8-4C4A-84AE-93C7F94FE09E}" type="datetime10">
               <a:rPr lang="zh-CN" altLang="en-US" smtClean="0"/>
-              <a:t>11:15</a:t>
+              <a:t>11:41</a:t>
             </a:fld>
             <a:endParaRPr lang="zh-CN" altLang="en-US"/>
           </a:p>
@@ -24873,7 +24886,7 @@
           <a:p>
             <a:fld id="{78FEED2D-F7E8-4C4A-84AE-93C7F94FE09E}" type="datetime10">
               <a:rPr lang="zh-CN" altLang="en-US" smtClean="0"/>
-              <a:t>11:15</a:t>
+              <a:t>11:41</a:t>
             </a:fld>
             <a:endParaRPr lang="zh-CN" altLang="en-US" dirty="0"/>
           </a:p>
@@ -25600,11 +25613,7 @@
             </a:r>
             <a:r>
               <a:rPr lang="zh-CN" altLang="en-US" sz="2000" b="1" dirty="0" smtClean="0"/>
-              <a:t>，</a:t>
-            </a:r>
-            <a:r>
-              <a:rPr lang="zh-CN" altLang="en-US" sz="2000" b="1" dirty="0" smtClean="0"/>
-              <a:t>进入</a:t>
+              <a:t>，进入</a:t>
             </a:r>
             <a:r>
               <a:rPr lang="en-US" altLang="zh-CN" sz="2000" b="1" dirty="0" err="1"/>
@@ -25812,7 +25821,7 @@
           <a:p>
             <a:fld id="{ED09B6BC-40CC-4337-B768-71FED894D31A}" type="datetime10">
               <a:rPr lang="zh-CN" altLang="en-US" smtClean="0"/>
-              <a:t>11:27</a:t>
+              <a:t>11:41</a:t>
             </a:fld>
             <a:endParaRPr lang="zh-CN" altLang="en-US"/>
           </a:p>
@@ -26632,7 +26641,7 @@
           <a:p>
             <a:fld id="{ED09B6BC-40CC-4337-B768-71FED894D31A}" type="datetime10">
               <a:rPr lang="zh-CN" altLang="en-US" smtClean="0"/>
-              <a:t>11:59</a:t>
+              <a:t>11:41</a:t>
             </a:fld>
             <a:endParaRPr lang="zh-CN" altLang="en-US"/>
           </a:p>
@@ -26791,7 +26800,7 @@
           <a:p>
             <a:fld id="{027287E7-C195-4956-AB5F-C5E4FB6E648D}" type="datetime10">
               <a:rPr lang="zh-CN" altLang="en-US" smtClean="0"/>
-              <a:t>11:15</a:t>
+              <a:t>11:41</a:t>
             </a:fld>
             <a:endParaRPr lang="zh-CN" altLang="en-US"/>
           </a:p>
@@ -27920,7 +27929,7 @@
           <a:p>
             <a:fld id="{8939A372-A03C-433A-9E8B-DCC16223F0AC}" type="datetime10">
               <a:rPr lang="zh-CN" altLang="en-US" smtClean="0"/>
-              <a:t>11:15</a:t>
+              <a:t>11:41</a:t>
             </a:fld>
             <a:endParaRPr lang="zh-CN" altLang="en-US"/>
           </a:p>
@@ -28583,7 +28592,7 @@
           <a:p>
             <a:fld id="{A11504DA-9D07-4BAC-9342-4BE459119F9A}" type="datetime10">
               <a:rPr lang="zh-CN" altLang="en-US" smtClean="0"/>
-              <a:t>11:15</a:t>
+              <a:t>11:41</a:t>
             </a:fld>
             <a:endParaRPr lang="zh-CN" altLang="en-US"/>
           </a:p>
@@ -28796,11 +28805,7 @@
             </a:r>
             <a:r>
               <a:rPr lang="en-US" altLang="zh-CN" dirty="0" smtClean="0"/>
-              <a:t>();  </a:t>
-            </a:r>
-            <a:r>
-              <a:rPr lang="en-US" altLang="zh-CN" dirty="0" smtClean="0"/>
-              <a:t>// </a:t>
+              <a:t>();  // </a:t>
             </a:r>
             <a:r>
               <a:rPr lang="zh-CN" altLang="en-US" dirty="0" smtClean="0"/>
@@ -28996,11 +29001,7 @@
             </a:r>
             <a:r>
               <a:rPr lang="en-US" altLang="zh-CN" dirty="0"/>
-              <a:t> </a:t>
-            </a:r>
-            <a:r>
-              <a:rPr lang="en-US" altLang="zh-CN" dirty="0"/>
-              <a:t>floor; </a:t>
+              <a:t> floor; </a:t>
             </a:r>
             <a:r>
               <a:rPr lang="en-US" altLang="zh-CN" dirty="0" err="1"/>
@@ -29008,15 +29009,7 @@
             </a:r>
             <a:r>
               <a:rPr lang="en-US" altLang="zh-CN" dirty="0"/>
-              <a:t> </a:t>
-            </a:r>
-            <a:r>
-              <a:rPr lang="en-US" altLang="zh-CN" dirty="0"/>
-              <a:t>up; floor </a:t>
-            </a:r>
-            <a:r>
-              <a:rPr lang="en-US" altLang="zh-CN" dirty="0"/>
-              <a:t>= </a:t>
+              <a:t> up; floor = </a:t>
             </a:r>
             <a:r>
               <a:rPr lang="en-US" altLang="zh-CN" dirty="0" err="1"/>
@@ -29347,7 +29340,7 @@
           <a:p>
             <a:fld id="{280E80CF-9183-4DEF-8CE1-65DF7D196D3D}" type="datetime10">
               <a:rPr lang="zh-CN" altLang="en-US" smtClean="0"/>
-              <a:t>11:56</a:t>
+              <a:t>11:41</a:t>
             </a:fld>
             <a:endParaRPr lang="zh-CN" altLang="en-US"/>
           </a:p>
@@ -29795,7 +29788,7 @@
           <a:p>
             <a:fld id="{5CA67B0E-786C-4D6D-A09E-10B07FBCED20}" type="datetime10">
               <a:rPr lang="zh-CN" altLang="en-US" smtClean="0"/>
-              <a:t>11:15</a:t>
+              <a:t>11:41</a:t>
             </a:fld>
             <a:endParaRPr lang="zh-CN" altLang="en-US"/>
           </a:p>
@@ -30062,7 +30055,7 @@
           <a:p>
             <a:fld id="{6E45DBF5-B756-47BE-B41E-FBAEEF05FD62}" type="datetime10">
               <a:rPr lang="zh-CN" altLang="en-US" smtClean="0"/>
-              <a:t>11:14</a:t>
+              <a:t>11:40</a:t>
             </a:fld>
             <a:endParaRPr lang="zh-CN" altLang="en-US"/>
           </a:p>
@@ -31377,7 +31370,7 @@
           <a:p>
             <a:fld id="{85A0177B-8AA1-48F5-862B-B20AC3E89A89}" type="datetime10">
               <a:rPr lang="zh-CN" altLang="en-US" smtClean="0"/>
-              <a:t>11:15</a:t>
+              <a:t>11:41</a:t>
             </a:fld>
             <a:endParaRPr lang="zh-CN" altLang="en-US"/>
           </a:p>
@@ -31942,7 +31935,7 @@
           <a:p>
             <a:fld id="{E14C8692-4A63-4ADD-A897-20248F0F8FEB}" type="datetime10">
               <a:rPr lang="zh-CN" altLang="en-US" smtClean="0"/>
-              <a:t>11:15</a:t>
+              <a:t>11:41</a:t>
             </a:fld>
             <a:endParaRPr lang="zh-CN" altLang="en-US"/>
           </a:p>
@@ -32343,7 +32336,7 @@
           <a:p>
             <a:fld id="{2FC65C35-36BD-456E-897A-4011AA0C7FCA}" type="datetime10">
               <a:rPr lang="zh-CN" altLang="en-US" smtClean="0"/>
-              <a:t>11:15</a:t>
+              <a:t>11:41</a:t>
             </a:fld>
             <a:endParaRPr lang="zh-CN" altLang="en-US"/>
           </a:p>
@@ -32618,7 +32611,7 @@
           <a:p>
             <a:fld id="{0A3C77DE-45D0-4E65-84ED-190440F28CD8}" type="datetime10">
               <a:rPr lang="zh-CN" altLang="en-US" smtClean="0"/>
-              <a:t>11:15</a:t>
+              <a:t>11:41</a:t>
             </a:fld>
             <a:endParaRPr lang="zh-CN" altLang="en-US"/>
           </a:p>
@@ -32979,7 +32972,7 @@
           <a:p>
             <a:fld id="{2D5ABED3-9ECF-4B8A-992D-04AF78D41A9B}" type="datetime10">
               <a:rPr lang="zh-CN" altLang="en-US" smtClean="0"/>
-              <a:t>11:15</a:t>
+              <a:t>11:41</a:t>
             </a:fld>
             <a:endParaRPr lang="zh-CN" altLang="en-US"/>
           </a:p>
@@ -33228,7 +33221,7 @@
           <a:p>
             <a:fld id="{63009937-3399-4835-8C0B-7BAB3F5943F9}" type="datetime10">
               <a:rPr lang="zh-CN" altLang="en-US" smtClean="0"/>
-              <a:t>11:15</a:t>
+              <a:t>11:41</a:t>
             </a:fld>
             <a:endParaRPr lang="zh-CN" altLang="en-US"/>
           </a:p>
@@ -33974,7 +33967,7 @@
           <a:p>
             <a:fld id="{ED49E5FD-0E58-4D33-9F9A-FE8C76855300}" type="datetime10">
               <a:rPr lang="zh-CN" altLang="en-US" smtClean="0"/>
-              <a:t>11:15</a:t>
+              <a:t>11:41</a:t>
             </a:fld>
             <a:endParaRPr lang="zh-CN" altLang="en-US"/>
           </a:p>
@@ -34519,7 +34512,7 @@
           <a:p>
             <a:fld id="{1B3645CC-3E08-4304-93E4-2D7A955CF558}" type="datetime10">
               <a:rPr lang="zh-CN" altLang="en-US" smtClean="0"/>
-              <a:t>11:15</a:t>
+              <a:t>11:41</a:t>
             </a:fld>
             <a:endParaRPr lang="zh-CN" altLang="en-US"/>
           </a:p>
@@ -35230,7 +35223,7 @@
           <a:p>
             <a:fld id="{44F66471-6FA6-4203-9C5C-41045CCAF8CE}" type="datetime10">
               <a:rPr lang="zh-CN" altLang="en-US" smtClean="0"/>
-              <a:t>11:15</a:t>
+              <a:t>11:41</a:t>
             </a:fld>
             <a:endParaRPr lang="zh-CN" altLang="en-US"/>
           </a:p>
@@ -35922,7 +35915,7 @@
           <a:p>
             <a:fld id="{EF1B528B-2CC7-4879-984A-89097D750F87}" type="datetime10">
               <a:rPr lang="zh-CN" altLang="en-US" smtClean="0"/>
-              <a:t>11:14</a:t>
+              <a:t>11:40</a:t>
             </a:fld>
             <a:endParaRPr lang="zh-CN" altLang="en-US"/>
           </a:p>
@@ -36741,7 +36734,7 @@
           <a:p>
             <a:fld id="{225BBFCE-D1A0-48A7-B208-D8F26EEC3AC3}" type="datetime10">
               <a:rPr lang="zh-CN" altLang="en-US" smtClean="0"/>
-              <a:t>11:14</a:t>
+              <a:t>11:40</a:t>
             </a:fld>
             <a:endParaRPr lang="zh-CN" altLang="en-US"/>
           </a:p>
@@ -37526,7 +37519,7 @@
           <a:p>
             <a:fld id="{65DEFA4A-0771-4AA5-8C70-A63112250E1E}" type="datetime10">
               <a:rPr lang="zh-CN" altLang="en-US" smtClean="0"/>
-              <a:t>11:14</a:t>
+              <a:t>11:40</a:t>
             </a:fld>
             <a:endParaRPr lang="zh-CN" altLang="en-US"/>
           </a:p>
@@ -38408,7 +38401,7 @@
           <a:p>
             <a:fld id="{D970E9A2-F322-4BCB-8C96-9A745930F08D}" type="datetime10">
               <a:rPr lang="zh-CN" altLang="en-US" smtClean="0"/>
-              <a:t>11:14</a:t>
+              <a:t>11:40</a:t>
             </a:fld>
             <a:endParaRPr lang="zh-CN" altLang="en-US"/>
           </a:p>

--- a/2017/C语言课程设计/C语言课程设计.pptx
+++ b/2017/C语言课程设计/C语言课程设计.pptx
@@ -1104,12 +1104,56 @@
       </p:sp>
       <p:sp>
         <p:nvSpPr>
-          <p:cNvPr id="4" name="灯片编号占位符 3"/>
+          <p:cNvPr id="4" name="日期占位符 3"/>
           <p:cNvSpPr>
             <a:spLocks noGrp="1"/>
           </p:cNvSpPr>
           <p:nvPr>
-            <p:ph type="sldNum" sz="quarter" idx="10"/>
+            <p:ph type="dt" idx="10"/>
+          </p:nvPr>
+        </p:nvSpPr>
+        <p:spPr/>
+        <p:txBody>
+          <a:bodyPr/>
+          <a:lstStyle/>
+          <a:p>
+            <a:pPr>
+              <a:defRPr/>
+            </a:pPr>
+            <a:endParaRPr lang="en-US" altLang="zh-CN"/>
+          </a:p>
+        </p:txBody>
+      </p:sp>
+      <p:sp>
+        <p:nvSpPr>
+          <p:cNvPr id="5" name="页脚占位符 4"/>
+          <p:cNvSpPr>
+            <a:spLocks noGrp="1"/>
+          </p:cNvSpPr>
+          <p:nvPr>
+            <p:ph type="ftr" sz="quarter" idx="11"/>
+          </p:nvPr>
+        </p:nvSpPr>
+        <p:spPr/>
+        <p:txBody>
+          <a:bodyPr/>
+          <a:lstStyle/>
+          <a:p>
+            <a:pPr>
+              <a:defRPr/>
+            </a:pPr>
+            <a:endParaRPr lang="en-US" altLang="zh-CN"/>
+          </a:p>
+        </p:txBody>
+      </p:sp>
+      <p:sp>
+        <p:nvSpPr>
+          <p:cNvPr id="6" name="灯片编号占位符 5"/>
+          <p:cNvSpPr>
+            <a:spLocks noGrp="1"/>
+          </p:cNvSpPr>
+          <p:nvPr>
+            <p:ph type="sldNum" sz="quarter" idx="12"/>
           </p:nvPr>
         </p:nvSpPr>
         <p:spPr/>
@@ -1125,52 +1169,8 @@
               <a:pPr>
                 <a:defRPr/>
               </a:pPr>
-              <a:t>49</a:t>
+              <a:t>43</a:t>
             </a:fld>
-            <a:endParaRPr lang="en-US" altLang="zh-CN"/>
-          </a:p>
-        </p:txBody>
-      </p:sp>
-      <p:sp>
-        <p:nvSpPr>
-          <p:cNvPr id="5" name="日期占位符 4"/>
-          <p:cNvSpPr>
-            <a:spLocks noGrp="1"/>
-          </p:cNvSpPr>
-          <p:nvPr>
-            <p:ph type="dt" idx="11"/>
-          </p:nvPr>
-        </p:nvSpPr>
-        <p:spPr/>
-        <p:txBody>
-          <a:bodyPr/>
-          <a:lstStyle/>
-          <a:p>
-            <a:pPr>
-              <a:defRPr/>
-            </a:pPr>
-            <a:endParaRPr lang="en-US" altLang="zh-CN"/>
-          </a:p>
-        </p:txBody>
-      </p:sp>
-      <p:sp>
-        <p:nvSpPr>
-          <p:cNvPr id="6" name="页脚占位符 5"/>
-          <p:cNvSpPr>
-            <a:spLocks noGrp="1"/>
-          </p:cNvSpPr>
-          <p:nvPr>
-            <p:ph type="ftr" sz="quarter" idx="12"/>
-          </p:nvPr>
-        </p:nvSpPr>
-        <p:spPr/>
-        <p:txBody>
-          <a:bodyPr/>
-          <a:lstStyle/>
-          <a:p>
-            <a:pPr>
-              <a:defRPr/>
-            </a:pPr>
             <a:endParaRPr lang="en-US" altLang="zh-CN"/>
           </a:p>
         </p:txBody>
@@ -1178,7 +1178,7 @@
     </p:spTree>
     <p:extLst>
       <p:ext uri="{BB962C8B-B14F-4D97-AF65-F5344CB8AC3E}">
-        <p14:creationId xmlns:p14="http://schemas.microsoft.com/office/powerpoint/2010/main" val="1427708137"/>
+        <p14:creationId xmlns:p14="http://schemas.microsoft.com/office/powerpoint/2010/main" val="3824875186"/>
       </p:ext>
     </p:extLst>
   </p:cSld>
@@ -1259,7 +1259,7 @@
               <a:pPr>
                 <a:defRPr/>
               </a:pPr>
-              <a:t>56</a:t>
+              <a:t>46</a:t>
             </a:fld>
             <a:endParaRPr lang="en-US" altLang="zh-CN"/>
           </a:p>
@@ -1393,7 +1393,7 @@
               <a:pPr>
                 <a:defRPr/>
               </a:pPr>
-              <a:t>57</a:t>
+              <a:t>47</a:t>
             </a:fld>
             <a:endParaRPr lang="en-US" altLang="zh-CN"/>
           </a:p>
@@ -1527,6 +1527,542 @@
               <a:pPr>
                 <a:defRPr/>
               </a:pPr>
+              <a:t>48</a:t>
+            </a:fld>
+            <a:endParaRPr lang="en-US" altLang="zh-CN"/>
+          </a:p>
+        </p:txBody>
+      </p:sp>
+      <p:sp>
+        <p:nvSpPr>
+          <p:cNvPr id="5" name="日期占位符 4"/>
+          <p:cNvSpPr>
+            <a:spLocks noGrp="1"/>
+          </p:cNvSpPr>
+          <p:nvPr>
+            <p:ph type="dt" idx="11"/>
+          </p:nvPr>
+        </p:nvSpPr>
+        <p:spPr/>
+        <p:txBody>
+          <a:bodyPr/>
+          <a:lstStyle/>
+          <a:p>
+            <a:pPr>
+              <a:defRPr/>
+            </a:pPr>
+            <a:endParaRPr lang="en-US" altLang="zh-CN"/>
+          </a:p>
+        </p:txBody>
+      </p:sp>
+      <p:sp>
+        <p:nvSpPr>
+          <p:cNvPr id="6" name="页脚占位符 5"/>
+          <p:cNvSpPr>
+            <a:spLocks noGrp="1"/>
+          </p:cNvSpPr>
+          <p:nvPr>
+            <p:ph type="ftr" sz="quarter" idx="12"/>
+          </p:nvPr>
+        </p:nvSpPr>
+        <p:spPr/>
+        <p:txBody>
+          <a:bodyPr/>
+          <a:lstStyle/>
+          <a:p>
+            <a:pPr>
+              <a:defRPr/>
+            </a:pPr>
+            <a:endParaRPr lang="en-US" altLang="zh-CN"/>
+          </a:p>
+        </p:txBody>
+      </p:sp>
+    </p:spTree>
+    <p:extLst>
+      <p:ext uri="{BB962C8B-B14F-4D97-AF65-F5344CB8AC3E}">
+        <p14:creationId xmlns:p14="http://schemas.microsoft.com/office/powerpoint/2010/main" val="1427708137"/>
+      </p:ext>
+    </p:extLst>
+  </p:cSld>
+  <p:clrMapOvr>
+    <a:masterClrMapping/>
+  </p:clrMapOvr>
+</p:notes>
+</file>
+
+<file path=ppt/notesSlides/notesSlide14.xml><?xml version="1.0" encoding="utf-8"?>
+<p:notes xmlns:a="http://schemas.openxmlformats.org/drawingml/2006/main" xmlns:r="http://schemas.openxmlformats.org/officeDocument/2006/relationships" xmlns:p="http://schemas.openxmlformats.org/presentationml/2006/main">
+  <p:cSld>
+    <p:spTree>
+      <p:nvGrpSpPr>
+        <p:cNvPr id="1" name=""/>
+        <p:cNvGrpSpPr/>
+        <p:nvPr/>
+      </p:nvGrpSpPr>
+      <p:grpSpPr>
+        <a:xfrm>
+          <a:off x="0" y="0"/>
+          <a:ext cx="0" cy="0"/>
+          <a:chOff x="0" y="0"/>
+          <a:chExt cx="0" cy="0"/>
+        </a:xfrm>
+      </p:grpSpPr>
+      <p:sp>
+        <p:nvSpPr>
+          <p:cNvPr id="2" name="幻灯片图像占位符 1"/>
+          <p:cNvSpPr>
+            <a:spLocks noGrp="1" noRot="1" noChangeAspect="1"/>
+          </p:cNvSpPr>
+          <p:nvPr>
+            <p:ph type="sldImg"/>
+          </p:nvPr>
+        </p:nvSpPr>
+        <p:spPr/>
+      </p:sp>
+      <p:sp>
+        <p:nvSpPr>
+          <p:cNvPr id="3" name="备注占位符 2"/>
+          <p:cNvSpPr>
+            <a:spLocks noGrp="1"/>
+          </p:cNvSpPr>
+          <p:nvPr>
+            <p:ph type="body" idx="1"/>
+          </p:nvPr>
+        </p:nvSpPr>
+        <p:spPr/>
+        <p:txBody>
+          <a:bodyPr/>
+          <a:lstStyle/>
+          <a:p>
+            <a:endParaRPr lang="zh-CN" altLang="en-US" dirty="0"/>
+          </a:p>
+        </p:txBody>
+      </p:sp>
+      <p:sp>
+        <p:nvSpPr>
+          <p:cNvPr id="4" name="灯片编号占位符 3"/>
+          <p:cNvSpPr>
+            <a:spLocks noGrp="1"/>
+          </p:cNvSpPr>
+          <p:nvPr>
+            <p:ph type="sldNum" sz="quarter" idx="10"/>
+          </p:nvPr>
+        </p:nvSpPr>
+        <p:spPr/>
+        <p:txBody>
+          <a:bodyPr/>
+          <a:lstStyle/>
+          <a:p>
+            <a:pPr>
+              <a:defRPr/>
+            </a:pPr>
+            <a:fld id="{BD5CFE0F-8348-4557-AAD4-70EF289C2CF2}" type="slidenum">
+              <a:rPr lang="en-US" altLang="zh-CN" smtClean="0"/>
+              <a:pPr>
+                <a:defRPr/>
+              </a:pPr>
+              <a:t>49</a:t>
+            </a:fld>
+            <a:endParaRPr lang="en-US" altLang="zh-CN"/>
+          </a:p>
+        </p:txBody>
+      </p:sp>
+      <p:sp>
+        <p:nvSpPr>
+          <p:cNvPr id="5" name="日期占位符 4"/>
+          <p:cNvSpPr>
+            <a:spLocks noGrp="1"/>
+          </p:cNvSpPr>
+          <p:nvPr>
+            <p:ph type="dt" idx="11"/>
+          </p:nvPr>
+        </p:nvSpPr>
+        <p:spPr/>
+        <p:txBody>
+          <a:bodyPr/>
+          <a:lstStyle/>
+          <a:p>
+            <a:pPr>
+              <a:defRPr/>
+            </a:pPr>
+            <a:endParaRPr lang="en-US" altLang="zh-CN"/>
+          </a:p>
+        </p:txBody>
+      </p:sp>
+      <p:sp>
+        <p:nvSpPr>
+          <p:cNvPr id="6" name="页脚占位符 5"/>
+          <p:cNvSpPr>
+            <a:spLocks noGrp="1"/>
+          </p:cNvSpPr>
+          <p:nvPr>
+            <p:ph type="ftr" sz="quarter" idx="12"/>
+          </p:nvPr>
+        </p:nvSpPr>
+        <p:spPr/>
+        <p:txBody>
+          <a:bodyPr/>
+          <a:lstStyle/>
+          <a:p>
+            <a:pPr>
+              <a:defRPr/>
+            </a:pPr>
+            <a:endParaRPr lang="en-US" altLang="zh-CN"/>
+          </a:p>
+        </p:txBody>
+      </p:sp>
+    </p:spTree>
+    <p:extLst>
+      <p:ext uri="{BB962C8B-B14F-4D97-AF65-F5344CB8AC3E}">
+        <p14:creationId xmlns:p14="http://schemas.microsoft.com/office/powerpoint/2010/main" val="1427708137"/>
+      </p:ext>
+    </p:extLst>
+  </p:cSld>
+  <p:clrMapOvr>
+    <a:masterClrMapping/>
+  </p:clrMapOvr>
+</p:notes>
+</file>
+
+<file path=ppt/notesSlides/notesSlide15.xml><?xml version="1.0" encoding="utf-8"?>
+<p:notes xmlns:a="http://schemas.openxmlformats.org/drawingml/2006/main" xmlns:r="http://schemas.openxmlformats.org/officeDocument/2006/relationships" xmlns:p="http://schemas.openxmlformats.org/presentationml/2006/main">
+  <p:cSld>
+    <p:spTree>
+      <p:nvGrpSpPr>
+        <p:cNvPr id="1" name=""/>
+        <p:cNvGrpSpPr/>
+        <p:nvPr/>
+      </p:nvGrpSpPr>
+      <p:grpSpPr>
+        <a:xfrm>
+          <a:off x="0" y="0"/>
+          <a:ext cx="0" cy="0"/>
+          <a:chOff x="0" y="0"/>
+          <a:chExt cx="0" cy="0"/>
+        </a:xfrm>
+      </p:grpSpPr>
+      <p:sp>
+        <p:nvSpPr>
+          <p:cNvPr id="2" name="幻灯片图像占位符 1"/>
+          <p:cNvSpPr>
+            <a:spLocks noGrp="1" noRot="1" noChangeAspect="1"/>
+          </p:cNvSpPr>
+          <p:nvPr>
+            <p:ph type="sldImg"/>
+          </p:nvPr>
+        </p:nvSpPr>
+        <p:spPr/>
+      </p:sp>
+      <p:sp>
+        <p:nvSpPr>
+          <p:cNvPr id="3" name="备注占位符 2"/>
+          <p:cNvSpPr>
+            <a:spLocks noGrp="1"/>
+          </p:cNvSpPr>
+          <p:nvPr>
+            <p:ph type="body" idx="1"/>
+          </p:nvPr>
+        </p:nvSpPr>
+        <p:spPr/>
+        <p:txBody>
+          <a:bodyPr/>
+          <a:lstStyle/>
+          <a:p>
+            <a:endParaRPr lang="zh-CN" altLang="en-US" dirty="0"/>
+          </a:p>
+        </p:txBody>
+      </p:sp>
+      <p:sp>
+        <p:nvSpPr>
+          <p:cNvPr id="4" name="灯片编号占位符 3"/>
+          <p:cNvSpPr>
+            <a:spLocks noGrp="1"/>
+          </p:cNvSpPr>
+          <p:nvPr>
+            <p:ph type="sldNum" sz="quarter" idx="10"/>
+          </p:nvPr>
+        </p:nvSpPr>
+        <p:spPr/>
+        <p:txBody>
+          <a:bodyPr/>
+          <a:lstStyle/>
+          <a:p>
+            <a:pPr>
+              <a:defRPr/>
+            </a:pPr>
+            <a:fld id="{BD5CFE0F-8348-4557-AAD4-70EF289C2CF2}" type="slidenum">
+              <a:rPr lang="en-US" altLang="zh-CN" smtClean="0"/>
+              <a:pPr>
+                <a:defRPr/>
+              </a:pPr>
+              <a:t>56</a:t>
+            </a:fld>
+            <a:endParaRPr lang="en-US" altLang="zh-CN"/>
+          </a:p>
+        </p:txBody>
+      </p:sp>
+      <p:sp>
+        <p:nvSpPr>
+          <p:cNvPr id="5" name="日期占位符 4"/>
+          <p:cNvSpPr>
+            <a:spLocks noGrp="1"/>
+          </p:cNvSpPr>
+          <p:nvPr>
+            <p:ph type="dt" idx="11"/>
+          </p:nvPr>
+        </p:nvSpPr>
+        <p:spPr/>
+        <p:txBody>
+          <a:bodyPr/>
+          <a:lstStyle/>
+          <a:p>
+            <a:pPr>
+              <a:defRPr/>
+            </a:pPr>
+            <a:endParaRPr lang="en-US" altLang="zh-CN"/>
+          </a:p>
+        </p:txBody>
+      </p:sp>
+      <p:sp>
+        <p:nvSpPr>
+          <p:cNvPr id="6" name="页脚占位符 5"/>
+          <p:cNvSpPr>
+            <a:spLocks noGrp="1"/>
+          </p:cNvSpPr>
+          <p:nvPr>
+            <p:ph type="ftr" sz="quarter" idx="12"/>
+          </p:nvPr>
+        </p:nvSpPr>
+        <p:spPr/>
+        <p:txBody>
+          <a:bodyPr/>
+          <a:lstStyle/>
+          <a:p>
+            <a:pPr>
+              <a:defRPr/>
+            </a:pPr>
+            <a:endParaRPr lang="en-US" altLang="zh-CN"/>
+          </a:p>
+        </p:txBody>
+      </p:sp>
+    </p:spTree>
+    <p:extLst>
+      <p:ext uri="{BB962C8B-B14F-4D97-AF65-F5344CB8AC3E}">
+        <p14:creationId xmlns:p14="http://schemas.microsoft.com/office/powerpoint/2010/main" val="1427708137"/>
+      </p:ext>
+    </p:extLst>
+  </p:cSld>
+  <p:clrMapOvr>
+    <a:masterClrMapping/>
+  </p:clrMapOvr>
+</p:notes>
+</file>
+
+<file path=ppt/notesSlides/notesSlide16.xml><?xml version="1.0" encoding="utf-8"?>
+<p:notes xmlns:a="http://schemas.openxmlformats.org/drawingml/2006/main" xmlns:r="http://schemas.openxmlformats.org/officeDocument/2006/relationships" xmlns:p="http://schemas.openxmlformats.org/presentationml/2006/main">
+  <p:cSld>
+    <p:spTree>
+      <p:nvGrpSpPr>
+        <p:cNvPr id="1" name=""/>
+        <p:cNvGrpSpPr/>
+        <p:nvPr/>
+      </p:nvGrpSpPr>
+      <p:grpSpPr>
+        <a:xfrm>
+          <a:off x="0" y="0"/>
+          <a:ext cx="0" cy="0"/>
+          <a:chOff x="0" y="0"/>
+          <a:chExt cx="0" cy="0"/>
+        </a:xfrm>
+      </p:grpSpPr>
+      <p:sp>
+        <p:nvSpPr>
+          <p:cNvPr id="2" name="幻灯片图像占位符 1"/>
+          <p:cNvSpPr>
+            <a:spLocks noGrp="1" noRot="1" noChangeAspect="1"/>
+          </p:cNvSpPr>
+          <p:nvPr>
+            <p:ph type="sldImg"/>
+          </p:nvPr>
+        </p:nvSpPr>
+        <p:spPr/>
+      </p:sp>
+      <p:sp>
+        <p:nvSpPr>
+          <p:cNvPr id="3" name="备注占位符 2"/>
+          <p:cNvSpPr>
+            <a:spLocks noGrp="1"/>
+          </p:cNvSpPr>
+          <p:nvPr>
+            <p:ph type="body" idx="1"/>
+          </p:nvPr>
+        </p:nvSpPr>
+        <p:spPr/>
+        <p:txBody>
+          <a:bodyPr/>
+          <a:lstStyle/>
+          <a:p>
+            <a:endParaRPr lang="zh-CN" altLang="en-US" dirty="0"/>
+          </a:p>
+        </p:txBody>
+      </p:sp>
+      <p:sp>
+        <p:nvSpPr>
+          <p:cNvPr id="4" name="灯片编号占位符 3"/>
+          <p:cNvSpPr>
+            <a:spLocks noGrp="1"/>
+          </p:cNvSpPr>
+          <p:nvPr>
+            <p:ph type="sldNum" sz="quarter" idx="10"/>
+          </p:nvPr>
+        </p:nvSpPr>
+        <p:spPr/>
+        <p:txBody>
+          <a:bodyPr/>
+          <a:lstStyle/>
+          <a:p>
+            <a:pPr>
+              <a:defRPr/>
+            </a:pPr>
+            <a:fld id="{BD5CFE0F-8348-4557-AAD4-70EF289C2CF2}" type="slidenum">
+              <a:rPr lang="en-US" altLang="zh-CN" smtClean="0"/>
+              <a:pPr>
+                <a:defRPr/>
+              </a:pPr>
+              <a:t>57</a:t>
+            </a:fld>
+            <a:endParaRPr lang="en-US" altLang="zh-CN"/>
+          </a:p>
+        </p:txBody>
+      </p:sp>
+      <p:sp>
+        <p:nvSpPr>
+          <p:cNvPr id="5" name="日期占位符 4"/>
+          <p:cNvSpPr>
+            <a:spLocks noGrp="1"/>
+          </p:cNvSpPr>
+          <p:nvPr>
+            <p:ph type="dt" idx="11"/>
+          </p:nvPr>
+        </p:nvSpPr>
+        <p:spPr/>
+        <p:txBody>
+          <a:bodyPr/>
+          <a:lstStyle/>
+          <a:p>
+            <a:pPr>
+              <a:defRPr/>
+            </a:pPr>
+            <a:endParaRPr lang="en-US" altLang="zh-CN"/>
+          </a:p>
+        </p:txBody>
+      </p:sp>
+      <p:sp>
+        <p:nvSpPr>
+          <p:cNvPr id="6" name="页脚占位符 5"/>
+          <p:cNvSpPr>
+            <a:spLocks noGrp="1"/>
+          </p:cNvSpPr>
+          <p:nvPr>
+            <p:ph type="ftr" sz="quarter" idx="12"/>
+          </p:nvPr>
+        </p:nvSpPr>
+        <p:spPr/>
+        <p:txBody>
+          <a:bodyPr/>
+          <a:lstStyle/>
+          <a:p>
+            <a:pPr>
+              <a:defRPr/>
+            </a:pPr>
+            <a:endParaRPr lang="en-US" altLang="zh-CN"/>
+          </a:p>
+        </p:txBody>
+      </p:sp>
+    </p:spTree>
+    <p:extLst>
+      <p:ext uri="{BB962C8B-B14F-4D97-AF65-F5344CB8AC3E}">
+        <p14:creationId xmlns:p14="http://schemas.microsoft.com/office/powerpoint/2010/main" val="1427708137"/>
+      </p:ext>
+    </p:extLst>
+  </p:cSld>
+  <p:clrMapOvr>
+    <a:masterClrMapping/>
+  </p:clrMapOvr>
+</p:notes>
+</file>
+
+<file path=ppt/notesSlides/notesSlide17.xml><?xml version="1.0" encoding="utf-8"?>
+<p:notes xmlns:a="http://schemas.openxmlformats.org/drawingml/2006/main" xmlns:r="http://schemas.openxmlformats.org/officeDocument/2006/relationships" xmlns:p="http://schemas.openxmlformats.org/presentationml/2006/main">
+  <p:cSld>
+    <p:spTree>
+      <p:nvGrpSpPr>
+        <p:cNvPr id="1" name=""/>
+        <p:cNvGrpSpPr/>
+        <p:nvPr/>
+      </p:nvGrpSpPr>
+      <p:grpSpPr>
+        <a:xfrm>
+          <a:off x="0" y="0"/>
+          <a:ext cx="0" cy="0"/>
+          <a:chOff x="0" y="0"/>
+          <a:chExt cx="0" cy="0"/>
+        </a:xfrm>
+      </p:grpSpPr>
+      <p:sp>
+        <p:nvSpPr>
+          <p:cNvPr id="2" name="幻灯片图像占位符 1"/>
+          <p:cNvSpPr>
+            <a:spLocks noGrp="1" noRot="1" noChangeAspect="1"/>
+          </p:cNvSpPr>
+          <p:nvPr>
+            <p:ph type="sldImg"/>
+          </p:nvPr>
+        </p:nvSpPr>
+        <p:spPr/>
+      </p:sp>
+      <p:sp>
+        <p:nvSpPr>
+          <p:cNvPr id="3" name="备注占位符 2"/>
+          <p:cNvSpPr>
+            <a:spLocks noGrp="1"/>
+          </p:cNvSpPr>
+          <p:nvPr>
+            <p:ph type="body" idx="1"/>
+          </p:nvPr>
+        </p:nvSpPr>
+        <p:spPr/>
+        <p:txBody>
+          <a:bodyPr/>
+          <a:lstStyle/>
+          <a:p>
+            <a:endParaRPr lang="zh-CN" altLang="en-US" dirty="0"/>
+          </a:p>
+        </p:txBody>
+      </p:sp>
+      <p:sp>
+        <p:nvSpPr>
+          <p:cNvPr id="4" name="灯片编号占位符 3"/>
+          <p:cNvSpPr>
+            <a:spLocks noGrp="1"/>
+          </p:cNvSpPr>
+          <p:nvPr>
+            <p:ph type="sldNum" sz="quarter" idx="10"/>
+          </p:nvPr>
+        </p:nvSpPr>
+        <p:spPr/>
+        <p:txBody>
+          <a:bodyPr/>
+          <a:lstStyle/>
+          <a:p>
+            <a:pPr>
+              <a:defRPr/>
+            </a:pPr>
+            <a:fld id="{BD5CFE0F-8348-4557-AAD4-70EF289C2CF2}" type="slidenum">
+              <a:rPr lang="en-US" altLang="zh-CN" smtClean="0"/>
+              <a:pPr>
+                <a:defRPr/>
+              </a:pPr>
               <a:t>58</a:t>
             </a:fld>
             <a:endParaRPr lang="en-US" altLang="zh-CN"/>
@@ -2136,10 +2672,26 @@
           <a:lstStyle/>
           <a:p>
             <a:r>
-              <a:rPr lang="zh-CN" altLang="en-US" smtClean="0"/>
-              <a:t>无电脑学生，交手写版。或者第一次上课登记，与一位同学共用计算机，共同完成作业，交一份作业。</a:t>
-            </a:r>
-            <a:endParaRPr lang="zh-CN" altLang="en-US"/>
+              <a:rPr lang="zh-CN" altLang="en-US" dirty="0" smtClean="0"/>
+              <a:t>双击</a:t>
+            </a:r>
+            <a:r>
+              <a:rPr lang="en-US" altLang="zh-CN" dirty="0" smtClean="0"/>
+              <a:t>.</a:t>
+            </a:r>
+            <a:r>
+              <a:rPr lang="en-US" altLang="zh-CN" dirty="0" err="1" smtClean="0"/>
+              <a:t>sln</a:t>
+            </a:r>
+            <a:r>
+              <a:rPr lang="zh-CN" altLang="en-US" dirty="0" smtClean="0"/>
+              <a:t>文件，打开</a:t>
+            </a:r>
+            <a:r>
+              <a:rPr lang="en-US" altLang="zh-CN" dirty="0" smtClean="0"/>
+              <a:t>vs2013</a:t>
+            </a:r>
+            <a:endParaRPr lang="zh-CN" altLang="en-US" dirty="0"/>
           </a:p>
         </p:txBody>
       </p:sp>
@@ -2210,7 +2762,7 @@
               <a:pPr>
                 <a:defRPr/>
               </a:pPr>
-              <a:t>32</a:t>
+              <a:t>26</a:t>
             </a:fld>
             <a:endParaRPr lang="en-US" altLang="zh-CN"/>
           </a:p>
@@ -2219,7 +2771,7 @@
     </p:spTree>
     <p:extLst>
       <p:ext uri="{BB962C8B-B14F-4D97-AF65-F5344CB8AC3E}">
-        <p14:creationId xmlns:p14="http://schemas.microsoft.com/office/powerpoint/2010/main" val="3143887016"/>
+        <p14:creationId xmlns:p14="http://schemas.microsoft.com/office/powerpoint/2010/main" val="965728141"/>
       </p:ext>
     </p:extLst>
   </p:cSld>
@@ -2274,34 +2826,10 @@
           <a:lstStyle/>
           <a:p>
             <a:r>
-              <a:rPr lang="en-US" altLang="zh-CN" sz="1200" b="1" dirty="0" smtClean="0"/>
-              <a:t> 1</a:t>
-            </a:r>
-            <a:r>
-              <a:rPr lang="zh-CN" altLang="en-US" sz="1200" b="1" dirty="0" smtClean="0"/>
-              <a:t>层以上，一定时间无动作，自动下降到</a:t>
-            </a:r>
-            <a:r>
-              <a:rPr lang="en-US" altLang="zh-CN" sz="1200" b="1" dirty="0" smtClean="0"/>
-              <a:t>1</a:t>
-            </a:r>
-            <a:r>
-              <a:rPr lang="zh-CN" altLang="en-US" sz="1200" b="1" dirty="0" smtClean="0"/>
-              <a:t>楼。</a:t>
-            </a:r>
-            <a:r>
-              <a:rPr lang="en-US" altLang="zh-CN" sz="1200" b="1" dirty="0" smtClean="0"/>
-              <a:t>AutoTo1Floor();[</a:t>
-            </a:r>
-            <a:r>
-              <a:rPr lang="zh-CN" altLang="en-US" sz="1200" b="1" dirty="0" smtClean="0"/>
-              <a:t>其它状态，取消此功能，</a:t>
-            </a:r>
-            <a:r>
-              <a:rPr lang="en-US" altLang="zh-CN" sz="1200" b="1" dirty="0" smtClean="0"/>
-              <a:t>CancelTo1Floor()]</a:t>
-            </a:r>
-            <a:endParaRPr lang="zh-CN" altLang="en-US" dirty="0"/>
+              <a:rPr lang="zh-CN" altLang="en-US" smtClean="0"/>
+              <a:t>无电脑学生，交手写版。或者第一次上课登记，与一位同学共用计算机，共同完成作业，交一份作业。</a:t>
+            </a:r>
+            <a:endParaRPr lang="zh-CN" altLang="en-US"/>
           </a:p>
         </p:txBody>
       </p:sp>
@@ -2372,7 +2900,7 @@
               <a:pPr>
                 <a:defRPr/>
               </a:pPr>
-              <a:t>36</a:t>
+              <a:t>32</a:t>
             </a:fld>
             <a:endParaRPr lang="en-US" altLang="zh-CN"/>
           </a:p>
@@ -2381,7 +2909,7 @@
     </p:spTree>
     <p:extLst>
       <p:ext uri="{BB962C8B-B14F-4D97-AF65-F5344CB8AC3E}">
-        <p14:creationId xmlns:p14="http://schemas.microsoft.com/office/powerpoint/2010/main" val="50609055"/>
+        <p14:creationId xmlns:p14="http://schemas.microsoft.com/office/powerpoint/2010/main" val="3143887016"/>
       </p:ext>
     </p:extLst>
   </p:cSld>
@@ -2435,18 +2963,94 @@
           <a:bodyPr/>
           <a:lstStyle/>
           <a:p>
+            <a:r>
+              <a:rPr lang="zh-CN" altLang="en-US" sz="1200" b="1" dirty="0" smtClean="0"/>
+              <a:t>关闭本层门外</a:t>
+            </a:r>
+            <a:r>
+              <a:rPr lang="en-US" altLang="zh-CN" sz="1200" b="1" dirty="0" smtClean="0"/>
+              <a:t>up</a:t>
+            </a:r>
+            <a:r>
+              <a:rPr lang="zh-CN" altLang="en-US" sz="1200" b="1" dirty="0" smtClean="0"/>
+              <a:t>按钮，</a:t>
+            </a:r>
+            <a:r>
+              <a:rPr lang="en-US" altLang="zh-CN" sz="1200" b="1" dirty="0" err="1" smtClean="0"/>
+              <a:t>SetCallLight</a:t>
+            </a:r>
+            <a:r>
+              <a:rPr lang="en-US" altLang="zh-CN" sz="1200" b="1" dirty="0" smtClean="0"/>
+              <a:t>(); </a:t>
+            </a:r>
+            <a:r>
+              <a:rPr lang="zh-CN" altLang="en-US" sz="1200" b="1" dirty="0" smtClean="0"/>
+              <a:t>即消费门外</a:t>
+            </a:r>
+            <a:r>
+              <a:rPr lang="en-US" altLang="zh-CN" sz="1200" b="1" dirty="0" smtClean="0"/>
+              <a:t>up</a:t>
+            </a:r>
+            <a:r>
+              <a:rPr lang="zh-CN" altLang="en-US" sz="1200" b="1" dirty="0" smtClean="0"/>
+              <a:t>按钮，防止下一周期重复处理此按钮行为。</a:t>
+            </a:r>
             <a:endParaRPr lang="zh-CN" altLang="en-US" dirty="0"/>
           </a:p>
         </p:txBody>
       </p:sp>
       <p:sp>
         <p:nvSpPr>
-          <p:cNvPr id="4" name="灯片编号占位符 3"/>
+          <p:cNvPr id="4" name="日期占位符 3"/>
           <p:cNvSpPr>
             <a:spLocks noGrp="1"/>
           </p:cNvSpPr>
           <p:nvPr>
-            <p:ph type="sldNum" sz="quarter" idx="10"/>
+            <p:ph type="dt" idx="10"/>
+          </p:nvPr>
+        </p:nvSpPr>
+        <p:spPr/>
+        <p:txBody>
+          <a:bodyPr/>
+          <a:lstStyle/>
+          <a:p>
+            <a:pPr>
+              <a:defRPr/>
+            </a:pPr>
+            <a:endParaRPr lang="en-US" altLang="zh-CN"/>
+          </a:p>
+        </p:txBody>
+      </p:sp>
+      <p:sp>
+        <p:nvSpPr>
+          <p:cNvPr id="5" name="页脚占位符 4"/>
+          <p:cNvSpPr>
+            <a:spLocks noGrp="1"/>
+          </p:cNvSpPr>
+          <p:nvPr>
+            <p:ph type="ftr" sz="quarter" idx="11"/>
+          </p:nvPr>
+        </p:nvSpPr>
+        <p:spPr/>
+        <p:txBody>
+          <a:bodyPr/>
+          <a:lstStyle/>
+          <a:p>
+            <a:pPr>
+              <a:defRPr/>
+            </a:pPr>
+            <a:endParaRPr lang="en-US" altLang="zh-CN"/>
+          </a:p>
+        </p:txBody>
+      </p:sp>
+      <p:sp>
+        <p:nvSpPr>
+          <p:cNvPr id="6" name="灯片编号占位符 5"/>
+          <p:cNvSpPr>
+            <a:spLocks noGrp="1"/>
+          </p:cNvSpPr>
+          <p:nvPr>
+            <p:ph type="sldNum" sz="quarter" idx="12"/>
           </p:nvPr>
         </p:nvSpPr>
         <p:spPr/>
@@ -2462,52 +3066,8 @@
               <a:pPr>
                 <a:defRPr/>
               </a:pPr>
-              <a:t>46</a:t>
+              <a:t>35</a:t>
             </a:fld>
-            <a:endParaRPr lang="en-US" altLang="zh-CN"/>
-          </a:p>
-        </p:txBody>
-      </p:sp>
-      <p:sp>
-        <p:nvSpPr>
-          <p:cNvPr id="5" name="日期占位符 4"/>
-          <p:cNvSpPr>
-            <a:spLocks noGrp="1"/>
-          </p:cNvSpPr>
-          <p:nvPr>
-            <p:ph type="dt" idx="11"/>
-          </p:nvPr>
-        </p:nvSpPr>
-        <p:spPr/>
-        <p:txBody>
-          <a:bodyPr/>
-          <a:lstStyle/>
-          <a:p>
-            <a:pPr>
-              <a:defRPr/>
-            </a:pPr>
-            <a:endParaRPr lang="en-US" altLang="zh-CN"/>
-          </a:p>
-        </p:txBody>
-      </p:sp>
-      <p:sp>
-        <p:nvSpPr>
-          <p:cNvPr id="6" name="页脚占位符 5"/>
-          <p:cNvSpPr>
-            <a:spLocks noGrp="1"/>
-          </p:cNvSpPr>
-          <p:nvPr>
-            <p:ph type="ftr" sz="quarter" idx="12"/>
-          </p:nvPr>
-        </p:nvSpPr>
-        <p:spPr/>
-        <p:txBody>
-          <a:bodyPr/>
-          <a:lstStyle/>
-          <a:p>
-            <a:pPr>
-              <a:defRPr/>
-            </a:pPr>
             <a:endParaRPr lang="en-US" altLang="zh-CN"/>
           </a:p>
         </p:txBody>
@@ -2515,7 +3075,7 @@
     </p:spTree>
     <p:extLst>
       <p:ext uri="{BB962C8B-B14F-4D97-AF65-F5344CB8AC3E}">
-        <p14:creationId xmlns:p14="http://schemas.microsoft.com/office/powerpoint/2010/main" val="1427708137"/>
+        <p14:creationId xmlns:p14="http://schemas.microsoft.com/office/powerpoint/2010/main" val="1079216269"/>
       </p:ext>
     </p:extLst>
   </p:cSld>
@@ -2569,18 +3129,90 @@
           <a:bodyPr/>
           <a:lstStyle/>
           <a:p>
+            <a:r>
+              <a:rPr lang="en-US" altLang="zh-CN" sz="1200" b="1" dirty="0" smtClean="0"/>
+              <a:t> 1</a:t>
+            </a:r>
+            <a:r>
+              <a:rPr lang="zh-CN" altLang="en-US" sz="1200" b="1" dirty="0" smtClean="0"/>
+              <a:t>层以上，一定时间无动作，自动下降到</a:t>
+            </a:r>
+            <a:r>
+              <a:rPr lang="en-US" altLang="zh-CN" sz="1200" b="1" dirty="0" smtClean="0"/>
+              <a:t>1</a:t>
+            </a:r>
+            <a:r>
+              <a:rPr lang="zh-CN" altLang="en-US" sz="1200" b="1" dirty="0" smtClean="0"/>
+              <a:t>楼。</a:t>
+            </a:r>
+            <a:r>
+              <a:rPr lang="en-US" altLang="zh-CN" sz="1200" b="1" dirty="0" smtClean="0"/>
+              <a:t>AutoTo1Floor();[</a:t>
+            </a:r>
+            <a:r>
+              <a:rPr lang="zh-CN" altLang="en-US" sz="1200" b="1" dirty="0" smtClean="0"/>
+              <a:t>其它状态，取消此功能，</a:t>
+            </a:r>
+            <a:r>
+              <a:rPr lang="en-US" altLang="zh-CN" sz="1200" b="1" dirty="0" smtClean="0"/>
+              <a:t>CancelTo1Floor()]</a:t>
+            </a:r>
             <a:endParaRPr lang="zh-CN" altLang="en-US" dirty="0"/>
           </a:p>
         </p:txBody>
       </p:sp>
       <p:sp>
         <p:nvSpPr>
-          <p:cNvPr id="4" name="灯片编号占位符 3"/>
+          <p:cNvPr id="4" name="日期占位符 3"/>
           <p:cNvSpPr>
             <a:spLocks noGrp="1"/>
           </p:cNvSpPr>
           <p:nvPr>
-            <p:ph type="sldNum" sz="quarter" idx="10"/>
+            <p:ph type="dt" idx="10"/>
+          </p:nvPr>
+        </p:nvSpPr>
+        <p:spPr/>
+        <p:txBody>
+          <a:bodyPr/>
+          <a:lstStyle/>
+          <a:p>
+            <a:pPr>
+              <a:defRPr/>
+            </a:pPr>
+            <a:endParaRPr lang="en-US" altLang="zh-CN"/>
+          </a:p>
+        </p:txBody>
+      </p:sp>
+      <p:sp>
+        <p:nvSpPr>
+          <p:cNvPr id="5" name="页脚占位符 4"/>
+          <p:cNvSpPr>
+            <a:spLocks noGrp="1"/>
+          </p:cNvSpPr>
+          <p:nvPr>
+            <p:ph type="ftr" sz="quarter" idx="11"/>
+          </p:nvPr>
+        </p:nvSpPr>
+        <p:spPr/>
+        <p:txBody>
+          <a:bodyPr/>
+          <a:lstStyle/>
+          <a:p>
+            <a:pPr>
+              <a:defRPr/>
+            </a:pPr>
+            <a:endParaRPr lang="en-US" altLang="zh-CN"/>
+          </a:p>
+        </p:txBody>
+      </p:sp>
+      <p:sp>
+        <p:nvSpPr>
+          <p:cNvPr id="6" name="灯片编号占位符 5"/>
+          <p:cNvSpPr>
+            <a:spLocks noGrp="1"/>
+          </p:cNvSpPr>
+          <p:nvPr>
+            <p:ph type="sldNum" sz="quarter" idx="12"/>
           </p:nvPr>
         </p:nvSpPr>
         <p:spPr/>
@@ -2596,52 +3228,8 @@
               <a:pPr>
                 <a:defRPr/>
               </a:pPr>
-              <a:t>47</a:t>
+              <a:t>36</a:t>
             </a:fld>
-            <a:endParaRPr lang="en-US" altLang="zh-CN"/>
-          </a:p>
-        </p:txBody>
-      </p:sp>
-      <p:sp>
-        <p:nvSpPr>
-          <p:cNvPr id="5" name="日期占位符 4"/>
-          <p:cNvSpPr>
-            <a:spLocks noGrp="1"/>
-          </p:cNvSpPr>
-          <p:nvPr>
-            <p:ph type="dt" idx="11"/>
-          </p:nvPr>
-        </p:nvSpPr>
-        <p:spPr/>
-        <p:txBody>
-          <a:bodyPr/>
-          <a:lstStyle/>
-          <a:p>
-            <a:pPr>
-              <a:defRPr/>
-            </a:pPr>
-            <a:endParaRPr lang="en-US" altLang="zh-CN"/>
-          </a:p>
-        </p:txBody>
-      </p:sp>
-      <p:sp>
-        <p:nvSpPr>
-          <p:cNvPr id="6" name="页脚占位符 5"/>
-          <p:cNvSpPr>
-            <a:spLocks noGrp="1"/>
-          </p:cNvSpPr>
-          <p:nvPr>
-            <p:ph type="ftr" sz="quarter" idx="12"/>
-          </p:nvPr>
-        </p:nvSpPr>
-        <p:spPr/>
-        <p:txBody>
-          <a:bodyPr/>
-          <a:lstStyle/>
-          <a:p>
-            <a:pPr>
-              <a:defRPr/>
-            </a:pPr>
             <a:endParaRPr lang="en-US" altLang="zh-CN"/>
           </a:p>
         </p:txBody>
@@ -2649,7 +3237,7 @@
     </p:spTree>
     <p:extLst>
       <p:ext uri="{BB962C8B-B14F-4D97-AF65-F5344CB8AC3E}">
-        <p14:creationId xmlns:p14="http://schemas.microsoft.com/office/powerpoint/2010/main" val="1427708137"/>
+        <p14:creationId xmlns:p14="http://schemas.microsoft.com/office/powerpoint/2010/main" val="50609055"/>
       </p:ext>
     </p:extLst>
   </p:cSld>
@@ -2709,12 +3297,56 @@
       </p:sp>
       <p:sp>
         <p:nvSpPr>
-          <p:cNvPr id="4" name="灯片编号占位符 3"/>
+          <p:cNvPr id="4" name="日期占位符 3"/>
           <p:cNvSpPr>
             <a:spLocks noGrp="1"/>
           </p:cNvSpPr>
           <p:nvPr>
-            <p:ph type="sldNum" sz="quarter" idx="10"/>
+            <p:ph type="dt" idx="10"/>
+          </p:nvPr>
+        </p:nvSpPr>
+        <p:spPr/>
+        <p:txBody>
+          <a:bodyPr/>
+          <a:lstStyle/>
+          <a:p>
+            <a:pPr>
+              <a:defRPr/>
+            </a:pPr>
+            <a:endParaRPr lang="en-US" altLang="zh-CN"/>
+          </a:p>
+        </p:txBody>
+      </p:sp>
+      <p:sp>
+        <p:nvSpPr>
+          <p:cNvPr id="5" name="页脚占位符 4"/>
+          <p:cNvSpPr>
+            <a:spLocks noGrp="1"/>
+          </p:cNvSpPr>
+          <p:nvPr>
+            <p:ph type="ftr" sz="quarter" idx="11"/>
+          </p:nvPr>
+        </p:nvSpPr>
+        <p:spPr/>
+        <p:txBody>
+          <a:bodyPr/>
+          <a:lstStyle/>
+          <a:p>
+            <a:pPr>
+              <a:defRPr/>
+            </a:pPr>
+            <a:endParaRPr lang="en-US" altLang="zh-CN"/>
+          </a:p>
+        </p:txBody>
+      </p:sp>
+      <p:sp>
+        <p:nvSpPr>
+          <p:cNvPr id="6" name="灯片编号占位符 5"/>
+          <p:cNvSpPr>
+            <a:spLocks noGrp="1"/>
+          </p:cNvSpPr>
+          <p:nvPr>
+            <p:ph type="sldNum" sz="quarter" idx="12"/>
           </p:nvPr>
         </p:nvSpPr>
         <p:spPr/>
@@ -2730,52 +3362,8 @@
               <a:pPr>
                 <a:defRPr/>
               </a:pPr>
-              <a:t>48</a:t>
+              <a:t>37</a:t>
             </a:fld>
-            <a:endParaRPr lang="en-US" altLang="zh-CN"/>
-          </a:p>
-        </p:txBody>
-      </p:sp>
-      <p:sp>
-        <p:nvSpPr>
-          <p:cNvPr id="5" name="日期占位符 4"/>
-          <p:cNvSpPr>
-            <a:spLocks noGrp="1"/>
-          </p:cNvSpPr>
-          <p:nvPr>
-            <p:ph type="dt" idx="11"/>
-          </p:nvPr>
-        </p:nvSpPr>
-        <p:spPr/>
-        <p:txBody>
-          <a:bodyPr/>
-          <a:lstStyle/>
-          <a:p>
-            <a:pPr>
-              <a:defRPr/>
-            </a:pPr>
-            <a:endParaRPr lang="en-US" altLang="zh-CN"/>
-          </a:p>
-        </p:txBody>
-      </p:sp>
-      <p:sp>
-        <p:nvSpPr>
-          <p:cNvPr id="6" name="页脚占位符 5"/>
-          <p:cNvSpPr>
-            <a:spLocks noGrp="1"/>
-          </p:cNvSpPr>
-          <p:nvPr>
-            <p:ph type="ftr" sz="quarter" idx="12"/>
-          </p:nvPr>
-        </p:nvSpPr>
-        <p:spPr/>
-        <p:txBody>
-          <a:bodyPr/>
-          <a:lstStyle/>
-          <a:p>
-            <a:pPr>
-              <a:defRPr/>
-            </a:pPr>
             <a:endParaRPr lang="en-US" altLang="zh-CN"/>
           </a:p>
         </p:txBody>
@@ -2783,7 +3371,7 @@
     </p:spTree>
     <p:extLst>
       <p:ext uri="{BB962C8B-B14F-4D97-AF65-F5344CB8AC3E}">
-        <p14:creationId xmlns:p14="http://schemas.microsoft.com/office/powerpoint/2010/main" val="1427708137"/>
+        <p14:creationId xmlns:p14="http://schemas.microsoft.com/office/powerpoint/2010/main" val="363528575"/>
       </p:ext>
     </p:extLst>
   </p:cSld>
@@ -3072,7 +3660,7 @@
           <a:p>
             <a:fld id="{9B897E2D-957B-4D9D-A0C2-5B7D912FC07C}" type="datetime10">
               <a:rPr lang="zh-CN" altLang="en-US" smtClean="0"/>
-              <a:t>11:40</a:t>
+              <a:t>09:05</a:t>
             </a:fld>
             <a:endParaRPr lang="zh-CN" altLang="en-US"/>
           </a:p>
@@ -3285,7 +3873,7 @@
           <a:p>
             <a:fld id="{FEB5EFE7-A783-4554-B77F-DF14040FF23C}" type="datetime10">
               <a:rPr lang="zh-CN" altLang="en-US" smtClean="0"/>
-              <a:t>11:40</a:t>
+              <a:t>09:05</a:t>
             </a:fld>
             <a:endParaRPr lang="zh-CN" altLang="en-US"/>
           </a:p>
@@ -3595,7 +4183,7 @@
           <a:p>
             <a:fld id="{FAE39FCF-E57F-4C7B-8DA8-2F4FAAA6797D}" type="datetime10">
               <a:rPr lang="zh-CN" altLang="en-US" smtClean="0"/>
-              <a:t>11:40</a:t>
+              <a:t>09:05</a:t>
             </a:fld>
             <a:endParaRPr lang="zh-CN" altLang="en-US"/>
           </a:p>
@@ -3770,7 +4358,7 @@
           <a:p>
             <a:fld id="{027287E7-C195-4956-AB5F-C5E4FB6E648D}" type="datetime10">
               <a:rPr lang="zh-CN" altLang="en-US" smtClean="0"/>
-              <a:t>11:40</a:t>
+              <a:t>09:05</a:t>
             </a:fld>
             <a:endParaRPr lang="zh-CN" altLang="en-US"/>
           </a:p>
@@ -3894,7 +4482,7 @@
           <a:p>
             <a:fld id="{2BC22A67-3ECF-487E-A853-13104F322C26}" type="datetime10">
               <a:rPr lang="zh-CN" altLang="en-US" smtClean="0"/>
-              <a:t>11:40</a:t>
+              <a:t>09:05</a:t>
             </a:fld>
             <a:endParaRPr lang="zh-CN" altLang="en-US"/>
           </a:p>
@@ -4355,7 +4943,7 @@
           <a:p>
             <a:fld id="{CDF13AE3-D21E-49E3-A634-69B00BCC8341}" type="datetime10">
               <a:rPr lang="zh-CN" altLang="en-US" smtClean="0"/>
-              <a:t>11:40</a:t>
+              <a:t>09:05</a:t>
             </a:fld>
             <a:endParaRPr lang="zh-CN" altLang="en-US"/>
           </a:p>
@@ -5886,7 +6474,7 @@
           <a:p>
             <a:fld id="{D4B924C2-6AF3-4CA9-B4C1-E65BE2C5A8D2}" type="datetime10">
               <a:rPr lang="zh-CN" altLang="en-US" smtClean="0"/>
-              <a:t>11:40</a:t>
+              <a:t>09:05</a:t>
             </a:fld>
             <a:endParaRPr lang="zh-CN" altLang="en-US"/>
           </a:p>
@@ -6136,7 +6724,7 @@
           <a:p>
             <a:fld id="{1DF8ECE8-2F79-442C-B009-BF24F53FEA95}" type="datetime10">
               <a:rPr lang="zh-CN" altLang="en-US" smtClean="0"/>
-              <a:t>11:40</a:t>
+              <a:t>09:05</a:t>
             </a:fld>
             <a:endParaRPr lang="zh-CN" altLang="en-US"/>
           </a:p>
@@ -6536,7 +7124,7 @@
           <a:p>
             <a:fld id="{BD558A68-2CCC-49FA-A58C-536E17F3B137}" type="datetime10">
               <a:rPr lang="zh-CN" altLang="en-US" smtClean="0"/>
-              <a:t>11:40</a:t>
+              <a:t>09:05</a:t>
             </a:fld>
             <a:endParaRPr lang="zh-CN" altLang="en-US"/>
           </a:p>
@@ -6936,7 +7524,7 @@
           <a:p>
             <a:fld id="{1901CB65-9D5A-4CA6-98E1-6B263BA07C5F}" type="datetime10">
               <a:rPr lang="zh-CN" altLang="en-US" smtClean="0"/>
-              <a:t>11:40</a:t>
+              <a:t>09:05</a:t>
             </a:fld>
             <a:endParaRPr lang="zh-CN" altLang="en-US"/>
           </a:p>
@@ -7843,7 +8431,7 @@
           <a:p>
             <a:fld id="{C503C4C8-8C25-4B5F-9CBC-FB43B2AE1AF3}" type="datetime10">
               <a:rPr lang="zh-CN" altLang="en-US" smtClean="0"/>
-              <a:t>11:40</a:t>
+              <a:t>09:05</a:t>
             </a:fld>
             <a:endParaRPr lang="zh-CN" altLang="en-US"/>
           </a:p>
@@ -8734,7 +9322,7 @@
           <a:p>
             <a:fld id="{E94650C5-04D2-4978-9CD7-FA728BF25977}" type="datetime10">
               <a:rPr lang="zh-CN" altLang="en-US" smtClean="0"/>
-              <a:t>11:40</a:t>
+              <a:t>09:05</a:t>
             </a:fld>
             <a:endParaRPr lang="zh-CN" altLang="en-US"/>
           </a:p>
@@ -9595,7 +10183,7 @@
           <a:p>
             <a:fld id="{57A94393-DCF7-403D-A87F-F244F11AA608}" type="datetime10">
               <a:rPr lang="zh-CN" altLang="en-US" smtClean="0"/>
-              <a:t>11:40</a:t>
+              <a:t>09:05</a:t>
             </a:fld>
             <a:endParaRPr lang="zh-CN" altLang="en-US"/>
           </a:p>
@@ -9952,7 +10540,7 @@
           <a:p>
             <a:fld id="{6606D06D-BD90-4ECE-83BA-BFB60DA6A5BE}" type="datetime10">
               <a:rPr lang="zh-CN" altLang="en-US" smtClean="0"/>
-              <a:t>11:40</a:t>
+              <a:t>09:05</a:t>
             </a:fld>
             <a:endParaRPr lang="zh-CN" altLang="en-US"/>
           </a:p>
@@ -10477,7 +11065,7 @@
           <a:p>
             <a:fld id="{EB5ADC9E-F51B-47BE-99D3-DA62903491B0}" type="datetime10">
               <a:rPr lang="zh-CN" altLang="en-US" smtClean="0"/>
-              <a:t>11:40</a:t>
+              <a:t>09:05</a:t>
             </a:fld>
             <a:endParaRPr lang="zh-CN" altLang="en-US"/>
           </a:p>
@@ -11270,7 +11858,7 @@
           <a:p>
             <a:fld id="{5B15ED53-32A7-4FF4-BF75-7A0619B23433}" type="datetime10">
               <a:rPr lang="zh-CN" altLang="en-US" smtClean="0"/>
-              <a:t>11:40</a:t>
+              <a:t>09:05</a:t>
             </a:fld>
             <a:endParaRPr lang="zh-CN" altLang="en-US"/>
           </a:p>
@@ -11513,7 +12101,7 @@
           <a:p>
             <a:fld id="{2C1DB555-715E-4CC2-8236-9766A92FC189}" type="datetime10">
               <a:rPr lang="zh-CN" altLang="en-US" smtClean="0"/>
-              <a:t>11:40</a:t>
+              <a:t>09:05</a:t>
             </a:fld>
             <a:endParaRPr lang="zh-CN" altLang="en-US"/>
           </a:p>
@@ -11997,7 +12585,7 @@
           <a:p>
             <a:fld id="{E2546516-918C-4B93-8C28-8B85FDF9AEFB}" type="datetime10">
               <a:rPr lang="zh-CN" altLang="en-US" smtClean="0"/>
-              <a:t>11:40</a:t>
+              <a:t>09:05</a:t>
             </a:fld>
             <a:endParaRPr lang="zh-CN" altLang="en-US"/>
           </a:p>
@@ -13082,7 +13670,7 @@
           <a:p>
             <a:fld id="{9E518833-6C06-484D-8281-4FEA42096733}" type="datetime10">
               <a:rPr lang="zh-CN" altLang="en-US" smtClean="0"/>
-              <a:t>11:40</a:t>
+              <a:t>09:05</a:t>
             </a:fld>
             <a:endParaRPr lang="zh-CN" altLang="en-US"/>
           </a:p>
@@ -13302,7 +13890,7 @@
           <a:p>
             <a:fld id="{80F8C20A-6B4D-4497-8FEB-052C47EB3E84}" type="datetime10">
               <a:rPr lang="zh-CN" altLang="en-US" smtClean="0"/>
-              <a:t>11:40</a:t>
+              <a:t>09:05</a:t>
             </a:fld>
             <a:endParaRPr lang="zh-CN" altLang="en-US"/>
           </a:p>
@@ -13524,7 +14112,7 @@
           <a:p>
             <a:fld id="{27B67446-34F8-4747-A347-013A8B8DA8E4}" type="datetime10">
               <a:rPr lang="zh-CN" altLang="en-US" smtClean="0"/>
-              <a:t>11:40</a:t>
+              <a:t>09:05</a:t>
             </a:fld>
             <a:endParaRPr lang="zh-CN" altLang="en-US"/>
           </a:p>
@@ -14681,7 +15269,7 @@
           <a:p>
             <a:fld id="{E56CF979-7C5D-4B42-A02B-605B7DC1861E}" type="datetime10">
               <a:rPr lang="zh-CN" altLang="en-US" smtClean="0"/>
-              <a:t>11:40</a:t>
+              <a:t>09:05</a:t>
             </a:fld>
             <a:endParaRPr lang="zh-CN" altLang="en-US"/>
           </a:p>
@@ -14903,7 +15491,7 @@
           <a:p>
             <a:fld id="{5F37A737-29F8-4039-87B5-EF61464426AE}" type="datetime10">
               <a:rPr lang="zh-CN" altLang="en-US" smtClean="0"/>
-              <a:t>11:40</a:t>
+              <a:t>09:05</a:t>
             </a:fld>
             <a:endParaRPr lang="zh-CN" altLang="en-US"/>
           </a:p>
@@ -15003,7 +15591,7 @@
         <p:spPr>
           <a:xfrm>
             <a:off x="157126" y="836712"/>
-            <a:ext cx="4228510" cy="4247317"/>
+            <a:ext cx="4228510" cy="4662815"/>
           </a:xfrm>
           <a:prstGeom prst="rect">
             <a:avLst/>
@@ -15043,6 +15631,19 @@
               <a:rPr lang="en-US" altLang="zh-CN" dirty="0" smtClean="0"/>
               <a:t>Garage_mfc.sln</a:t>
             </a:r>
+            <a:r>
+              <a:rPr lang="zh-CN" altLang="en-US" dirty="0" smtClean="0"/>
+              <a:t>（双击按文件，打开</a:t>
+            </a:r>
+            <a:r>
+              <a:rPr lang="en-US" altLang="zh-CN" dirty="0" smtClean="0"/>
+              <a:t>VS2013</a:t>
+            </a:r>
+            <a:r>
+              <a:rPr lang="zh-CN" altLang="en-US" dirty="0" smtClean="0"/>
+              <a:t>）</a:t>
+            </a:r>
+            <a:endParaRPr lang="en-US" altLang="zh-CN" dirty="0" smtClean="0"/>
           </a:p>
           <a:p>
             <a:pPr marL="285750" indent="-285750">
@@ -15190,7 +15791,7 @@
           <p:nvPr/>
         </p:nvPicPr>
         <p:blipFill>
-          <a:blip r:embed="rId2">
+          <a:blip r:embed="rId3">
             <a:extLst>
               <a:ext uri="{28A0092B-C50C-407E-A947-70E740481C1C}">
                 <a14:useLocalDpi xmlns:a14="http://schemas.microsoft.com/office/drawing/2010/main" val="0"/>
@@ -15312,7 +15913,7 @@
           <a:p>
             <a:fld id="{8D1F04B0-10ED-43F8-837A-0961035CB7FD}" type="datetime10">
               <a:rPr lang="zh-CN" altLang="en-US" smtClean="0"/>
-              <a:t>11:40</a:t>
+              <a:t>09:05</a:t>
             </a:fld>
             <a:endParaRPr lang="zh-CN" altLang="en-US"/>
           </a:p>
@@ -15678,7 +16279,7 @@
           <a:p>
             <a:fld id="{B87535FB-A371-4F35-9B28-911E89E9053A}" type="datetime10">
               <a:rPr lang="zh-CN" altLang="en-US" smtClean="0"/>
-              <a:t>11:40</a:t>
+              <a:t>09:05</a:t>
             </a:fld>
             <a:endParaRPr lang="zh-CN" altLang="en-US"/>
           </a:p>
@@ -15989,7 +16590,7 @@
           <a:p>
             <a:fld id="{806108C5-AE88-47AA-BB8B-5FD69F4B1CCD}" type="datetime10">
               <a:rPr lang="zh-CN" altLang="en-US" smtClean="0"/>
-              <a:t>11:40</a:t>
+              <a:t>09:05</a:t>
             </a:fld>
             <a:endParaRPr lang="zh-CN" altLang="en-US"/>
           </a:p>
@@ -16195,7 +16796,7 @@
             </a:r>
             <a:r>
               <a:rPr lang="zh-CN" altLang="en-US" dirty="0" smtClean="0"/>
-              <a:t>说明    </a:t>
+              <a:t>说明；</a:t>
             </a:r>
             <a:r>
               <a:rPr lang="en-US" altLang="zh-CN" dirty="0" smtClean="0"/>
@@ -16257,17 +16858,41 @@
             </a:r>
             <a:r>
               <a:rPr lang="en-US" altLang="zh-CN" dirty="0" smtClean="0"/>
-              <a:t>  elevator.cpp </a:t>
+              <a:t> </a:t>
             </a:r>
             <a:r>
               <a:rPr lang="zh-CN" altLang="en-US" dirty="0" smtClean="0"/>
+              <a:t>；</a:t>
+            </a:r>
+            <a:r>
+              <a:rPr lang="en-US" altLang="zh-CN" dirty="0" smtClean="0">
+                <a:solidFill>
+                  <a:srgbClr val="FF0000"/>
+                </a:solidFill>
+              </a:rPr>
+              <a:t>elevator.cpp </a:t>
+            </a:r>
+            <a:r>
+              <a:rPr lang="zh-CN" altLang="en-US" dirty="0" smtClean="0">
+                <a:solidFill>
+                  <a:srgbClr val="FF0000"/>
+                </a:solidFill>
+              </a:rPr>
               <a:t>状态机</a:t>
             </a:r>
             <a:r>
-              <a:rPr lang="zh-CN" altLang="en-US" dirty="0"/>
-              <a:t>代码</a:t>
-            </a:r>
-            <a:endParaRPr lang="en-US" altLang="zh-CN" dirty="0"/>
+              <a:rPr lang="zh-CN" altLang="en-US" dirty="0" smtClean="0">
+                <a:solidFill>
+                  <a:srgbClr val="FF0000"/>
+                </a:solidFill>
+              </a:rPr>
+              <a:t>代码（填空完成编码）</a:t>
+            </a:r>
+            <a:endParaRPr lang="en-US" altLang="zh-CN" dirty="0">
+              <a:solidFill>
+                <a:srgbClr val="FF0000"/>
+              </a:solidFill>
+            </a:endParaRPr>
           </a:p>
           <a:p>
             <a:pPr marL="342900" indent="-342900">
@@ -16386,9 +17011,9 @@
           <a:p>
             <a:fld id="{A96F25E7-7818-4997-A486-52F03BB724F4}" type="datetime10">
               <a:rPr lang="zh-CN" altLang="en-US" smtClean="0"/>
-              <a:t>11:40</a:t>
+              <a:t>09:05</a:t>
             </a:fld>
-            <a:endParaRPr lang="zh-CN" altLang="en-US"/>
+            <a:endParaRPr lang="zh-CN" altLang="en-US" dirty="0"/>
           </a:p>
         </p:txBody>
       </p:sp>
@@ -16537,11 +17162,7 @@
             </a:r>
             <a:r>
               <a:rPr lang="zh-CN" altLang="en-US" sz="2400" dirty="0" smtClean="0"/>
-              <a:t>日</a:t>
-            </a:r>
-            <a:r>
-              <a:rPr lang="zh-CN" altLang="en-US" sz="2400" dirty="0" smtClean="0"/>
-              <a:t>）下午</a:t>
+              <a:t>日）下午</a:t>
             </a:r>
             <a:r>
               <a:rPr lang="en-US" altLang="zh-CN" sz="2400" dirty="0" smtClean="0"/>
@@ -16563,7 +17184,6 @@
               <a:rPr lang="en-US" altLang="zh-CN" sz="2400" dirty="0" smtClean="0"/>
               <a:t>I219</a:t>
             </a:r>
-            <a:endParaRPr lang="en-US" altLang="zh-CN" sz="2400" dirty="0" smtClean="0"/>
           </a:p>
           <a:p>
             <a:pPr marL="342900" indent="-342900">
@@ -16583,11 +17203,7 @@
             </a:r>
             <a:r>
               <a:rPr lang="zh-CN" altLang="en-US" sz="2400" dirty="0" smtClean="0"/>
-              <a:t>周星期</a:t>
-            </a:r>
-            <a:r>
-              <a:rPr lang="zh-CN" altLang="en-US" sz="2400" dirty="0" smtClean="0"/>
-              <a:t>二、四晚上信远</a:t>
+              <a:t>周星期二、四晚上信远</a:t>
             </a:r>
             <a:r>
               <a:rPr lang="en-US" altLang="zh-CN" sz="2400" dirty="0" smtClean="0"/>
@@ -16693,11 +17309,7 @@
             </a:r>
             <a:r>
               <a:rPr lang="zh-CN" altLang="en-US" sz="2400" smtClean="0"/>
-              <a:t>程序代码</a:t>
-            </a:r>
-            <a:r>
-              <a:rPr lang="zh-CN" altLang="en-US" sz="2400" smtClean="0"/>
-              <a:t>；</a:t>
+              <a:t>程序代码；</a:t>
             </a:r>
             <a:r>
               <a:rPr lang="zh-CN" altLang="en-US" sz="2400"/>
@@ -16782,7 +17394,7 @@
           <a:p>
             <a:fld id="{E19C31DD-5C22-46AF-B21A-BFD9140BE8D8}" type="datetime10">
               <a:rPr lang="zh-CN" altLang="en-US" smtClean="0"/>
-              <a:t>11:40</a:t>
+              <a:t>09:05</a:t>
             </a:fld>
             <a:endParaRPr lang="zh-CN" altLang="en-US"/>
           </a:p>
@@ -17467,7 +18079,7 @@
           <a:p>
             <a:fld id="{ECDCA962-CA37-431E-A9AD-A883F0E3A72A}" type="datetime10">
               <a:rPr lang="zh-CN" altLang="en-US" smtClean="0"/>
-              <a:t>11:40</a:t>
+              <a:t>09:05</a:t>
             </a:fld>
             <a:endParaRPr lang="zh-CN" altLang="en-US"/>
           </a:p>
@@ -18014,7 +18626,7 @@
           <a:p>
             <a:fld id="{0504BC3E-8B07-48AF-AAA5-D94DBE3626EA}" type="datetime10">
               <a:rPr lang="zh-CN" altLang="en-US" smtClean="0"/>
-              <a:t>11:41</a:t>
+              <a:t>09:05</a:t>
             </a:fld>
             <a:endParaRPr lang="zh-CN" altLang="en-US"/>
           </a:p>
@@ -18192,7 +18804,11 @@
             </a:pPr>
             <a:r>
               <a:rPr lang="zh-CN" altLang="en-US" sz="2400" dirty="0" smtClean="0"/>
-              <a:t>根据状态机图描述</a:t>
+              <a:t>用流程图</a:t>
+            </a:r>
+            <a:r>
+              <a:rPr lang="zh-CN" altLang="en-US" sz="2400" dirty="0" smtClean="0"/>
+              <a:t>描述</a:t>
             </a:r>
             <a:r>
               <a:rPr lang="zh-CN" altLang="en-US" sz="2400" dirty="0"/>
@@ -18200,7 +18816,11 @@
             </a:r>
             <a:r>
               <a:rPr lang="zh-CN" altLang="en-US" sz="2400" dirty="0" smtClean="0"/>
-              <a:t>状态函数的设计过程。</a:t>
+              <a:t>状态</a:t>
+            </a:r>
+            <a:r>
+              <a:rPr lang="zh-CN" altLang="en-US" sz="2400" dirty="0" smtClean="0"/>
+              <a:t>函数。</a:t>
             </a:r>
             <a:endParaRPr lang="en-US" altLang="zh-CN" sz="2400" dirty="0" smtClean="0"/>
           </a:p>
@@ -18294,22 +18914,42 @@
               <a:t>两个文件压缩为一个文件，文件名：</a:t>
             </a:r>
             <a:r>
-              <a:rPr lang="zh-CN" altLang="en-US" sz="2400" dirty="0"/>
+              <a:rPr lang="zh-CN" altLang="en-US" sz="2400" dirty="0">
+                <a:solidFill>
+                  <a:srgbClr val="FF0000"/>
+                </a:solidFill>
+              </a:rPr>
               <a:t>学</a:t>
             </a:r>
             <a:r>
-              <a:rPr lang="zh-CN" altLang="en-US" sz="2400" dirty="0" smtClean="0"/>
+              <a:rPr lang="zh-CN" altLang="en-US" sz="2400" dirty="0" smtClean="0">
+                <a:solidFill>
+                  <a:srgbClr val="FF0000"/>
+                </a:solidFill>
+              </a:rPr>
               <a:t>号姓名</a:t>
             </a:r>
             <a:r>
-              <a:rPr lang="en-US" altLang="zh-CN" sz="2400" dirty="0" smtClean="0"/>
+              <a:rPr lang="en-US" altLang="zh-CN" sz="2400" dirty="0" smtClean="0">
+                <a:solidFill>
+                  <a:srgbClr val="FF0000"/>
+                </a:solidFill>
+              </a:rPr>
               <a:t>.</a:t>
             </a:r>
             <a:r>
-              <a:rPr lang="en-US" altLang="zh-CN" sz="2400" dirty="0" err="1" smtClean="0"/>
+              <a:rPr lang="en-US" altLang="zh-CN" sz="2400" dirty="0" err="1" smtClean="0">
+                <a:solidFill>
+                  <a:srgbClr val="FF0000"/>
+                </a:solidFill>
+              </a:rPr>
               <a:t>rar</a:t>
             </a:r>
-            <a:endParaRPr lang="en-US" altLang="zh-CN" sz="2400" dirty="0" smtClean="0"/>
+            <a:endParaRPr lang="en-US" altLang="zh-CN" sz="2400" dirty="0" smtClean="0">
+              <a:solidFill>
+                <a:srgbClr val="FF0000"/>
+              </a:solidFill>
+            </a:endParaRPr>
           </a:p>
           <a:p>
             <a:pPr marL="342900" indent="-342900">
@@ -18402,7 +19042,7 @@
           <a:p>
             <a:fld id="{E19C31DD-5C22-46AF-B21A-BFD9140BE8D8}" type="datetime10">
               <a:rPr lang="zh-CN" altLang="en-US" smtClean="0"/>
-              <a:t>11:41</a:t>
+              <a:t>09:05</a:t>
             </a:fld>
             <a:endParaRPr lang="zh-CN" altLang="en-US"/>
           </a:p>
@@ -18633,7 +19273,7 @@
           <a:p>
             <a:fld id="{F70C1397-6B38-4600-BAA3-4520FF6B7512}" type="datetime10">
               <a:rPr lang="zh-CN" altLang="en-US" smtClean="0"/>
-              <a:t>11:41</a:t>
+              <a:t>09:05</a:t>
             </a:fld>
             <a:endParaRPr lang="zh-CN" altLang="en-US"/>
           </a:p>
@@ -19060,7 +19700,7 @@
           <a:p>
             <a:fld id="{062F2478-A231-4DD8-90F0-17632984B186}" type="datetime10">
               <a:rPr lang="zh-CN" altLang="en-US" smtClean="0"/>
-              <a:t>11:41</a:t>
+              <a:t>09:05</a:t>
             </a:fld>
             <a:endParaRPr lang="zh-CN" altLang="en-US"/>
           </a:p>
@@ -19355,7 +19995,7 @@
         <p:spPr>
           <a:xfrm>
             <a:off x="0" y="3645024"/>
-            <a:ext cx="9144000" cy="3170099"/>
+            <a:ext cx="9144000" cy="3477875"/>
           </a:xfrm>
           <a:prstGeom prst="rect">
             <a:avLst/>
@@ -19497,8 +20137,22 @@
               <a:t>检测将要到的目标楼层</a:t>
             </a:r>
             <a:r>
+              <a:rPr lang="en-US" altLang="zh-CN" sz="2000" b="1" dirty="0" smtClean="0"/>
+              <a:t>),</a:t>
+            </a:r>
+          </a:p>
+          <a:p>
+            <a:r>
               <a:rPr lang="en-US" altLang="zh-CN" sz="2000" b="1" dirty="0"/>
-              <a:t>), </a:t>
+              <a:t> </a:t>
+            </a:r>
+            <a:r>
+              <a:rPr lang="en-US" altLang="zh-CN" sz="2000" b="1" dirty="0" smtClean="0"/>
+              <a:t>      </a:t>
+            </a:r>
+            <a:r>
+              <a:rPr lang="en-US" altLang="zh-CN" sz="2000" b="1" dirty="0" smtClean="0"/>
+              <a:t> </a:t>
             </a:r>
             <a:r>
               <a:rPr lang="en-US" altLang="zh-CN" sz="2000" b="1" dirty="0" err="1"/>
@@ -19553,8 +20207,21 @@
             </a:r>
             <a:r>
               <a:rPr lang="en-US" altLang="zh-CN" sz="2000" b="1" dirty="0" smtClean="0"/>
-              <a:t>);</a:t>
-            </a:r>
+              <a:t>); </a:t>
+            </a:r>
+            <a:r>
+              <a:rPr lang="en-US" altLang="zh-CN" sz="2000" b="1" dirty="0" smtClean="0">
+                <a:solidFill>
+                  <a:srgbClr val="FF0000"/>
+                </a:solidFill>
+              </a:rPr>
+              <a:t>// Event</a:t>
+            </a:r>
+            <a:endParaRPr lang="en-US" altLang="zh-CN" sz="2000" b="1" dirty="0" smtClean="0">
+              <a:solidFill>
+                <a:srgbClr val="FF0000"/>
+              </a:solidFill>
+            </a:endParaRPr>
           </a:p>
           <a:p>
             <a:r>
@@ -19563,94 +20230,80 @@
             </a:r>
             <a:r>
               <a:rPr lang="en-US" altLang="zh-CN" sz="2000" b="1" dirty="0" smtClean="0"/>
-              <a:t>        if (floor &gt; 0) {up == true,</a:t>
+              <a:t>        if (floor &gt; </a:t>
+            </a:r>
+            <a:r>
+              <a:rPr lang="en-US" altLang="zh-CN" sz="2000" b="1" dirty="0" smtClean="0"/>
+              <a:t>0 &amp;&amp; up) </a:t>
+            </a:r>
+            <a:r>
+              <a:rPr lang="en-US" altLang="zh-CN" sz="2000" b="1" dirty="0" smtClean="0"/>
+              <a:t>{</a:t>
+            </a:r>
+          </a:p>
+          <a:p>
+            <a:r>
+              <a:rPr lang="en-US" altLang="zh-CN" sz="2000" b="1" dirty="0"/>
+              <a:t> </a:t>
+            </a:r>
+            <a:r>
+              <a:rPr lang="en-US" altLang="zh-CN" sz="2000" b="1" dirty="0" smtClean="0"/>
+              <a:t>             </a:t>
             </a:r>
             <a:r>
               <a:rPr lang="zh-CN" altLang="en-US" sz="2000" b="1" dirty="0" smtClean="0"/>
-              <a:t>表示上升；</a:t>
-            </a:r>
+              <a:t>上升</a:t>
+            </a:r>
+            <a:r>
+              <a:rPr lang="en-US" altLang="zh-CN" sz="2000" b="1" dirty="0" err="1"/>
+              <a:t>SetMotorPower</a:t>
+            </a:r>
+            <a:r>
+              <a:rPr lang="en-US" altLang="zh-CN" sz="2000" b="1" dirty="0"/>
+              <a:t>(1)</a:t>
+            </a:r>
+            <a:r>
+              <a:rPr lang="zh-CN" altLang="en-US" sz="2000" b="1" dirty="0"/>
+              <a:t>。进入</a:t>
+            </a:r>
+            <a:r>
+              <a:rPr lang="en-US" altLang="zh-CN" sz="2000" b="1" dirty="0" err="1"/>
+              <a:t>MovingUp</a:t>
+            </a:r>
+            <a:r>
+              <a:rPr lang="zh-CN" altLang="en-US" sz="2000" b="1" dirty="0"/>
+              <a:t>状态</a:t>
+            </a:r>
+            <a:r>
+              <a:rPr lang="zh-CN" altLang="en-US" sz="2000" b="1" dirty="0" smtClean="0"/>
+              <a:t>。</a:t>
+            </a:r>
+            <a:r>
+              <a:rPr lang="en-US" altLang="zh-CN" sz="2000" b="1" dirty="0" smtClean="0">
+                <a:solidFill>
+                  <a:srgbClr val="FF0000"/>
+                </a:solidFill>
+              </a:rPr>
+              <a:t>// Transition</a:t>
+            </a:r>
+            <a:endParaRPr lang="zh-CN" altLang="en-US" sz="2000" b="1" dirty="0">
+              <a:solidFill>
+                <a:srgbClr val="FF0000"/>
+              </a:solidFill>
+            </a:endParaRPr>
+          </a:p>
+          <a:p>
             <a:r>
               <a:rPr lang="en-US" altLang="zh-CN" sz="2000" b="1" dirty="0" smtClean="0"/>
-              <a:t>up == false,</a:t>
-            </a:r>
+              <a:t>          }</a:t>
+            </a:r>
+            <a:endParaRPr lang="zh-CN" altLang="en-US" sz="2000" b="1" dirty="0"/>
+          </a:p>
+          <a:p>
             <a:r>
               <a:rPr lang="zh-CN" altLang="en-US" sz="2000" b="1" dirty="0" smtClean="0"/>
-              <a:t>表示下降；</a:t>
-            </a:r>
-            <a:r>
-              <a:rPr lang="en-US" altLang="zh-CN" sz="2000" b="1" dirty="0" smtClean="0"/>
-              <a:t>}</a:t>
-            </a:r>
-            <a:endParaRPr lang="zh-CN" altLang="en-US" sz="2000" b="1" dirty="0"/>
-          </a:p>
-          <a:p>
-            <a:r>
-              <a:rPr lang="zh-CN" altLang="en-US" sz="2000" b="1" dirty="0"/>
-              <a:t>     </a:t>
-            </a:r>
-            <a:r>
-              <a:rPr lang="zh-CN" altLang="en-US" sz="2000" b="1" dirty="0" smtClean="0"/>
-              <a:t>   关闭</a:t>
-            </a:r>
-            <a:r>
-              <a:rPr lang="zh-CN" altLang="en-US" sz="2000" b="1" dirty="0"/>
-              <a:t>本层门外</a:t>
-            </a:r>
-            <a:r>
-              <a:rPr lang="en-US" altLang="zh-CN" sz="2000" b="1" dirty="0"/>
-              <a:t>up</a:t>
-            </a:r>
-            <a:r>
-              <a:rPr lang="zh-CN" altLang="en-US" sz="2000" b="1" dirty="0"/>
-              <a:t>按钮，</a:t>
-            </a:r>
-            <a:r>
-              <a:rPr lang="en-US" altLang="zh-CN" sz="2000" b="1" dirty="0" err="1"/>
-              <a:t>SetCallLight</a:t>
-            </a:r>
-            <a:r>
-              <a:rPr lang="en-US" altLang="zh-CN" sz="2000" b="1" dirty="0"/>
-              <a:t>(); </a:t>
-            </a:r>
-            <a:r>
-              <a:rPr lang="zh-CN" altLang="en-US" sz="2000" b="1" dirty="0"/>
-              <a:t>即消费门外</a:t>
-            </a:r>
-            <a:r>
-              <a:rPr lang="en-US" altLang="zh-CN" sz="2000" b="1" dirty="0"/>
-              <a:t>up</a:t>
-            </a:r>
-            <a:r>
-              <a:rPr lang="zh-CN" altLang="en-US" sz="2000" b="1" dirty="0"/>
-              <a:t>按钮，防止下一周期重复处理此按钮行为</a:t>
-            </a:r>
-            <a:r>
-              <a:rPr lang="zh-CN" altLang="en-US" sz="2000" b="1" dirty="0" smtClean="0"/>
-              <a:t>。上升</a:t>
-            </a:r>
-            <a:r>
-              <a:rPr lang="en-US" altLang="zh-CN" sz="2000" b="1" dirty="0" err="1" smtClean="0"/>
-              <a:t>SetMotorPower</a:t>
-            </a:r>
-            <a:r>
-              <a:rPr lang="en-US" altLang="zh-CN" sz="2000" b="1" dirty="0" smtClean="0"/>
-              <a:t>(1)</a:t>
-            </a:r>
-            <a:r>
-              <a:rPr lang="zh-CN" altLang="en-US" sz="2000" b="1" dirty="0" smtClean="0"/>
-              <a:t>。进入</a:t>
-            </a:r>
-            <a:r>
-              <a:rPr lang="en-US" altLang="zh-CN" sz="2000" b="1" dirty="0" err="1" smtClean="0"/>
-              <a:t>MovingUp</a:t>
-            </a:r>
-            <a:r>
-              <a:rPr lang="zh-CN" altLang="en-US" sz="2000" b="1" dirty="0" smtClean="0"/>
-              <a:t>状态。</a:t>
-            </a:r>
-            <a:endParaRPr lang="zh-CN" altLang="en-US" sz="2000" b="1" dirty="0"/>
-          </a:p>
-          <a:p>
+              <a:t>        </a:t>
+            </a:r>
             <a:endParaRPr lang="zh-CN" altLang="en-US" sz="2000" b="1" dirty="0"/>
           </a:p>
         </p:txBody>
@@ -19664,7 +20317,7 @@
           <p:nvPr/>
         </p:nvPicPr>
         <p:blipFill>
-          <a:blip r:embed="rId2">
+          <a:blip r:embed="rId3">
             <a:extLst>
               <a:ext uri="{28A0092B-C50C-407E-A947-70E740481C1C}">
                 <a14:useLocalDpi xmlns:a14="http://schemas.microsoft.com/office/drawing/2010/main" val="0"/>
@@ -19779,7 +20432,7 @@
           <a:p>
             <a:fld id="{FFCBFCD3-6900-4801-A3A8-ABFF77EF36E9}" type="datetime10">
               <a:rPr lang="zh-CN" altLang="en-US" smtClean="0"/>
-              <a:t>11:41</a:t>
+              <a:t>10:18</a:t>
             </a:fld>
             <a:endParaRPr lang="zh-CN" altLang="en-US"/>
           </a:p>
@@ -20074,7 +20727,7 @@
         <p:spPr>
           <a:xfrm>
             <a:off x="0" y="3774519"/>
-            <a:ext cx="9144000" cy="2246769"/>
+            <a:ext cx="9144000" cy="2554545"/>
           </a:xfrm>
           <a:prstGeom prst="rect">
             <a:avLst/>
@@ -20143,7 +20796,15 @@
                   <a:srgbClr val="FF0000"/>
                 </a:solidFill>
               </a:rPr>
-              <a:t>S2) </a:t>
+              <a:t>S2</a:t>
+            </a:r>
+            <a:r>
+              <a:rPr lang="en-US" altLang="zh-CN" sz="2000" b="1" dirty="0" smtClean="0">
+                <a:solidFill>
+                  <a:srgbClr val="FF0000"/>
+                </a:solidFill>
+              </a:rPr>
+              <a:t>)</a:t>
             </a:r>
             <a:r>
               <a:rPr lang="zh-CN" altLang="en-US" sz="2000" b="1" dirty="0"/>
@@ -20177,57 +20838,60 @@
           </a:p>
           <a:p>
             <a:r>
+              <a:rPr lang="zh-CN" altLang="en-US" sz="2000" b="1" dirty="0"/>
+              <a:t>        静态检测</a:t>
+            </a:r>
+            <a:r>
+              <a:rPr lang="en-US" altLang="zh-CN" sz="2000" b="1" dirty="0"/>
+              <a:t>(</a:t>
+            </a:r>
+            <a:r>
+              <a:rPr lang="zh-CN" altLang="en-US" sz="2000" b="1" dirty="0"/>
+              <a:t>检测将要到的目标楼层</a:t>
+            </a:r>
+            <a:r>
+              <a:rPr lang="en-US" altLang="zh-CN" sz="2000" b="1" dirty="0"/>
+              <a:t>), </a:t>
+            </a:r>
+            <a:endParaRPr lang="en-US" altLang="zh-CN" sz="2000" b="1" dirty="0" smtClean="0"/>
+          </a:p>
+          <a:p>
+            <a:r>
+              <a:rPr lang="en-US" altLang="zh-CN" sz="2000" b="1" dirty="0"/>
+              <a:t> </a:t>
+            </a:r>
+            <a:r>
+              <a:rPr lang="en-US" altLang="zh-CN" sz="2000" b="1" dirty="0" smtClean="0"/>
+              <a:t>        </a:t>
+            </a:r>
+            <a:r>
+              <a:rPr lang="en-US" altLang="zh-CN" sz="2000" b="1" dirty="0" err="1" smtClean="0"/>
+              <a:t>int</a:t>
+            </a:r>
+            <a:r>
+              <a:rPr lang="en-US" altLang="zh-CN" sz="2000" b="1" dirty="0" smtClean="0"/>
+              <a:t> </a:t>
+            </a:r>
+            <a:r>
+              <a:rPr lang="en-US" altLang="zh-CN" sz="2000" b="1" dirty="0"/>
+              <a:t>floor; </a:t>
+            </a:r>
+            <a:r>
+              <a:rPr lang="en-US" altLang="zh-CN" sz="2000" b="1" dirty="0" err="1"/>
+              <a:t>bool</a:t>
+            </a:r>
+            <a:r>
+              <a:rPr lang="en-US" altLang="zh-CN" sz="2000" b="1" dirty="0"/>
+              <a:t> up; </a:t>
+            </a:r>
+          </a:p>
+          <a:p>
+            <a:r>
               <a:rPr lang="en-US" altLang="zh-CN" sz="2000" b="1" dirty="0"/>
               <a:t>        </a:t>
             </a:r>
             <a:r>
               <a:rPr lang="zh-CN" altLang="en-US" sz="2000" b="1" dirty="0"/>
-              <a:t>静态</a:t>
-            </a:r>
-            <a:r>
-              <a:rPr lang="zh-CN" altLang="en-US" sz="2000" b="1" dirty="0" smtClean="0"/>
-              <a:t>检测</a:t>
-            </a:r>
-            <a:r>
-              <a:rPr lang="en-US" altLang="zh-CN" sz="2000" b="1" dirty="0"/>
-              <a:t>(</a:t>
-            </a:r>
-            <a:r>
-              <a:rPr lang="zh-CN" altLang="en-US" sz="2000" b="1" dirty="0" smtClean="0"/>
-              <a:t>检测将要到的目标楼层</a:t>
-            </a:r>
-            <a:r>
-              <a:rPr lang="en-US" altLang="zh-CN" sz="2000" b="1" dirty="0" smtClean="0"/>
-              <a:t>), </a:t>
-            </a:r>
-            <a:r>
-              <a:rPr lang="en-US" altLang="zh-CN" sz="2000" b="1" dirty="0" err="1" smtClean="0"/>
-              <a:t>int</a:t>
-            </a:r>
-            <a:r>
-              <a:rPr lang="en-US" altLang="zh-CN" sz="2000" b="1" dirty="0" smtClean="0"/>
-              <a:t> </a:t>
-            </a:r>
-            <a:r>
-              <a:rPr lang="en-US" altLang="zh-CN" sz="2000" b="1" dirty="0"/>
-              <a:t>floor; </a:t>
-            </a:r>
-            <a:r>
-              <a:rPr lang="en-US" altLang="zh-CN" sz="2000" b="1" dirty="0" err="1"/>
-              <a:t>bool</a:t>
-            </a:r>
-            <a:r>
-              <a:rPr lang="en-US" altLang="zh-CN" sz="2000" b="1" dirty="0"/>
-              <a:t> up; </a:t>
-            </a:r>
-          </a:p>
-          <a:p>
-            <a:r>
-              <a:rPr lang="en-US" altLang="zh-CN" sz="2000" b="1" dirty="0"/>
-              <a:t>        </a:t>
-            </a:r>
-            <a:r>
-              <a:rPr lang="zh-CN" altLang="en-US" sz="2000" b="1" dirty="0"/>
               <a:t>目标楼层</a:t>
             </a:r>
             <a:r>
@@ -20240,99 +20904,63 @@
             </a:r>
             <a:r>
               <a:rPr lang="en-US" altLang="zh-CN" sz="2000" b="1" dirty="0"/>
-              <a:t>(&amp;up);</a:t>
-            </a:r>
+              <a:t>(&amp;up</a:t>
+            </a:r>
+            <a:r>
+              <a:rPr lang="en-US" altLang="zh-CN" sz="2000" b="1" dirty="0" smtClean="0"/>
+              <a:t>);  </a:t>
+            </a:r>
+            <a:r>
+              <a:rPr lang="en-US" altLang="zh-CN" sz="2000" b="1" dirty="0" smtClean="0">
+                <a:solidFill>
+                  <a:srgbClr val="FF0000"/>
+                </a:solidFill>
+              </a:rPr>
+              <a:t>// Event</a:t>
+            </a:r>
+            <a:endParaRPr lang="en-US" altLang="zh-CN" sz="2000" b="1" dirty="0">
+              <a:solidFill>
+                <a:srgbClr val="FF0000"/>
+              </a:solidFill>
+            </a:endParaRPr>
           </a:p>
           <a:p>
             <a:r>
               <a:rPr lang="en-US" altLang="zh-CN" sz="2000" b="1" dirty="0"/>
-              <a:t>         if (floor &gt; 0) {up == true,</a:t>
-            </a:r>
-            <a:r>
-              <a:rPr lang="zh-CN" altLang="en-US" sz="2000" b="1" dirty="0" smtClean="0"/>
-              <a:t>表示上升</a:t>
+              <a:t>         if (floor &gt; 0 &amp;&amp; </a:t>
+            </a:r>
+            <a:r>
+              <a:rPr lang="en-US" altLang="zh-CN" sz="2000" b="1" dirty="0" smtClean="0"/>
+              <a:t>!up</a:t>
+            </a:r>
+            <a:r>
+              <a:rPr lang="en-US" altLang="zh-CN" sz="2000" b="1" dirty="0"/>
+              <a:t>) {</a:t>
+            </a:r>
+          </a:p>
+          <a:p>
+            <a:r>
+              <a:rPr lang="en-US" altLang="zh-CN" sz="2000" b="1" dirty="0"/>
+              <a:t>              </a:t>
             </a:r>
             <a:r>
               <a:rPr lang="zh-CN" altLang="en-US" sz="2000" b="1" dirty="0"/>
-              <a:t>；</a:t>
+              <a:t>上升</a:t>
+            </a:r>
+            <a:r>
+              <a:rPr lang="en-US" altLang="zh-CN" sz="2000" b="1" dirty="0" err="1"/>
+              <a:t>SetMotorPower</a:t>
+            </a:r>
+            <a:r>
+              <a:rPr lang="en-US" altLang="zh-CN" sz="2000" b="1" dirty="0" smtClean="0"/>
+              <a:t>(-1</a:t>
             </a:r>
             <a:r>
               <a:rPr lang="en-US" altLang="zh-CN" sz="2000" b="1" dirty="0"/>
-              <a:t>up == false,</a:t>
-            </a:r>
-            <a:r>
-              <a:rPr lang="zh-CN" altLang="en-US" sz="2000" b="1" dirty="0" smtClean="0"/>
-              <a:t>表示下降；</a:t>
-            </a:r>
-            <a:r>
-              <a:rPr lang="en-US" altLang="zh-CN" sz="2000" b="1" dirty="0"/>
-              <a:t>}</a:t>
-            </a:r>
-            <a:endParaRPr lang="zh-CN" altLang="en-US" sz="2000" b="1" dirty="0"/>
-          </a:p>
-          <a:p>
+              <a:t>)</a:t>
+            </a:r>
             <a:r>
               <a:rPr lang="zh-CN" altLang="en-US" sz="2000" b="1" dirty="0"/>
-              <a:t>        关闭本层门</a:t>
-            </a:r>
-            <a:r>
-              <a:rPr lang="zh-CN" altLang="en-US" sz="2000" b="1" dirty="0" smtClean="0"/>
-              <a:t>外</a:t>
-            </a:r>
-            <a:r>
-              <a:rPr lang="en-US" altLang="zh-CN" sz="2000" b="1" dirty="0" smtClean="0"/>
-              <a:t>down</a:t>
-            </a:r>
-            <a:r>
-              <a:rPr lang="zh-CN" altLang="en-US" sz="2000" b="1" dirty="0" smtClean="0"/>
-              <a:t>按钮</a:t>
-            </a:r>
-            <a:r>
-              <a:rPr lang="zh-CN" altLang="en-US" sz="2000" b="1" dirty="0"/>
-              <a:t>，</a:t>
-            </a:r>
-            <a:r>
-              <a:rPr lang="en-US" altLang="zh-CN" sz="2000" b="1" dirty="0" err="1"/>
-              <a:t>SetCallLight</a:t>
-            </a:r>
-            <a:r>
-              <a:rPr lang="en-US" altLang="zh-CN" sz="2000" b="1" dirty="0"/>
-              <a:t>(); </a:t>
-            </a:r>
-            <a:r>
-              <a:rPr lang="zh-CN" altLang="en-US" sz="2000" b="1" dirty="0"/>
-              <a:t>即消费门</a:t>
-            </a:r>
-            <a:r>
-              <a:rPr lang="zh-CN" altLang="en-US" sz="2000" b="1" dirty="0" smtClean="0"/>
-              <a:t>外</a:t>
-            </a:r>
-            <a:r>
-              <a:rPr lang="en-US" altLang="zh-CN" sz="2000" b="1" dirty="0" smtClean="0"/>
-              <a:t>down</a:t>
-            </a:r>
-            <a:r>
-              <a:rPr lang="zh-CN" altLang="en-US" sz="2000" b="1" dirty="0" smtClean="0"/>
-              <a:t>按钮</a:t>
-            </a:r>
-            <a:r>
-              <a:rPr lang="zh-CN" altLang="en-US" sz="2000" b="1" dirty="0"/>
-              <a:t>，防止下一周期重复处理此按钮行为</a:t>
-            </a:r>
-            <a:r>
-              <a:rPr lang="zh-CN" altLang="en-US" sz="2000" b="1" dirty="0" smtClean="0"/>
-              <a:t>。下降</a:t>
-            </a:r>
-            <a:r>
-              <a:rPr lang="en-US" altLang="zh-CN" sz="2000" b="1" dirty="0" err="1" smtClean="0"/>
-              <a:t>SetMotorPower</a:t>
-            </a:r>
-            <a:r>
-              <a:rPr lang="en-US" altLang="zh-CN" sz="2000" b="1" dirty="0" smtClean="0"/>
-              <a:t>(-1)</a:t>
-            </a:r>
-            <a:r>
-              <a:rPr lang="zh-CN" altLang="en-US" sz="2000" b="1" dirty="0" smtClean="0"/>
               <a:t>。进入</a:t>
             </a:r>
             <a:r>
@@ -20341,7 +20969,30 @@
             </a:r>
             <a:r>
               <a:rPr lang="zh-CN" altLang="en-US" sz="2000" b="1" dirty="0" smtClean="0"/>
-              <a:t>状态</a:t>
+              <a:t>状态。</a:t>
+            </a:r>
+            <a:r>
+              <a:rPr lang="en-US" altLang="zh-CN" sz="2000" b="1" dirty="0" smtClean="0">
+                <a:solidFill>
+                  <a:srgbClr val="FF0000"/>
+                </a:solidFill>
+              </a:rPr>
+              <a:t>// Transition</a:t>
+            </a:r>
+            <a:endParaRPr lang="zh-CN" altLang="en-US" sz="2000" b="1" dirty="0">
+              <a:solidFill>
+                <a:srgbClr val="FF0000"/>
+              </a:solidFill>
+            </a:endParaRPr>
+          </a:p>
+          <a:p>
+            <a:r>
+              <a:rPr lang="en-US" altLang="zh-CN" sz="2000" b="1" dirty="0"/>
+              <a:t>          </a:t>
+            </a:r>
+            <a:r>
+              <a:rPr lang="en-US" altLang="zh-CN" sz="2000" b="1" dirty="0" smtClean="0"/>
+              <a:t>}</a:t>
             </a:r>
             <a:endParaRPr lang="zh-CN" altLang="en-US" sz="2000" b="1" dirty="0"/>
           </a:p>
@@ -20471,7 +21122,7 @@
           <a:p>
             <a:fld id="{FFCBFCD3-6900-4801-A3A8-ABFF77EF36E9}" type="datetime10">
               <a:rPr lang="zh-CN" altLang="en-US" smtClean="0"/>
-              <a:t>11:41</a:t>
+              <a:t>10:20</a:t>
             </a:fld>
             <a:endParaRPr lang="zh-CN" altLang="en-US"/>
           </a:p>
@@ -20770,7 +21421,7 @@
         <p:spPr>
           <a:xfrm>
             <a:off x="107504" y="4102040"/>
-            <a:ext cx="9036496" cy="2246769"/>
+            <a:ext cx="9036496" cy="1938992"/>
           </a:xfrm>
           <a:prstGeom prst="rect">
             <a:avLst/>
@@ -20918,7 +21569,7 @@
             </a:r>
             <a:r>
               <a:rPr lang="zh-CN" altLang="en-US" sz="2000" b="1" dirty="0" smtClean="0"/>
-              <a:t>状态</a:t>
+              <a:t>状态。</a:t>
             </a:r>
             <a:endParaRPr lang="zh-CN" altLang="en-US" sz="2000" b="1" dirty="0"/>
           </a:p>
@@ -20928,20 +21579,32 @@
               <a:buAutoNum type="arabicPeriod"/>
             </a:pPr>
             <a:r>
+              <a:rPr lang="zh-CN" altLang="en-US" sz="2000" b="1" dirty="0"/>
+              <a:t>检查</a:t>
+            </a:r>
+            <a:r>
+              <a:rPr lang="en-US" altLang="zh-CN" sz="2000" b="1" dirty="0" smtClean="0"/>
+              <a:t>E4</a:t>
+            </a:r>
+            <a:r>
+              <a:rPr lang="en-US" altLang="zh-CN" sz="2000" b="1" dirty="0" smtClean="0"/>
+              <a:t>/E5</a:t>
+            </a:r>
+            <a:r>
               <a:rPr lang="zh-CN" altLang="en-US" sz="2000" b="1" dirty="0" smtClean="0"/>
-              <a:t>上升 </a:t>
-            </a:r>
-            <a:r>
-              <a:rPr lang="en-US" altLang="zh-CN" sz="2000" b="1" dirty="0"/>
-              <a:t>(up &amp;&amp; E4</a:t>
-            </a:r>
-            <a:r>
-              <a:rPr lang="zh-CN" altLang="en-US" sz="2000" b="1" dirty="0"/>
               <a:t>事件</a:t>
             </a:r>
             <a:r>
-              <a:rPr lang="en-US" altLang="zh-CN" sz="2000" b="1" dirty="0"/>
-              <a:t>), </a:t>
+              <a:rPr lang="en-US" altLang="zh-CN" sz="2000" b="1" dirty="0" err="1" smtClean="0"/>
+              <a:t>GetCallLight</a:t>
+            </a:r>
+            <a:r>
+              <a:rPr lang="en-US" altLang="zh-CN" sz="2000" b="1" dirty="0" smtClean="0"/>
+              <a:t>()</a:t>
+            </a:r>
+            <a:r>
+              <a:rPr lang="en-US" altLang="zh-CN" sz="2000" b="1" dirty="0" smtClean="0"/>
+              <a:t>, </a:t>
             </a:r>
             <a:r>
               <a:rPr lang="zh-CN" altLang="en-US" sz="2000" b="1" dirty="0" smtClean="0"/>
@@ -20968,8 +21631,8 @@
               <a:t>门外</a:t>
             </a:r>
             <a:r>
-              <a:rPr lang="en-US" altLang="zh-CN" sz="2000" b="1" dirty="0"/>
-              <a:t>up</a:t>
+              <a:rPr lang="en-US" altLang="zh-CN" sz="2000" b="1" dirty="0" smtClean="0"/>
+              <a:t>up/down</a:t>
             </a:r>
             <a:r>
               <a:rPr lang="zh-CN" altLang="en-US" sz="2000" b="1" dirty="0" smtClean="0"/>
@@ -20983,72 +21646,22 @@
               <a:rPr lang="en-US" altLang="zh-CN" sz="2000" b="1" dirty="0"/>
               <a:t>(); </a:t>
             </a:r>
-            <a:endParaRPr lang="zh-CN" altLang="en-US" sz="2000" b="1" dirty="0"/>
-          </a:p>
-          <a:p>
-            <a:pPr marL="457200" indent="-457200">
-              <a:buFont typeface="+mj-lt"/>
-              <a:buAutoNum type="arabicPeriod"/>
-            </a:pPr>
             <a:r>
               <a:rPr lang="zh-CN" altLang="en-US" sz="2000" b="1" dirty="0" smtClean="0"/>
-              <a:t>下降 </a:t>
-            </a:r>
-            <a:r>
-              <a:rPr lang="en-US" altLang="zh-CN" sz="2000" b="1" dirty="0"/>
-              <a:t>(!up &amp;&amp; E5</a:t>
+              <a:t>进入</a:t>
+            </a:r>
+            <a:r>
+              <a:rPr lang="en-US" altLang="zh-CN" sz="2000" b="1" dirty="0" err="1" smtClean="0"/>
+              <a:t>DoorOpen</a:t>
+            </a:r>
+            <a:r>
+              <a:rPr lang="zh-CN" altLang="en-US" sz="2000" b="1" dirty="0" smtClean="0"/>
+              <a:t>状态</a:t>
             </a:r>
             <a:r>
               <a:rPr lang="zh-CN" altLang="en-US" sz="2000" b="1" dirty="0"/>
-              <a:t>事件</a:t>
-            </a:r>
-            <a:r>
-              <a:rPr lang="en-US" altLang="zh-CN" sz="2000" b="1" dirty="0"/>
-              <a:t>), </a:t>
-            </a:r>
-            <a:r>
-              <a:rPr lang="zh-CN" altLang="en-US" sz="2000" b="1" dirty="0" smtClean="0"/>
-              <a:t>开门</a:t>
-            </a:r>
-            <a:r>
-              <a:rPr lang="en-US" altLang="zh-CN" sz="2000" b="1" dirty="0" err="1" smtClean="0"/>
-              <a:t>SetDoor</a:t>
-            </a:r>
-            <a:r>
-              <a:rPr lang="en-US" altLang="zh-CN" sz="2000" b="1" dirty="0" smtClean="0"/>
-              <a:t>()</a:t>
-            </a:r>
-            <a:r>
-              <a:rPr lang="en-US" altLang="zh-CN" sz="2000" b="1" dirty="0"/>
-              <a:t>,</a:t>
-            </a:r>
-            <a:r>
-              <a:rPr lang="zh-CN" altLang="en-US" sz="2000" b="1" dirty="0" smtClean="0"/>
-              <a:t>消费</a:t>
-            </a:r>
-            <a:r>
-              <a:rPr lang="zh-CN" altLang="en-US" sz="2000" b="1" dirty="0"/>
-              <a:t>门外</a:t>
-            </a:r>
-            <a:r>
-              <a:rPr lang="en-US" altLang="zh-CN" sz="2000" b="1" dirty="0"/>
-              <a:t>down</a:t>
-            </a:r>
-            <a:r>
-              <a:rPr lang="zh-CN" altLang="en-US" sz="2000" b="1" dirty="0" smtClean="0"/>
-              <a:t>按钮</a:t>
-            </a:r>
-            <a:r>
-              <a:rPr lang="en-US" altLang="zh-CN" sz="2000" b="1" dirty="0" err="1" smtClean="0"/>
-              <a:t>SetCallLight</a:t>
-            </a:r>
-            <a:r>
-              <a:rPr lang="en-US" altLang="zh-CN" sz="2000" b="1" dirty="0"/>
-              <a:t>(); </a:t>
-            </a:r>
-            <a:endParaRPr lang="en-US" altLang="zh-CN" sz="2000" b="1" dirty="0" smtClean="0"/>
-          </a:p>
-          <a:p>
+              <a:t>。</a:t>
+            </a:r>
             <a:endParaRPr lang="zh-CN" altLang="en-US" sz="2000" b="1" dirty="0"/>
           </a:p>
         </p:txBody>
@@ -21062,7 +21675,7 @@
           <p:nvPr/>
         </p:nvPicPr>
         <p:blipFill>
-          <a:blip r:embed="rId2">
+          <a:blip r:embed="rId3">
             <a:extLst>
               <a:ext uri="{28A0092B-C50C-407E-A947-70E740481C1C}">
                 <a14:useLocalDpi xmlns:a14="http://schemas.microsoft.com/office/drawing/2010/main" val="0"/>
@@ -21184,9 +21797,75 @@
           <a:p>
             <a:fld id="{B3A5277A-74C6-4D5A-B698-EA3D9D662265}" type="datetime10">
               <a:rPr lang="zh-CN" altLang="en-US" smtClean="0"/>
-              <a:t>11:41</a:t>
+              <a:t>10:36</a:t>
             </a:fld>
             <a:endParaRPr lang="zh-CN" altLang="en-US"/>
+          </a:p>
+        </p:txBody>
+      </p:sp>
+      <p:sp>
+        <p:nvSpPr>
+          <p:cNvPr id="8" name="TextBox 7"/>
+          <p:cNvSpPr txBox="1"/>
+          <p:nvPr/>
+        </p:nvSpPr>
+        <p:spPr>
+          <a:xfrm>
+            <a:off x="107504" y="6093296"/>
+            <a:ext cx="6552728" cy="646331"/>
+          </a:xfrm>
+          <a:prstGeom prst="rect">
+            <a:avLst/>
+          </a:prstGeom>
+          <a:solidFill>
+            <a:srgbClr val="FFC000"/>
+          </a:solidFill>
+        </p:spPr>
+        <p:txBody>
+          <a:bodyPr wrap="square" rtlCol="0">
+            <a:spAutoFit/>
+          </a:bodyPr>
+          <a:lstStyle/>
+          <a:p>
+            <a:r>
+              <a:rPr lang="zh-CN" altLang="en-US" b="1" dirty="0"/>
+              <a:t>消费</a:t>
+            </a:r>
+            <a:r>
+              <a:rPr lang="zh-CN" altLang="en-US" b="1" dirty="0" smtClean="0"/>
+              <a:t>按钮：关闭按钮灯，防止</a:t>
+            </a:r>
+            <a:r>
+              <a:rPr lang="zh-CN" altLang="en-US" b="1" dirty="0"/>
+              <a:t>下一周期重复处理此按钮行为</a:t>
+            </a:r>
+            <a:r>
+              <a:rPr lang="zh-CN" altLang="en-US" b="1" dirty="0" smtClean="0"/>
+              <a:t>。</a:t>
+            </a:r>
+            <a:endParaRPr lang="en-US" altLang="zh-CN" b="1" dirty="0" smtClean="0"/>
+          </a:p>
+          <a:p>
+            <a:r>
+              <a:rPr lang="en-US" altLang="zh-CN" b="1" dirty="0" err="1"/>
+              <a:t>GetNearestFloor</a:t>
+            </a:r>
+            <a:r>
+              <a:rPr lang="en-US" altLang="zh-CN" b="1" dirty="0"/>
+              <a:t>();  // </a:t>
+            </a:r>
+            <a:r>
+              <a:rPr lang="zh-CN" altLang="en-US" b="1" dirty="0"/>
+              <a:t>获取</a:t>
+            </a:r>
+            <a:r>
+              <a:rPr lang="zh-CN" altLang="en-US" b="1" dirty="0"/>
+              <a:t>当前</a:t>
+            </a:r>
+            <a:r>
+              <a:rPr lang="zh-CN" altLang="en-US" b="1" dirty="0"/>
+              <a:t>楼层</a:t>
+            </a:r>
           </a:p>
         </p:txBody>
       </p:sp>
@@ -21742,7 +22421,7 @@
           <a:p>
             <a:fld id="{B3A5277A-74C6-4D5A-B698-EA3D9D662265}" type="datetime10">
               <a:rPr lang="zh-CN" altLang="en-US" smtClean="0"/>
-              <a:t>11:41</a:t>
+              <a:t>09:05</a:t>
             </a:fld>
             <a:endParaRPr lang="zh-CN" altLang="en-US"/>
           </a:p>
@@ -22041,7 +22720,7 @@
         <p:spPr>
           <a:xfrm>
             <a:off x="323528" y="3663022"/>
-            <a:ext cx="8712968" cy="2246769"/>
+            <a:ext cx="8712968" cy="2862322"/>
           </a:xfrm>
           <a:prstGeom prst="rect">
             <a:avLst/>
@@ -22314,14 +22993,37 @@
             </a:r>
             <a:r>
               <a:rPr lang="zh-CN" altLang="en-US" sz="2000" b="1" dirty="0"/>
-              <a:t>按钮。消费门内楼层</a:t>
+              <a:t>按钮</a:t>
             </a:r>
             <a:r>
               <a:rPr lang="zh-CN" altLang="en-US" sz="2000" b="1" dirty="0" smtClean="0"/>
-              <a:t>按钮</a:t>
-            </a:r>
-            <a:r>
-              <a:rPr lang="en-US" altLang="zh-CN" sz="2000" b="1" dirty="0" err="1"/>
+              <a:t>。</a:t>
+            </a:r>
+            <a:endParaRPr lang="en-US" altLang="zh-CN" sz="2000" b="1" dirty="0" smtClean="0"/>
+          </a:p>
+          <a:p>
+            <a:r>
+              <a:rPr lang="en-US" altLang="zh-CN" sz="2000" b="1" dirty="0"/>
+              <a:t> </a:t>
+            </a:r>
+            <a:r>
+              <a:rPr lang="en-US" altLang="zh-CN" sz="2000" b="1" dirty="0" smtClean="0"/>
+              <a:t>    </a:t>
+            </a:r>
+            <a:r>
+              <a:rPr lang="zh-CN" altLang="en-US" sz="2000" b="1" dirty="0" smtClean="0"/>
+              <a:t>消费</a:t>
+            </a:r>
+            <a:r>
+              <a:rPr lang="zh-CN" altLang="en-US" sz="2000" b="1" dirty="0"/>
+              <a:t>门内楼层</a:t>
+            </a:r>
+            <a:r>
+              <a:rPr lang="zh-CN" altLang="en-US" sz="2000" b="1" dirty="0" smtClean="0"/>
+              <a:t>按钮为当前楼层的按钮</a:t>
+            </a:r>
+            <a:r>
+              <a:rPr lang="en-US" altLang="zh-CN" sz="2000" b="1" dirty="0" err="1" smtClean="0"/>
               <a:t>SetPanelFloorLight</a:t>
             </a:r>
             <a:r>
@@ -22330,9 +23032,56 @@
             </a:r>
             <a:r>
               <a:rPr lang="zh-CN" altLang="en-US" sz="2000" b="1" dirty="0" smtClean="0"/>
-              <a:t>。</a:t>
-            </a:r>
-            <a:endParaRPr lang="zh-CN" altLang="en-US" sz="2000" b="1" dirty="0"/>
+              <a:t>。          </a:t>
+            </a:r>
+            <a:endParaRPr lang="en-US" altLang="zh-CN" sz="2000" b="1" dirty="0" smtClean="0"/>
+          </a:p>
+          <a:p>
+            <a:r>
+              <a:rPr lang="en-US" altLang="zh-CN" sz="2000" b="1" dirty="0"/>
+              <a:t> </a:t>
+            </a:r>
+            <a:r>
+              <a:rPr lang="en-US" altLang="zh-CN" sz="2000" b="1" dirty="0" smtClean="0"/>
+              <a:t>    </a:t>
+            </a:r>
+            <a:r>
+              <a:rPr lang="en-US" altLang="zh-CN" sz="2000" b="1" dirty="0" err="1" smtClean="0">
+                <a:solidFill>
+                  <a:srgbClr val="FF0000"/>
+                </a:solidFill>
+              </a:rPr>
+              <a:t>GetNearestFloor</a:t>
+            </a:r>
+            <a:r>
+              <a:rPr lang="en-US" altLang="zh-CN" sz="2000" b="1" dirty="0">
+                <a:solidFill>
+                  <a:srgbClr val="FF0000"/>
+                </a:solidFill>
+              </a:rPr>
+              <a:t>();  // </a:t>
+            </a:r>
+            <a:r>
+              <a:rPr lang="zh-CN" altLang="en-US" sz="2000" b="1" dirty="0">
+                <a:solidFill>
+                  <a:srgbClr val="FF0000"/>
+                </a:solidFill>
+              </a:rPr>
+              <a:t>获取当前</a:t>
+            </a:r>
+            <a:r>
+              <a:rPr lang="zh-CN" altLang="en-US" sz="2000" b="1" dirty="0" smtClean="0">
+                <a:solidFill>
+                  <a:srgbClr val="FF0000"/>
+                </a:solidFill>
+              </a:rPr>
+              <a:t>楼层</a:t>
+            </a:r>
+            <a:endParaRPr lang="zh-CN" altLang="en-US" sz="2000" b="1" dirty="0">
+              <a:solidFill>
+                <a:srgbClr val="FF0000"/>
+              </a:solidFill>
+            </a:endParaRPr>
           </a:p>
         </p:txBody>
       </p:sp>
@@ -22467,7 +23216,7 @@
           <a:p>
             <a:fld id="{78FEED2D-F7E8-4C4A-84AE-93C7F94FE09E}" type="datetime10">
               <a:rPr lang="zh-CN" altLang="en-US" smtClean="0"/>
-              <a:t>11:41</a:t>
+              <a:t>10:51</a:t>
             </a:fld>
             <a:endParaRPr lang="zh-CN" altLang="en-US"/>
           </a:p>
@@ -22740,7 +23489,7 @@
           <a:p>
             <a:fld id="{E801C748-8E21-4420-98CB-69D901245379}" type="datetime10">
               <a:rPr lang="zh-CN" altLang="en-US" smtClean="0"/>
-              <a:t>11:40</a:t>
+              <a:t>09:05</a:t>
             </a:fld>
             <a:endParaRPr lang="zh-CN" altLang="en-US" dirty="0"/>
           </a:p>
@@ -23396,7 +24145,7 @@
         <p:spPr>
           <a:xfrm>
             <a:off x="323528" y="4030032"/>
-            <a:ext cx="8712968" cy="1323439"/>
+            <a:ext cx="8712968" cy="1631216"/>
           </a:xfrm>
           <a:prstGeom prst="rect">
             <a:avLst/>
@@ -23448,8 +24197,23 @@
                   <a:srgbClr val="FF0000"/>
                 </a:solidFill>
               </a:rPr>
-              <a:t>安全设置，无动作。</a:t>
-            </a:r>
+              <a:t>安全设置，无动作</a:t>
+            </a:r>
+            <a:r>
+              <a:rPr lang="zh-CN" altLang="en-US" sz="2000" b="1" dirty="0" smtClean="0">
+                <a:solidFill>
+                  <a:srgbClr val="FF0000"/>
+                </a:solidFill>
+              </a:rPr>
+              <a:t>。</a:t>
+            </a:r>
+            <a:endParaRPr lang="en-US" altLang="zh-CN" sz="2000" b="1" dirty="0" smtClean="0">
+              <a:solidFill>
+                <a:srgbClr val="FF0000"/>
+              </a:solidFill>
+            </a:endParaRPr>
+          </a:p>
+          <a:p>
             <a:endParaRPr lang="en-US" altLang="zh-CN" sz="2000" b="1" dirty="0">
               <a:solidFill>
                 <a:srgbClr val="FF0000"/>
@@ -23692,7 +24456,7 @@
           <a:p>
             <a:fld id="{78FEED2D-F7E8-4C4A-84AE-93C7F94FE09E}" type="datetime10">
               <a:rPr lang="zh-CN" altLang="en-US" smtClean="0"/>
-              <a:t>11:41</a:t>
+              <a:t>09:05</a:t>
             </a:fld>
             <a:endParaRPr lang="zh-CN" altLang="en-US"/>
           </a:p>
@@ -23991,7 +24755,7 @@
         <p:spPr>
           <a:xfrm>
             <a:off x="323528" y="3918535"/>
-            <a:ext cx="8712968" cy="2246769"/>
+            <a:ext cx="8712968" cy="2862322"/>
           </a:xfrm>
           <a:prstGeom prst="rect">
             <a:avLst/>
@@ -24310,25 +25074,71 @@
               <a:rPr lang="zh-CN" altLang="en-US" sz="2000" b="1" dirty="0" smtClean="0"/>
               <a:t>。</a:t>
             </a:r>
+            <a:endParaRPr lang="en-US" altLang="zh-CN" sz="2000" b="1" dirty="0"/>
+          </a:p>
+          <a:p>
+            <a:r>
+              <a:rPr lang="en-US" altLang="zh-CN" sz="2000" b="1" dirty="0" smtClean="0"/>
+              <a:t>     </a:t>
+            </a:r>
+            <a:r>
+              <a:rPr lang="zh-CN" altLang="en-US" sz="2000" b="1" dirty="0" smtClean="0"/>
+              <a:t>消费</a:t>
+            </a:r>
             <a:r>
               <a:rPr lang="zh-CN" altLang="en-US" sz="2000" b="1" dirty="0"/>
-              <a:t>消费门内楼层</a:t>
-            </a:r>
-            <a:r>
-              <a:rPr lang="zh-CN" altLang="en-US" sz="2000" b="1" dirty="0" smtClean="0"/>
-              <a:t>按钮</a:t>
-            </a:r>
-            <a:r>
-              <a:rPr lang="en-US" altLang="zh-CN" sz="2000" b="1" dirty="0" err="1" smtClean="0"/>
+              <a:t>门内楼层按钮为当前楼层的按钮</a:t>
+            </a:r>
+            <a:r>
+              <a:rPr lang="en-US" altLang="zh-CN" sz="2000" b="1" dirty="0" err="1"/>
               <a:t>SetPanelFloorLight</a:t>
             </a:r>
             <a:r>
-              <a:rPr lang="en-US" altLang="zh-CN" sz="2000" b="1" dirty="0" smtClean="0"/>
+              <a:rPr lang="en-US" altLang="zh-CN" sz="2000" b="1" dirty="0"/>
               <a:t>()</a:t>
             </a:r>
             <a:r>
-              <a:rPr lang="zh-CN" altLang="en-US" sz="2000" b="1" dirty="0" smtClean="0"/>
-              <a:t>。</a:t>
+              <a:rPr lang="zh-CN" altLang="en-US" sz="2000" b="1" dirty="0"/>
+              <a:t>。          </a:t>
+            </a:r>
+            <a:endParaRPr lang="en-US" altLang="zh-CN" sz="2000" b="1" dirty="0"/>
+          </a:p>
+          <a:p>
+            <a:r>
+              <a:rPr lang="en-US" altLang="zh-CN" sz="2000" b="1" dirty="0"/>
+              <a:t>     </a:t>
+            </a:r>
+            <a:r>
+              <a:rPr lang="en-US" altLang="zh-CN" sz="2000" b="1" dirty="0" err="1">
+                <a:solidFill>
+                  <a:srgbClr val="FF0000"/>
+                </a:solidFill>
+              </a:rPr>
+              <a:t>GetNearestFloor</a:t>
+            </a:r>
+            <a:r>
+              <a:rPr lang="en-US" altLang="zh-CN" sz="2000" b="1" dirty="0">
+                <a:solidFill>
+                  <a:srgbClr val="FF0000"/>
+                </a:solidFill>
+              </a:rPr>
+              <a:t>();  // </a:t>
+            </a:r>
+            <a:r>
+              <a:rPr lang="zh-CN" altLang="en-US" sz="2000" b="1" dirty="0">
+                <a:solidFill>
+                  <a:srgbClr val="FF0000"/>
+                </a:solidFill>
+              </a:rPr>
+              <a:t>获取当前</a:t>
+            </a:r>
+            <a:r>
+              <a:rPr lang="zh-CN" altLang="en-US" sz="2000" b="1" dirty="0" smtClean="0">
+                <a:solidFill>
+                  <a:srgbClr val="FF0000"/>
+                </a:solidFill>
+              </a:rPr>
+              <a:t>楼层</a:t>
             </a:r>
             <a:endParaRPr lang="en-US" altLang="zh-CN" sz="2000" b="1" dirty="0" smtClean="0"/>
           </a:p>
@@ -24417,7 +25227,7 @@
               <a:rPr lang="zh-CN" altLang="en-US" smtClean="0"/>
               <a:t>41</a:t>
             </a:fld>
-            <a:endParaRPr lang="zh-CN" altLang="en-US"/>
+            <a:endParaRPr lang="zh-CN" altLang="en-US" dirty="0"/>
           </a:p>
         </p:txBody>
       </p:sp>
@@ -24465,9 +25275,9 @@
           <a:p>
             <a:fld id="{78FEED2D-F7E8-4C4A-84AE-93C7F94FE09E}" type="datetime10">
               <a:rPr lang="zh-CN" altLang="en-US" smtClean="0"/>
-              <a:t>11:41</a:t>
+              <a:t>10:55</a:t>
             </a:fld>
-            <a:endParaRPr lang="zh-CN" altLang="en-US"/>
+            <a:endParaRPr lang="zh-CN" altLang="en-US" dirty="0"/>
           </a:p>
         </p:txBody>
       </p:sp>
@@ -24886,7 +25696,7 @@
           <a:p>
             <a:fld id="{78FEED2D-F7E8-4C4A-84AE-93C7F94FE09E}" type="datetime10">
               <a:rPr lang="zh-CN" altLang="en-US" smtClean="0"/>
-              <a:t>11:41</a:t>
+              <a:t>09:05</a:t>
             </a:fld>
             <a:endParaRPr lang="zh-CN" altLang="en-US" dirty="0"/>
           </a:p>
@@ -24901,7 +25711,7 @@
         <p:spPr>
           <a:xfrm>
             <a:off x="251520" y="4293096"/>
-            <a:ext cx="8712968" cy="1323439"/>
+            <a:ext cx="8712968" cy="1631216"/>
           </a:xfrm>
           <a:prstGeom prst="rect">
             <a:avLst/>
@@ -24953,8 +25763,23 @@
                   <a:srgbClr val="FF0000"/>
                 </a:solidFill>
               </a:rPr>
-              <a:t>安全设置，无动作。</a:t>
-            </a:r>
+              <a:t>安全设置，无动作</a:t>
+            </a:r>
+            <a:r>
+              <a:rPr lang="zh-CN" altLang="en-US" sz="2000" b="1" dirty="0" smtClean="0">
+                <a:solidFill>
+                  <a:srgbClr val="FF0000"/>
+                </a:solidFill>
+              </a:rPr>
+              <a:t>。</a:t>
+            </a:r>
+            <a:endParaRPr lang="en-US" altLang="zh-CN" sz="2000" b="1" dirty="0" smtClean="0">
+              <a:solidFill>
+                <a:srgbClr val="FF0000"/>
+              </a:solidFill>
+            </a:endParaRPr>
+          </a:p>
+          <a:p>
             <a:endParaRPr lang="en-US" altLang="zh-CN" sz="2000" b="1" dirty="0">
               <a:solidFill>
                 <a:srgbClr val="FF0000"/>
@@ -25359,7 +26184,7 @@
         <p:spPr>
           <a:xfrm>
             <a:off x="0" y="4198853"/>
-            <a:ext cx="9036496" cy="2246769"/>
+            <a:ext cx="9036496" cy="2554545"/>
           </a:xfrm>
           <a:prstGeom prst="rect">
             <a:avLst/>
@@ -25462,12 +26287,12 @@
               <a:t>(S7) </a:t>
             </a:r>
             <a:r>
-              <a:rPr lang="zh-CN" altLang="en-US" sz="2000" b="1" dirty="0" smtClean="0">
+              <a:rPr lang="zh-CN" altLang="en-US" sz="2000" b="1" dirty="0">
                 <a:solidFill>
                   <a:srgbClr val="FF0000"/>
                 </a:solidFill>
               </a:rPr>
-              <a:t>首先</a:t>
+              <a:t> </a:t>
             </a:r>
             <a:r>
               <a:rPr lang="en-US" altLang="zh-CN" sz="2000" b="1" dirty="0" err="1" smtClean="0">
@@ -25530,7 +26355,7 @@
             </a:r>
             <a:r>
               <a:rPr lang="zh-CN" altLang="en-US" sz="2000" b="1" dirty="0" smtClean="0"/>
-              <a:t>，关门</a:t>
+              <a:t>，正在开门，按了关门灯，转而关门</a:t>
             </a:r>
             <a:r>
               <a:rPr lang="en-US" altLang="zh-CN" sz="2000" b="1" dirty="0" err="1" smtClean="0"/>
@@ -25601,7 +26426,7 @@
             </a:r>
             <a:r>
               <a:rPr lang="zh-CN" altLang="en-US" sz="2000" b="1" dirty="0" smtClean="0"/>
-              <a:t>关门</a:t>
+              <a:t>自动进行关门</a:t>
             </a:r>
             <a:r>
               <a:rPr lang="en-US" altLang="zh-CN" sz="2000" b="1" dirty="0" err="1" smtClean="0"/>
@@ -25651,8 +26476,8 @@
               <a:t>(), </a:t>
             </a:r>
             <a:r>
-              <a:rPr lang="zh-CN" altLang="en-US" sz="2000" b="1" dirty="0"/>
-              <a:t>无</a:t>
+              <a:rPr lang="zh-CN" altLang="en-US" sz="2000" b="1" dirty="0" smtClean="0"/>
+              <a:t>正在开门，按了开门灯，无</a:t>
             </a:r>
             <a:r>
               <a:rPr lang="zh-CN" altLang="en-US" sz="2000" b="1" dirty="0" smtClean="0"/>
@@ -25699,7 +26524,7 @@
           <p:nvPr/>
         </p:nvPicPr>
         <p:blipFill>
-          <a:blip r:embed="rId2">
+          <a:blip r:embed="rId3">
             <a:extLst>
               <a:ext uri="{28A0092B-C50C-407E-A947-70E740481C1C}">
                 <a14:useLocalDpi xmlns:a14="http://schemas.microsoft.com/office/drawing/2010/main" val="0"/>
@@ -25821,7 +26646,7 @@
           <a:p>
             <a:fld id="{ED09B6BC-40CC-4337-B768-71FED894D31A}" type="datetime10">
               <a:rPr lang="zh-CN" altLang="en-US" smtClean="0"/>
-              <a:t>11:41</a:t>
+              <a:t>09:05</a:t>
             </a:fld>
             <a:endParaRPr lang="zh-CN" altLang="en-US"/>
           </a:p>
@@ -26220,7 +27045,7 @@
                   <a:srgbClr val="FF0000"/>
                 </a:solidFill>
               </a:rPr>
-              <a:t>(S8</a:t>
+              <a:t>(</a:t>
             </a:r>
             <a:r>
               <a:rPr lang="en-US" altLang="zh-CN" sz="2000" b="1" dirty="0" smtClean="0">
@@ -26228,7 +27053,7 @@
                   <a:srgbClr val="FF0000"/>
                 </a:solidFill>
               </a:rPr>
-              <a:t>)</a:t>
+              <a:t>S8)</a:t>
             </a:r>
             <a:r>
               <a:rPr lang="zh-CN" altLang="en-US" sz="2000" b="1" dirty="0">
@@ -26236,10 +27061,10 @@
                   <a:srgbClr val="FF0000"/>
                 </a:solidFill>
               </a:rPr>
-              <a:t>首先</a:t>
-            </a:r>
-            <a:r>
-              <a:rPr lang="en-US" altLang="zh-CN" sz="2000" b="1" dirty="0" err="1">
+              <a:t> </a:t>
+            </a:r>
+            <a:r>
+              <a:rPr lang="en-US" altLang="zh-CN" sz="2000" b="1" dirty="0" err="1" smtClean="0">
                 <a:solidFill>
                   <a:srgbClr val="FF0000"/>
                 </a:solidFill>
@@ -26303,7 +27128,7 @@
             </a:r>
             <a:r>
               <a:rPr lang="zh-CN" altLang="en-US" sz="2000" b="1" dirty="0" smtClean="0"/>
-              <a:t>开门</a:t>
+              <a:t>正在关门，按了开门灯，转而开门</a:t>
             </a:r>
             <a:r>
               <a:rPr lang="en-US" altLang="zh-CN" sz="2000" b="1" dirty="0" err="1" smtClean="0"/>
@@ -26374,11 +27199,11 @@
             </a:r>
             <a:r>
               <a:rPr lang="zh-CN" altLang="en-US" sz="2000" b="1" dirty="0" smtClean="0"/>
-              <a:t>，</a:t>
+              <a:t>，正在关门，按了关门灯，无</a:t>
             </a:r>
             <a:r>
               <a:rPr lang="zh-CN" altLang="en-US" sz="2000" b="1" dirty="0"/>
-              <a:t>无动作，消费关门</a:t>
+              <a:t>动作，消费关门</a:t>
             </a:r>
             <a:r>
               <a:rPr lang="zh-CN" altLang="en-US" sz="2000" b="1" dirty="0" smtClean="0"/>
@@ -26641,7 +27466,7 @@
           <a:p>
             <a:fld id="{ED09B6BC-40CC-4337-B768-71FED894D31A}" type="datetime10">
               <a:rPr lang="zh-CN" altLang="en-US" smtClean="0"/>
-              <a:t>11:41</a:t>
+              <a:t>09:05</a:t>
             </a:fld>
             <a:endParaRPr lang="zh-CN" altLang="en-US"/>
           </a:p>
@@ -26800,7 +27625,7 @@
           <a:p>
             <a:fld id="{027287E7-C195-4956-AB5F-C5E4FB6E648D}" type="datetime10">
               <a:rPr lang="zh-CN" altLang="en-US" smtClean="0"/>
-              <a:t>11:41</a:t>
+              <a:t>09:05</a:t>
             </a:fld>
             <a:endParaRPr lang="zh-CN" altLang="en-US"/>
           </a:p>
@@ -26865,7 +27690,15 @@
             </a:r>
             <a:r>
               <a:rPr lang="en-US" altLang="zh-CN" sz="2400" dirty="0" smtClean="0"/>
-              <a:t>p = true;  // </a:t>
+              <a:t>p </a:t>
+            </a:r>
+            <a:r>
+              <a:rPr lang="en-US" altLang="zh-CN" sz="2400" dirty="0" smtClean="0"/>
+              <a:t>== </a:t>
+            </a:r>
+            <a:r>
+              <a:rPr lang="en-US" altLang="zh-CN" sz="2400" dirty="0" smtClean="0"/>
+              <a:t>true;  // </a:t>
             </a:r>
             <a:r>
               <a:rPr lang="zh-CN" altLang="en-US" sz="2400" dirty="0" smtClean="0"/>
@@ -26884,7 +27717,15 @@
           <a:p>
             <a:r>
               <a:rPr lang="en-US" altLang="zh-CN" sz="2400" dirty="0" smtClean="0"/>
-              <a:t>up = false; // </a:t>
+              <a:t>up </a:t>
+            </a:r>
+            <a:r>
+              <a:rPr lang="en-US" altLang="zh-CN" sz="2400" dirty="0" smtClean="0"/>
+              <a:t>== </a:t>
+            </a:r>
+            <a:r>
+              <a:rPr lang="en-US" altLang="zh-CN" sz="2400" dirty="0" smtClean="0"/>
+              <a:t>false; // </a:t>
             </a:r>
             <a:r>
               <a:rPr lang="zh-CN" altLang="en-US" sz="2400" dirty="0" smtClean="0"/>
@@ -26928,145 +27769,281 @@
           <a:lstStyle/>
           <a:p>
             <a:r>
-              <a:rPr lang="en-US" altLang="zh-CN" dirty="0" smtClean="0"/>
+              <a:rPr lang="en-US" altLang="zh-CN" dirty="0" smtClean="0">
+                <a:solidFill>
+                  <a:srgbClr val="FF0000"/>
+                </a:solidFill>
+              </a:rPr>
               <a:t>/**</a:t>
             </a:r>
             <a:r>
-              <a:rPr lang="zh-CN" altLang="en-US" dirty="0" smtClean="0"/>
+              <a:rPr lang="zh-CN" altLang="en-US" dirty="0" smtClean="0">
+                <a:solidFill>
+                  <a:srgbClr val="FF0000"/>
+                </a:solidFill>
+              </a:rPr>
               <a:t>*</a:t>
             </a:r>
             <a:r>
-              <a:rPr lang="en-US" altLang="zh-CN" dirty="0" smtClean="0"/>
+              <a:rPr lang="en-US" altLang="zh-CN" dirty="0" smtClean="0">
+                <a:solidFill>
+                  <a:srgbClr val="FF0000"/>
+                </a:solidFill>
+              </a:rPr>
               <a:t> </a:t>
             </a:r>
-            <a:endParaRPr lang="zh-CN" altLang="en-US" dirty="0"/>
-          </a:p>
-          <a:p>
-            <a:r>
-              <a:rPr lang="zh-CN" altLang="en-US" dirty="0"/>
+            <a:endParaRPr lang="zh-CN" altLang="en-US" dirty="0">
+              <a:solidFill>
+                <a:srgbClr val="FF0000"/>
+              </a:solidFill>
+            </a:endParaRPr>
+          </a:p>
+          <a:p>
+            <a:r>
+              <a:rPr lang="zh-CN" altLang="en-US" dirty="0">
+                <a:solidFill>
+                  <a:srgbClr val="FF0000"/>
+                </a:solidFill>
+              </a:rPr>
               <a:t> * 设置门外</a:t>
             </a:r>
             <a:r>
-              <a:rPr lang="en-US" altLang="zh-CN" dirty="0"/>
+              <a:rPr lang="en-US" altLang="zh-CN" dirty="0">
+                <a:solidFill>
+                  <a:srgbClr val="FF0000"/>
+                </a:solidFill>
+              </a:rPr>
               <a:t>Up/Down</a:t>
             </a:r>
             <a:r>
-              <a:rPr lang="zh-CN" altLang="en-US" dirty="0"/>
+              <a:rPr lang="zh-CN" altLang="en-US" dirty="0">
+                <a:solidFill>
+                  <a:srgbClr val="FF0000"/>
+                </a:solidFill>
+              </a:rPr>
               <a:t>灯（</a:t>
             </a:r>
             <a:r>
-              <a:rPr lang="en-US" altLang="zh-CN" dirty="0"/>
+              <a:rPr lang="en-US" altLang="zh-CN" dirty="0">
+                <a:solidFill>
+                  <a:srgbClr val="FF0000"/>
+                </a:solidFill>
+              </a:rPr>
               <a:t>Call Light</a:t>
             </a:r>
             <a:r>
-              <a:rPr lang="zh-CN" altLang="en-US" dirty="0"/>
+              <a:rPr lang="zh-CN" altLang="en-US" dirty="0">
+                <a:solidFill>
+                  <a:srgbClr val="FF0000"/>
+                </a:solidFill>
+              </a:rPr>
               <a:t>）的状态</a:t>
             </a:r>
           </a:p>
           <a:p>
             <a:r>
-              <a:rPr lang="zh-CN" altLang="en-US" dirty="0"/>
+              <a:rPr lang="zh-CN" altLang="en-US" dirty="0">
+                <a:solidFill>
+                  <a:srgbClr val="FF0000"/>
+                </a:solidFill>
+              </a:rPr>
               <a:t> * 参数</a:t>
             </a:r>
             <a:r>
-              <a:rPr lang="en-US" altLang="zh-CN" dirty="0"/>
+              <a:rPr lang="en-US" altLang="zh-CN" dirty="0">
+                <a:solidFill>
+                  <a:srgbClr val="FF0000"/>
+                </a:solidFill>
+              </a:rPr>
               <a:t>floor: </a:t>
             </a:r>
             <a:r>
-              <a:rPr lang="zh-CN" altLang="en-US" dirty="0"/>
+              <a:rPr lang="zh-CN" altLang="en-US" dirty="0">
+                <a:solidFill>
+                  <a:srgbClr val="FF0000"/>
+                </a:solidFill>
+              </a:rPr>
               <a:t>表示楼层</a:t>
             </a:r>
           </a:p>
           <a:p>
             <a:r>
-              <a:rPr lang="zh-CN" altLang="en-US" dirty="0"/>
+              <a:rPr lang="zh-CN" altLang="en-US" dirty="0">
+                <a:solidFill>
+                  <a:srgbClr val="FF0000"/>
+                </a:solidFill>
+              </a:rPr>
               <a:t> * 参数</a:t>
             </a:r>
             <a:r>
-              <a:rPr lang="en-US" altLang="zh-CN" dirty="0"/>
+              <a:rPr lang="en-US" altLang="zh-CN" dirty="0">
+                <a:solidFill>
+                  <a:srgbClr val="FF0000"/>
+                </a:solidFill>
+              </a:rPr>
               <a:t>up: true,</a:t>
             </a:r>
             <a:r>
-              <a:rPr lang="zh-CN" altLang="en-US" dirty="0"/>
+              <a:rPr lang="zh-CN" altLang="en-US" dirty="0">
+                <a:solidFill>
+                  <a:srgbClr val="FF0000"/>
+                </a:solidFill>
+              </a:rPr>
               <a:t>表示设置</a:t>
             </a:r>
             <a:r>
-              <a:rPr lang="en-US" altLang="zh-CN" dirty="0"/>
+              <a:rPr lang="en-US" altLang="zh-CN" dirty="0">
+                <a:solidFill>
+                  <a:srgbClr val="FF0000"/>
+                </a:solidFill>
+              </a:rPr>
               <a:t>Up(</a:t>
             </a:r>
             <a:r>
-              <a:rPr lang="zh-CN" altLang="en-US" dirty="0"/>
+              <a:rPr lang="zh-CN" altLang="en-US" dirty="0">
+                <a:solidFill>
+                  <a:srgbClr val="FF0000"/>
+                </a:solidFill>
+              </a:rPr>
               <a:t>上升</a:t>
             </a:r>
             <a:r>
-              <a:rPr lang="en-US" altLang="zh-CN" dirty="0"/>
+              <a:rPr lang="en-US" altLang="zh-CN" dirty="0">
+                <a:solidFill>
+                  <a:srgbClr val="FF0000"/>
+                </a:solidFill>
+              </a:rPr>
               <a:t>)</a:t>
             </a:r>
             <a:r>
-              <a:rPr lang="zh-CN" altLang="en-US" dirty="0"/>
+              <a:rPr lang="zh-CN" altLang="en-US" dirty="0">
+                <a:solidFill>
+                  <a:srgbClr val="FF0000"/>
+                </a:solidFill>
+              </a:rPr>
               <a:t>按钮灯</a:t>
             </a:r>
             <a:r>
-              <a:rPr lang="en-US" altLang="zh-CN" dirty="0"/>
+              <a:rPr lang="en-US" altLang="zh-CN" dirty="0">
+                <a:solidFill>
+                  <a:srgbClr val="FF0000"/>
+                </a:solidFill>
+              </a:rPr>
               <a:t>;false,</a:t>
             </a:r>
             <a:r>
-              <a:rPr lang="zh-CN" altLang="en-US" dirty="0"/>
+              <a:rPr lang="zh-CN" altLang="en-US" dirty="0">
+                <a:solidFill>
+                  <a:srgbClr val="FF0000"/>
+                </a:solidFill>
+              </a:rPr>
               <a:t>表示设置</a:t>
             </a:r>
             <a:r>
-              <a:rPr lang="en-US" altLang="zh-CN" dirty="0"/>
+              <a:rPr lang="en-US" altLang="zh-CN" dirty="0">
+                <a:solidFill>
+                  <a:srgbClr val="FF0000"/>
+                </a:solidFill>
+              </a:rPr>
               <a:t>Down(</a:t>
             </a:r>
             <a:r>
-              <a:rPr lang="zh-CN" altLang="en-US" dirty="0"/>
+              <a:rPr lang="zh-CN" altLang="en-US" dirty="0">
+                <a:solidFill>
+                  <a:srgbClr val="FF0000"/>
+                </a:solidFill>
+              </a:rPr>
               <a:t>下降</a:t>
             </a:r>
             <a:r>
-              <a:rPr lang="en-US" altLang="zh-CN" dirty="0"/>
+              <a:rPr lang="en-US" altLang="zh-CN" dirty="0">
+                <a:solidFill>
+                  <a:srgbClr val="FF0000"/>
+                </a:solidFill>
+              </a:rPr>
               <a:t>)</a:t>
             </a:r>
             <a:r>
-              <a:rPr lang="zh-CN" altLang="en-US" dirty="0"/>
+              <a:rPr lang="zh-CN" altLang="en-US" dirty="0">
+                <a:solidFill>
+                  <a:srgbClr val="FF0000"/>
+                </a:solidFill>
+              </a:rPr>
               <a:t>按钮灯</a:t>
             </a:r>
           </a:p>
           <a:p>
             <a:r>
-              <a:rPr lang="zh-CN" altLang="en-US" dirty="0"/>
+              <a:rPr lang="zh-CN" altLang="en-US" dirty="0">
+                <a:solidFill>
+                  <a:srgbClr val="FF0000"/>
+                </a:solidFill>
+              </a:rPr>
               <a:t> * 参数</a:t>
             </a:r>
             <a:r>
-              <a:rPr lang="en-US" altLang="zh-CN" dirty="0"/>
+              <a:rPr lang="en-US" altLang="zh-CN" dirty="0">
+                <a:solidFill>
+                  <a:srgbClr val="FF0000"/>
+                </a:solidFill>
+              </a:rPr>
               <a:t>s: true,</a:t>
             </a:r>
             <a:r>
-              <a:rPr lang="zh-CN" altLang="en-US" dirty="0"/>
+              <a:rPr lang="zh-CN" altLang="en-US" dirty="0">
+                <a:solidFill>
+                  <a:srgbClr val="FF0000"/>
+                </a:solidFill>
+              </a:rPr>
               <a:t>按钮灯亮，</a:t>
             </a:r>
             <a:r>
-              <a:rPr lang="en-US" altLang="zh-CN" dirty="0"/>
+              <a:rPr lang="en-US" altLang="zh-CN" dirty="0">
+                <a:solidFill>
+                  <a:srgbClr val="FF0000"/>
+                </a:solidFill>
+              </a:rPr>
               <a:t>false</a:t>
             </a:r>
             <a:r>
-              <a:rPr lang="zh-CN" altLang="en-US" dirty="0"/>
+              <a:rPr lang="zh-CN" altLang="en-US" dirty="0">
+                <a:solidFill>
+                  <a:srgbClr val="FF0000"/>
+                </a:solidFill>
+              </a:rPr>
               <a:t>，按钮灯灭</a:t>
             </a:r>
           </a:p>
           <a:p>
             <a:r>
-              <a:rPr lang="zh-CN" altLang="en-US" dirty="0"/>
+              <a:rPr lang="zh-CN" altLang="en-US" dirty="0">
+                <a:solidFill>
+                  <a:srgbClr val="FF0000"/>
+                </a:solidFill>
+              </a:rPr>
               <a:t> </a:t>
             </a:r>
             <a:r>
-              <a:rPr lang="zh-CN" altLang="en-US" dirty="0" smtClean="0"/>
+              <a:rPr lang="zh-CN" altLang="en-US" dirty="0" smtClean="0">
+                <a:solidFill>
+                  <a:srgbClr val="FF0000"/>
+                </a:solidFill>
+              </a:rPr>
               <a:t>****</a:t>
             </a:r>
             <a:r>
-              <a:rPr lang="en-US" altLang="zh-CN" dirty="0" smtClean="0"/>
+              <a:rPr lang="en-US" altLang="zh-CN" dirty="0" smtClean="0">
+                <a:solidFill>
+                  <a:srgbClr val="FF0000"/>
+                </a:solidFill>
+              </a:rPr>
               <a:t>/</a:t>
             </a:r>
-            <a:endParaRPr lang="zh-CN" altLang="en-US" dirty="0"/>
+            <a:endParaRPr lang="zh-CN" altLang="en-US" dirty="0">
+              <a:solidFill>
+                <a:srgbClr val="FF0000"/>
+              </a:solidFill>
+            </a:endParaRPr>
           </a:p>
           <a:p>
             <a:r>
@@ -27112,89 +28089,177 @@
           </a:p>
           <a:p>
             <a:r>
-              <a:rPr lang="zh-CN" altLang="en-US" dirty="0" smtClean="0"/>
+              <a:rPr lang="zh-CN" altLang="en-US" dirty="0" smtClean="0">
+                <a:solidFill>
+                  <a:srgbClr val="FF0000"/>
+                </a:solidFill>
+              </a:rPr>
               <a:t>调用举例：</a:t>
             </a:r>
-            <a:endParaRPr lang="en-US" altLang="zh-CN" dirty="0" smtClean="0"/>
-          </a:p>
-          <a:p>
-            <a:r>
-              <a:rPr lang="en-US" altLang="zh-CN" dirty="0" smtClean="0"/>
+            <a:endParaRPr lang="en-US" altLang="zh-CN" dirty="0" smtClean="0">
+              <a:solidFill>
+                <a:srgbClr val="FF0000"/>
+              </a:solidFill>
+            </a:endParaRPr>
+          </a:p>
+          <a:p>
+            <a:r>
+              <a:rPr lang="en-US" altLang="zh-CN" dirty="0" smtClean="0">
+                <a:solidFill>
+                  <a:srgbClr val="FF0000"/>
+                </a:solidFill>
+              </a:rPr>
               <a:t>// </a:t>
             </a:r>
             <a:r>
-              <a:rPr lang="zh-CN" altLang="en-US" dirty="0" smtClean="0"/>
+              <a:rPr lang="zh-CN" altLang="en-US" dirty="0" smtClean="0">
+                <a:solidFill>
+                  <a:srgbClr val="FF0000"/>
+                </a:solidFill>
+              </a:rPr>
               <a:t>设置</a:t>
             </a:r>
             <a:r>
-              <a:rPr lang="en-US" altLang="zh-CN" dirty="0" smtClean="0"/>
+              <a:rPr lang="en-US" altLang="zh-CN" dirty="0" smtClean="0">
+                <a:solidFill>
+                  <a:srgbClr val="FF0000"/>
+                </a:solidFill>
+              </a:rPr>
               <a:t>2</a:t>
             </a:r>
             <a:r>
-              <a:rPr lang="zh-CN" altLang="en-US" dirty="0" smtClean="0"/>
+              <a:rPr lang="zh-CN" altLang="en-US" dirty="0" smtClean="0">
+                <a:solidFill>
+                  <a:srgbClr val="FF0000"/>
+                </a:solidFill>
+              </a:rPr>
               <a:t>楼的</a:t>
             </a:r>
             <a:r>
-              <a:rPr lang="en-US" altLang="zh-CN" dirty="0" smtClean="0"/>
+              <a:rPr lang="en-US" altLang="zh-CN" dirty="0" smtClean="0">
+                <a:solidFill>
+                  <a:srgbClr val="FF0000"/>
+                </a:solidFill>
+              </a:rPr>
               <a:t>Up</a:t>
             </a:r>
             <a:r>
-              <a:rPr lang="zh-CN" altLang="en-US" dirty="0" smtClean="0"/>
+              <a:rPr lang="zh-CN" altLang="en-US" dirty="0" smtClean="0">
+                <a:solidFill>
+                  <a:srgbClr val="FF0000"/>
+                </a:solidFill>
+              </a:rPr>
               <a:t>按钮灯亮</a:t>
             </a:r>
-            <a:endParaRPr lang="en-US" altLang="zh-CN" dirty="0" smtClean="0"/>
-          </a:p>
-          <a:p>
-            <a:r>
-              <a:rPr lang="en-US" altLang="zh-CN" dirty="0" err="1" smtClean="0"/>
+            <a:endParaRPr lang="en-US" altLang="zh-CN" dirty="0" smtClean="0">
+              <a:solidFill>
+                <a:srgbClr val="FF0000"/>
+              </a:solidFill>
+            </a:endParaRPr>
+          </a:p>
+          <a:p>
+            <a:r>
+              <a:rPr lang="en-US" altLang="zh-CN" dirty="0" err="1" smtClean="0">
+                <a:solidFill>
+                  <a:srgbClr val="FF0000"/>
+                </a:solidFill>
+              </a:rPr>
               <a:t>SetCallLight</a:t>
             </a:r>
             <a:r>
-              <a:rPr lang="en-US" altLang="zh-CN" dirty="0" smtClean="0"/>
+              <a:rPr lang="en-US" altLang="zh-CN" dirty="0" smtClean="0">
+                <a:solidFill>
+                  <a:srgbClr val="FF0000"/>
+                </a:solidFill>
+              </a:rPr>
               <a:t>(2,true,true);</a:t>
             </a:r>
           </a:p>
           <a:p>
             <a:r>
-              <a:rPr lang="en-US" altLang="zh-CN" dirty="0"/>
+              <a:rPr lang="en-US" altLang="zh-CN" dirty="0">
+                <a:solidFill>
+                  <a:srgbClr val="FF0000"/>
+                </a:solidFill>
+              </a:rPr>
               <a:t>// </a:t>
             </a:r>
             <a:r>
-              <a:rPr lang="zh-CN" altLang="en-US" dirty="0"/>
+              <a:rPr lang="zh-CN" altLang="en-US" dirty="0">
+                <a:solidFill>
+                  <a:srgbClr val="FF0000"/>
+                </a:solidFill>
+              </a:rPr>
               <a:t>关闭</a:t>
             </a:r>
             <a:r>
-              <a:rPr lang="en-US" altLang="zh-CN" dirty="0" smtClean="0"/>
+              <a:rPr lang="en-US" altLang="zh-CN" dirty="0" smtClean="0">
+                <a:solidFill>
+                  <a:srgbClr val="FF0000"/>
+                </a:solidFill>
+              </a:rPr>
               <a:t>2</a:t>
             </a:r>
             <a:r>
-              <a:rPr lang="zh-CN" altLang="en-US" dirty="0"/>
+              <a:rPr lang="zh-CN" altLang="en-US" dirty="0">
+                <a:solidFill>
+                  <a:srgbClr val="FF0000"/>
+                </a:solidFill>
+              </a:rPr>
               <a:t>楼</a:t>
             </a:r>
             <a:r>
-              <a:rPr lang="zh-CN" altLang="en-US" dirty="0" smtClean="0"/>
+              <a:rPr lang="zh-CN" altLang="en-US" dirty="0" smtClean="0">
+                <a:solidFill>
+                  <a:srgbClr val="FF0000"/>
+                </a:solidFill>
+              </a:rPr>
               <a:t>的</a:t>
             </a:r>
             <a:r>
-              <a:rPr lang="en-US" altLang="zh-CN" dirty="0" smtClean="0"/>
+              <a:rPr lang="en-US" altLang="zh-CN" dirty="0" smtClean="0">
+                <a:solidFill>
+                  <a:srgbClr val="FF0000"/>
+                </a:solidFill>
+              </a:rPr>
               <a:t>Down</a:t>
             </a:r>
             <a:r>
-              <a:rPr lang="zh-CN" altLang="en-US" dirty="0" smtClean="0"/>
+              <a:rPr lang="zh-CN" altLang="en-US" dirty="0" smtClean="0">
+                <a:solidFill>
+                  <a:srgbClr val="FF0000"/>
+                </a:solidFill>
+              </a:rPr>
               <a:t>按钮灯</a:t>
             </a:r>
-            <a:endParaRPr lang="en-US" altLang="zh-CN" dirty="0"/>
-          </a:p>
-          <a:p>
-            <a:r>
-              <a:rPr lang="en-US" altLang="zh-CN" dirty="0" err="1" smtClean="0"/>
+            <a:endParaRPr lang="en-US" altLang="zh-CN" dirty="0">
+              <a:solidFill>
+                <a:srgbClr val="FF0000"/>
+              </a:solidFill>
+            </a:endParaRPr>
+          </a:p>
+          <a:p>
+            <a:r>
+              <a:rPr lang="en-US" altLang="zh-CN" dirty="0" err="1" smtClean="0">
+                <a:solidFill>
+                  <a:srgbClr val="FF0000"/>
+                </a:solidFill>
+              </a:rPr>
               <a:t>SetCallLight</a:t>
             </a:r>
             <a:r>
-              <a:rPr lang="en-US" altLang="zh-CN" dirty="0" smtClean="0"/>
+              <a:rPr lang="en-US" altLang="zh-CN" dirty="0" smtClean="0">
+                <a:solidFill>
+                  <a:srgbClr val="FF0000"/>
+                </a:solidFill>
+              </a:rPr>
               <a:t>(2,false,false);</a:t>
             </a:r>
-            <a:endParaRPr lang="zh-CN" altLang="en-US" dirty="0"/>
+            <a:endParaRPr lang="zh-CN" altLang="en-US" dirty="0">
+              <a:solidFill>
+                <a:srgbClr val="FF0000"/>
+              </a:solidFill>
+            </a:endParaRPr>
           </a:p>
         </p:txBody>
       </p:sp>
@@ -27211,6 +28276,13 @@
   <p:transition>
     <p:random/>
   </p:transition>
+  <p:timing>
+    <p:tnLst>
+      <p:par>
+        <p:cTn id="1" dur="indefinite" restart="never" nodeType="tmRoot"/>
+      </p:par>
+    </p:tnLst>
+  </p:timing>
 </p:sld>
 </file>
 
@@ -27929,7 +29001,7 @@
           <a:p>
             <a:fld id="{8939A372-A03C-433A-9E8B-DCC16223F0AC}" type="datetime10">
               <a:rPr lang="zh-CN" altLang="en-US" smtClean="0"/>
-              <a:t>11:41</a:t>
+              <a:t>09:05</a:t>
             </a:fld>
             <a:endParaRPr lang="zh-CN" altLang="en-US"/>
           </a:p>
@@ -28592,7 +29664,7 @@
           <a:p>
             <a:fld id="{A11504DA-9D07-4BAC-9342-4BE459119F9A}" type="datetime10">
               <a:rPr lang="zh-CN" altLang="en-US" smtClean="0"/>
-              <a:t>11:41</a:t>
+              <a:t>09:05</a:t>
             </a:fld>
             <a:endParaRPr lang="zh-CN" altLang="en-US"/>
           </a:p>
@@ -29340,7 +30412,7 @@
           <a:p>
             <a:fld id="{280E80CF-9183-4DEF-8CE1-65DF7D196D3D}" type="datetime10">
               <a:rPr lang="zh-CN" altLang="en-US" smtClean="0"/>
-              <a:t>11:41</a:t>
+              <a:t>09:05</a:t>
             </a:fld>
             <a:endParaRPr lang="zh-CN" altLang="en-US"/>
           </a:p>
@@ -29788,7 +30860,7 @@
           <a:p>
             <a:fld id="{5CA67B0E-786C-4D6D-A09E-10B07FBCED20}" type="datetime10">
               <a:rPr lang="zh-CN" altLang="en-US" smtClean="0"/>
-              <a:t>11:41</a:t>
+              <a:t>09:05</a:t>
             </a:fld>
             <a:endParaRPr lang="zh-CN" altLang="en-US"/>
           </a:p>
@@ -30055,7 +31127,7 @@
           <a:p>
             <a:fld id="{6E45DBF5-B756-47BE-B41E-FBAEEF05FD62}" type="datetime10">
               <a:rPr lang="zh-CN" altLang="en-US" smtClean="0"/>
-              <a:t>11:40</a:t>
+              <a:t>09:05</a:t>
             </a:fld>
             <a:endParaRPr lang="zh-CN" altLang="en-US"/>
           </a:p>
@@ -31370,7 +32442,7 @@
           <a:p>
             <a:fld id="{85A0177B-8AA1-48F5-862B-B20AC3E89A89}" type="datetime10">
               <a:rPr lang="zh-CN" altLang="en-US" smtClean="0"/>
-              <a:t>11:41</a:t>
+              <a:t>09:05</a:t>
             </a:fld>
             <a:endParaRPr lang="zh-CN" altLang="en-US"/>
           </a:p>
@@ -31935,7 +33007,7 @@
           <a:p>
             <a:fld id="{E14C8692-4A63-4ADD-A897-20248F0F8FEB}" type="datetime10">
               <a:rPr lang="zh-CN" altLang="en-US" smtClean="0"/>
-              <a:t>11:41</a:t>
+              <a:t>09:05</a:t>
             </a:fld>
             <a:endParaRPr lang="zh-CN" altLang="en-US"/>
           </a:p>
@@ -32141,7 +33213,43 @@
             </a:r>
             <a:r>
               <a:rPr lang="zh-CN" altLang="en-US" sz="2000" dirty="0" smtClean="0"/>
-              <a:t>的向上呼叫按钮灯关闭，然后上升到</a:t>
+              <a:t>的向上呼叫按钮灯关闭</a:t>
+            </a:r>
+            <a:r>
+              <a:rPr lang="zh-CN" altLang="en-US" sz="2000" dirty="0" smtClean="0"/>
+              <a:t>，开门</a:t>
+            </a:r>
+            <a:r>
+              <a:rPr lang="en-US" altLang="zh-CN" sz="2000" dirty="0" smtClean="0"/>
+              <a:t>/</a:t>
+            </a:r>
+            <a:r>
+              <a:rPr lang="zh-CN" altLang="en-US" sz="2000" dirty="0" smtClean="0"/>
+              <a:t>关门，</a:t>
+            </a:r>
+            <a:r>
+              <a:rPr lang="en-US" altLang="zh-CN" sz="2000" dirty="0"/>
+              <a:t> 2F</a:t>
+            </a:r>
+            <a:r>
+              <a:rPr lang="zh-CN" altLang="en-US" sz="2000" dirty="0"/>
+              <a:t>的</a:t>
+            </a:r>
+            <a:r>
+              <a:rPr lang="zh-CN" altLang="en-US" sz="2000" dirty="0" smtClean="0"/>
+              <a:t>向下呼叫</a:t>
+            </a:r>
+            <a:r>
+              <a:rPr lang="zh-CN" altLang="en-US" sz="2000" dirty="0"/>
+              <a:t>按钮灯</a:t>
+            </a:r>
+            <a:r>
+              <a:rPr lang="zh-CN" altLang="en-US" sz="2000" dirty="0" smtClean="0"/>
+              <a:t>关闭，然后</a:t>
+            </a:r>
+            <a:r>
+              <a:rPr lang="zh-CN" altLang="en-US" sz="2000" dirty="0" smtClean="0"/>
+              <a:t>上升到</a:t>
             </a:r>
             <a:r>
               <a:rPr lang="en-US" altLang="zh-CN" sz="2000" dirty="0" smtClean="0"/>
@@ -32165,31 +33273,11 @@
             </a:r>
             <a:r>
               <a:rPr lang="zh-CN" altLang="en-US" sz="2000" dirty="0" smtClean="0"/>
-              <a:t>的向下呼叫按钮关闭，然后下降到</a:t>
-            </a:r>
-            <a:r>
-              <a:rPr lang="en-US" altLang="zh-CN" sz="2000" dirty="0" smtClean="0"/>
-              <a:t>2F</a:t>
+              <a:t>的向下呼叫按钮</a:t>
             </a:r>
             <a:r>
               <a:rPr lang="zh-CN" altLang="en-US" sz="2000" dirty="0" smtClean="0"/>
-              <a:t>，开门</a:t>
-            </a:r>
-            <a:r>
-              <a:rPr lang="en-US" altLang="zh-CN" sz="2000" dirty="0" smtClean="0"/>
-              <a:t>/</a:t>
-            </a:r>
-            <a:r>
-              <a:rPr lang="zh-CN" altLang="en-US" sz="2000" dirty="0" smtClean="0"/>
-              <a:t>关门，</a:t>
-            </a:r>
-            <a:r>
-              <a:rPr lang="en-US" altLang="zh-CN" sz="2000" dirty="0" smtClean="0"/>
-              <a:t>2F</a:t>
-            </a:r>
-            <a:r>
-              <a:rPr lang="zh-CN" altLang="en-US" sz="2000" dirty="0" smtClean="0"/>
-              <a:t>的向下呼叫按钮关闭。</a:t>
+              <a:t>关闭。</a:t>
             </a:r>
             <a:endParaRPr lang="en-US" altLang="zh-CN" sz="2000" dirty="0" smtClean="0"/>
           </a:p>
@@ -32336,7 +33424,7 @@
           <a:p>
             <a:fld id="{2FC65C35-36BD-456E-897A-4011AA0C7FCA}" type="datetime10">
               <a:rPr lang="zh-CN" altLang="en-US" smtClean="0"/>
-              <a:t>11:41</a:t>
+              <a:t>11:47</a:t>
             </a:fld>
             <a:endParaRPr lang="zh-CN" altLang="en-US"/>
           </a:p>
@@ -32611,7 +33699,7 @@
           <a:p>
             <a:fld id="{0A3C77DE-45D0-4E65-84ED-190440F28CD8}" type="datetime10">
               <a:rPr lang="zh-CN" altLang="en-US" smtClean="0"/>
-              <a:t>11:41</a:t>
+              <a:t>09:05</a:t>
             </a:fld>
             <a:endParaRPr lang="zh-CN" altLang="en-US"/>
           </a:p>
@@ -32972,7 +34060,7 @@
           <a:p>
             <a:fld id="{2D5ABED3-9ECF-4B8A-992D-04AF78D41A9B}" type="datetime10">
               <a:rPr lang="zh-CN" altLang="en-US" smtClean="0"/>
-              <a:t>11:41</a:t>
+              <a:t>09:05</a:t>
             </a:fld>
             <a:endParaRPr lang="zh-CN" altLang="en-US"/>
           </a:p>
@@ -33221,7 +34309,7 @@
           <a:p>
             <a:fld id="{63009937-3399-4835-8C0B-7BAB3F5943F9}" type="datetime10">
               <a:rPr lang="zh-CN" altLang="en-US" smtClean="0"/>
-              <a:t>11:41</a:t>
+              <a:t>09:05</a:t>
             </a:fld>
             <a:endParaRPr lang="zh-CN" altLang="en-US"/>
           </a:p>
@@ -33967,7 +35055,7 @@
           <a:p>
             <a:fld id="{ED49E5FD-0E58-4D33-9F9A-FE8C76855300}" type="datetime10">
               <a:rPr lang="zh-CN" altLang="en-US" smtClean="0"/>
-              <a:t>11:41</a:t>
+              <a:t>09:05</a:t>
             </a:fld>
             <a:endParaRPr lang="zh-CN" altLang="en-US"/>
           </a:p>
@@ -34512,7 +35600,7 @@
           <a:p>
             <a:fld id="{1B3645CC-3E08-4304-93E4-2D7A955CF558}" type="datetime10">
               <a:rPr lang="zh-CN" altLang="en-US" smtClean="0"/>
-              <a:t>11:41</a:t>
+              <a:t>09:05</a:t>
             </a:fld>
             <a:endParaRPr lang="zh-CN" altLang="en-US"/>
           </a:p>
@@ -35223,7 +36311,7 @@
           <a:p>
             <a:fld id="{44F66471-6FA6-4203-9C5C-41045CCAF8CE}" type="datetime10">
               <a:rPr lang="zh-CN" altLang="en-US" smtClean="0"/>
-              <a:t>11:41</a:t>
+              <a:t>09:05</a:t>
             </a:fld>
             <a:endParaRPr lang="zh-CN" altLang="en-US"/>
           </a:p>
@@ -35915,7 +37003,7 @@
           <a:p>
             <a:fld id="{EF1B528B-2CC7-4879-984A-89097D750F87}" type="datetime10">
               <a:rPr lang="zh-CN" altLang="en-US" smtClean="0"/>
-              <a:t>11:40</a:t>
+              <a:t>09:05</a:t>
             </a:fld>
             <a:endParaRPr lang="zh-CN" altLang="en-US"/>
           </a:p>
@@ -36734,7 +37822,7 @@
           <a:p>
             <a:fld id="{225BBFCE-D1A0-48A7-B208-D8F26EEC3AC3}" type="datetime10">
               <a:rPr lang="zh-CN" altLang="en-US" smtClean="0"/>
-              <a:t>11:40</a:t>
+              <a:t>09:05</a:t>
             </a:fld>
             <a:endParaRPr lang="zh-CN" altLang="en-US"/>
           </a:p>
@@ -37519,7 +38607,7 @@
           <a:p>
             <a:fld id="{65DEFA4A-0771-4AA5-8C70-A63112250E1E}" type="datetime10">
               <a:rPr lang="zh-CN" altLang="en-US" smtClean="0"/>
-              <a:t>11:40</a:t>
+              <a:t>09:05</a:t>
             </a:fld>
             <a:endParaRPr lang="zh-CN" altLang="en-US"/>
           </a:p>
@@ -38401,7 +39489,7 @@
           <a:p>
             <a:fld id="{D970E9A2-F322-4BCB-8C96-9A745930F08D}" type="datetime10">
               <a:rPr lang="zh-CN" altLang="en-US" smtClean="0"/>
-              <a:t>11:40</a:t>
+              <a:t>09:05</a:t>
             </a:fld>
             <a:endParaRPr lang="zh-CN" altLang="en-US"/>
           </a:p>

--- a/2017/C语言课程设计/C语言课程设计.pptx
+++ b/2017/C语言课程设计/C语言课程设计.pptx
@@ -1169,7 +1169,7 @@
               <a:pPr>
                 <a:defRPr/>
               </a:pPr>
-              <a:t>43</a:t>
+              <a:t>37</a:t>
             </a:fld>
             <a:endParaRPr lang="en-US" altLang="zh-CN"/>
           </a:p>
@@ -1178,7 +1178,7 @@
     </p:spTree>
     <p:extLst>
       <p:ext uri="{BB962C8B-B14F-4D97-AF65-F5344CB8AC3E}">
-        <p14:creationId xmlns:p14="http://schemas.microsoft.com/office/powerpoint/2010/main" val="3824875186"/>
+        <p14:creationId xmlns:p14="http://schemas.microsoft.com/office/powerpoint/2010/main" val="363528575"/>
       </p:ext>
     </p:extLst>
   </p:cSld>
@@ -1238,12 +1238,56 @@
       </p:sp>
       <p:sp>
         <p:nvSpPr>
-          <p:cNvPr id="4" name="灯片编号占位符 3"/>
+          <p:cNvPr id="4" name="日期占位符 3"/>
           <p:cNvSpPr>
             <a:spLocks noGrp="1"/>
           </p:cNvSpPr>
           <p:nvPr>
-            <p:ph type="sldNum" sz="quarter" idx="10"/>
+            <p:ph type="dt" idx="10"/>
+          </p:nvPr>
+        </p:nvSpPr>
+        <p:spPr/>
+        <p:txBody>
+          <a:bodyPr/>
+          <a:lstStyle/>
+          <a:p>
+            <a:pPr>
+              <a:defRPr/>
+            </a:pPr>
+            <a:endParaRPr lang="en-US" altLang="zh-CN"/>
+          </a:p>
+        </p:txBody>
+      </p:sp>
+      <p:sp>
+        <p:nvSpPr>
+          <p:cNvPr id="5" name="页脚占位符 4"/>
+          <p:cNvSpPr>
+            <a:spLocks noGrp="1"/>
+          </p:cNvSpPr>
+          <p:nvPr>
+            <p:ph type="ftr" sz="quarter" idx="11"/>
+          </p:nvPr>
+        </p:nvSpPr>
+        <p:spPr/>
+        <p:txBody>
+          <a:bodyPr/>
+          <a:lstStyle/>
+          <a:p>
+            <a:pPr>
+              <a:defRPr/>
+            </a:pPr>
+            <a:endParaRPr lang="en-US" altLang="zh-CN"/>
+          </a:p>
+        </p:txBody>
+      </p:sp>
+      <p:sp>
+        <p:nvSpPr>
+          <p:cNvPr id="6" name="灯片编号占位符 5"/>
+          <p:cNvSpPr>
+            <a:spLocks noGrp="1"/>
+          </p:cNvSpPr>
+          <p:nvPr>
+            <p:ph type="sldNum" sz="quarter" idx="12"/>
           </p:nvPr>
         </p:nvSpPr>
         <p:spPr/>
@@ -1259,52 +1303,8 @@
               <a:pPr>
                 <a:defRPr/>
               </a:pPr>
-              <a:t>46</a:t>
+              <a:t>43</a:t>
             </a:fld>
-            <a:endParaRPr lang="en-US" altLang="zh-CN"/>
-          </a:p>
-        </p:txBody>
-      </p:sp>
-      <p:sp>
-        <p:nvSpPr>
-          <p:cNvPr id="5" name="日期占位符 4"/>
-          <p:cNvSpPr>
-            <a:spLocks noGrp="1"/>
-          </p:cNvSpPr>
-          <p:nvPr>
-            <p:ph type="dt" idx="11"/>
-          </p:nvPr>
-        </p:nvSpPr>
-        <p:spPr/>
-        <p:txBody>
-          <a:bodyPr/>
-          <a:lstStyle/>
-          <a:p>
-            <a:pPr>
-              <a:defRPr/>
-            </a:pPr>
-            <a:endParaRPr lang="en-US" altLang="zh-CN"/>
-          </a:p>
-        </p:txBody>
-      </p:sp>
-      <p:sp>
-        <p:nvSpPr>
-          <p:cNvPr id="6" name="页脚占位符 5"/>
-          <p:cNvSpPr>
-            <a:spLocks noGrp="1"/>
-          </p:cNvSpPr>
-          <p:nvPr>
-            <p:ph type="ftr" sz="quarter" idx="12"/>
-          </p:nvPr>
-        </p:nvSpPr>
-        <p:spPr/>
-        <p:txBody>
-          <a:bodyPr/>
-          <a:lstStyle/>
-          <a:p>
-            <a:pPr>
-              <a:defRPr/>
-            </a:pPr>
             <a:endParaRPr lang="en-US" altLang="zh-CN"/>
           </a:p>
         </p:txBody>
@@ -1312,7 +1312,7 @@
     </p:spTree>
     <p:extLst>
       <p:ext uri="{BB962C8B-B14F-4D97-AF65-F5344CB8AC3E}">
-        <p14:creationId xmlns:p14="http://schemas.microsoft.com/office/powerpoint/2010/main" val="1427708137"/>
+        <p14:creationId xmlns:p14="http://schemas.microsoft.com/office/powerpoint/2010/main" val="3824875186"/>
       </p:ext>
     </p:extLst>
   </p:cSld>
@@ -1393,7 +1393,7 @@
               <a:pPr>
                 <a:defRPr/>
               </a:pPr>
-              <a:t>47</a:t>
+              <a:t>46</a:t>
             </a:fld>
             <a:endParaRPr lang="en-US" altLang="zh-CN"/>
           </a:p>
@@ -1527,7 +1527,7 @@
               <a:pPr>
                 <a:defRPr/>
               </a:pPr>
-              <a:t>48</a:t>
+              <a:t>47</a:t>
             </a:fld>
             <a:endParaRPr lang="en-US" altLang="zh-CN"/>
           </a:p>
@@ -1661,7 +1661,7 @@
               <a:pPr>
                 <a:defRPr/>
               </a:pPr>
-              <a:t>49</a:t>
+              <a:t>48</a:t>
             </a:fld>
             <a:endParaRPr lang="en-US" altLang="zh-CN"/>
           </a:p>
@@ -1795,7 +1795,7 @@
               <a:pPr>
                 <a:defRPr/>
               </a:pPr>
-              <a:t>56</a:t>
+              <a:t>49</a:t>
             </a:fld>
             <a:endParaRPr lang="en-US" altLang="zh-CN"/>
           </a:p>
@@ -1929,7 +1929,7 @@
               <a:pPr>
                 <a:defRPr/>
               </a:pPr>
-              <a:t>57</a:t>
+              <a:t>56</a:t>
             </a:fld>
             <a:endParaRPr lang="en-US" altLang="zh-CN"/>
           </a:p>
@@ -2063,6 +2063,140 @@
               <a:pPr>
                 <a:defRPr/>
               </a:pPr>
+              <a:t>57</a:t>
+            </a:fld>
+            <a:endParaRPr lang="en-US" altLang="zh-CN"/>
+          </a:p>
+        </p:txBody>
+      </p:sp>
+      <p:sp>
+        <p:nvSpPr>
+          <p:cNvPr id="5" name="日期占位符 4"/>
+          <p:cNvSpPr>
+            <a:spLocks noGrp="1"/>
+          </p:cNvSpPr>
+          <p:nvPr>
+            <p:ph type="dt" idx="11"/>
+          </p:nvPr>
+        </p:nvSpPr>
+        <p:spPr/>
+        <p:txBody>
+          <a:bodyPr/>
+          <a:lstStyle/>
+          <a:p>
+            <a:pPr>
+              <a:defRPr/>
+            </a:pPr>
+            <a:endParaRPr lang="en-US" altLang="zh-CN"/>
+          </a:p>
+        </p:txBody>
+      </p:sp>
+      <p:sp>
+        <p:nvSpPr>
+          <p:cNvPr id="6" name="页脚占位符 5"/>
+          <p:cNvSpPr>
+            <a:spLocks noGrp="1"/>
+          </p:cNvSpPr>
+          <p:nvPr>
+            <p:ph type="ftr" sz="quarter" idx="12"/>
+          </p:nvPr>
+        </p:nvSpPr>
+        <p:spPr/>
+        <p:txBody>
+          <a:bodyPr/>
+          <a:lstStyle/>
+          <a:p>
+            <a:pPr>
+              <a:defRPr/>
+            </a:pPr>
+            <a:endParaRPr lang="en-US" altLang="zh-CN"/>
+          </a:p>
+        </p:txBody>
+      </p:sp>
+    </p:spTree>
+    <p:extLst>
+      <p:ext uri="{BB962C8B-B14F-4D97-AF65-F5344CB8AC3E}">
+        <p14:creationId xmlns:p14="http://schemas.microsoft.com/office/powerpoint/2010/main" val="1427708137"/>
+      </p:ext>
+    </p:extLst>
+  </p:cSld>
+  <p:clrMapOvr>
+    <a:masterClrMapping/>
+  </p:clrMapOvr>
+</p:notes>
+</file>
+
+<file path=ppt/notesSlides/notesSlide18.xml><?xml version="1.0" encoding="utf-8"?>
+<p:notes xmlns:a="http://schemas.openxmlformats.org/drawingml/2006/main" xmlns:r="http://schemas.openxmlformats.org/officeDocument/2006/relationships" xmlns:p="http://schemas.openxmlformats.org/presentationml/2006/main">
+  <p:cSld>
+    <p:spTree>
+      <p:nvGrpSpPr>
+        <p:cNvPr id="1" name=""/>
+        <p:cNvGrpSpPr/>
+        <p:nvPr/>
+      </p:nvGrpSpPr>
+      <p:grpSpPr>
+        <a:xfrm>
+          <a:off x="0" y="0"/>
+          <a:ext cx="0" cy="0"/>
+          <a:chOff x="0" y="0"/>
+          <a:chExt cx="0" cy="0"/>
+        </a:xfrm>
+      </p:grpSpPr>
+      <p:sp>
+        <p:nvSpPr>
+          <p:cNvPr id="2" name="幻灯片图像占位符 1"/>
+          <p:cNvSpPr>
+            <a:spLocks noGrp="1" noRot="1" noChangeAspect="1"/>
+          </p:cNvSpPr>
+          <p:nvPr>
+            <p:ph type="sldImg"/>
+          </p:nvPr>
+        </p:nvSpPr>
+        <p:spPr/>
+      </p:sp>
+      <p:sp>
+        <p:nvSpPr>
+          <p:cNvPr id="3" name="备注占位符 2"/>
+          <p:cNvSpPr>
+            <a:spLocks noGrp="1"/>
+          </p:cNvSpPr>
+          <p:nvPr>
+            <p:ph type="body" idx="1"/>
+          </p:nvPr>
+        </p:nvSpPr>
+        <p:spPr/>
+        <p:txBody>
+          <a:bodyPr/>
+          <a:lstStyle/>
+          <a:p>
+            <a:endParaRPr lang="zh-CN" altLang="en-US" dirty="0"/>
+          </a:p>
+        </p:txBody>
+      </p:sp>
+      <p:sp>
+        <p:nvSpPr>
+          <p:cNvPr id="4" name="灯片编号占位符 3"/>
+          <p:cNvSpPr>
+            <a:spLocks noGrp="1"/>
+          </p:cNvSpPr>
+          <p:nvPr>
+            <p:ph type="sldNum" sz="quarter" idx="10"/>
+          </p:nvPr>
+        </p:nvSpPr>
+        <p:spPr/>
+        <p:txBody>
+          <a:bodyPr/>
+          <a:lstStyle/>
+          <a:p>
+            <a:pPr>
+              <a:defRPr/>
+            </a:pPr>
+            <a:fld id="{BD5CFE0F-8348-4557-AAD4-70EF289C2CF2}" type="slidenum">
+              <a:rPr lang="en-US" altLang="zh-CN" smtClean="0"/>
+              <a:pPr>
+                <a:defRPr/>
+              </a:pPr>
               <a:t>58</a:t>
             </a:fld>
             <a:endParaRPr lang="en-US" altLang="zh-CN"/>
@@ -2170,6 +2304,197 @@
           <a:bodyPr/>
           <a:lstStyle/>
           <a:p>
+            <a:r>
+              <a:rPr lang="zh-CN" altLang="en-US" dirty="0" smtClean="0"/>
+              <a:t>教务处网站</a:t>
+            </a:r>
+            <a:r>
+              <a:rPr lang="en-US" altLang="zh-CN" dirty="0" smtClean="0"/>
+              <a:t>-&gt;</a:t>
+            </a:r>
+            <a:r>
+              <a:rPr lang="zh-CN" altLang="en-US" dirty="0" smtClean="0"/>
+              <a:t>教务系统</a:t>
+            </a:r>
+            <a:r>
+              <a:rPr lang="en-US" altLang="zh-CN" dirty="0" smtClean="0"/>
+              <a:t>-&gt;</a:t>
+            </a:r>
+            <a:r>
+              <a:rPr lang="zh-CN" altLang="en-US" dirty="0" smtClean="0"/>
+              <a:t>个人教务</a:t>
+            </a:r>
+            <a:r>
+              <a:rPr lang="en-US" altLang="zh-CN" dirty="0" smtClean="0"/>
+              <a:t>-&gt;</a:t>
+            </a:r>
+            <a:r>
+              <a:rPr lang="zh-CN" altLang="en-US" dirty="0" smtClean="0"/>
+              <a:t>教室使用状况查询</a:t>
+            </a:r>
+            <a:r>
+              <a:rPr lang="en-US" altLang="zh-CN" dirty="0" smtClean="0"/>
+              <a:t>-&gt;</a:t>
+            </a:r>
+            <a:r>
+              <a:rPr lang="zh-CN" altLang="en-US" dirty="0" smtClean="0"/>
+              <a:t>教室类型</a:t>
+            </a:r>
+            <a:r>
+              <a:rPr lang="en-US" altLang="zh-CN" dirty="0" smtClean="0"/>
+              <a:t>-&gt;</a:t>
+            </a:r>
+            <a:r>
+              <a:rPr lang="zh-CN" altLang="en-US" dirty="0" smtClean="0"/>
+              <a:t>多媒体教室</a:t>
+            </a:r>
+            <a:r>
+              <a:rPr lang="en-US" altLang="zh-CN" dirty="0" smtClean="0"/>
+              <a:t>-&gt;</a:t>
+            </a:r>
+            <a:r>
+              <a:rPr lang="zh-CN" altLang="en-US" dirty="0" smtClean="0"/>
+              <a:t>查询</a:t>
+            </a:r>
+            <a:endParaRPr lang="en-US" altLang="zh-CN" dirty="0" smtClean="0"/>
+          </a:p>
+          <a:p>
+            <a:r>
+              <a:rPr lang="en-US" altLang="zh-CN" dirty="0" smtClean="0"/>
+              <a:t>5.10</a:t>
+            </a:r>
+            <a:r>
+              <a:rPr lang="zh-CN" altLang="en-US" dirty="0" smtClean="0"/>
+              <a:t>日</a:t>
+            </a:r>
+            <a:r>
+              <a:rPr lang="en-US" altLang="zh-CN" dirty="0" smtClean="0"/>
+              <a:t>5</a:t>
+            </a:r>
+            <a:r>
+              <a:rPr lang="zh-CN" altLang="en-US" dirty="0" smtClean="0"/>
+              <a:t>、</a:t>
+            </a:r>
+            <a:r>
+              <a:rPr lang="en-US" altLang="zh-CN" dirty="0" smtClean="0"/>
+              <a:t>6</a:t>
+            </a:r>
+            <a:r>
+              <a:rPr lang="zh-CN" altLang="en-US" dirty="0" smtClean="0"/>
+              <a:t>节</a:t>
+            </a:r>
+            <a:r>
+              <a:rPr lang="en-US" altLang="zh-CN" dirty="0" smtClean="0"/>
+              <a:t>,</a:t>
+            </a:r>
+            <a:r>
+              <a:rPr lang="zh-CN" altLang="en-US" dirty="0" smtClean="0"/>
+              <a:t>信远</a:t>
+            </a:r>
+            <a:r>
+              <a:rPr lang="en-US" altLang="zh-CN" dirty="0" smtClean="0"/>
+              <a:t>I</a:t>
+            </a:r>
+            <a:r>
+              <a:rPr lang="zh-CN" altLang="en-US" dirty="0" smtClean="0"/>
+              <a:t>：</a:t>
+            </a:r>
+            <a:r>
+              <a:rPr lang="en-US" altLang="zh-CN" dirty="0" smtClean="0"/>
+              <a:t>219</a:t>
+            </a:r>
+            <a:r>
+              <a:rPr lang="zh-CN" altLang="en-US" dirty="0" smtClean="0"/>
+              <a:t>（</a:t>
+            </a:r>
+            <a:r>
+              <a:rPr lang="en-US" altLang="zh-CN" dirty="0" smtClean="0"/>
+              <a:t>136</a:t>
+            </a:r>
+            <a:r>
+              <a:rPr lang="zh-CN" altLang="en-US" dirty="0" smtClean="0"/>
+              <a:t>人），</a:t>
+            </a:r>
+            <a:r>
+              <a:rPr lang="en-US" altLang="zh-CN" dirty="0" smtClean="0"/>
+              <a:t>223</a:t>
+            </a:r>
+            <a:r>
+              <a:rPr lang="zh-CN" altLang="en-US" dirty="0" smtClean="0"/>
+              <a:t>（</a:t>
+            </a:r>
+            <a:r>
+              <a:rPr lang="en-US" altLang="zh-CN" dirty="0" smtClean="0"/>
+              <a:t>106</a:t>
+            </a:r>
+            <a:r>
+              <a:rPr lang="zh-CN" altLang="en-US" dirty="0" smtClean="0"/>
+              <a:t>人），</a:t>
+            </a:r>
+            <a:r>
+              <a:rPr lang="en-US" altLang="zh-CN" dirty="0" smtClean="0"/>
+              <a:t>317</a:t>
+            </a:r>
+            <a:r>
+              <a:rPr lang="zh-CN" altLang="en-US" dirty="0" smtClean="0"/>
+              <a:t>（</a:t>
+            </a:r>
+            <a:r>
+              <a:rPr lang="en-US" altLang="zh-CN" dirty="0" smtClean="0"/>
+              <a:t>136</a:t>
+            </a:r>
+            <a:r>
+              <a:rPr lang="zh-CN" altLang="en-US" dirty="0" smtClean="0"/>
+              <a:t>人），</a:t>
+            </a:r>
+            <a:r>
+              <a:rPr lang="en-US" altLang="zh-CN" dirty="0" smtClean="0"/>
+              <a:t>320</a:t>
+            </a:r>
+            <a:r>
+              <a:rPr lang="zh-CN" altLang="en-US" dirty="0" smtClean="0"/>
+              <a:t>（</a:t>
+            </a:r>
+            <a:r>
+              <a:rPr lang="en-US" altLang="zh-CN" dirty="0" smtClean="0"/>
+              <a:t>106</a:t>
+            </a:r>
+            <a:r>
+              <a:rPr lang="zh-CN" altLang="en-US" dirty="0" smtClean="0"/>
+              <a:t>人），</a:t>
+            </a:r>
+            <a:r>
+              <a:rPr lang="en-US" altLang="zh-CN" dirty="0" smtClean="0"/>
+              <a:t>321</a:t>
+            </a:r>
+            <a:r>
+              <a:rPr lang="zh-CN" altLang="en-US" dirty="0" smtClean="0"/>
+              <a:t>（</a:t>
+            </a:r>
+            <a:r>
+              <a:rPr lang="en-US" altLang="zh-CN" dirty="0" smtClean="0"/>
+              <a:t>106</a:t>
+            </a:r>
+            <a:r>
+              <a:rPr lang="zh-CN" altLang="en-US" dirty="0" smtClean="0"/>
+              <a:t>人），</a:t>
+            </a:r>
+            <a:r>
+              <a:rPr lang="en-US" altLang="zh-CN" dirty="0" smtClean="0"/>
+              <a:t>311</a:t>
+            </a:r>
+            <a:r>
+              <a:rPr lang="zh-CN" altLang="en-US" dirty="0" smtClean="0"/>
+              <a:t>（</a:t>
+            </a:r>
+            <a:r>
+              <a:rPr lang="en-US" altLang="zh-CN" dirty="0" smtClean="0"/>
+              <a:t>174</a:t>
+            </a:r>
+            <a:r>
+              <a:rPr lang="zh-CN" altLang="en-US" dirty="0" smtClean="0"/>
+              <a:t>人）</a:t>
+            </a:r>
             <a:endParaRPr lang="zh-CN" altLang="en-US" dirty="0"/>
           </a:p>
         </p:txBody>
@@ -2964,38 +3289,120 @@
           <a:lstStyle/>
           <a:p>
             <a:r>
-              <a:rPr lang="zh-CN" altLang="en-US" sz="1200" b="1" dirty="0" smtClean="0"/>
-              <a:t>关闭本层门外</a:t>
-            </a:r>
-            <a:r>
-              <a:rPr lang="en-US" altLang="zh-CN" sz="1200" b="1" dirty="0" smtClean="0"/>
-              <a:t>up</a:t>
-            </a:r>
-            <a:r>
-              <a:rPr lang="zh-CN" altLang="en-US" sz="1200" b="1" dirty="0" smtClean="0"/>
-              <a:t>按钮，</a:t>
-            </a:r>
-            <a:r>
-              <a:rPr lang="en-US" altLang="zh-CN" sz="1200" b="1" dirty="0" err="1" smtClean="0"/>
-              <a:t>SetCallLight</a:t>
-            </a:r>
-            <a:r>
-              <a:rPr lang="en-US" altLang="zh-CN" sz="1200" b="1" dirty="0" smtClean="0"/>
-              <a:t>(); </a:t>
-            </a:r>
-            <a:r>
-              <a:rPr lang="zh-CN" altLang="en-US" sz="1200" b="1" dirty="0" smtClean="0"/>
-              <a:t>即消费门外</a:t>
-            </a:r>
-            <a:r>
-              <a:rPr lang="en-US" altLang="zh-CN" sz="1200" b="1" dirty="0" smtClean="0"/>
-              <a:t>up</a:t>
-            </a:r>
-            <a:r>
-              <a:rPr lang="zh-CN" altLang="en-US" sz="1200" b="1" dirty="0" smtClean="0"/>
-              <a:t>按钮，防止下一周期重复处理此按钮行为。</a:t>
-            </a:r>
-            <a:endParaRPr lang="zh-CN" altLang="en-US" dirty="0"/>
+              <a:rPr lang="en-US" altLang="zh-CN" dirty="0" err="1" smtClean="0"/>
+              <a:t>DoorClosed</a:t>
+            </a:r>
+            <a:r>
+              <a:rPr lang="zh-CN" altLang="en-US" dirty="0" smtClean="0"/>
+              <a:t>状态，在</a:t>
+            </a:r>
+            <a:r>
+              <a:rPr lang="en-US" altLang="zh-CN" dirty="0" smtClean="0"/>
+              <a:t>Idle</a:t>
+            </a:r>
+            <a:r>
+              <a:rPr lang="zh-CN" altLang="en-US" dirty="0" smtClean="0"/>
+              <a:t>状态表示了，因此不需要该状态。</a:t>
+            </a:r>
+            <a:r>
+              <a:rPr lang="en-US" altLang="zh-CN" dirty="0" smtClean="0"/>
+              <a:t>S9</a:t>
+            </a:r>
+            <a:r>
+              <a:rPr lang="zh-CN" altLang="en-US" dirty="0" smtClean="0"/>
+              <a:t>（关门结束）即完成</a:t>
+            </a:r>
+            <a:r>
+              <a:rPr lang="en-US" altLang="zh-CN" dirty="0" err="1" smtClean="0"/>
+              <a:t>DoorClosing</a:t>
+            </a:r>
+            <a:r>
+              <a:rPr lang="en-US" altLang="zh-CN" dirty="0" err="1" smtClean="0">
+                <a:sym typeface="Wingdings" pitchFamily="2" charset="2"/>
+              </a:rPr>
+              <a:t>Idle</a:t>
+            </a:r>
+            <a:r>
+              <a:rPr lang="zh-CN" altLang="en-US" dirty="0" smtClean="0">
+                <a:sym typeface="Wingdings" pitchFamily="2" charset="2"/>
+              </a:rPr>
+              <a:t>状态的变迁</a:t>
+            </a:r>
+            <a:endParaRPr lang="en-US" altLang="zh-CN" dirty="0" smtClean="0"/>
+          </a:p>
+          <a:p>
+            <a:r>
+              <a:rPr lang="en-US" altLang="zh-CN" dirty="0" err="1" smtClean="0"/>
+              <a:t>DoorOpening</a:t>
+            </a:r>
+            <a:r>
+              <a:rPr lang="zh-CN" altLang="en-US" dirty="0" smtClean="0"/>
+              <a:t>状态，在</a:t>
+            </a:r>
+            <a:r>
+              <a:rPr lang="en-US" altLang="zh-CN" dirty="0" err="1" smtClean="0"/>
+              <a:t>DoorOpen</a:t>
+            </a:r>
+            <a:r>
+              <a:rPr lang="zh-CN" altLang="en-US" dirty="0" smtClean="0"/>
+              <a:t>状态表示了。</a:t>
+            </a:r>
+            <a:r>
+              <a:rPr lang="en-US" altLang="zh-CN" dirty="0" smtClean="0"/>
+              <a:t>S7(</a:t>
+            </a:r>
+            <a:r>
+              <a:rPr lang="zh-CN" altLang="en-US" dirty="0" smtClean="0"/>
+              <a:t>开门结束</a:t>
+            </a:r>
+            <a:r>
+              <a:rPr lang="en-US" altLang="zh-CN" dirty="0" smtClean="0"/>
+              <a:t>)</a:t>
+            </a:r>
+            <a:r>
+              <a:rPr lang="zh-CN" altLang="en-US" dirty="0" smtClean="0"/>
+              <a:t>，</a:t>
+            </a:r>
+            <a:r>
+              <a:rPr lang="en-US" altLang="zh-CN" dirty="0" err="1" smtClean="0"/>
+              <a:t>DoorOpen</a:t>
+            </a:r>
+            <a:r>
+              <a:rPr lang="en-US" altLang="zh-CN" dirty="0" err="1" smtClean="0">
+                <a:sym typeface="Wingdings" pitchFamily="2" charset="2"/>
+              </a:rPr>
+              <a:t>DoorClosing</a:t>
+            </a:r>
+            <a:r>
+              <a:rPr lang="zh-CN" altLang="en-US" dirty="0" smtClean="0">
+                <a:sym typeface="Wingdings" pitchFamily="2" charset="2"/>
+              </a:rPr>
+              <a:t>状态变迁</a:t>
+            </a:r>
+            <a:endParaRPr lang="en-US" altLang="zh-CN" dirty="0" smtClean="0"/>
+          </a:p>
+          <a:p>
+            <a:r>
+              <a:rPr lang="en-US" altLang="zh-CN" sz="1200" b="1" dirty="0" smtClean="0">
+                <a:solidFill>
+                  <a:srgbClr val="FF0000"/>
+                </a:solidFill>
+              </a:rPr>
+              <a:t>Idle</a:t>
+            </a:r>
+            <a:r>
+              <a:rPr lang="zh-CN" altLang="en-US" sz="1200" b="1" dirty="0" smtClean="0">
+                <a:solidFill>
+                  <a:srgbClr val="FF0000"/>
+                </a:solidFill>
+              </a:rPr>
+              <a:t>状态，电梯停止在某楼层，门是关闭的，处于静止状态，等待相关事件的发生，从而转换到下一个状态。</a:t>
+            </a:r>
+            <a:endParaRPr lang="en-US" altLang="zh-CN" sz="1200" b="1" dirty="0" smtClean="0">
+              <a:solidFill>
+                <a:srgbClr val="FF0000"/>
+              </a:solidFill>
+            </a:endParaRPr>
           </a:p>
         </p:txBody>
       </p:sp>
@@ -3066,7 +3473,7 @@
               <a:pPr>
                 <a:defRPr/>
               </a:pPr>
-              <a:t>35</a:t>
+              <a:t>34</a:t>
             </a:fld>
             <a:endParaRPr lang="en-US" altLang="zh-CN"/>
           </a:p>
@@ -3075,7 +3482,7 @@
     </p:spTree>
     <p:extLst>
       <p:ext uri="{BB962C8B-B14F-4D97-AF65-F5344CB8AC3E}">
-        <p14:creationId xmlns:p14="http://schemas.microsoft.com/office/powerpoint/2010/main" val="1079216269"/>
+        <p14:creationId xmlns:p14="http://schemas.microsoft.com/office/powerpoint/2010/main" val="419539608"/>
       </p:ext>
     </p:extLst>
   </p:cSld>
@@ -3129,34 +3536,6 @@
           <a:bodyPr/>
           <a:lstStyle/>
           <a:p>
-            <a:r>
-              <a:rPr lang="en-US" altLang="zh-CN" sz="1200" b="1" dirty="0" smtClean="0"/>
-              <a:t> 1</a:t>
-            </a:r>
-            <a:r>
-              <a:rPr lang="zh-CN" altLang="en-US" sz="1200" b="1" dirty="0" smtClean="0"/>
-              <a:t>层以上，一定时间无动作，自动下降到</a:t>
-            </a:r>
-            <a:r>
-              <a:rPr lang="en-US" altLang="zh-CN" sz="1200" b="1" dirty="0" smtClean="0"/>
-              <a:t>1</a:t>
-            </a:r>
-            <a:r>
-              <a:rPr lang="zh-CN" altLang="en-US" sz="1200" b="1" dirty="0" smtClean="0"/>
-              <a:t>楼。</a:t>
-            </a:r>
-            <a:r>
-              <a:rPr lang="en-US" altLang="zh-CN" sz="1200" b="1" dirty="0" smtClean="0"/>
-              <a:t>AutoTo1Floor();[</a:t>
-            </a:r>
-            <a:r>
-              <a:rPr lang="zh-CN" altLang="en-US" sz="1200" b="1" dirty="0" smtClean="0"/>
-              <a:t>其它状态，取消此功能，</a:t>
-            </a:r>
-            <a:r>
-              <a:rPr lang="en-US" altLang="zh-CN" sz="1200" b="1" dirty="0" smtClean="0"/>
-              <a:t>CancelTo1Floor()]</a:t>
-            </a:r>
             <a:endParaRPr lang="zh-CN" altLang="en-US" dirty="0"/>
           </a:p>
         </p:txBody>
@@ -3228,7 +3607,7 @@
               <a:pPr>
                 <a:defRPr/>
               </a:pPr>
-              <a:t>36</a:t>
+              <a:t>35</a:t>
             </a:fld>
             <a:endParaRPr lang="en-US" altLang="zh-CN"/>
           </a:p>
@@ -3237,7 +3616,7 @@
     </p:spTree>
     <p:extLst>
       <p:ext uri="{BB962C8B-B14F-4D97-AF65-F5344CB8AC3E}">
-        <p14:creationId xmlns:p14="http://schemas.microsoft.com/office/powerpoint/2010/main" val="50609055"/>
+        <p14:creationId xmlns:p14="http://schemas.microsoft.com/office/powerpoint/2010/main" val="1079216269"/>
       </p:ext>
     </p:extLst>
   </p:cSld>
@@ -3291,6 +3670,34 @@
           <a:bodyPr/>
           <a:lstStyle/>
           <a:p>
+            <a:r>
+              <a:rPr lang="en-US" altLang="zh-CN" sz="1200" b="1" dirty="0" smtClean="0"/>
+              <a:t> 1</a:t>
+            </a:r>
+            <a:r>
+              <a:rPr lang="zh-CN" altLang="en-US" sz="1200" b="1" dirty="0" smtClean="0"/>
+              <a:t>层以上，一定时间无动作，自动下降到</a:t>
+            </a:r>
+            <a:r>
+              <a:rPr lang="en-US" altLang="zh-CN" sz="1200" b="1" dirty="0" smtClean="0"/>
+              <a:t>1</a:t>
+            </a:r>
+            <a:r>
+              <a:rPr lang="zh-CN" altLang="en-US" sz="1200" b="1" dirty="0" smtClean="0"/>
+              <a:t>楼。</a:t>
+            </a:r>
+            <a:r>
+              <a:rPr lang="en-US" altLang="zh-CN" sz="1200" b="1" dirty="0" smtClean="0"/>
+              <a:t>AutoTo1Floor();[</a:t>
+            </a:r>
+            <a:r>
+              <a:rPr lang="zh-CN" altLang="en-US" sz="1200" b="1" dirty="0" smtClean="0"/>
+              <a:t>其它状态，取消此功能，</a:t>
+            </a:r>
+            <a:r>
+              <a:rPr lang="en-US" altLang="zh-CN" sz="1200" b="1" dirty="0" smtClean="0"/>
+              <a:t>CancelTo1Floor()]</a:t>
+            </a:r>
             <a:endParaRPr lang="zh-CN" altLang="en-US" dirty="0"/>
           </a:p>
         </p:txBody>
@@ -3362,7 +3769,7 @@
               <a:pPr>
                 <a:defRPr/>
               </a:pPr>
-              <a:t>37</a:t>
+              <a:t>36</a:t>
             </a:fld>
             <a:endParaRPr lang="en-US" altLang="zh-CN"/>
           </a:p>
@@ -3371,7 +3778,7 @@
     </p:spTree>
     <p:extLst>
       <p:ext uri="{BB962C8B-B14F-4D97-AF65-F5344CB8AC3E}">
-        <p14:creationId xmlns:p14="http://schemas.microsoft.com/office/powerpoint/2010/main" val="363528575"/>
+        <p14:creationId xmlns:p14="http://schemas.microsoft.com/office/powerpoint/2010/main" val="50609055"/>
       </p:ext>
     </p:extLst>
   </p:cSld>
@@ -3660,7 +4067,7 @@
           <a:p>
             <a:fld id="{9B897E2D-957B-4D9D-A0C2-5B7D912FC07C}" type="datetime10">
               <a:rPr lang="zh-CN" altLang="en-US" smtClean="0"/>
-              <a:t>09:05</a:t>
+              <a:t>15:33</a:t>
             </a:fld>
             <a:endParaRPr lang="zh-CN" altLang="en-US"/>
           </a:p>
@@ -3873,7 +4280,7 @@
           <a:p>
             <a:fld id="{FEB5EFE7-A783-4554-B77F-DF14040FF23C}" type="datetime10">
               <a:rPr lang="zh-CN" altLang="en-US" smtClean="0"/>
-              <a:t>09:05</a:t>
+              <a:t>15:33</a:t>
             </a:fld>
             <a:endParaRPr lang="zh-CN" altLang="en-US"/>
           </a:p>
@@ -4183,7 +4590,7 @@
           <a:p>
             <a:fld id="{FAE39FCF-E57F-4C7B-8DA8-2F4FAAA6797D}" type="datetime10">
               <a:rPr lang="zh-CN" altLang="en-US" smtClean="0"/>
-              <a:t>09:05</a:t>
+              <a:t>15:33</a:t>
             </a:fld>
             <a:endParaRPr lang="zh-CN" altLang="en-US"/>
           </a:p>
@@ -4358,7 +4765,7 @@
           <a:p>
             <a:fld id="{027287E7-C195-4956-AB5F-C5E4FB6E648D}" type="datetime10">
               <a:rPr lang="zh-CN" altLang="en-US" smtClean="0"/>
-              <a:t>09:05</a:t>
+              <a:t>15:33</a:t>
             </a:fld>
             <a:endParaRPr lang="zh-CN" altLang="en-US"/>
           </a:p>
@@ -4482,7 +4889,7 @@
           <a:p>
             <a:fld id="{2BC22A67-3ECF-487E-A853-13104F322C26}" type="datetime10">
               <a:rPr lang="zh-CN" altLang="en-US" smtClean="0"/>
-              <a:t>09:05</a:t>
+              <a:t>15:33</a:t>
             </a:fld>
             <a:endParaRPr lang="zh-CN" altLang="en-US"/>
           </a:p>
@@ -4943,7 +5350,7 @@
           <a:p>
             <a:fld id="{CDF13AE3-D21E-49E3-A634-69B00BCC8341}" type="datetime10">
               <a:rPr lang="zh-CN" altLang="en-US" smtClean="0"/>
-              <a:t>09:05</a:t>
+              <a:t>15:33</a:t>
             </a:fld>
             <a:endParaRPr lang="zh-CN" altLang="en-US"/>
           </a:p>
@@ -6474,7 +6881,7 @@
           <a:p>
             <a:fld id="{D4B924C2-6AF3-4CA9-B4C1-E65BE2C5A8D2}" type="datetime10">
               <a:rPr lang="zh-CN" altLang="en-US" smtClean="0"/>
-              <a:t>09:05</a:t>
+              <a:t>15:33</a:t>
             </a:fld>
             <a:endParaRPr lang="zh-CN" altLang="en-US"/>
           </a:p>
@@ -6724,7 +7131,7 @@
           <a:p>
             <a:fld id="{1DF8ECE8-2F79-442C-B009-BF24F53FEA95}" type="datetime10">
               <a:rPr lang="zh-CN" altLang="en-US" smtClean="0"/>
-              <a:t>09:05</a:t>
+              <a:t>15:33</a:t>
             </a:fld>
             <a:endParaRPr lang="zh-CN" altLang="en-US"/>
           </a:p>
@@ -7124,7 +7531,7 @@
           <a:p>
             <a:fld id="{BD558A68-2CCC-49FA-A58C-536E17F3B137}" type="datetime10">
               <a:rPr lang="zh-CN" altLang="en-US" smtClean="0"/>
-              <a:t>09:05</a:t>
+              <a:t>15:33</a:t>
             </a:fld>
             <a:endParaRPr lang="zh-CN" altLang="en-US"/>
           </a:p>
@@ -7524,7 +7931,7 @@
           <a:p>
             <a:fld id="{1901CB65-9D5A-4CA6-98E1-6B263BA07C5F}" type="datetime10">
               <a:rPr lang="zh-CN" altLang="en-US" smtClean="0"/>
-              <a:t>09:05</a:t>
+              <a:t>15:33</a:t>
             </a:fld>
             <a:endParaRPr lang="zh-CN" altLang="en-US"/>
           </a:p>
@@ -8431,7 +8838,7 @@
           <a:p>
             <a:fld id="{C503C4C8-8C25-4B5F-9CBC-FB43B2AE1AF3}" type="datetime10">
               <a:rPr lang="zh-CN" altLang="en-US" smtClean="0"/>
-              <a:t>09:05</a:t>
+              <a:t>15:33</a:t>
             </a:fld>
             <a:endParaRPr lang="zh-CN" altLang="en-US"/>
           </a:p>
@@ -9322,7 +9729,7 @@
           <a:p>
             <a:fld id="{E94650C5-04D2-4978-9CD7-FA728BF25977}" type="datetime10">
               <a:rPr lang="zh-CN" altLang="en-US" smtClean="0"/>
-              <a:t>09:05</a:t>
+              <a:t>15:33</a:t>
             </a:fld>
             <a:endParaRPr lang="zh-CN" altLang="en-US"/>
           </a:p>
@@ -10183,7 +10590,7 @@
           <a:p>
             <a:fld id="{57A94393-DCF7-403D-A87F-F244F11AA608}" type="datetime10">
               <a:rPr lang="zh-CN" altLang="en-US" smtClean="0"/>
-              <a:t>09:05</a:t>
+              <a:t>15:33</a:t>
             </a:fld>
             <a:endParaRPr lang="zh-CN" altLang="en-US"/>
           </a:p>
@@ -10540,7 +10947,7 @@
           <a:p>
             <a:fld id="{6606D06D-BD90-4ECE-83BA-BFB60DA6A5BE}" type="datetime10">
               <a:rPr lang="zh-CN" altLang="en-US" smtClean="0"/>
-              <a:t>09:05</a:t>
+              <a:t>15:33</a:t>
             </a:fld>
             <a:endParaRPr lang="zh-CN" altLang="en-US"/>
           </a:p>
@@ -11065,7 +11472,7 @@
           <a:p>
             <a:fld id="{EB5ADC9E-F51B-47BE-99D3-DA62903491B0}" type="datetime10">
               <a:rPr lang="zh-CN" altLang="en-US" smtClean="0"/>
-              <a:t>09:05</a:t>
+              <a:t>15:33</a:t>
             </a:fld>
             <a:endParaRPr lang="zh-CN" altLang="en-US"/>
           </a:p>
@@ -11858,7 +12265,7 @@
           <a:p>
             <a:fld id="{5B15ED53-32A7-4FF4-BF75-7A0619B23433}" type="datetime10">
               <a:rPr lang="zh-CN" altLang="en-US" smtClean="0"/>
-              <a:t>09:05</a:t>
+              <a:t>15:33</a:t>
             </a:fld>
             <a:endParaRPr lang="zh-CN" altLang="en-US"/>
           </a:p>
@@ -12101,7 +12508,7 @@
           <a:p>
             <a:fld id="{2C1DB555-715E-4CC2-8236-9766A92FC189}" type="datetime10">
               <a:rPr lang="zh-CN" altLang="en-US" smtClean="0"/>
-              <a:t>09:05</a:t>
+              <a:t>15:33</a:t>
             </a:fld>
             <a:endParaRPr lang="zh-CN" altLang="en-US"/>
           </a:p>
@@ -12585,7 +12992,7 @@
           <a:p>
             <a:fld id="{E2546516-918C-4B93-8C28-8B85FDF9AEFB}" type="datetime10">
               <a:rPr lang="zh-CN" altLang="en-US" smtClean="0"/>
-              <a:t>09:05</a:t>
+              <a:t>15:33</a:t>
             </a:fld>
             <a:endParaRPr lang="zh-CN" altLang="en-US"/>
           </a:p>
@@ -13670,7 +14077,7 @@
           <a:p>
             <a:fld id="{9E518833-6C06-484D-8281-4FEA42096733}" type="datetime10">
               <a:rPr lang="zh-CN" altLang="en-US" smtClean="0"/>
-              <a:t>09:05</a:t>
+              <a:t>15:33</a:t>
             </a:fld>
             <a:endParaRPr lang="zh-CN" altLang="en-US"/>
           </a:p>
@@ -13890,7 +14297,7 @@
           <a:p>
             <a:fld id="{80F8C20A-6B4D-4497-8FEB-052C47EB3E84}" type="datetime10">
               <a:rPr lang="zh-CN" altLang="en-US" smtClean="0"/>
-              <a:t>09:05</a:t>
+              <a:t>15:33</a:t>
             </a:fld>
             <a:endParaRPr lang="zh-CN" altLang="en-US"/>
           </a:p>
@@ -14112,7 +14519,7 @@
           <a:p>
             <a:fld id="{27B67446-34F8-4747-A347-013A8B8DA8E4}" type="datetime10">
               <a:rPr lang="zh-CN" altLang="en-US" smtClean="0"/>
-              <a:t>09:05</a:t>
+              <a:t>15:33</a:t>
             </a:fld>
             <a:endParaRPr lang="zh-CN" altLang="en-US"/>
           </a:p>
@@ -15269,7 +15676,7 @@
           <a:p>
             <a:fld id="{E56CF979-7C5D-4B42-A02B-605B7DC1861E}" type="datetime10">
               <a:rPr lang="zh-CN" altLang="en-US" smtClean="0"/>
-              <a:t>09:05</a:t>
+              <a:t>15:33</a:t>
             </a:fld>
             <a:endParaRPr lang="zh-CN" altLang="en-US"/>
           </a:p>
@@ -15491,7 +15898,7 @@
           <a:p>
             <a:fld id="{5F37A737-29F8-4039-87B5-EF61464426AE}" type="datetime10">
               <a:rPr lang="zh-CN" altLang="en-US" smtClean="0"/>
-              <a:t>09:05</a:t>
+              <a:t>15:33</a:t>
             </a:fld>
             <a:endParaRPr lang="zh-CN" altLang="en-US"/>
           </a:p>
@@ -15913,7 +16320,7 @@
           <a:p>
             <a:fld id="{8D1F04B0-10ED-43F8-837A-0961035CB7FD}" type="datetime10">
               <a:rPr lang="zh-CN" altLang="en-US" smtClean="0"/>
-              <a:t>09:05</a:t>
+              <a:t>15:33</a:t>
             </a:fld>
             <a:endParaRPr lang="zh-CN" altLang="en-US"/>
           </a:p>
@@ -16279,7 +16686,7 @@
           <a:p>
             <a:fld id="{B87535FB-A371-4F35-9B28-911E89E9053A}" type="datetime10">
               <a:rPr lang="zh-CN" altLang="en-US" smtClean="0"/>
-              <a:t>09:05</a:t>
+              <a:t>15:33</a:t>
             </a:fld>
             <a:endParaRPr lang="zh-CN" altLang="en-US"/>
           </a:p>
@@ -16590,7 +16997,7 @@
           <a:p>
             <a:fld id="{806108C5-AE88-47AA-BB8B-5FD69F4B1CCD}" type="datetime10">
               <a:rPr lang="zh-CN" altLang="en-US" smtClean="0"/>
-              <a:t>09:05</a:t>
+              <a:t>15:33</a:t>
             </a:fld>
             <a:endParaRPr lang="zh-CN" altLang="en-US"/>
           </a:p>
@@ -16878,15 +17285,7 @@
                   <a:srgbClr val="FF0000"/>
                 </a:solidFill>
               </a:rPr>
-              <a:t>状态机</a:t>
-            </a:r>
-            <a:r>
-              <a:rPr lang="zh-CN" altLang="en-US" dirty="0" smtClean="0">
-                <a:solidFill>
-                  <a:srgbClr val="FF0000"/>
-                </a:solidFill>
-              </a:rPr>
-              <a:t>代码（填空完成编码）</a:t>
+              <a:t>状态机代码（填空完成编码）</a:t>
             </a:r>
             <a:endParaRPr lang="en-US" altLang="zh-CN" dirty="0">
               <a:solidFill>
@@ -17011,7 +17410,7 @@
           <a:p>
             <a:fld id="{A96F25E7-7818-4997-A486-52F03BB724F4}" type="datetime10">
               <a:rPr lang="zh-CN" altLang="en-US" smtClean="0"/>
-              <a:t>09:05</a:t>
+              <a:t>15:33</a:t>
             </a:fld>
             <a:endParaRPr lang="zh-CN" altLang="en-US" dirty="0"/>
           </a:p>
@@ -17111,7 +17510,7 @@
         <p:spPr>
           <a:xfrm>
             <a:off x="179512" y="1700808"/>
-            <a:ext cx="8784976" cy="4524315"/>
+            <a:ext cx="8784976" cy="3970318"/>
           </a:xfrm>
           <a:prstGeom prst="rect">
             <a:avLst/>
@@ -17146,7 +17545,11 @@
             </a:r>
             <a:r>
               <a:rPr lang="zh-CN" altLang="en-US" sz="2400" dirty="0" smtClean="0"/>
-              <a:t>周星期三（</a:t>
+              <a:t>周三</a:t>
+            </a:r>
+            <a:r>
+              <a:rPr lang="zh-CN" altLang="en-US" sz="2400" dirty="0" smtClean="0"/>
+              <a:t>（</a:t>
             </a:r>
             <a:r>
               <a:rPr lang="en-US" altLang="zh-CN" sz="2400" dirty="0" smtClean="0"/>
@@ -17182,8 +17585,9 @@
             </a:r>
             <a:r>
               <a:rPr lang="en-US" altLang="zh-CN" sz="2400" dirty="0" smtClean="0"/>
-              <a:t>I219</a:t>
-            </a:r>
+              <a:t>I-223</a:t>
+            </a:r>
+            <a:endParaRPr lang="en-US" altLang="zh-CN" sz="2400" dirty="0" smtClean="0"/>
           </a:p>
           <a:p>
             <a:pPr marL="342900" indent="-342900">
@@ -17195,15 +17599,23 @@
             </a:pPr>
             <a:r>
               <a:rPr lang="zh-CN" altLang="en-US" sz="2400" dirty="0" smtClean="0"/>
-              <a:t>辅导答疑时间：第</a:t>
-            </a:r>
-            <a:r>
-              <a:rPr lang="en-US" altLang="zh-CN" sz="2400" dirty="0" smtClean="0"/>
-              <a:t>12</a:t>
+              <a:t>辅导答疑时间</a:t>
             </a:r>
             <a:r>
               <a:rPr lang="zh-CN" altLang="en-US" sz="2400" dirty="0" smtClean="0"/>
-              <a:t>周星期二、四晚上信远</a:t>
+              <a:t>：</a:t>
+            </a:r>
+            <a:r>
+              <a:rPr lang="zh-CN" altLang="en-US" sz="2400" dirty="0" smtClean="0"/>
+              <a:t>下周</a:t>
+            </a:r>
+            <a:r>
+              <a:rPr lang="zh-CN" altLang="en-US" sz="2400" dirty="0" smtClean="0"/>
+              <a:t>二、四</a:t>
+            </a:r>
+            <a:r>
+              <a:rPr lang="zh-CN" altLang="en-US" sz="2400" dirty="0" smtClean="0"/>
+              <a:t>晚上信远</a:t>
             </a:r>
             <a:r>
               <a:rPr lang="en-US" altLang="zh-CN" sz="2400" dirty="0" smtClean="0"/>
@@ -17232,16 +17644,20 @@
               <a:buChar char="Ø"/>
             </a:pPr>
             <a:r>
+              <a:rPr lang="zh-CN" altLang="en-US" sz="2400" dirty="0"/>
+              <a:t>下</a:t>
+            </a:r>
+            <a:r>
               <a:rPr lang="zh-CN" altLang="en-US" sz="2400" dirty="0" smtClean="0"/>
-              <a:t>第</a:t>
-            </a:r>
-            <a:r>
-              <a:rPr lang="en-US" altLang="zh-CN" sz="2400" dirty="0" smtClean="0"/>
-              <a:t>12</a:t>
+              <a:t>周</a:t>
             </a:r>
             <a:r>
               <a:rPr lang="zh-CN" altLang="en-US" sz="2400" dirty="0" smtClean="0"/>
-              <a:t>周星期四（</a:t>
+              <a:t>四</a:t>
+            </a:r>
+            <a:r>
+              <a:rPr lang="zh-CN" altLang="en-US" sz="2400" dirty="0" smtClean="0"/>
+              <a:t>（</a:t>
             </a:r>
             <a:r>
               <a:rPr lang="en-US" altLang="zh-CN" sz="2400" dirty="0" smtClean="0"/>
@@ -17305,23 +17721,15 @@
             </a:r>
             <a:r>
               <a:rPr lang="zh-CN" altLang="en-US" sz="2400" dirty="0" smtClean="0"/>
-              <a:t>，认真研读；编写</a:t>
-            </a:r>
-            <a:r>
-              <a:rPr lang="zh-CN" altLang="en-US" sz="2400" smtClean="0"/>
-              <a:t>程序代码；</a:t>
-            </a:r>
-            <a:r>
-              <a:rPr lang="zh-CN" altLang="en-US" sz="2400"/>
+              <a:t>，认真研读；编写程序代码；</a:t>
+            </a:r>
+            <a:r>
+              <a:rPr lang="zh-CN" altLang="en-US" sz="2400" dirty="0"/>
               <a:t>提高</a:t>
             </a:r>
             <a:r>
-              <a:rPr lang="zh-CN" altLang="en-US" sz="2400" smtClean="0"/>
-              <a:t>辅导</a:t>
-            </a:r>
-            <a:r>
               <a:rPr lang="zh-CN" altLang="en-US" sz="2400" dirty="0" smtClean="0"/>
-              <a:t>答疑的效率。</a:t>
+              <a:t>辅导答疑的效率。</a:t>
             </a:r>
             <a:endParaRPr lang="en-US" altLang="zh-CN" sz="2400" dirty="0"/>
           </a:p>
@@ -17394,7 +17802,7 @@
           <a:p>
             <a:fld id="{E19C31DD-5C22-46AF-B21A-BFD9140BE8D8}" type="datetime10">
               <a:rPr lang="zh-CN" altLang="en-US" smtClean="0"/>
-              <a:t>09:05</a:t>
+              <a:t>15:33</a:t>
             </a:fld>
             <a:endParaRPr lang="zh-CN" altLang="en-US"/>
           </a:p>
@@ -18079,7 +18487,7 @@
           <a:p>
             <a:fld id="{ECDCA962-CA37-431E-A9AD-A883F0E3A72A}" type="datetime10">
               <a:rPr lang="zh-CN" altLang="en-US" smtClean="0"/>
-              <a:t>09:05</a:t>
+              <a:t>15:33</a:t>
             </a:fld>
             <a:endParaRPr lang="zh-CN" altLang="en-US"/>
           </a:p>
@@ -18626,7 +19034,7 @@
           <a:p>
             <a:fld id="{0504BC3E-8B07-48AF-AAA5-D94DBE3626EA}" type="datetime10">
               <a:rPr lang="zh-CN" altLang="en-US" smtClean="0"/>
-              <a:t>09:05</a:t>
+              <a:t>15:33</a:t>
             </a:fld>
             <a:endParaRPr lang="zh-CN" altLang="en-US"/>
           </a:p>
@@ -18804,11 +19212,7 @@
             </a:pPr>
             <a:r>
               <a:rPr lang="zh-CN" altLang="en-US" sz="2400" dirty="0" smtClean="0"/>
-              <a:t>用流程图</a:t>
-            </a:r>
-            <a:r>
-              <a:rPr lang="zh-CN" altLang="en-US" sz="2400" dirty="0" smtClean="0"/>
-              <a:t>描述</a:t>
+              <a:t>用流程图描述</a:t>
             </a:r>
             <a:r>
               <a:rPr lang="zh-CN" altLang="en-US" sz="2400" dirty="0"/>
@@ -18816,11 +19220,7 @@
             </a:r>
             <a:r>
               <a:rPr lang="zh-CN" altLang="en-US" sz="2400" dirty="0" smtClean="0"/>
-              <a:t>状态</a:t>
-            </a:r>
-            <a:r>
-              <a:rPr lang="zh-CN" altLang="en-US" sz="2400" dirty="0" smtClean="0"/>
-              <a:t>函数。</a:t>
+              <a:t>状态函数。</a:t>
             </a:r>
             <a:endParaRPr lang="en-US" altLang="zh-CN" sz="2400" dirty="0" smtClean="0"/>
           </a:p>
@@ -19042,7 +19442,7 @@
           <a:p>
             <a:fld id="{E19C31DD-5C22-46AF-B21A-BFD9140BE8D8}" type="datetime10">
               <a:rPr lang="zh-CN" altLang="en-US" smtClean="0"/>
-              <a:t>09:05</a:t>
+              <a:t>15:33</a:t>
             </a:fld>
             <a:endParaRPr lang="zh-CN" altLang="en-US"/>
           </a:p>
@@ -19273,7 +19673,7 @@
           <a:p>
             <a:fld id="{F70C1397-6B38-4600-BAA3-4520FF6B7512}" type="datetime10">
               <a:rPr lang="zh-CN" altLang="en-US" smtClean="0"/>
-              <a:t>09:05</a:t>
+              <a:t>15:33</a:t>
             </a:fld>
             <a:endParaRPr lang="zh-CN" altLang="en-US"/>
           </a:p>
@@ -19373,7 +19773,7 @@
           <p:nvPr/>
         </p:nvPicPr>
         <p:blipFill>
-          <a:blip r:embed="rId2">
+          <a:blip r:embed="rId3">
             <a:extLst>
               <a:ext uri="{28A0092B-C50C-407E-A947-70E740481C1C}">
                 <a14:useLocalDpi xmlns:a14="http://schemas.microsoft.com/office/drawing/2010/main" val="0"/>
@@ -19387,7 +19787,7 @@
         </p:blipFill>
         <p:spPr bwMode="auto">
           <a:xfrm>
-            <a:off x="335330" y="876459"/>
+            <a:off x="335330" y="476672"/>
             <a:ext cx="5578688" cy="3344629"/>
           </a:xfrm>
           <a:prstGeom prst="rect">
@@ -19430,14 +19830,14 @@
           <p:nvPr>
             <p:extLst>
               <p:ext uri="{D42A27DB-BD31-4B8C-83A1-F6EECF244321}">
-                <p14:modId xmlns:p14="http://schemas.microsoft.com/office/powerpoint/2010/main" val="2951499537"/>
+                <p14:modId xmlns:p14="http://schemas.microsoft.com/office/powerpoint/2010/main" val="2229622898"/>
               </p:ext>
             </p:extLst>
           </p:nvPr>
         </p:nvGraphicFramePr>
         <p:xfrm>
-          <a:off x="1907703" y="4077072"/>
-          <a:ext cx="7128793" cy="2225040"/>
+          <a:off x="107504" y="4077072"/>
+          <a:ext cx="8928992" cy="2225040"/>
         </p:xfrm>
         <a:graphic>
           <a:graphicData uri="http://schemas.openxmlformats.org/drawingml/2006/table">
@@ -19446,10 +19846,25 @@
                 <a:tableStyleId>{616DA210-FB5B-4158-B5E0-FEB733F419BA}</a:tableStyleId>
               </a:tblPr>
               <a:tblGrid>
-                <a:gridCol w="2088232"/>
-                <a:gridCol w="5040561"/>
+                <a:gridCol w="1753908"/>
+                <a:gridCol w="2292041"/>
+                <a:gridCol w="4883043"/>
               </a:tblGrid>
               <a:tr h="370840">
+                <a:tc>
+                  <a:txBody>
+                    <a:bodyPr/>
+                    <a:lstStyle/>
+                    <a:p>
+                      <a:r>
+                        <a:rPr lang="zh-CN" altLang="en-US" dirty="0" smtClean="0"/>
+                        <a:t>状态常数</a:t>
+                      </a:r>
+                      <a:endParaRPr lang="zh-CN" altLang="en-US" dirty="0"/>
+                    </a:p>
+                  </a:txBody>
+                  <a:tcPr/>
+                </a:tc>
                 <a:tc>
                   <a:txBody>
                     <a:bodyPr/>
@@ -19480,6 +19895,20 @@
                 </a:tc>
               </a:tr>
               <a:tr h="370840">
+                <a:tc>
+                  <a:txBody>
+                    <a:bodyPr/>
+                    <a:lstStyle/>
+                    <a:p>
+                      <a:r>
+                        <a:rPr lang="en-US" altLang="zh-CN" dirty="0" smtClean="0"/>
+                        <a:t>Idle</a:t>
+                      </a:r>
+                      <a:endParaRPr lang="zh-CN" altLang="en-US" dirty="0"/>
+                    </a:p>
+                  </a:txBody>
+                  <a:tcPr/>
+                </a:tc>
                 <a:tc>
                   <a:txBody>
                     <a:bodyPr/>
@@ -19517,6 +19946,20 @@
                     <a:p>
                       <a:r>
                         <a:rPr lang="en-US" altLang="zh-CN" dirty="0" err="1" smtClean="0"/>
+                        <a:t>MovingUp</a:t>
+                      </a:r>
+                      <a:endParaRPr lang="zh-CN" altLang="en-US" dirty="0"/>
+                    </a:p>
+                  </a:txBody>
+                  <a:tcPr/>
+                </a:tc>
+                <a:tc>
+                  <a:txBody>
+                    <a:bodyPr/>
+                    <a:lstStyle/>
+                    <a:p>
+                      <a:r>
+                        <a:rPr lang="en-US" altLang="zh-CN" dirty="0" err="1" smtClean="0"/>
                         <a:t>StateMovingUp</a:t>
                       </a:r>
                       <a:endParaRPr lang="zh-CN" altLang="en-US" dirty="0"/>
@@ -19540,6 +19983,20 @@
                 </a:tc>
               </a:tr>
               <a:tr h="370840">
+                <a:tc>
+                  <a:txBody>
+                    <a:bodyPr/>
+                    <a:lstStyle/>
+                    <a:p>
+                      <a:r>
+                        <a:rPr lang="en-US" altLang="zh-CN" dirty="0" err="1" smtClean="0"/>
+                        <a:t>MovingDown</a:t>
+                      </a:r>
+                      <a:endParaRPr lang="zh-CN" altLang="en-US" dirty="0"/>
+                    </a:p>
+                  </a:txBody>
+                  <a:tcPr/>
+                </a:tc>
                 <a:tc>
                   <a:txBody>
                     <a:bodyPr/>
@@ -19577,6 +20034,20 @@
                     <a:p>
                       <a:r>
                         <a:rPr lang="en-US" altLang="zh-CN" dirty="0" err="1" smtClean="0"/>
+                        <a:t>DoorOpen</a:t>
+                      </a:r>
+                      <a:endParaRPr lang="zh-CN" altLang="en-US" dirty="0"/>
+                    </a:p>
+                  </a:txBody>
+                  <a:tcPr/>
+                </a:tc>
+                <a:tc>
+                  <a:txBody>
+                    <a:bodyPr/>
+                    <a:lstStyle/>
+                    <a:p>
+                      <a:r>
+                        <a:rPr lang="en-US" altLang="zh-CN" dirty="0" err="1" smtClean="0"/>
                         <a:t>StateDoorOpen</a:t>
                       </a:r>
                       <a:endParaRPr lang="zh-CN" altLang="en-US" dirty="0"/>
@@ -19600,6 +20071,20 @@
                 </a:tc>
               </a:tr>
               <a:tr h="370840">
+                <a:tc>
+                  <a:txBody>
+                    <a:bodyPr/>
+                    <a:lstStyle/>
+                    <a:p>
+                      <a:r>
+                        <a:rPr lang="en-US" altLang="zh-CN" dirty="0" err="1" smtClean="0"/>
+                        <a:t>DoorClosing</a:t>
+                      </a:r>
+                      <a:endParaRPr lang="zh-CN" altLang="en-US" dirty="0"/>
+                    </a:p>
+                  </a:txBody>
+                  <a:tcPr/>
+                </a:tc>
                 <a:tc>
                   <a:txBody>
                     <a:bodyPr/>
@@ -19700,7 +20185,7 @@
           <a:p>
             <a:fld id="{062F2478-A231-4DD8-90F0-17632984B186}" type="datetime10">
               <a:rPr lang="zh-CN" altLang="en-US" smtClean="0"/>
-              <a:t>09:05</a:t>
+              <a:t>16:17</a:t>
             </a:fld>
             <a:endParaRPr lang="zh-CN" altLang="en-US"/>
           </a:p>
@@ -20148,37 +20633,71 @@
             </a:r>
             <a:r>
               <a:rPr lang="en-US" altLang="zh-CN" sz="2000" b="1" dirty="0" smtClean="0"/>
-              <a:t>      </a:t>
+              <a:t>       </a:t>
+            </a:r>
+            <a:r>
+              <a:rPr lang="en-US" altLang="zh-CN" sz="2000" b="1" dirty="0" err="1"/>
+              <a:t>int</a:t>
+            </a:r>
+            <a:r>
+              <a:rPr lang="en-US" altLang="zh-CN" sz="2000" b="1" dirty="0"/>
+              <a:t> </a:t>
+            </a:r>
+            <a:r>
+              <a:rPr lang="en-US" altLang="zh-CN" sz="2000" b="1" dirty="0" smtClean="0"/>
+              <a:t>floor; </a:t>
+            </a:r>
+            <a:r>
+              <a:rPr lang="en-US" altLang="zh-CN" sz="2000" b="1" dirty="0" err="1" smtClean="0"/>
+              <a:t>bool</a:t>
             </a:r>
             <a:r>
               <a:rPr lang="en-US" altLang="zh-CN" sz="2000" b="1" dirty="0" smtClean="0"/>
               <a:t> </a:t>
             </a:r>
             <a:r>
-              <a:rPr lang="en-US" altLang="zh-CN" sz="2000" b="1" dirty="0" err="1"/>
-              <a:t>int</a:t>
-            </a:r>
+              <a:rPr lang="en-US" altLang="zh-CN" sz="2000" b="1" dirty="0"/>
+              <a:t>up; </a:t>
+            </a:r>
+            <a:endParaRPr lang="en-US" altLang="zh-CN" sz="2000" b="1" dirty="0" smtClean="0"/>
+          </a:p>
+          <a:p>
             <a:r>
               <a:rPr lang="en-US" altLang="zh-CN" sz="2000" b="1" dirty="0"/>
               <a:t> </a:t>
             </a:r>
             <a:r>
               <a:rPr lang="en-US" altLang="zh-CN" sz="2000" b="1" dirty="0" smtClean="0"/>
-              <a:t>floor; </a:t>
+              <a:t>       </a:t>
+            </a:r>
+            <a:r>
+              <a:rPr lang="zh-CN" altLang="en-US" sz="2000" b="1" dirty="0" smtClean="0"/>
+              <a:t>目标楼层</a:t>
+            </a:r>
+            <a:r>
+              <a:rPr lang="en-US" altLang="zh-CN" sz="2000" b="1" dirty="0" smtClean="0"/>
+              <a:t>floor=</a:t>
             </a:r>
             <a:r>
               <a:rPr lang="en-US" altLang="zh-CN" sz="2000" b="1" dirty="0" err="1" smtClean="0"/>
-              <a:t>bool</a:t>
+              <a:t>IdleWhatFloorToGoTo</a:t>
+            </a:r>
+            <a:r>
+              <a:rPr lang="en-US" altLang="zh-CN" sz="2000" b="1" dirty="0"/>
+              <a:t>(&amp;up</a:t>
             </a:r>
             <a:r>
               <a:rPr lang="en-US" altLang="zh-CN" sz="2000" b="1" dirty="0" smtClean="0"/>
-              <a:t> </a:t>
-            </a:r>
-            <a:r>
-              <a:rPr lang="en-US" altLang="zh-CN" sz="2000" b="1" dirty="0"/>
-              <a:t>up; </a:t>
-            </a:r>
-            <a:endParaRPr lang="en-US" altLang="zh-CN" sz="2000" b="1" dirty="0" smtClean="0"/>
+              <a:t>); </a:t>
+            </a:r>
+            <a:r>
+              <a:rPr lang="en-US" altLang="zh-CN" sz="2000" b="1" dirty="0" smtClean="0">
+                <a:solidFill>
+                  <a:srgbClr val="FF0000"/>
+                </a:solidFill>
+              </a:rPr>
+              <a:t>// Event</a:t>
+            </a:r>
           </a:p>
           <a:p>
             <a:r>
@@ -20187,58 +20706,7 @@
             </a:r>
             <a:r>
               <a:rPr lang="en-US" altLang="zh-CN" sz="2000" b="1" dirty="0" smtClean="0"/>
-              <a:t>       </a:t>
-            </a:r>
-            <a:r>
-              <a:rPr lang="zh-CN" altLang="en-US" sz="2000" b="1" dirty="0" smtClean="0"/>
-              <a:t>目标楼层</a:t>
-            </a:r>
-            <a:r>
-              <a:rPr lang="en-US" altLang="zh-CN" sz="2000" b="1" dirty="0" smtClean="0"/>
-              <a:t>floor=</a:t>
-            </a:r>
-            <a:r>
-              <a:rPr lang="en-US" altLang="zh-CN" sz="2000" b="1" dirty="0" err="1" smtClean="0"/>
-              <a:t>IdleWhatFloorToGoTo</a:t>
-            </a:r>
-            <a:r>
-              <a:rPr lang="en-US" altLang="zh-CN" sz="2000" b="1" dirty="0"/>
-              <a:t>(&amp;up</a:t>
-            </a:r>
-            <a:r>
-              <a:rPr lang="en-US" altLang="zh-CN" sz="2000" b="1" dirty="0" smtClean="0"/>
-              <a:t>); </a:t>
-            </a:r>
-            <a:r>
-              <a:rPr lang="en-US" altLang="zh-CN" sz="2000" b="1" dirty="0" smtClean="0">
-                <a:solidFill>
-                  <a:srgbClr val="FF0000"/>
-                </a:solidFill>
-              </a:rPr>
-              <a:t>// Event</a:t>
-            </a:r>
-            <a:endParaRPr lang="en-US" altLang="zh-CN" sz="2000" b="1" dirty="0" smtClean="0">
-              <a:solidFill>
-                <a:srgbClr val="FF0000"/>
-              </a:solidFill>
-            </a:endParaRPr>
-          </a:p>
-          <a:p>
-            <a:r>
-              <a:rPr lang="en-US" altLang="zh-CN" sz="2000" b="1" dirty="0"/>
-              <a:t> </a:t>
-            </a:r>
-            <a:r>
-              <a:rPr lang="en-US" altLang="zh-CN" sz="2000" b="1" dirty="0" smtClean="0"/>
-              <a:t>        if (floor &gt; </a:t>
-            </a:r>
-            <a:r>
-              <a:rPr lang="en-US" altLang="zh-CN" sz="2000" b="1" dirty="0" smtClean="0"/>
-              <a:t>0 &amp;&amp; up) </a:t>
-            </a:r>
-            <a:r>
-              <a:rPr lang="en-US" altLang="zh-CN" sz="2000" b="1" dirty="0" smtClean="0"/>
-              <a:t>{</a:t>
+              <a:t>        if (floor &gt; 0 &amp;&amp; up) {</a:t>
             </a:r>
           </a:p>
           <a:p>
@@ -20432,7 +20900,7 @@
           <a:p>
             <a:fld id="{FFCBFCD3-6900-4801-A3A8-ABFF77EF36E9}" type="datetime10">
               <a:rPr lang="zh-CN" altLang="en-US" smtClean="0"/>
-              <a:t>10:18</a:t>
+              <a:t>15:33</a:t>
             </a:fld>
             <a:endParaRPr lang="zh-CN" altLang="en-US"/>
           </a:p>
@@ -20796,15 +21264,7 @@
                   <a:srgbClr val="FF0000"/>
                 </a:solidFill>
               </a:rPr>
-              <a:t>S2</a:t>
-            </a:r>
-            <a:r>
-              <a:rPr lang="en-US" altLang="zh-CN" sz="2000" b="1" dirty="0" smtClean="0">
-                <a:solidFill>
-                  <a:srgbClr val="FF0000"/>
-                </a:solidFill>
-              </a:rPr>
-              <a:t>)</a:t>
+              <a:t>S2)</a:t>
             </a:r>
             <a:r>
               <a:rPr lang="zh-CN" altLang="en-US" sz="2000" b="1" dirty="0"/>
@@ -21122,7 +21582,7 @@
           <a:p>
             <a:fld id="{FFCBFCD3-6900-4801-A3A8-ABFF77EF36E9}" type="datetime10">
               <a:rPr lang="zh-CN" altLang="en-US" smtClean="0"/>
-              <a:t>10:20</a:t>
+              <a:t>15:33</a:t>
             </a:fld>
             <a:endParaRPr lang="zh-CN" altLang="en-US"/>
           </a:p>
@@ -21584,11 +22044,7 @@
             </a:r>
             <a:r>
               <a:rPr lang="en-US" altLang="zh-CN" sz="2000" b="1" dirty="0" smtClean="0"/>
-              <a:t>E4</a:t>
-            </a:r>
-            <a:r>
-              <a:rPr lang="en-US" altLang="zh-CN" sz="2000" b="1" dirty="0" smtClean="0"/>
-              <a:t>/E5</a:t>
+              <a:t>E4/E5</a:t>
             </a:r>
             <a:r>
               <a:rPr lang="zh-CN" altLang="en-US" sz="2000" b="1" dirty="0" smtClean="0"/>
@@ -21600,11 +22056,7 @@
             </a:r>
             <a:r>
               <a:rPr lang="en-US" altLang="zh-CN" sz="2000" b="1" dirty="0" smtClean="0"/>
-              <a:t>()</a:t>
-            </a:r>
-            <a:r>
-              <a:rPr lang="en-US" altLang="zh-CN" sz="2000" b="1" dirty="0" smtClean="0"/>
-              <a:t>, </a:t>
+              <a:t>(), </a:t>
             </a:r>
             <a:r>
               <a:rPr lang="zh-CN" altLang="en-US" sz="2000" b="1" dirty="0" smtClean="0"/>
@@ -21662,7 +22114,6 @@
               <a:rPr lang="zh-CN" altLang="en-US" sz="2000" b="1" dirty="0"/>
               <a:t>。</a:t>
             </a:r>
-            <a:endParaRPr lang="zh-CN" altLang="en-US" sz="2000" b="1" dirty="0"/>
           </a:p>
         </p:txBody>
       </p:sp>
@@ -21797,7 +22248,7 @@
           <a:p>
             <a:fld id="{B3A5277A-74C6-4D5A-B698-EA3D9D662265}" type="datetime10">
               <a:rPr lang="zh-CN" altLang="en-US" smtClean="0"/>
-              <a:t>10:36</a:t>
+              <a:t>15:33</a:t>
             </a:fld>
             <a:endParaRPr lang="zh-CN" altLang="en-US"/>
           </a:p>
@@ -21856,15 +22307,7 @@
             </a:r>
             <a:r>
               <a:rPr lang="zh-CN" altLang="en-US" b="1" dirty="0"/>
-              <a:t>获取</a:t>
-            </a:r>
-            <a:r>
-              <a:rPr lang="zh-CN" altLang="en-US" b="1" dirty="0"/>
-              <a:t>当前</a:t>
-            </a:r>
-            <a:r>
-              <a:rPr lang="zh-CN" altLang="en-US" b="1" dirty="0"/>
-              <a:t>楼层</a:t>
+              <a:t>获取当前楼层</a:t>
             </a:r>
           </a:p>
         </p:txBody>
@@ -22421,7 +22864,7 @@
           <a:p>
             <a:fld id="{B3A5277A-74C6-4D5A-B698-EA3D9D662265}" type="datetime10">
               <a:rPr lang="zh-CN" altLang="en-US" smtClean="0"/>
-              <a:t>09:05</a:t>
+              <a:t>15:33</a:t>
             </a:fld>
             <a:endParaRPr lang="zh-CN" altLang="en-US"/>
           </a:p>
@@ -23216,7 +23659,7 @@
           <a:p>
             <a:fld id="{78FEED2D-F7E8-4C4A-84AE-93C7F94FE09E}" type="datetime10">
               <a:rPr lang="zh-CN" altLang="en-US" smtClean="0"/>
-              <a:t>10:51</a:t>
+              <a:t>15:33</a:t>
             </a:fld>
             <a:endParaRPr lang="zh-CN" altLang="en-US"/>
           </a:p>
@@ -23489,7 +23932,7 @@
           <a:p>
             <a:fld id="{E801C748-8E21-4420-98CB-69D901245379}" type="datetime10">
               <a:rPr lang="zh-CN" altLang="en-US" smtClean="0"/>
-              <a:t>09:05</a:t>
+              <a:t>15:33</a:t>
             </a:fld>
             <a:endParaRPr lang="zh-CN" altLang="en-US" dirty="0"/>
           </a:p>
@@ -24197,15 +24640,7 @@
                   <a:srgbClr val="FF0000"/>
                 </a:solidFill>
               </a:rPr>
-              <a:t>安全设置，无动作</a:t>
-            </a:r>
-            <a:r>
-              <a:rPr lang="zh-CN" altLang="en-US" sz="2000" b="1" dirty="0" smtClean="0">
-                <a:solidFill>
-                  <a:srgbClr val="FF0000"/>
-                </a:solidFill>
-              </a:rPr>
-              <a:t>。</a:t>
+              <a:t>安全设置，无动作。</a:t>
             </a:r>
             <a:endParaRPr lang="en-US" altLang="zh-CN" sz="2000" b="1" dirty="0" smtClean="0">
               <a:solidFill>
@@ -24456,7 +24891,7 @@
           <a:p>
             <a:fld id="{78FEED2D-F7E8-4C4A-84AE-93C7F94FE09E}" type="datetime10">
               <a:rPr lang="zh-CN" altLang="en-US" smtClean="0"/>
-              <a:t>09:05</a:t>
+              <a:t>15:33</a:t>
             </a:fld>
             <a:endParaRPr lang="zh-CN" altLang="en-US"/>
           </a:p>
@@ -25275,7 +25710,7 @@
           <a:p>
             <a:fld id="{78FEED2D-F7E8-4C4A-84AE-93C7F94FE09E}" type="datetime10">
               <a:rPr lang="zh-CN" altLang="en-US" smtClean="0"/>
-              <a:t>10:55</a:t>
+              <a:t>15:33</a:t>
             </a:fld>
             <a:endParaRPr lang="zh-CN" altLang="en-US" dirty="0"/>
           </a:p>
@@ -25696,7 +26131,7 @@
           <a:p>
             <a:fld id="{78FEED2D-F7E8-4C4A-84AE-93C7F94FE09E}" type="datetime10">
               <a:rPr lang="zh-CN" altLang="en-US" smtClean="0"/>
-              <a:t>09:05</a:t>
+              <a:t>15:33</a:t>
             </a:fld>
             <a:endParaRPr lang="zh-CN" altLang="en-US" dirty="0"/>
           </a:p>
@@ -25763,15 +26198,7 @@
                   <a:srgbClr val="FF0000"/>
                 </a:solidFill>
               </a:rPr>
-              <a:t>安全设置，无动作</a:t>
-            </a:r>
-            <a:r>
-              <a:rPr lang="zh-CN" altLang="en-US" sz="2000" b="1" dirty="0" smtClean="0">
-                <a:solidFill>
-                  <a:srgbClr val="FF0000"/>
-                </a:solidFill>
-              </a:rPr>
-              <a:t>。</a:t>
+              <a:t>安全设置，无动作。</a:t>
             </a:r>
             <a:endParaRPr lang="en-US" altLang="zh-CN" sz="2000" b="1" dirty="0" smtClean="0">
               <a:solidFill>
@@ -26477,11 +26904,7 @@
             </a:r>
             <a:r>
               <a:rPr lang="zh-CN" altLang="en-US" sz="2000" b="1" dirty="0" smtClean="0"/>
-              <a:t>正在开门，按了开门灯，无</a:t>
-            </a:r>
-            <a:r>
-              <a:rPr lang="zh-CN" altLang="en-US" sz="2000" b="1" dirty="0" smtClean="0"/>
-              <a:t>动作</a:t>
+              <a:t>正在开门，按了开门灯，无动作</a:t>
             </a:r>
             <a:r>
               <a:rPr lang="en-US" altLang="zh-CN" sz="2000" b="1" dirty="0" smtClean="0"/>
@@ -26646,7 +27069,7 @@
           <a:p>
             <a:fld id="{ED09B6BC-40CC-4337-B768-71FED894D31A}" type="datetime10">
               <a:rPr lang="zh-CN" altLang="en-US" smtClean="0"/>
-              <a:t>09:05</a:t>
+              <a:t>15:33</a:t>
             </a:fld>
             <a:endParaRPr lang="zh-CN" altLang="en-US"/>
           </a:p>
@@ -27466,7 +27889,7 @@
           <a:p>
             <a:fld id="{ED09B6BC-40CC-4337-B768-71FED894D31A}" type="datetime10">
               <a:rPr lang="zh-CN" altLang="en-US" smtClean="0"/>
-              <a:t>09:05</a:t>
+              <a:t>15:33</a:t>
             </a:fld>
             <a:endParaRPr lang="zh-CN" altLang="en-US"/>
           </a:p>
@@ -27625,7 +28048,7 @@
           <a:p>
             <a:fld id="{027287E7-C195-4956-AB5F-C5E4FB6E648D}" type="datetime10">
               <a:rPr lang="zh-CN" altLang="en-US" smtClean="0"/>
-              <a:t>09:05</a:t>
+              <a:t>15:33</a:t>
             </a:fld>
             <a:endParaRPr lang="zh-CN" altLang="en-US"/>
           </a:p>
@@ -27690,15 +28113,7 @@
             </a:r>
             <a:r>
               <a:rPr lang="en-US" altLang="zh-CN" sz="2400" dirty="0" smtClean="0"/>
-              <a:t>p </a:t>
-            </a:r>
-            <a:r>
-              <a:rPr lang="en-US" altLang="zh-CN" sz="2400" dirty="0" smtClean="0"/>
-              <a:t>== </a:t>
-            </a:r>
-            <a:r>
-              <a:rPr lang="en-US" altLang="zh-CN" sz="2400" dirty="0" smtClean="0"/>
-              <a:t>true;  // </a:t>
+              <a:t>p == true;  // </a:t>
             </a:r>
             <a:r>
               <a:rPr lang="zh-CN" altLang="en-US" sz="2400" dirty="0" smtClean="0"/>
@@ -27717,15 +28132,7 @@
           <a:p>
             <a:r>
               <a:rPr lang="en-US" altLang="zh-CN" sz="2400" dirty="0" smtClean="0"/>
-              <a:t>up </a:t>
-            </a:r>
-            <a:r>
-              <a:rPr lang="en-US" altLang="zh-CN" sz="2400" dirty="0" smtClean="0"/>
-              <a:t>== </a:t>
-            </a:r>
-            <a:r>
-              <a:rPr lang="en-US" altLang="zh-CN" sz="2400" dirty="0" smtClean="0"/>
-              <a:t>false; // </a:t>
+              <a:t>up == false; // </a:t>
             </a:r>
             <a:r>
               <a:rPr lang="zh-CN" altLang="en-US" sz="2400" dirty="0" smtClean="0"/>
@@ -29001,7 +29408,7 @@
           <a:p>
             <a:fld id="{8939A372-A03C-433A-9E8B-DCC16223F0AC}" type="datetime10">
               <a:rPr lang="zh-CN" altLang="en-US" smtClean="0"/>
-              <a:t>09:05</a:t>
+              <a:t>15:33</a:t>
             </a:fld>
             <a:endParaRPr lang="zh-CN" altLang="en-US"/>
           </a:p>
@@ -29664,7 +30071,7 @@
           <a:p>
             <a:fld id="{A11504DA-9D07-4BAC-9342-4BE459119F9A}" type="datetime10">
               <a:rPr lang="zh-CN" altLang="en-US" smtClean="0"/>
-              <a:t>09:05</a:t>
+              <a:t>15:33</a:t>
             </a:fld>
             <a:endParaRPr lang="zh-CN" altLang="en-US"/>
           </a:p>
@@ -30412,7 +30819,7 @@
           <a:p>
             <a:fld id="{280E80CF-9183-4DEF-8CE1-65DF7D196D3D}" type="datetime10">
               <a:rPr lang="zh-CN" altLang="en-US" smtClean="0"/>
-              <a:t>09:05</a:t>
+              <a:t>15:33</a:t>
             </a:fld>
             <a:endParaRPr lang="zh-CN" altLang="en-US"/>
           </a:p>
@@ -30860,7 +31267,7 @@
           <a:p>
             <a:fld id="{5CA67B0E-786C-4D6D-A09E-10B07FBCED20}" type="datetime10">
               <a:rPr lang="zh-CN" altLang="en-US" smtClean="0"/>
-              <a:t>09:05</a:t>
+              <a:t>15:33</a:t>
             </a:fld>
             <a:endParaRPr lang="zh-CN" altLang="en-US"/>
           </a:p>
@@ -31127,7 +31534,7 @@
           <a:p>
             <a:fld id="{6E45DBF5-B756-47BE-B41E-FBAEEF05FD62}" type="datetime10">
               <a:rPr lang="zh-CN" altLang="en-US" smtClean="0"/>
-              <a:t>09:05</a:t>
+              <a:t>15:33</a:t>
             </a:fld>
             <a:endParaRPr lang="zh-CN" altLang="en-US"/>
           </a:p>
@@ -32442,7 +32849,7 @@
           <a:p>
             <a:fld id="{85A0177B-8AA1-48F5-862B-B20AC3E89A89}" type="datetime10">
               <a:rPr lang="zh-CN" altLang="en-US" smtClean="0"/>
-              <a:t>09:05</a:t>
+              <a:t>15:33</a:t>
             </a:fld>
             <a:endParaRPr lang="zh-CN" altLang="en-US"/>
           </a:p>
@@ -33007,7 +33414,7 @@
           <a:p>
             <a:fld id="{E14C8692-4A63-4ADD-A897-20248F0F8FEB}" type="datetime10">
               <a:rPr lang="zh-CN" altLang="en-US" smtClean="0"/>
-              <a:t>09:05</a:t>
+              <a:t>15:33</a:t>
             </a:fld>
             <a:endParaRPr lang="zh-CN" altLang="en-US"/>
           </a:p>
@@ -33213,11 +33620,7 @@
             </a:r>
             <a:r>
               <a:rPr lang="zh-CN" altLang="en-US" sz="2000" dirty="0" smtClean="0"/>
-              <a:t>的向上呼叫按钮灯关闭</a:t>
-            </a:r>
-            <a:r>
-              <a:rPr lang="zh-CN" altLang="en-US" sz="2000" dirty="0" smtClean="0"/>
-              <a:t>，开门</a:t>
+              <a:t>的向上呼叫按钮灯关闭，开门</a:t>
             </a:r>
             <a:r>
               <a:rPr lang="en-US" altLang="zh-CN" sz="2000" dirty="0" smtClean="0"/>
@@ -33245,11 +33648,7 @@
             </a:r>
             <a:r>
               <a:rPr lang="zh-CN" altLang="en-US" sz="2000" dirty="0" smtClean="0"/>
-              <a:t>关闭，然后</a:t>
-            </a:r>
-            <a:r>
-              <a:rPr lang="zh-CN" altLang="en-US" sz="2000" dirty="0" smtClean="0"/>
-              <a:t>上升到</a:t>
+              <a:t>关闭，然后上升到</a:t>
             </a:r>
             <a:r>
               <a:rPr lang="en-US" altLang="zh-CN" sz="2000" dirty="0" smtClean="0"/>
@@ -33273,11 +33672,7 @@
             </a:r>
             <a:r>
               <a:rPr lang="zh-CN" altLang="en-US" sz="2000" dirty="0" smtClean="0"/>
-              <a:t>的向下呼叫按钮</a:t>
-            </a:r>
-            <a:r>
-              <a:rPr lang="zh-CN" altLang="en-US" sz="2000" dirty="0" smtClean="0"/>
-              <a:t>关闭。</a:t>
+              <a:t>的向下呼叫按钮关闭。</a:t>
             </a:r>
             <a:endParaRPr lang="en-US" altLang="zh-CN" sz="2000" dirty="0" smtClean="0"/>
           </a:p>
@@ -33424,7 +33819,7 @@
           <a:p>
             <a:fld id="{2FC65C35-36BD-456E-897A-4011AA0C7FCA}" type="datetime10">
               <a:rPr lang="zh-CN" altLang="en-US" smtClean="0"/>
-              <a:t>11:47</a:t>
+              <a:t>15:33</a:t>
             </a:fld>
             <a:endParaRPr lang="zh-CN" altLang="en-US"/>
           </a:p>
@@ -33699,7 +34094,7 @@
           <a:p>
             <a:fld id="{0A3C77DE-45D0-4E65-84ED-190440F28CD8}" type="datetime10">
               <a:rPr lang="zh-CN" altLang="en-US" smtClean="0"/>
-              <a:t>09:05</a:t>
+              <a:t>15:33</a:t>
             </a:fld>
             <a:endParaRPr lang="zh-CN" altLang="en-US"/>
           </a:p>
@@ -34060,7 +34455,7 @@
           <a:p>
             <a:fld id="{2D5ABED3-9ECF-4B8A-992D-04AF78D41A9B}" type="datetime10">
               <a:rPr lang="zh-CN" altLang="en-US" smtClean="0"/>
-              <a:t>09:05</a:t>
+              <a:t>15:33</a:t>
             </a:fld>
             <a:endParaRPr lang="zh-CN" altLang="en-US"/>
           </a:p>
@@ -34309,7 +34704,7 @@
           <a:p>
             <a:fld id="{63009937-3399-4835-8C0B-7BAB3F5943F9}" type="datetime10">
               <a:rPr lang="zh-CN" altLang="en-US" smtClean="0"/>
-              <a:t>09:05</a:t>
+              <a:t>15:33</a:t>
             </a:fld>
             <a:endParaRPr lang="zh-CN" altLang="en-US"/>
           </a:p>
@@ -35055,7 +35450,7 @@
           <a:p>
             <a:fld id="{ED49E5FD-0E58-4D33-9F9A-FE8C76855300}" type="datetime10">
               <a:rPr lang="zh-CN" altLang="en-US" smtClean="0"/>
-              <a:t>09:05</a:t>
+              <a:t>15:33</a:t>
             </a:fld>
             <a:endParaRPr lang="zh-CN" altLang="en-US"/>
           </a:p>
@@ -35600,7 +35995,7 @@
           <a:p>
             <a:fld id="{1B3645CC-3E08-4304-93E4-2D7A955CF558}" type="datetime10">
               <a:rPr lang="zh-CN" altLang="en-US" smtClean="0"/>
-              <a:t>09:05</a:t>
+              <a:t>15:33</a:t>
             </a:fld>
             <a:endParaRPr lang="zh-CN" altLang="en-US"/>
           </a:p>
@@ -36311,7 +36706,7 @@
           <a:p>
             <a:fld id="{44F66471-6FA6-4203-9C5C-41045CCAF8CE}" type="datetime10">
               <a:rPr lang="zh-CN" altLang="en-US" smtClean="0"/>
-              <a:t>09:05</a:t>
+              <a:t>15:33</a:t>
             </a:fld>
             <a:endParaRPr lang="zh-CN" altLang="en-US"/>
           </a:p>
@@ -37003,7 +37398,7 @@
           <a:p>
             <a:fld id="{EF1B528B-2CC7-4879-984A-89097D750F87}" type="datetime10">
               <a:rPr lang="zh-CN" altLang="en-US" smtClean="0"/>
-              <a:t>09:05</a:t>
+              <a:t>15:33</a:t>
             </a:fld>
             <a:endParaRPr lang="zh-CN" altLang="en-US"/>
           </a:p>
@@ -37822,7 +38217,7 @@
           <a:p>
             <a:fld id="{225BBFCE-D1A0-48A7-B208-D8F26EEC3AC3}" type="datetime10">
               <a:rPr lang="zh-CN" altLang="en-US" smtClean="0"/>
-              <a:t>09:05</a:t>
+              <a:t>15:33</a:t>
             </a:fld>
             <a:endParaRPr lang="zh-CN" altLang="en-US"/>
           </a:p>
@@ -38607,7 +39002,7 @@
           <a:p>
             <a:fld id="{65DEFA4A-0771-4AA5-8C70-A63112250E1E}" type="datetime10">
               <a:rPr lang="zh-CN" altLang="en-US" smtClean="0"/>
-              <a:t>09:05</a:t>
+              <a:t>15:33</a:t>
             </a:fld>
             <a:endParaRPr lang="zh-CN" altLang="en-US"/>
           </a:p>
@@ -39489,7 +39884,7 @@
           <a:p>
             <a:fld id="{D970E9A2-F322-4BCB-8C96-9A745930F08D}" type="datetime10">
               <a:rPr lang="zh-CN" altLang="en-US" smtClean="0"/>
-              <a:t>09:05</a:t>
+              <a:t>15:33</a:t>
             </a:fld>
             <a:endParaRPr lang="zh-CN" altLang="en-US"/>
           </a:p>

--- a/2017/C语言课程设计/C语言课程设计.pptx
+++ b/2017/C语言课程设计/C语言课程设计.pptx
@@ -27367,8 +27367,8 @@
         </p:nvSpPr>
         <p:spPr>
           <a:xfrm>
-            <a:off x="179512" y="3650248"/>
-            <a:ext cx="8712968" cy="2862322"/>
+            <a:off x="179512" y="3356992"/>
+            <a:ext cx="8712968" cy="3170099"/>
           </a:xfrm>
           <a:prstGeom prst="rect">
             <a:avLst/>
@@ -27644,14 +27644,78 @@
               <a:rPr lang="zh-CN" altLang="en-US" sz="2000" b="1" dirty="0" smtClean="0"/>
               <a:t>。</a:t>
             </a:r>
-            <a:endParaRPr lang="en-US" altLang="zh-CN" sz="2000" b="1" dirty="0" smtClean="0"/>
-          </a:p>
-          <a:p>
+            <a:endParaRPr lang="en-US" altLang="zh-CN" sz="2000" b="1" dirty="0"/>
+          </a:p>
+          <a:p>
+            <a:pPr marL="457200" indent="-457200">
+              <a:buFont typeface="+mj-lt"/>
+              <a:buAutoNum type="arabicPeriod"/>
+            </a:pPr>
+            <a:r>
+              <a:rPr lang="zh-CN" altLang="en-US" sz="2000" b="1" dirty="0"/>
+              <a:t>如果</a:t>
+            </a:r>
+            <a:r>
+              <a:rPr lang="zh-CN" altLang="en-US" sz="2000" b="1" dirty="0" smtClean="0"/>
+              <a:t>红外</a:t>
+            </a:r>
+            <a:r>
+              <a:rPr lang="zh-CN" altLang="en-US" sz="2000" b="1" dirty="0"/>
+              <a:t>探测到</a:t>
+            </a:r>
+            <a:r>
+              <a:rPr lang="zh-CN" altLang="en-US" sz="2000" b="1" dirty="0" smtClean="0"/>
+              <a:t>遮挡</a:t>
+            </a:r>
+            <a:r>
+              <a:rPr lang="zh-CN" altLang="en-US" sz="2000" b="1" dirty="0"/>
+              <a:t> </a:t>
+            </a:r>
+            <a:r>
+              <a:rPr lang="en-US" altLang="zh-CN" sz="2000" b="1" dirty="0" err="1"/>
+              <a:t>IsBeamBroken</a:t>
+            </a:r>
+            <a:r>
+              <a:rPr lang="en-US" altLang="zh-CN" sz="2000" b="1" dirty="0" smtClean="0"/>
+              <a:t>()</a:t>
+            </a:r>
+            <a:r>
+              <a:rPr lang="zh-CN" altLang="en-US" sz="2000" b="1" dirty="0" smtClean="0"/>
+              <a:t>，转而开门</a:t>
+            </a:r>
+            <a:r>
+              <a:rPr lang="en-US" altLang="zh-CN" sz="2000" b="1" dirty="0" err="1" smtClean="0"/>
+              <a:t>SetDoor</a:t>
+            </a:r>
+            <a:r>
+              <a:rPr lang="en-US" altLang="zh-CN" sz="2000" b="1" dirty="0" smtClean="0"/>
+              <a:t>()</a:t>
+            </a:r>
+            <a:r>
+              <a:rPr lang="zh-CN" altLang="en-US" sz="2000" b="1" dirty="0" smtClean="0"/>
+              <a:t>，</a:t>
+            </a:r>
+            <a:r>
+              <a:rPr lang="zh-CN" altLang="en-US" sz="2000" b="1" dirty="0"/>
+              <a:t>进入</a:t>
+            </a:r>
+            <a:r>
+              <a:rPr lang="en-US" altLang="zh-CN" sz="2000" b="1" dirty="0" err="1"/>
+              <a:t>DoorOpen</a:t>
+            </a:r>
+            <a:r>
+              <a:rPr lang="zh-CN" altLang="en-US" sz="2000" b="1" dirty="0"/>
+              <a:t>状态</a:t>
+            </a:r>
+            <a:r>
+              <a:rPr lang="zh-CN" altLang="en-US" sz="2000" b="1" dirty="0" smtClean="0"/>
+              <a:t>。</a:t>
+            </a:r>
             <a:endParaRPr lang="zh-CN" altLang="en-US" sz="2000" b="1" dirty="0"/>
           </a:p>
           <a:p>
             <a:r>
-              <a:rPr lang="en-US" altLang="zh-CN" sz="2000" b="1" dirty="0" err="1">
+              <a:rPr lang="en-US" altLang="zh-CN" sz="2000" b="1" dirty="0" err="1" smtClean="0">
                 <a:solidFill>
                   <a:srgbClr val="FF0000"/>
                 </a:solidFill>
@@ -27889,7 +27953,7 @@
           <a:p>
             <a:fld id="{ED09B6BC-40CC-4337-B768-71FED894D31A}" type="datetime10">
               <a:rPr lang="zh-CN" altLang="en-US" smtClean="0"/>
-              <a:t>15:33</a:t>
+              <a:t>18:48</a:t>
             </a:fld>
             <a:endParaRPr lang="zh-CN" altLang="en-US"/>
           </a:p>
@@ -29543,7 +29607,7 @@
         <p:spPr>
           <a:xfrm>
             <a:off x="539552" y="1052736"/>
-            <a:ext cx="8280920" cy="5216813"/>
+            <a:ext cx="8280920" cy="5355312"/>
           </a:xfrm>
           <a:prstGeom prst="rect">
             <a:avLst/>
@@ -29778,8 +29842,53 @@
               <a:rPr lang="en-US" altLang="zh-CN" dirty="0" smtClean="0"/>
               <a:t>);</a:t>
             </a:r>
-          </a:p>
-          <a:p>
+            <a:endParaRPr lang="en-US" altLang="zh-CN" dirty="0"/>
+          </a:p>
+          <a:p>
+            <a:pPr>
+              <a:lnSpc>
+                <a:spcPct val="150000"/>
+              </a:lnSpc>
+            </a:pPr>
+            <a:r>
+              <a:rPr lang="en-US" altLang="zh-CN" dirty="0">
+                <a:solidFill>
+                  <a:srgbClr val="C00000"/>
+                </a:solidFill>
+              </a:rPr>
+              <a:t>// </a:t>
+            </a:r>
+            <a:r>
+              <a:rPr lang="zh-CN" altLang="en-US" dirty="0">
+                <a:solidFill>
+                  <a:srgbClr val="C00000"/>
+                </a:solidFill>
+              </a:rPr>
+              <a:t>是否红外探测到遮挡物</a:t>
+            </a:r>
+            <a:endParaRPr lang="en-US" altLang="zh-CN" dirty="0">
+              <a:solidFill>
+                <a:srgbClr val="C00000"/>
+              </a:solidFill>
+            </a:endParaRPr>
+          </a:p>
+          <a:p>
+            <a:r>
+              <a:rPr lang="en-US" altLang="zh-CN" dirty="0" err="1"/>
+              <a:t>bool</a:t>
+            </a:r>
+            <a:r>
+              <a:rPr lang="en-US" altLang="zh-CN" dirty="0"/>
+              <a:t> </a:t>
+            </a:r>
+            <a:r>
+              <a:rPr lang="en-US" altLang="zh-CN" dirty="0" err="1"/>
+              <a:t>IsBeamBroken</a:t>
+            </a:r>
+            <a:r>
+              <a:rPr lang="en-US" altLang="zh-CN" dirty="0" smtClean="0"/>
+              <a:t>();</a:t>
+            </a:r>
             <a:endParaRPr lang="en-US" altLang="zh-CN" dirty="0" smtClean="0"/>
           </a:p>
           <a:p>
@@ -29865,8 +29974,6 @@
               <a:rPr lang="en-US" altLang="zh-CN" dirty="0" smtClean="0"/>
               <a:t>();</a:t>
             </a:r>
-          </a:p>
-          <a:p>
             <a:endParaRPr lang="en-US" altLang="zh-CN" dirty="0"/>
           </a:p>
           <a:p>
@@ -30071,7 +30178,7 @@
           <a:p>
             <a:fld id="{A11504DA-9D07-4BAC-9342-4BE459119F9A}" type="datetime10">
               <a:rPr lang="zh-CN" altLang="en-US" smtClean="0"/>
-              <a:t>15:33</a:t>
+              <a:t>18:43</a:t>
             </a:fld>
             <a:endParaRPr lang="zh-CN" altLang="en-US"/>
           </a:p>

--- a/2017/C语言课程设计/C语言课程设计.pptx
+++ b/2017/C语言课程设计/C语言课程设计.pptx
@@ -1098,6 +1098,34 @@
           <a:bodyPr/>
           <a:lstStyle/>
           <a:p>
+            <a:r>
+              <a:rPr lang="en-US" altLang="zh-CN" sz="1200" b="1" dirty="0" smtClean="0"/>
+              <a:t> 1</a:t>
+            </a:r>
+            <a:r>
+              <a:rPr lang="zh-CN" altLang="en-US" sz="1200" b="1" dirty="0" smtClean="0"/>
+              <a:t>层以上，一定时间无动作，自动下降到</a:t>
+            </a:r>
+            <a:r>
+              <a:rPr lang="en-US" altLang="zh-CN" sz="1200" b="1" dirty="0" smtClean="0"/>
+              <a:t>1</a:t>
+            </a:r>
+            <a:r>
+              <a:rPr lang="zh-CN" altLang="en-US" sz="1200" b="1" dirty="0" smtClean="0"/>
+              <a:t>楼。</a:t>
+            </a:r>
+            <a:r>
+              <a:rPr lang="en-US" altLang="zh-CN" sz="1200" b="1" dirty="0" smtClean="0"/>
+              <a:t>AutoTo1Floor();[</a:t>
+            </a:r>
+            <a:r>
+              <a:rPr lang="zh-CN" altLang="en-US" sz="1200" b="1" dirty="0" smtClean="0"/>
+              <a:t>其它状态，取消此功能，</a:t>
+            </a:r>
+            <a:r>
+              <a:rPr lang="en-US" altLang="zh-CN" sz="1200" b="1" dirty="0" smtClean="0"/>
+              <a:t>CancelTo1Floor()]</a:t>
+            </a:r>
             <a:endParaRPr lang="zh-CN" altLang="en-US" dirty="0"/>
           </a:p>
         </p:txBody>
@@ -1169,7 +1197,7 @@
               <a:pPr>
                 <a:defRPr/>
               </a:pPr>
-              <a:t>37</a:t>
+              <a:t>36</a:t>
             </a:fld>
             <a:endParaRPr lang="en-US" altLang="zh-CN"/>
           </a:p>
@@ -1178,7 +1206,7 @@
     </p:spTree>
     <p:extLst>
       <p:ext uri="{BB962C8B-B14F-4D97-AF65-F5344CB8AC3E}">
-        <p14:creationId xmlns:p14="http://schemas.microsoft.com/office/powerpoint/2010/main" val="363528575"/>
+        <p14:creationId xmlns:p14="http://schemas.microsoft.com/office/powerpoint/2010/main" val="50609055"/>
       </p:ext>
     </p:extLst>
   </p:cSld>
@@ -1303,7 +1331,7 @@
               <a:pPr>
                 <a:defRPr/>
               </a:pPr>
-              <a:t>43</a:t>
+              <a:t>37</a:t>
             </a:fld>
             <a:endParaRPr lang="en-US" altLang="zh-CN"/>
           </a:p>
@@ -1312,7 +1340,7 @@
     </p:spTree>
     <p:extLst>
       <p:ext uri="{BB962C8B-B14F-4D97-AF65-F5344CB8AC3E}">
-        <p14:creationId xmlns:p14="http://schemas.microsoft.com/office/powerpoint/2010/main" val="3824875186"/>
+        <p14:creationId xmlns:p14="http://schemas.microsoft.com/office/powerpoint/2010/main" val="363528575"/>
       </p:ext>
     </p:extLst>
   </p:cSld>
@@ -1372,12 +1400,56 @@
       </p:sp>
       <p:sp>
         <p:nvSpPr>
-          <p:cNvPr id="4" name="灯片编号占位符 3"/>
+          <p:cNvPr id="4" name="日期占位符 3"/>
           <p:cNvSpPr>
             <a:spLocks noGrp="1"/>
           </p:cNvSpPr>
           <p:nvPr>
-            <p:ph type="sldNum" sz="quarter" idx="10"/>
+            <p:ph type="dt" idx="10"/>
+          </p:nvPr>
+        </p:nvSpPr>
+        <p:spPr/>
+        <p:txBody>
+          <a:bodyPr/>
+          <a:lstStyle/>
+          <a:p>
+            <a:pPr>
+              <a:defRPr/>
+            </a:pPr>
+            <a:endParaRPr lang="en-US" altLang="zh-CN"/>
+          </a:p>
+        </p:txBody>
+      </p:sp>
+      <p:sp>
+        <p:nvSpPr>
+          <p:cNvPr id="5" name="页脚占位符 4"/>
+          <p:cNvSpPr>
+            <a:spLocks noGrp="1"/>
+          </p:cNvSpPr>
+          <p:nvPr>
+            <p:ph type="ftr" sz="quarter" idx="11"/>
+          </p:nvPr>
+        </p:nvSpPr>
+        <p:spPr/>
+        <p:txBody>
+          <a:bodyPr/>
+          <a:lstStyle/>
+          <a:p>
+            <a:pPr>
+              <a:defRPr/>
+            </a:pPr>
+            <a:endParaRPr lang="en-US" altLang="zh-CN"/>
+          </a:p>
+        </p:txBody>
+      </p:sp>
+      <p:sp>
+        <p:nvSpPr>
+          <p:cNvPr id="6" name="灯片编号占位符 5"/>
+          <p:cNvSpPr>
+            <a:spLocks noGrp="1"/>
+          </p:cNvSpPr>
+          <p:nvPr>
+            <p:ph type="sldNum" sz="quarter" idx="12"/>
           </p:nvPr>
         </p:nvSpPr>
         <p:spPr/>
@@ -1393,52 +1465,8 @@
               <a:pPr>
                 <a:defRPr/>
               </a:pPr>
-              <a:t>46</a:t>
+              <a:t>43</a:t>
             </a:fld>
-            <a:endParaRPr lang="en-US" altLang="zh-CN"/>
-          </a:p>
-        </p:txBody>
-      </p:sp>
-      <p:sp>
-        <p:nvSpPr>
-          <p:cNvPr id="5" name="日期占位符 4"/>
-          <p:cNvSpPr>
-            <a:spLocks noGrp="1"/>
-          </p:cNvSpPr>
-          <p:nvPr>
-            <p:ph type="dt" idx="11"/>
-          </p:nvPr>
-        </p:nvSpPr>
-        <p:spPr/>
-        <p:txBody>
-          <a:bodyPr/>
-          <a:lstStyle/>
-          <a:p>
-            <a:pPr>
-              <a:defRPr/>
-            </a:pPr>
-            <a:endParaRPr lang="en-US" altLang="zh-CN"/>
-          </a:p>
-        </p:txBody>
-      </p:sp>
-      <p:sp>
-        <p:nvSpPr>
-          <p:cNvPr id="6" name="页脚占位符 5"/>
-          <p:cNvSpPr>
-            <a:spLocks noGrp="1"/>
-          </p:cNvSpPr>
-          <p:nvPr>
-            <p:ph type="ftr" sz="quarter" idx="12"/>
-          </p:nvPr>
-        </p:nvSpPr>
-        <p:spPr/>
-        <p:txBody>
-          <a:bodyPr/>
-          <a:lstStyle/>
-          <a:p>
-            <a:pPr>
-              <a:defRPr/>
-            </a:pPr>
             <a:endParaRPr lang="en-US" altLang="zh-CN"/>
           </a:p>
         </p:txBody>
@@ -1446,7 +1474,7 @@
     </p:spTree>
     <p:extLst>
       <p:ext uri="{BB962C8B-B14F-4D97-AF65-F5344CB8AC3E}">
-        <p14:creationId xmlns:p14="http://schemas.microsoft.com/office/powerpoint/2010/main" val="1427708137"/>
+        <p14:creationId xmlns:p14="http://schemas.microsoft.com/office/powerpoint/2010/main" val="3824875186"/>
       </p:ext>
     </p:extLst>
   </p:cSld>
@@ -1527,7 +1555,7 @@
               <a:pPr>
                 <a:defRPr/>
               </a:pPr>
-              <a:t>47</a:t>
+              <a:t>46</a:t>
             </a:fld>
             <a:endParaRPr lang="en-US" altLang="zh-CN"/>
           </a:p>
@@ -1661,7 +1689,7 @@
               <a:pPr>
                 <a:defRPr/>
               </a:pPr>
-              <a:t>48</a:t>
+              <a:t>47</a:t>
             </a:fld>
             <a:endParaRPr lang="en-US" altLang="zh-CN"/>
           </a:p>
@@ -1795,7 +1823,7 @@
               <a:pPr>
                 <a:defRPr/>
               </a:pPr>
-              <a:t>49</a:t>
+              <a:t>48</a:t>
             </a:fld>
             <a:endParaRPr lang="en-US" altLang="zh-CN"/>
           </a:p>
@@ -1929,7 +1957,7 @@
               <a:pPr>
                 <a:defRPr/>
               </a:pPr>
-              <a:t>56</a:t>
+              <a:t>49</a:t>
             </a:fld>
             <a:endParaRPr lang="en-US" altLang="zh-CN"/>
           </a:p>
@@ -2063,7 +2091,7 @@
               <a:pPr>
                 <a:defRPr/>
               </a:pPr>
-              <a:t>57</a:t>
+              <a:t>56</a:t>
             </a:fld>
             <a:endParaRPr lang="en-US" altLang="zh-CN"/>
           </a:p>
@@ -2197,6 +2225,140 @@
               <a:pPr>
                 <a:defRPr/>
               </a:pPr>
+              <a:t>57</a:t>
+            </a:fld>
+            <a:endParaRPr lang="en-US" altLang="zh-CN"/>
+          </a:p>
+        </p:txBody>
+      </p:sp>
+      <p:sp>
+        <p:nvSpPr>
+          <p:cNvPr id="5" name="日期占位符 4"/>
+          <p:cNvSpPr>
+            <a:spLocks noGrp="1"/>
+          </p:cNvSpPr>
+          <p:nvPr>
+            <p:ph type="dt" idx="11"/>
+          </p:nvPr>
+        </p:nvSpPr>
+        <p:spPr/>
+        <p:txBody>
+          <a:bodyPr/>
+          <a:lstStyle/>
+          <a:p>
+            <a:pPr>
+              <a:defRPr/>
+            </a:pPr>
+            <a:endParaRPr lang="en-US" altLang="zh-CN"/>
+          </a:p>
+        </p:txBody>
+      </p:sp>
+      <p:sp>
+        <p:nvSpPr>
+          <p:cNvPr id="6" name="页脚占位符 5"/>
+          <p:cNvSpPr>
+            <a:spLocks noGrp="1"/>
+          </p:cNvSpPr>
+          <p:nvPr>
+            <p:ph type="ftr" sz="quarter" idx="12"/>
+          </p:nvPr>
+        </p:nvSpPr>
+        <p:spPr/>
+        <p:txBody>
+          <a:bodyPr/>
+          <a:lstStyle/>
+          <a:p>
+            <a:pPr>
+              <a:defRPr/>
+            </a:pPr>
+            <a:endParaRPr lang="en-US" altLang="zh-CN"/>
+          </a:p>
+        </p:txBody>
+      </p:sp>
+    </p:spTree>
+    <p:extLst>
+      <p:ext uri="{BB962C8B-B14F-4D97-AF65-F5344CB8AC3E}">
+        <p14:creationId xmlns:p14="http://schemas.microsoft.com/office/powerpoint/2010/main" val="1427708137"/>
+      </p:ext>
+    </p:extLst>
+  </p:cSld>
+  <p:clrMapOvr>
+    <a:masterClrMapping/>
+  </p:clrMapOvr>
+</p:notes>
+</file>
+
+<file path=ppt/notesSlides/notesSlide19.xml><?xml version="1.0" encoding="utf-8"?>
+<p:notes xmlns:a="http://schemas.openxmlformats.org/drawingml/2006/main" xmlns:r="http://schemas.openxmlformats.org/officeDocument/2006/relationships" xmlns:p="http://schemas.openxmlformats.org/presentationml/2006/main">
+  <p:cSld>
+    <p:spTree>
+      <p:nvGrpSpPr>
+        <p:cNvPr id="1" name=""/>
+        <p:cNvGrpSpPr/>
+        <p:nvPr/>
+      </p:nvGrpSpPr>
+      <p:grpSpPr>
+        <a:xfrm>
+          <a:off x="0" y="0"/>
+          <a:ext cx="0" cy="0"/>
+          <a:chOff x="0" y="0"/>
+          <a:chExt cx="0" cy="0"/>
+        </a:xfrm>
+      </p:grpSpPr>
+      <p:sp>
+        <p:nvSpPr>
+          <p:cNvPr id="2" name="幻灯片图像占位符 1"/>
+          <p:cNvSpPr>
+            <a:spLocks noGrp="1" noRot="1" noChangeAspect="1"/>
+          </p:cNvSpPr>
+          <p:nvPr>
+            <p:ph type="sldImg"/>
+          </p:nvPr>
+        </p:nvSpPr>
+        <p:spPr/>
+      </p:sp>
+      <p:sp>
+        <p:nvSpPr>
+          <p:cNvPr id="3" name="备注占位符 2"/>
+          <p:cNvSpPr>
+            <a:spLocks noGrp="1"/>
+          </p:cNvSpPr>
+          <p:nvPr>
+            <p:ph type="body" idx="1"/>
+          </p:nvPr>
+        </p:nvSpPr>
+        <p:spPr/>
+        <p:txBody>
+          <a:bodyPr/>
+          <a:lstStyle/>
+          <a:p>
+            <a:endParaRPr lang="zh-CN" altLang="en-US" dirty="0"/>
+          </a:p>
+        </p:txBody>
+      </p:sp>
+      <p:sp>
+        <p:nvSpPr>
+          <p:cNvPr id="4" name="灯片编号占位符 3"/>
+          <p:cNvSpPr>
+            <a:spLocks noGrp="1"/>
+          </p:cNvSpPr>
+          <p:nvPr>
+            <p:ph type="sldNum" sz="quarter" idx="10"/>
+          </p:nvPr>
+        </p:nvSpPr>
+        <p:spPr/>
+        <p:txBody>
+          <a:bodyPr/>
+          <a:lstStyle/>
+          <a:p>
+            <a:pPr>
+              <a:defRPr/>
+            </a:pPr>
+            <a:fld id="{BD5CFE0F-8348-4557-AAD4-70EF289C2CF2}" type="slidenum">
+              <a:rPr lang="en-US" altLang="zh-CN" smtClean="0"/>
+              <a:pPr>
+                <a:defRPr/>
+              </a:pPr>
               <a:t>58</a:t>
             </a:fld>
             <a:endParaRPr lang="en-US" altLang="zh-CN"/>
@@ -2997,24 +3159,47 @@
           <a:lstStyle/>
           <a:p>
             <a:r>
-              <a:rPr lang="zh-CN" altLang="en-US" dirty="0" smtClean="0"/>
-              <a:t>双击</a:t>
+              <a:rPr lang="en-US" altLang="zh-CN" dirty="0" err="1" smtClean="0"/>
+              <a:t>DoorClosing</a:t>
             </a:r>
             <a:r>
               <a:rPr lang="en-US" altLang="zh-CN" dirty="0" smtClean="0"/>
-              <a:t>.</a:t>
-            </a:r>
-            <a:r>
-              <a:rPr lang="en-US" altLang="zh-CN" dirty="0" err="1" smtClean="0"/>
-              <a:t>sln</a:t>
-            </a:r>
-            <a:r>
-              <a:rPr lang="zh-CN" altLang="en-US" dirty="0" smtClean="0"/>
-              <a:t>文件，打开</a:t>
-            </a:r>
-            <a:r>
-              <a:rPr lang="en-US" altLang="zh-CN" dirty="0" smtClean="0"/>
-              <a:t>vs2013</a:t>
+              <a:t> </a:t>
+            </a:r>
+            <a:r>
+              <a:rPr lang="en-US" altLang="zh-CN" dirty="0" smtClean="0">
+                <a:sym typeface="Wingdings" pitchFamily="2" charset="2"/>
+              </a:rPr>
+              <a:t> </a:t>
+            </a:r>
+            <a:r>
+              <a:rPr lang="en-US" altLang="zh-CN" dirty="0" err="1" smtClean="0">
+                <a:sym typeface="Wingdings" pitchFamily="2" charset="2"/>
+              </a:rPr>
+              <a:t>DoorClosed</a:t>
+            </a:r>
+            <a:endParaRPr lang="en-US" altLang="zh-CN" dirty="0" smtClean="0">
+              <a:sym typeface="Wingdings" pitchFamily="2" charset="2"/>
+            </a:endParaRPr>
+          </a:p>
+          <a:p>
+            <a:r>
+              <a:rPr lang="en-US" altLang="zh-CN" dirty="0" err="1" smtClean="0">
+                <a:sym typeface="Wingdings" pitchFamily="2" charset="2"/>
+              </a:rPr>
+              <a:t>DoorOpening</a:t>
+            </a:r>
+            <a:r>
+              <a:rPr lang="en-US" altLang="zh-CN" baseline="0" dirty="0" smtClean="0">
+                <a:sym typeface="Wingdings" pitchFamily="2" charset="2"/>
+              </a:rPr>
+              <a:t>  </a:t>
+            </a:r>
+            <a:r>
+              <a:rPr lang="en-US" altLang="zh-CN" baseline="0" dirty="0" err="1" smtClean="0">
+                <a:sym typeface="Wingdings" pitchFamily="2" charset="2"/>
+              </a:rPr>
+              <a:t>DoorOpen</a:t>
             </a:r>
             <a:endParaRPr lang="zh-CN" altLang="en-US" dirty="0"/>
           </a:p>
@@ -3087,7 +3272,7 @@
               <a:pPr>
                 <a:defRPr/>
               </a:pPr>
-              <a:t>26</a:t>
+              <a:t>16</a:t>
             </a:fld>
             <a:endParaRPr lang="en-US" altLang="zh-CN"/>
           </a:p>
@@ -3096,7 +3281,7 @@
     </p:spTree>
     <p:extLst>
       <p:ext uri="{BB962C8B-B14F-4D97-AF65-F5344CB8AC3E}">
-        <p14:creationId xmlns:p14="http://schemas.microsoft.com/office/powerpoint/2010/main" val="965728141"/>
+        <p14:creationId xmlns:p14="http://schemas.microsoft.com/office/powerpoint/2010/main" val="279841589"/>
       </p:ext>
     </p:extLst>
   </p:cSld>
@@ -3151,10 +3336,26 @@
           <a:lstStyle/>
           <a:p>
             <a:r>
-              <a:rPr lang="zh-CN" altLang="en-US" smtClean="0"/>
-              <a:t>无电脑学生，交手写版。或者第一次上课登记，与一位同学共用计算机，共同完成作业，交一份作业。</a:t>
-            </a:r>
-            <a:endParaRPr lang="zh-CN" altLang="en-US"/>
+              <a:rPr lang="zh-CN" altLang="en-US" dirty="0" smtClean="0"/>
+              <a:t>双击</a:t>
+            </a:r>
+            <a:r>
+              <a:rPr lang="en-US" altLang="zh-CN" dirty="0" smtClean="0"/>
+              <a:t>.</a:t>
+            </a:r>
+            <a:r>
+              <a:rPr lang="en-US" altLang="zh-CN" dirty="0" err="1" smtClean="0"/>
+              <a:t>sln</a:t>
+            </a:r>
+            <a:r>
+              <a:rPr lang="zh-CN" altLang="en-US" dirty="0" smtClean="0"/>
+              <a:t>文件，打开</a:t>
+            </a:r>
+            <a:r>
+              <a:rPr lang="en-US" altLang="zh-CN" dirty="0" smtClean="0"/>
+              <a:t>vs2013</a:t>
+            </a:r>
+            <a:endParaRPr lang="zh-CN" altLang="en-US" dirty="0"/>
           </a:p>
         </p:txBody>
       </p:sp>
@@ -3225,7 +3426,7 @@
               <a:pPr>
                 <a:defRPr/>
               </a:pPr>
-              <a:t>32</a:t>
+              <a:t>26</a:t>
             </a:fld>
             <a:endParaRPr lang="en-US" altLang="zh-CN"/>
           </a:p>
@@ -3234,7 +3435,7 @@
     </p:spTree>
     <p:extLst>
       <p:ext uri="{BB962C8B-B14F-4D97-AF65-F5344CB8AC3E}">
-        <p14:creationId xmlns:p14="http://schemas.microsoft.com/office/powerpoint/2010/main" val="3143887016"/>
+        <p14:creationId xmlns:p14="http://schemas.microsoft.com/office/powerpoint/2010/main" val="965728141"/>
       </p:ext>
     </p:extLst>
   </p:cSld>
@@ -3289,120 +3490,10 @@
           <a:lstStyle/>
           <a:p>
             <a:r>
-              <a:rPr lang="en-US" altLang="zh-CN" dirty="0" err="1" smtClean="0"/>
-              <a:t>DoorClosed</a:t>
-            </a:r>
-            <a:r>
-              <a:rPr lang="zh-CN" altLang="en-US" dirty="0" smtClean="0"/>
-              <a:t>状态，在</a:t>
-            </a:r>
-            <a:r>
-              <a:rPr lang="en-US" altLang="zh-CN" dirty="0" smtClean="0"/>
-              <a:t>Idle</a:t>
-            </a:r>
-            <a:r>
-              <a:rPr lang="zh-CN" altLang="en-US" dirty="0" smtClean="0"/>
-              <a:t>状态表示了，因此不需要该状态。</a:t>
-            </a:r>
-            <a:r>
-              <a:rPr lang="en-US" altLang="zh-CN" dirty="0" smtClean="0"/>
-              <a:t>S9</a:t>
-            </a:r>
-            <a:r>
-              <a:rPr lang="zh-CN" altLang="en-US" dirty="0" smtClean="0"/>
-              <a:t>（关门结束）即完成</a:t>
-            </a:r>
-            <a:r>
-              <a:rPr lang="en-US" altLang="zh-CN" dirty="0" err="1" smtClean="0"/>
-              <a:t>DoorClosing</a:t>
-            </a:r>
-            <a:r>
-              <a:rPr lang="en-US" altLang="zh-CN" dirty="0" err="1" smtClean="0">
-                <a:sym typeface="Wingdings" pitchFamily="2" charset="2"/>
-              </a:rPr>
-              <a:t>Idle</a:t>
-            </a:r>
-            <a:r>
-              <a:rPr lang="zh-CN" altLang="en-US" dirty="0" smtClean="0">
-                <a:sym typeface="Wingdings" pitchFamily="2" charset="2"/>
-              </a:rPr>
-              <a:t>状态的变迁</a:t>
-            </a:r>
-            <a:endParaRPr lang="en-US" altLang="zh-CN" dirty="0" smtClean="0"/>
-          </a:p>
-          <a:p>
-            <a:r>
-              <a:rPr lang="en-US" altLang="zh-CN" dirty="0" err="1" smtClean="0"/>
-              <a:t>DoorOpening</a:t>
-            </a:r>
-            <a:r>
-              <a:rPr lang="zh-CN" altLang="en-US" dirty="0" smtClean="0"/>
-              <a:t>状态，在</a:t>
-            </a:r>
-            <a:r>
-              <a:rPr lang="en-US" altLang="zh-CN" dirty="0" err="1" smtClean="0"/>
-              <a:t>DoorOpen</a:t>
-            </a:r>
-            <a:r>
-              <a:rPr lang="zh-CN" altLang="en-US" dirty="0" smtClean="0"/>
-              <a:t>状态表示了。</a:t>
-            </a:r>
-            <a:r>
-              <a:rPr lang="en-US" altLang="zh-CN" dirty="0" smtClean="0"/>
-              <a:t>S7(</a:t>
-            </a:r>
-            <a:r>
-              <a:rPr lang="zh-CN" altLang="en-US" dirty="0" smtClean="0"/>
-              <a:t>开门结束</a:t>
-            </a:r>
-            <a:r>
-              <a:rPr lang="en-US" altLang="zh-CN" dirty="0" smtClean="0"/>
-              <a:t>)</a:t>
-            </a:r>
-            <a:r>
-              <a:rPr lang="zh-CN" altLang="en-US" dirty="0" smtClean="0"/>
-              <a:t>，</a:t>
-            </a:r>
-            <a:r>
-              <a:rPr lang="en-US" altLang="zh-CN" dirty="0" err="1" smtClean="0"/>
-              <a:t>DoorOpen</a:t>
-            </a:r>
-            <a:r>
-              <a:rPr lang="en-US" altLang="zh-CN" dirty="0" err="1" smtClean="0">
-                <a:sym typeface="Wingdings" pitchFamily="2" charset="2"/>
-              </a:rPr>
-              <a:t>DoorClosing</a:t>
-            </a:r>
-            <a:r>
-              <a:rPr lang="zh-CN" altLang="en-US" dirty="0" smtClean="0">
-                <a:sym typeface="Wingdings" pitchFamily="2" charset="2"/>
-              </a:rPr>
-              <a:t>状态变迁</a:t>
-            </a:r>
-            <a:endParaRPr lang="en-US" altLang="zh-CN" dirty="0" smtClean="0"/>
-          </a:p>
-          <a:p>
-            <a:r>
-              <a:rPr lang="en-US" altLang="zh-CN" sz="1200" b="1" dirty="0" smtClean="0">
-                <a:solidFill>
-                  <a:srgbClr val="FF0000"/>
-                </a:solidFill>
-              </a:rPr>
-              <a:t>Idle</a:t>
-            </a:r>
-            <a:r>
-              <a:rPr lang="zh-CN" altLang="en-US" sz="1200" b="1" dirty="0" smtClean="0">
-                <a:solidFill>
-                  <a:srgbClr val="FF0000"/>
-                </a:solidFill>
-              </a:rPr>
-              <a:t>状态，电梯停止在某楼层，门是关闭的，处于静止状态，等待相关事件的发生，从而转换到下一个状态。</a:t>
-            </a:r>
-            <a:endParaRPr lang="en-US" altLang="zh-CN" sz="1200" b="1" dirty="0" smtClean="0">
-              <a:solidFill>
-                <a:srgbClr val="FF0000"/>
-              </a:solidFill>
-            </a:endParaRPr>
+              <a:rPr lang="zh-CN" altLang="en-US" smtClean="0"/>
+              <a:t>无电脑学生，交手写版。或者第一次上课登记，与一位同学共用计算机，共同完成作业，交一份作业。</a:t>
+            </a:r>
+            <a:endParaRPr lang="zh-CN" altLang="en-US"/>
           </a:p>
         </p:txBody>
       </p:sp>
@@ -3473,7 +3564,7 @@
               <a:pPr>
                 <a:defRPr/>
               </a:pPr>
-              <a:t>34</a:t>
+              <a:t>32</a:t>
             </a:fld>
             <a:endParaRPr lang="en-US" altLang="zh-CN"/>
           </a:p>
@@ -3482,7 +3573,7 @@
     </p:spTree>
     <p:extLst>
       <p:ext uri="{BB962C8B-B14F-4D97-AF65-F5344CB8AC3E}">
-        <p14:creationId xmlns:p14="http://schemas.microsoft.com/office/powerpoint/2010/main" val="419539608"/>
+        <p14:creationId xmlns:p14="http://schemas.microsoft.com/office/powerpoint/2010/main" val="3143887016"/>
       </p:ext>
     </p:extLst>
   </p:cSld>
@@ -3536,7 +3627,121 @@
           <a:bodyPr/>
           <a:lstStyle/>
           <a:p>
-            <a:endParaRPr lang="zh-CN" altLang="en-US" dirty="0"/>
+            <a:r>
+              <a:rPr lang="en-US" altLang="zh-CN" dirty="0" err="1" smtClean="0"/>
+              <a:t>DoorClosed</a:t>
+            </a:r>
+            <a:r>
+              <a:rPr lang="zh-CN" altLang="en-US" dirty="0" smtClean="0"/>
+              <a:t>状态，在</a:t>
+            </a:r>
+            <a:r>
+              <a:rPr lang="en-US" altLang="zh-CN" dirty="0" smtClean="0"/>
+              <a:t>Idle</a:t>
+            </a:r>
+            <a:r>
+              <a:rPr lang="zh-CN" altLang="en-US" dirty="0" smtClean="0"/>
+              <a:t>状态表示了，因此不需要该状态。</a:t>
+            </a:r>
+            <a:r>
+              <a:rPr lang="en-US" altLang="zh-CN" dirty="0" smtClean="0"/>
+              <a:t>S9</a:t>
+            </a:r>
+            <a:r>
+              <a:rPr lang="zh-CN" altLang="en-US" dirty="0" smtClean="0"/>
+              <a:t>（关门结束）即完成</a:t>
+            </a:r>
+            <a:r>
+              <a:rPr lang="en-US" altLang="zh-CN" dirty="0" err="1" smtClean="0"/>
+              <a:t>DoorClosing</a:t>
+            </a:r>
+            <a:r>
+              <a:rPr lang="en-US" altLang="zh-CN" dirty="0" err="1" smtClean="0">
+                <a:sym typeface="Wingdings" pitchFamily="2" charset="2"/>
+              </a:rPr>
+              <a:t>Idle</a:t>
+            </a:r>
+            <a:r>
+              <a:rPr lang="zh-CN" altLang="en-US" dirty="0" smtClean="0">
+                <a:sym typeface="Wingdings" pitchFamily="2" charset="2"/>
+              </a:rPr>
+              <a:t>状态的变迁</a:t>
+            </a:r>
+            <a:endParaRPr lang="en-US" altLang="zh-CN" dirty="0" smtClean="0"/>
+          </a:p>
+          <a:p>
+            <a:r>
+              <a:rPr lang="en-US" altLang="zh-CN" dirty="0" err="1" smtClean="0"/>
+              <a:t>DoorOpening</a:t>
+            </a:r>
+            <a:r>
+              <a:rPr lang="zh-CN" altLang="en-US" dirty="0" smtClean="0"/>
+              <a:t>状态，在</a:t>
+            </a:r>
+            <a:r>
+              <a:rPr lang="en-US" altLang="zh-CN" dirty="0" err="1" smtClean="0"/>
+              <a:t>DoorOpen</a:t>
+            </a:r>
+            <a:r>
+              <a:rPr lang="zh-CN" altLang="en-US" dirty="0" smtClean="0"/>
+              <a:t>状态表示了。</a:t>
+            </a:r>
+            <a:r>
+              <a:rPr lang="en-US" altLang="zh-CN" dirty="0" smtClean="0"/>
+              <a:t>S7(</a:t>
+            </a:r>
+            <a:r>
+              <a:rPr lang="zh-CN" altLang="en-US" dirty="0" smtClean="0"/>
+              <a:t>开门结束</a:t>
+            </a:r>
+            <a:r>
+              <a:rPr lang="en-US" altLang="zh-CN" dirty="0" smtClean="0"/>
+              <a:t>)</a:t>
+            </a:r>
+            <a:r>
+              <a:rPr lang="zh-CN" altLang="en-US" dirty="0" smtClean="0"/>
+              <a:t>，</a:t>
+            </a:r>
+            <a:r>
+              <a:rPr lang="en-US" altLang="zh-CN" dirty="0" err="1" smtClean="0"/>
+              <a:t>DoorOpen</a:t>
+            </a:r>
+            <a:r>
+              <a:rPr lang="en-US" altLang="zh-CN" dirty="0" err="1" smtClean="0">
+                <a:sym typeface="Wingdings" pitchFamily="2" charset="2"/>
+              </a:rPr>
+              <a:t>DoorClosing</a:t>
+            </a:r>
+            <a:r>
+              <a:rPr lang="zh-CN" altLang="en-US" dirty="0" smtClean="0">
+                <a:sym typeface="Wingdings" pitchFamily="2" charset="2"/>
+              </a:rPr>
+              <a:t>状态变迁</a:t>
+            </a:r>
+            <a:endParaRPr lang="en-US" altLang="zh-CN" dirty="0" smtClean="0"/>
+          </a:p>
+          <a:p>
+            <a:r>
+              <a:rPr lang="en-US" altLang="zh-CN" sz="1200" b="1" dirty="0" smtClean="0">
+                <a:solidFill>
+                  <a:srgbClr val="FF0000"/>
+                </a:solidFill>
+              </a:rPr>
+              <a:t>Idle</a:t>
+            </a:r>
+            <a:r>
+              <a:rPr lang="zh-CN" altLang="en-US" sz="1200" b="1" dirty="0" smtClean="0">
+                <a:solidFill>
+                  <a:srgbClr val="FF0000"/>
+                </a:solidFill>
+              </a:rPr>
+              <a:t>状态，电梯停止在某楼层，门是关闭的，处于静止状态，等待相关事件的发生，从而转换到下一个状态。</a:t>
+            </a:r>
+            <a:endParaRPr lang="en-US" altLang="zh-CN" sz="1200" b="1" dirty="0" smtClean="0">
+              <a:solidFill>
+                <a:srgbClr val="FF0000"/>
+              </a:solidFill>
+            </a:endParaRPr>
           </a:p>
         </p:txBody>
       </p:sp>
@@ -3607,7 +3812,7 @@
               <a:pPr>
                 <a:defRPr/>
               </a:pPr>
-              <a:t>35</a:t>
+              <a:t>34</a:t>
             </a:fld>
             <a:endParaRPr lang="en-US" altLang="zh-CN"/>
           </a:p>
@@ -3616,7 +3821,7 @@
     </p:spTree>
     <p:extLst>
       <p:ext uri="{BB962C8B-B14F-4D97-AF65-F5344CB8AC3E}">
-        <p14:creationId xmlns:p14="http://schemas.microsoft.com/office/powerpoint/2010/main" val="1079216269"/>
+        <p14:creationId xmlns:p14="http://schemas.microsoft.com/office/powerpoint/2010/main" val="419539608"/>
       </p:ext>
     </p:extLst>
   </p:cSld>
@@ -3670,34 +3875,6 @@
           <a:bodyPr/>
           <a:lstStyle/>
           <a:p>
-            <a:r>
-              <a:rPr lang="en-US" altLang="zh-CN" sz="1200" b="1" dirty="0" smtClean="0"/>
-              <a:t> 1</a:t>
-            </a:r>
-            <a:r>
-              <a:rPr lang="zh-CN" altLang="en-US" sz="1200" b="1" dirty="0" smtClean="0"/>
-              <a:t>层以上，一定时间无动作，自动下降到</a:t>
-            </a:r>
-            <a:r>
-              <a:rPr lang="en-US" altLang="zh-CN" sz="1200" b="1" dirty="0" smtClean="0"/>
-              <a:t>1</a:t>
-            </a:r>
-            <a:r>
-              <a:rPr lang="zh-CN" altLang="en-US" sz="1200" b="1" dirty="0" smtClean="0"/>
-              <a:t>楼。</a:t>
-            </a:r>
-            <a:r>
-              <a:rPr lang="en-US" altLang="zh-CN" sz="1200" b="1" dirty="0" smtClean="0"/>
-              <a:t>AutoTo1Floor();[</a:t>
-            </a:r>
-            <a:r>
-              <a:rPr lang="zh-CN" altLang="en-US" sz="1200" b="1" dirty="0" smtClean="0"/>
-              <a:t>其它状态，取消此功能，</a:t>
-            </a:r>
-            <a:r>
-              <a:rPr lang="en-US" altLang="zh-CN" sz="1200" b="1" dirty="0" smtClean="0"/>
-              <a:t>CancelTo1Floor()]</a:t>
-            </a:r>
             <a:endParaRPr lang="zh-CN" altLang="en-US" dirty="0"/>
           </a:p>
         </p:txBody>
@@ -3769,7 +3946,7 @@
               <a:pPr>
                 <a:defRPr/>
               </a:pPr>
-              <a:t>36</a:t>
+              <a:t>35</a:t>
             </a:fld>
             <a:endParaRPr lang="en-US" altLang="zh-CN"/>
           </a:p>
@@ -3778,7 +3955,7 @@
     </p:spTree>
     <p:extLst>
       <p:ext uri="{BB962C8B-B14F-4D97-AF65-F5344CB8AC3E}">
-        <p14:creationId xmlns:p14="http://schemas.microsoft.com/office/powerpoint/2010/main" val="50609055"/>
+        <p14:creationId xmlns:p14="http://schemas.microsoft.com/office/powerpoint/2010/main" val="1079216269"/>
       </p:ext>
     </p:extLst>
   </p:cSld>
@@ -4067,7 +4244,7 @@
           <a:p>
             <a:fld id="{9B897E2D-957B-4D9D-A0C2-5B7D912FC07C}" type="datetime10">
               <a:rPr lang="zh-CN" altLang="en-US" smtClean="0"/>
-              <a:t>15:33</a:t>
+              <a:t>09:36</a:t>
             </a:fld>
             <a:endParaRPr lang="zh-CN" altLang="en-US"/>
           </a:p>
@@ -4280,7 +4457,7 @@
           <a:p>
             <a:fld id="{FEB5EFE7-A783-4554-B77F-DF14040FF23C}" type="datetime10">
               <a:rPr lang="zh-CN" altLang="en-US" smtClean="0"/>
-              <a:t>15:33</a:t>
+              <a:t>09:36</a:t>
             </a:fld>
             <a:endParaRPr lang="zh-CN" altLang="en-US"/>
           </a:p>
@@ -4590,7 +4767,7 @@
           <a:p>
             <a:fld id="{FAE39FCF-E57F-4C7B-8DA8-2F4FAAA6797D}" type="datetime10">
               <a:rPr lang="zh-CN" altLang="en-US" smtClean="0"/>
-              <a:t>15:33</a:t>
+              <a:t>09:36</a:t>
             </a:fld>
             <a:endParaRPr lang="zh-CN" altLang="en-US"/>
           </a:p>
@@ -4765,7 +4942,7 @@
           <a:p>
             <a:fld id="{027287E7-C195-4956-AB5F-C5E4FB6E648D}" type="datetime10">
               <a:rPr lang="zh-CN" altLang="en-US" smtClean="0"/>
-              <a:t>15:33</a:t>
+              <a:t>09:36</a:t>
             </a:fld>
             <a:endParaRPr lang="zh-CN" altLang="en-US"/>
           </a:p>
@@ -4889,7 +5066,7 @@
           <a:p>
             <a:fld id="{2BC22A67-3ECF-487E-A853-13104F322C26}" type="datetime10">
               <a:rPr lang="zh-CN" altLang="en-US" smtClean="0"/>
-              <a:t>15:33</a:t>
+              <a:t>09:36</a:t>
             </a:fld>
             <a:endParaRPr lang="zh-CN" altLang="en-US"/>
           </a:p>
@@ -5350,7 +5527,7 @@
           <a:p>
             <a:fld id="{CDF13AE3-D21E-49E3-A634-69B00BCC8341}" type="datetime10">
               <a:rPr lang="zh-CN" altLang="en-US" smtClean="0"/>
-              <a:t>15:33</a:t>
+              <a:t>09:36</a:t>
             </a:fld>
             <a:endParaRPr lang="zh-CN" altLang="en-US"/>
           </a:p>
@@ -6881,7 +7058,7 @@
           <a:p>
             <a:fld id="{D4B924C2-6AF3-4CA9-B4C1-E65BE2C5A8D2}" type="datetime10">
               <a:rPr lang="zh-CN" altLang="en-US" smtClean="0"/>
-              <a:t>15:33</a:t>
+              <a:t>09:36</a:t>
             </a:fld>
             <a:endParaRPr lang="zh-CN" altLang="en-US"/>
           </a:p>
@@ -7131,7 +7308,7 @@
           <a:p>
             <a:fld id="{1DF8ECE8-2F79-442C-B009-BF24F53FEA95}" type="datetime10">
               <a:rPr lang="zh-CN" altLang="en-US" smtClean="0"/>
-              <a:t>15:33</a:t>
+              <a:t>09:36</a:t>
             </a:fld>
             <a:endParaRPr lang="zh-CN" altLang="en-US"/>
           </a:p>
@@ -7531,7 +7708,7 @@
           <a:p>
             <a:fld id="{BD558A68-2CCC-49FA-A58C-536E17F3B137}" type="datetime10">
               <a:rPr lang="zh-CN" altLang="en-US" smtClean="0"/>
-              <a:t>15:33</a:t>
+              <a:t>09:36</a:t>
             </a:fld>
             <a:endParaRPr lang="zh-CN" altLang="en-US"/>
           </a:p>
@@ -7931,7 +8108,7 @@
           <a:p>
             <a:fld id="{1901CB65-9D5A-4CA6-98E1-6B263BA07C5F}" type="datetime10">
               <a:rPr lang="zh-CN" altLang="en-US" smtClean="0"/>
-              <a:t>15:33</a:t>
+              <a:t>09:36</a:t>
             </a:fld>
             <a:endParaRPr lang="zh-CN" altLang="en-US"/>
           </a:p>
@@ -8084,7 +8261,15 @@
             </a:r>
             <a:r>
               <a:rPr lang="en-US" altLang="zh-CN" dirty="0" smtClean="0"/>
-              <a:t>  1</a:t>
+              <a:t> </a:t>
+            </a:r>
+            <a:r>
+              <a:rPr lang="en-US" altLang="zh-CN" dirty="0" smtClean="0"/>
+              <a:t>   </a:t>
+            </a:r>
+            <a:r>
+              <a:rPr lang="en-US" altLang="zh-CN" dirty="0" smtClean="0"/>
+              <a:t>1</a:t>
             </a:r>
             <a:endParaRPr lang="en-US" altLang="zh-CN" dirty="0"/>
           </a:p>
@@ -8099,12 +8284,16 @@
               <a:t>#define </a:t>
             </a:r>
             <a:r>
-              <a:rPr lang="en-US" altLang="zh-CN" dirty="0" err="1"/>
+              <a:rPr lang="en-US" altLang="zh-CN" dirty="0" err="1" smtClean="0"/>
               <a:t>DoorOpening</a:t>
             </a:r>
             <a:r>
+              <a:rPr lang="en-US" altLang="zh-CN" dirty="0" smtClean="0"/>
+              <a:t>   </a:t>
+            </a:r>
+            <a:r>
               <a:rPr lang="en-US" altLang="zh-CN" dirty="0"/>
-              <a:t> 2</a:t>
+              <a:t>2</a:t>
             </a:r>
           </a:p>
           <a:p>
@@ -8127,7 +8316,11 @@
             </a:r>
             <a:r>
               <a:rPr lang="en-US" altLang="zh-CN" dirty="0" smtClean="0"/>
-              <a:t>     3</a:t>
+              <a:t>     </a:t>
+            </a:r>
+            <a:r>
+              <a:rPr lang="en-US" altLang="zh-CN" dirty="0" smtClean="0"/>
+              <a:t>  3</a:t>
             </a:r>
             <a:endParaRPr lang="en-US" altLang="zh-CN" dirty="0"/>
           </a:p>
@@ -8148,6 +8341,10 @@
             <a:r>
               <a:rPr lang="en-US" altLang="zh-CN" dirty="0"/>
               <a:t> </a:t>
+            </a:r>
+            <a:r>
+              <a:rPr lang="en-US" altLang="zh-CN" dirty="0" smtClean="0"/>
+              <a:t>  </a:t>
             </a:r>
             <a:r>
               <a:rPr lang="en-US" altLang="zh-CN" dirty="0" smtClean="0"/>
@@ -8838,7 +9035,7 @@
           <a:p>
             <a:fld id="{C503C4C8-8C25-4B5F-9CBC-FB43B2AE1AF3}" type="datetime10">
               <a:rPr lang="zh-CN" altLang="en-US" smtClean="0"/>
-              <a:t>15:33</a:t>
+              <a:t>09:36</a:t>
             </a:fld>
             <a:endParaRPr lang="zh-CN" altLang="en-US"/>
           </a:p>
@@ -9729,7 +9926,7 @@
           <a:p>
             <a:fld id="{E94650C5-04D2-4978-9CD7-FA728BF25977}" type="datetime10">
               <a:rPr lang="zh-CN" altLang="en-US" smtClean="0"/>
-              <a:t>15:33</a:t>
+              <a:t>09:36</a:t>
             </a:fld>
             <a:endParaRPr lang="zh-CN" altLang="en-US"/>
           </a:p>
@@ -10450,7 +10647,7 @@
               <a:t>// </a:t>
             </a:r>
             <a:r>
-              <a:rPr lang="en-US" altLang="zh-CN" sz="2000" dirty="0" err="1">
+              <a:rPr lang="en-US" altLang="zh-CN" sz="2000" dirty="0" err="1" smtClean="0">
                 <a:solidFill>
                   <a:schemeClr val="tx2">
                     <a:lumMod val="75000"/>
@@ -10459,16 +10656,20 @@
               </a:rPr>
               <a:t>doorAtBottom</a:t>
             </a:r>
-            <a:r>
-              <a:rPr lang="en-US" altLang="zh-CN" sz="2000" dirty="0">
-                <a:solidFill>
-                  <a:schemeClr val="tx2">
-                    <a:lumMod val="75000"/>
-                  </a:schemeClr>
-                </a:solidFill>
-              </a:rPr>
-              <a:t> </a:t>
-            </a:r>
+            <a:endParaRPr lang="en-US" altLang="zh-CN" sz="2000" dirty="0">
+              <a:solidFill>
+                <a:schemeClr val="tx2">
+                  <a:lumMod val="75000"/>
+                </a:schemeClr>
+              </a:solidFill>
+            </a:endParaRPr>
+          </a:p>
+          <a:p>
+            <a:pPr>
+              <a:lnSpc>
+                <a:spcPct val="150000"/>
+              </a:lnSpc>
+            </a:pPr>
             <a:r>
               <a:rPr lang="en-US" altLang="zh-CN" sz="2000" dirty="0" err="1" smtClean="0"/>
               <a:t>GetDoorPosition</a:t>
@@ -10590,7 +10791,7 @@
           <a:p>
             <a:fld id="{57A94393-DCF7-403D-A87F-F244F11AA608}" type="datetime10">
               <a:rPr lang="zh-CN" altLang="en-US" smtClean="0"/>
-              <a:t>15:33</a:t>
+              <a:t>09:36</a:t>
             </a:fld>
             <a:endParaRPr lang="zh-CN" altLang="en-US"/>
           </a:p>
@@ -10947,7 +11148,7 @@
           <a:p>
             <a:fld id="{6606D06D-BD90-4ECE-83BA-BFB60DA6A5BE}" type="datetime10">
               <a:rPr lang="zh-CN" altLang="en-US" smtClean="0"/>
-              <a:t>15:33</a:t>
+              <a:t>09:36</a:t>
             </a:fld>
             <a:endParaRPr lang="zh-CN" altLang="en-US"/>
           </a:p>
@@ -11472,7 +11673,7 @@
           <a:p>
             <a:fld id="{EB5ADC9E-F51B-47BE-99D3-DA62903491B0}" type="datetime10">
               <a:rPr lang="zh-CN" altLang="en-US" smtClean="0"/>
-              <a:t>15:33</a:t>
+              <a:t>09:36</a:t>
             </a:fld>
             <a:endParaRPr lang="zh-CN" altLang="en-US"/>
           </a:p>
@@ -11793,16 +11994,16 @@
               <a:t>() )  </a:t>
             </a:r>
             <a:r>
-              <a:rPr lang="en-US" altLang="zh-CN" dirty="0" smtClean="0">
-                <a:solidFill>
-                  <a:schemeClr val="tx2"/>
+              <a:rPr lang="en-US" altLang="zh-CN" b="1" dirty="0" smtClean="0">
+                <a:solidFill>
+                  <a:srgbClr val="FF0000"/>
                 </a:solidFill>
               </a:rPr>
               <a:t>// Event</a:t>
             </a:r>
-            <a:endParaRPr lang="en-US" altLang="zh-CN" dirty="0">
+            <a:endParaRPr lang="en-US" altLang="zh-CN" b="1" dirty="0">
               <a:solidFill>
-                <a:schemeClr val="tx2"/>
+                <a:srgbClr val="FF0000"/>
               </a:solidFill>
             </a:endParaRPr>
           </a:p>
@@ -11837,16 +12038,16 @@
               <a:t>(1);  </a:t>
             </a:r>
             <a:r>
-              <a:rPr lang="en-US" altLang="zh-CN" dirty="0" smtClean="0">
-                <a:solidFill>
-                  <a:schemeClr val="tx2"/>
+              <a:rPr lang="en-US" altLang="zh-CN" b="1" dirty="0" smtClean="0">
+                <a:solidFill>
+                  <a:srgbClr val="FF0000"/>
                 </a:solidFill>
               </a:rPr>
               <a:t>// Transition</a:t>
             </a:r>
-            <a:endParaRPr lang="en-US" altLang="zh-CN" dirty="0">
+            <a:endParaRPr lang="en-US" altLang="zh-CN" b="1" dirty="0">
               <a:solidFill>
-                <a:schemeClr val="tx2"/>
+                <a:srgbClr val="FF0000"/>
               </a:solidFill>
             </a:endParaRPr>
           </a:p>
@@ -12265,7 +12466,7 @@
           <a:p>
             <a:fld id="{5B15ED53-32A7-4FF4-BF75-7A0619B23433}" type="datetime10">
               <a:rPr lang="zh-CN" altLang="en-US" smtClean="0"/>
-              <a:t>15:33</a:t>
+              <a:t>09:37</a:t>
             </a:fld>
             <a:endParaRPr lang="zh-CN" altLang="en-US"/>
           </a:p>
@@ -12508,7 +12709,7 @@
           <a:p>
             <a:fld id="{2C1DB555-715E-4CC2-8236-9766A92FC189}" type="datetime10">
               <a:rPr lang="zh-CN" altLang="en-US" smtClean="0"/>
-              <a:t>15:33</a:t>
+              <a:t>09:36</a:t>
             </a:fld>
             <a:endParaRPr lang="zh-CN" altLang="en-US"/>
           </a:p>
@@ -12992,7 +13193,7 @@
           <a:p>
             <a:fld id="{E2546516-918C-4B93-8C28-8B85FDF9AEFB}" type="datetime10">
               <a:rPr lang="zh-CN" altLang="en-US" smtClean="0"/>
-              <a:t>15:33</a:t>
+              <a:t>09:37</a:t>
             </a:fld>
             <a:endParaRPr lang="zh-CN" altLang="en-US"/>
           </a:p>
@@ -13399,7 +13600,7 @@
               <a:t>)  </a:t>
             </a:r>
             <a:r>
-              <a:rPr lang="en-US" altLang="zh-CN" dirty="0">
+              <a:rPr lang="en-US" altLang="zh-CN" b="1" dirty="0">
                 <a:solidFill>
                   <a:srgbClr val="FF0000"/>
                 </a:solidFill>
@@ -13428,7 +13629,7 @@
               <a:t>(0);  </a:t>
             </a:r>
             <a:r>
-              <a:rPr lang="en-US" altLang="zh-CN" dirty="0">
+              <a:rPr lang="en-US" altLang="zh-CN" b="1" dirty="0">
                 <a:solidFill>
                   <a:srgbClr val="FF0000"/>
                 </a:solidFill>
@@ -13500,7 +13701,7 @@
               <a:t>(1);  </a:t>
             </a:r>
             <a:r>
-              <a:rPr lang="en-US" altLang="zh-CN" dirty="0">
+              <a:rPr lang="en-US" altLang="zh-CN" b="1" dirty="0">
                 <a:solidFill>
                   <a:srgbClr val="FF0000"/>
                 </a:solidFill>
@@ -14077,7 +14278,7 @@
           <a:p>
             <a:fld id="{9E518833-6C06-484D-8281-4FEA42096733}" type="datetime10">
               <a:rPr lang="zh-CN" altLang="en-US" smtClean="0"/>
-              <a:t>15:33</a:t>
+              <a:t>09:37</a:t>
             </a:fld>
             <a:endParaRPr lang="zh-CN" altLang="en-US"/>
           </a:p>
@@ -14297,7 +14498,7 @@
           <a:p>
             <a:fld id="{80F8C20A-6B4D-4497-8FEB-052C47EB3E84}" type="datetime10">
               <a:rPr lang="zh-CN" altLang="en-US" smtClean="0"/>
-              <a:t>15:33</a:t>
+              <a:t>09:37</a:t>
             </a:fld>
             <a:endParaRPr lang="zh-CN" altLang="en-US"/>
           </a:p>
@@ -14519,7 +14720,7 @@
           <a:p>
             <a:fld id="{27B67446-34F8-4747-A347-013A8B8DA8E4}" type="datetime10">
               <a:rPr lang="zh-CN" altLang="en-US" smtClean="0"/>
-              <a:t>15:33</a:t>
+              <a:t>09:37</a:t>
             </a:fld>
             <a:endParaRPr lang="zh-CN" altLang="en-US"/>
           </a:p>
@@ -15676,7 +15877,7 @@
           <a:p>
             <a:fld id="{E56CF979-7C5D-4B42-A02B-605B7DC1861E}" type="datetime10">
               <a:rPr lang="zh-CN" altLang="en-US" smtClean="0"/>
-              <a:t>15:33</a:t>
+              <a:t>09:37</a:t>
             </a:fld>
             <a:endParaRPr lang="zh-CN" altLang="en-US"/>
           </a:p>
@@ -15767,9 +15968,82 @@
           </a:p>
         </p:txBody>
       </p:sp>
+      <p:sp>
+        <p:nvSpPr>
+          <p:cNvPr id="3" name="灯片编号占位符 2"/>
+          <p:cNvSpPr>
+            <a:spLocks noGrp="1"/>
+          </p:cNvSpPr>
+          <p:nvPr>
+            <p:ph type="sldNum" sz="quarter" idx="11"/>
+          </p:nvPr>
+        </p:nvSpPr>
+        <p:spPr/>
+        <p:txBody>
+          <a:bodyPr/>
+          <a:lstStyle/>
+          <a:p>
+            <a:fld id="{C76E37F9-B586-484A-A7DE-14715ACABBC7}" type="slidenum">
+              <a:rPr lang="zh-CN" altLang="en-US" smtClean="0"/>
+              <a:t>25</a:t>
+            </a:fld>
+            <a:endParaRPr lang="zh-CN" altLang="en-US"/>
+          </a:p>
+        </p:txBody>
+      </p:sp>
+      <p:sp>
+        <p:nvSpPr>
+          <p:cNvPr id="4" name="页脚占位符 3"/>
+          <p:cNvSpPr>
+            <a:spLocks noGrp="1"/>
+          </p:cNvSpPr>
+          <p:nvPr>
+            <p:ph type="ftr" sz="quarter" idx="10"/>
+          </p:nvPr>
+        </p:nvSpPr>
+        <p:spPr/>
+        <p:txBody>
+          <a:bodyPr/>
+          <a:lstStyle/>
+          <a:p>
+            <a:r>
+              <a:rPr lang="en-US" altLang="zh-CN" smtClean="0"/>
+              <a:t>C</a:t>
+            </a:r>
+            <a:r>
+              <a:rPr lang="zh-CN" altLang="en-US" smtClean="0"/>
+              <a:t>语言课程设计</a:t>
+            </a:r>
+            <a:endParaRPr lang="zh-CN" altLang="en-US"/>
+          </a:p>
+        </p:txBody>
+      </p:sp>
+      <p:sp>
+        <p:nvSpPr>
+          <p:cNvPr id="5" name="日期占位符 4"/>
+          <p:cNvSpPr>
+            <a:spLocks noGrp="1"/>
+          </p:cNvSpPr>
+          <p:nvPr>
+            <p:ph type="dt" sz="half" idx="12"/>
+          </p:nvPr>
+        </p:nvSpPr>
+        <p:spPr/>
+        <p:txBody>
+          <a:bodyPr/>
+          <a:lstStyle/>
+          <a:p>
+            <a:fld id="{5F37A737-29F8-4039-87B5-EF61464426AE}" type="datetime10">
+              <a:rPr lang="zh-CN" altLang="en-US" smtClean="0"/>
+              <a:t>09:37</a:t>
+            </a:fld>
+            <a:endParaRPr lang="zh-CN" altLang="en-US"/>
+          </a:p>
+        </p:txBody>
+      </p:sp>
       <p:pic>
         <p:nvPicPr>
-          <p:cNvPr id="6147" name="Picture 3"/>
+          <p:cNvPr id="1026" name="Picture 2"/>
           <p:cNvPicPr>
             <a:picLocks noChangeAspect="1" noChangeArrowheads="1"/>
           </p:cNvPicPr>
@@ -15790,8 +16064,8 @@
         </p:blipFill>
         <p:spPr bwMode="auto">
           <a:xfrm>
-            <a:off x="235890" y="528028"/>
-            <a:ext cx="8656590" cy="5997316"/>
+            <a:off x="-28717" y="476672"/>
+            <a:ext cx="9172717" cy="6381328"/>
           </a:xfrm>
           <a:prstGeom prst="rect">
             <a:avLst/>
@@ -15831,79 +16105,6 @@
           </a:extLst>
         </p:spPr>
       </p:pic>
-      <p:sp>
-        <p:nvSpPr>
-          <p:cNvPr id="3" name="灯片编号占位符 2"/>
-          <p:cNvSpPr>
-            <a:spLocks noGrp="1"/>
-          </p:cNvSpPr>
-          <p:nvPr>
-            <p:ph type="sldNum" sz="quarter" idx="11"/>
-          </p:nvPr>
-        </p:nvSpPr>
-        <p:spPr/>
-        <p:txBody>
-          <a:bodyPr/>
-          <a:lstStyle/>
-          <a:p>
-            <a:fld id="{C76E37F9-B586-484A-A7DE-14715ACABBC7}" type="slidenum">
-              <a:rPr lang="zh-CN" altLang="en-US" smtClean="0"/>
-              <a:t>25</a:t>
-            </a:fld>
-            <a:endParaRPr lang="zh-CN" altLang="en-US"/>
-          </a:p>
-        </p:txBody>
-      </p:sp>
-      <p:sp>
-        <p:nvSpPr>
-          <p:cNvPr id="4" name="页脚占位符 3"/>
-          <p:cNvSpPr>
-            <a:spLocks noGrp="1"/>
-          </p:cNvSpPr>
-          <p:nvPr>
-            <p:ph type="ftr" sz="quarter" idx="10"/>
-          </p:nvPr>
-        </p:nvSpPr>
-        <p:spPr/>
-        <p:txBody>
-          <a:bodyPr/>
-          <a:lstStyle/>
-          <a:p>
-            <a:r>
-              <a:rPr lang="en-US" altLang="zh-CN" smtClean="0"/>
-              <a:t>C</a:t>
-            </a:r>
-            <a:r>
-              <a:rPr lang="zh-CN" altLang="en-US" smtClean="0"/>
-              <a:t>语言课程设计</a:t>
-            </a:r>
-            <a:endParaRPr lang="zh-CN" altLang="en-US"/>
-          </a:p>
-        </p:txBody>
-      </p:sp>
-      <p:sp>
-        <p:nvSpPr>
-          <p:cNvPr id="5" name="日期占位符 4"/>
-          <p:cNvSpPr>
-            <a:spLocks noGrp="1"/>
-          </p:cNvSpPr>
-          <p:nvPr>
-            <p:ph type="dt" sz="half" idx="12"/>
-          </p:nvPr>
-        </p:nvSpPr>
-        <p:spPr/>
-        <p:txBody>
-          <a:bodyPr/>
-          <a:lstStyle/>
-          <a:p>
-            <a:fld id="{5F37A737-29F8-4039-87B5-EF61464426AE}" type="datetime10">
-              <a:rPr lang="zh-CN" altLang="en-US" smtClean="0"/>
-              <a:t>15:33</a:t>
-            </a:fld>
-            <a:endParaRPr lang="zh-CN" altLang="en-US"/>
-          </a:p>
-        </p:txBody>
-      </p:sp>
     </p:spTree>
     <p:extLst>
       <p:ext uri="{BB962C8B-B14F-4D97-AF65-F5344CB8AC3E}">
@@ -16320,7 +16521,7 @@
           <a:p>
             <a:fld id="{8D1F04B0-10ED-43F8-837A-0961035CB7FD}" type="datetime10">
               <a:rPr lang="zh-CN" altLang="en-US" smtClean="0"/>
-              <a:t>15:33</a:t>
+              <a:t>09:37</a:t>
             </a:fld>
             <a:endParaRPr lang="zh-CN" altLang="en-US"/>
           </a:p>
@@ -16686,7 +16887,7 @@
           <a:p>
             <a:fld id="{B87535FB-A371-4F35-9B28-911E89E9053A}" type="datetime10">
               <a:rPr lang="zh-CN" altLang="en-US" smtClean="0"/>
-              <a:t>15:33</a:t>
+              <a:t>09:45</a:t>
             </a:fld>
             <a:endParaRPr lang="zh-CN" altLang="en-US"/>
           </a:p>
@@ -16997,7 +17198,7 @@
           <a:p>
             <a:fld id="{806108C5-AE88-47AA-BB8B-5FD69F4B1CCD}" type="datetime10">
               <a:rPr lang="zh-CN" altLang="en-US" smtClean="0"/>
-              <a:t>15:33</a:t>
+              <a:t>09:45</a:t>
             </a:fld>
             <a:endParaRPr lang="zh-CN" altLang="en-US"/>
           </a:p>
@@ -17410,7 +17611,7 @@
           <a:p>
             <a:fld id="{A96F25E7-7818-4997-A486-52F03BB724F4}" type="datetime10">
               <a:rPr lang="zh-CN" altLang="en-US" smtClean="0"/>
-              <a:t>15:33</a:t>
+              <a:t>09:45</a:t>
             </a:fld>
             <a:endParaRPr lang="zh-CN" altLang="en-US" dirty="0"/>
           </a:p>
@@ -17545,11 +17746,7 @@
             </a:r>
             <a:r>
               <a:rPr lang="zh-CN" altLang="en-US" sz="2400" dirty="0" smtClean="0"/>
-              <a:t>周三</a:t>
-            </a:r>
-            <a:r>
-              <a:rPr lang="zh-CN" altLang="en-US" sz="2400" dirty="0" smtClean="0"/>
-              <a:t>（</a:t>
+              <a:t>周三（</a:t>
             </a:r>
             <a:r>
               <a:rPr lang="en-US" altLang="zh-CN" sz="2400" dirty="0" smtClean="0"/>
@@ -17587,7 +17784,6 @@
               <a:rPr lang="en-US" altLang="zh-CN" sz="2400" dirty="0" smtClean="0"/>
               <a:t>I-223</a:t>
             </a:r>
-            <a:endParaRPr lang="en-US" altLang="zh-CN" sz="2400" dirty="0" smtClean="0"/>
           </a:p>
           <a:p>
             <a:pPr marL="342900" indent="-342900">
@@ -17599,23 +17795,7 @@
             </a:pPr>
             <a:r>
               <a:rPr lang="zh-CN" altLang="en-US" sz="2400" dirty="0" smtClean="0"/>
-              <a:t>辅导答疑时间</a:t>
-            </a:r>
-            <a:r>
-              <a:rPr lang="zh-CN" altLang="en-US" sz="2400" dirty="0" smtClean="0"/>
-              <a:t>：</a:t>
-            </a:r>
-            <a:r>
-              <a:rPr lang="zh-CN" altLang="en-US" sz="2400" dirty="0" smtClean="0"/>
-              <a:t>下周</a:t>
-            </a:r>
-            <a:r>
-              <a:rPr lang="zh-CN" altLang="en-US" sz="2400" dirty="0" smtClean="0"/>
-              <a:t>二、四</a:t>
-            </a:r>
-            <a:r>
-              <a:rPr lang="zh-CN" altLang="en-US" sz="2400" dirty="0" smtClean="0"/>
-              <a:t>晚上信远</a:t>
+              <a:t>辅导答疑时间：下周二、四晚上信远</a:t>
             </a:r>
             <a:r>
               <a:rPr lang="en-US" altLang="zh-CN" sz="2400" dirty="0" smtClean="0"/>
@@ -17631,7 +17811,11 @@
             </a:r>
             <a:r>
               <a:rPr lang="zh-CN" altLang="en-US" sz="2400" dirty="0" smtClean="0"/>
-              <a:t>楼教室完成毕设。</a:t>
+              <a:t>楼教室</a:t>
+            </a:r>
+            <a:r>
+              <a:rPr lang="zh-CN" altLang="en-US" sz="2400" dirty="0" smtClean="0"/>
+              <a:t>完成课设，签到。</a:t>
             </a:r>
             <a:endParaRPr lang="en-US" altLang="zh-CN" sz="2400" dirty="0" smtClean="0"/>
           </a:p>
@@ -17649,15 +17833,7 @@
             </a:r>
             <a:r>
               <a:rPr lang="zh-CN" altLang="en-US" sz="2400" dirty="0" smtClean="0"/>
-              <a:t>周</a:t>
-            </a:r>
-            <a:r>
-              <a:rPr lang="zh-CN" altLang="en-US" sz="2400" dirty="0" smtClean="0"/>
-              <a:t>四</a:t>
-            </a:r>
-            <a:r>
-              <a:rPr lang="zh-CN" altLang="en-US" sz="2400" dirty="0" smtClean="0"/>
-              <a:t>（</a:t>
+              <a:t>周四（</a:t>
             </a:r>
             <a:r>
               <a:rPr lang="en-US" altLang="zh-CN" sz="2400" dirty="0" smtClean="0"/>
@@ -17802,7 +17978,7 @@
           <a:p>
             <a:fld id="{E19C31DD-5C22-46AF-B21A-BFD9140BE8D8}" type="datetime10">
               <a:rPr lang="zh-CN" altLang="en-US" smtClean="0"/>
-              <a:t>15:33</a:t>
+              <a:t>09:36</a:t>
             </a:fld>
             <a:endParaRPr lang="zh-CN" altLang="en-US"/>
           </a:p>
@@ -18487,7 +18663,7 @@
           <a:p>
             <a:fld id="{ECDCA962-CA37-431E-A9AD-A883F0E3A72A}" type="datetime10">
               <a:rPr lang="zh-CN" altLang="en-US" smtClean="0"/>
-              <a:t>15:33</a:t>
+              <a:t>09:45</a:t>
             </a:fld>
             <a:endParaRPr lang="zh-CN" altLang="en-US"/>
           </a:p>
@@ -19034,7 +19210,7 @@
           <a:p>
             <a:fld id="{0504BC3E-8B07-48AF-AAA5-D94DBE3626EA}" type="datetime10">
               <a:rPr lang="zh-CN" altLang="en-US" smtClean="0"/>
-              <a:t>15:33</a:t>
+              <a:t>09:45</a:t>
             </a:fld>
             <a:endParaRPr lang="zh-CN" altLang="en-US"/>
           </a:p>
@@ -19442,7 +19618,7 @@
           <a:p>
             <a:fld id="{E19C31DD-5C22-46AF-B21A-BFD9140BE8D8}" type="datetime10">
               <a:rPr lang="zh-CN" altLang="en-US" smtClean="0"/>
-              <a:t>15:33</a:t>
+              <a:t>09:45</a:t>
             </a:fld>
             <a:endParaRPr lang="zh-CN" altLang="en-US"/>
           </a:p>
@@ -19673,7 +19849,7 @@
           <a:p>
             <a:fld id="{F70C1397-6B38-4600-BAA3-4520FF6B7512}" type="datetime10">
               <a:rPr lang="zh-CN" altLang="en-US" smtClean="0"/>
-              <a:t>15:33</a:t>
+              <a:t>09:45</a:t>
             </a:fld>
             <a:endParaRPr lang="zh-CN" altLang="en-US"/>
           </a:p>
@@ -20185,7 +20361,7 @@
           <a:p>
             <a:fld id="{062F2478-A231-4DD8-90F0-17632984B186}" type="datetime10">
               <a:rPr lang="zh-CN" altLang="en-US" smtClean="0"/>
-              <a:t>16:17</a:t>
+              <a:t>09:45</a:t>
             </a:fld>
             <a:endParaRPr lang="zh-CN" altLang="en-US"/>
           </a:p>
@@ -20900,7 +21076,7 @@
           <a:p>
             <a:fld id="{FFCBFCD3-6900-4801-A3A8-ABFF77EF36E9}" type="datetime10">
               <a:rPr lang="zh-CN" altLang="en-US" smtClean="0"/>
-              <a:t>15:33</a:t>
+              <a:t>09:45</a:t>
             </a:fld>
             <a:endParaRPr lang="zh-CN" altLang="en-US"/>
           </a:p>
@@ -21582,7 +21758,7 @@
           <a:p>
             <a:fld id="{FFCBFCD3-6900-4801-A3A8-ABFF77EF36E9}" type="datetime10">
               <a:rPr lang="zh-CN" altLang="en-US" smtClean="0"/>
-              <a:t>15:33</a:t>
+              <a:t>09:45</a:t>
             </a:fld>
             <a:endParaRPr lang="zh-CN" altLang="en-US"/>
           </a:p>
@@ -22248,7 +22424,7 @@
           <a:p>
             <a:fld id="{B3A5277A-74C6-4D5A-B698-EA3D9D662265}" type="datetime10">
               <a:rPr lang="zh-CN" altLang="en-US" smtClean="0"/>
-              <a:t>15:33</a:t>
+              <a:t>09:45</a:t>
             </a:fld>
             <a:endParaRPr lang="zh-CN" altLang="en-US"/>
           </a:p>
@@ -22864,7 +23040,7 @@
           <a:p>
             <a:fld id="{B3A5277A-74C6-4D5A-B698-EA3D9D662265}" type="datetime10">
               <a:rPr lang="zh-CN" altLang="en-US" smtClean="0"/>
-              <a:t>15:33</a:t>
+              <a:t>09:45</a:t>
             </a:fld>
             <a:endParaRPr lang="zh-CN" altLang="en-US"/>
           </a:p>
@@ -23659,7 +23835,7 @@
           <a:p>
             <a:fld id="{78FEED2D-F7E8-4C4A-84AE-93C7F94FE09E}" type="datetime10">
               <a:rPr lang="zh-CN" altLang="en-US" smtClean="0"/>
-              <a:t>15:33</a:t>
+              <a:t>09:45</a:t>
             </a:fld>
             <a:endParaRPr lang="zh-CN" altLang="en-US"/>
           </a:p>
@@ -23932,7 +24108,7 @@
           <a:p>
             <a:fld id="{E801C748-8E21-4420-98CB-69D901245379}" type="datetime10">
               <a:rPr lang="zh-CN" altLang="en-US" smtClean="0"/>
-              <a:t>15:33</a:t>
+              <a:t>09:36</a:t>
             </a:fld>
             <a:endParaRPr lang="zh-CN" altLang="en-US" dirty="0"/>
           </a:p>
@@ -24891,7 +25067,7 @@
           <a:p>
             <a:fld id="{78FEED2D-F7E8-4C4A-84AE-93C7F94FE09E}" type="datetime10">
               <a:rPr lang="zh-CN" altLang="en-US" smtClean="0"/>
-              <a:t>15:33</a:t>
+              <a:t>09:45</a:t>
             </a:fld>
             <a:endParaRPr lang="zh-CN" altLang="en-US"/>
           </a:p>
@@ -25710,7 +25886,7 @@
           <a:p>
             <a:fld id="{78FEED2D-F7E8-4C4A-84AE-93C7F94FE09E}" type="datetime10">
               <a:rPr lang="zh-CN" altLang="en-US" smtClean="0"/>
-              <a:t>15:33</a:t>
+              <a:t>09:45</a:t>
             </a:fld>
             <a:endParaRPr lang="zh-CN" altLang="en-US" dirty="0"/>
           </a:p>
@@ -26131,7 +26307,7 @@
           <a:p>
             <a:fld id="{78FEED2D-F7E8-4C4A-84AE-93C7F94FE09E}" type="datetime10">
               <a:rPr lang="zh-CN" altLang="en-US" smtClean="0"/>
-              <a:t>15:33</a:t>
+              <a:t>09:45</a:t>
             </a:fld>
             <a:endParaRPr lang="zh-CN" altLang="en-US" dirty="0"/>
           </a:p>
@@ -27069,7 +27245,7 @@
           <a:p>
             <a:fld id="{ED09B6BC-40CC-4337-B768-71FED894D31A}" type="datetime10">
               <a:rPr lang="zh-CN" altLang="en-US" smtClean="0"/>
-              <a:t>15:33</a:t>
+              <a:t>09:45</a:t>
             </a:fld>
             <a:endParaRPr lang="zh-CN" altLang="en-US"/>
           </a:p>
@@ -27953,7 +28129,7 @@
           <a:p>
             <a:fld id="{ED09B6BC-40CC-4337-B768-71FED894D31A}" type="datetime10">
               <a:rPr lang="zh-CN" altLang="en-US" smtClean="0"/>
-              <a:t>18:48</a:t>
+              <a:t>09:45</a:t>
             </a:fld>
             <a:endParaRPr lang="zh-CN" altLang="en-US"/>
           </a:p>
@@ -28112,7 +28288,7 @@
           <a:p>
             <a:fld id="{027287E7-C195-4956-AB5F-C5E4FB6E648D}" type="datetime10">
               <a:rPr lang="zh-CN" altLang="en-US" smtClean="0"/>
-              <a:t>15:33</a:t>
+              <a:t>09:45</a:t>
             </a:fld>
             <a:endParaRPr lang="zh-CN" altLang="en-US"/>
           </a:p>
@@ -29472,7 +29648,7 @@
           <a:p>
             <a:fld id="{8939A372-A03C-433A-9E8B-DCC16223F0AC}" type="datetime10">
               <a:rPr lang="zh-CN" altLang="en-US" smtClean="0"/>
-              <a:t>15:33</a:t>
+              <a:t>09:45</a:t>
             </a:fld>
             <a:endParaRPr lang="zh-CN" altLang="en-US"/>
           </a:p>
@@ -29889,7 +30065,6 @@
               <a:rPr lang="en-US" altLang="zh-CN" dirty="0" smtClean="0"/>
               <a:t>();</a:t>
             </a:r>
-            <a:endParaRPr lang="en-US" altLang="zh-CN" dirty="0" smtClean="0"/>
           </a:p>
           <a:p>
             <a:r>
@@ -30178,7 +30353,7 @@
           <a:p>
             <a:fld id="{A11504DA-9D07-4BAC-9342-4BE459119F9A}" type="datetime10">
               <a:rPr lang="zh-CN" altLang="en-US" smtClean="0"/>
-              <a:t>18:43</a:t>
+              <a:t>09:45</a:t>
             </a:fld>
             <a:endParaRPr lang="zh-CN" altLang="en-US"/>
           </a:p>
@@ -30926,7 +31101,7 @@
           <a:p>
             <a:fld id="{280E80CF-9183-4DEF-8CE1-65DF7D196D3D}" type="datetime10">
               <a:rPr lang="zh-CN" altLang="en-US" smtClean="0"/>
-              <a:t>15:33</a:t>
+              <a:t>09:45</a:t>
             </a:fld>
             <a:endParaRPr lang="zh-CN" altLang="en-US"/>
           </a:p>
@@ -31374,7 +31549,7 @@
           <a:p>
             <a:fld id="{5CA67B0E-786C-4D6D-A09E-10B07FBCED20}" type="datetime10">
               <a:rPr lang="zh-CN" altLang="en-US" smtClean="0"/>
-              <a:t>15:33</a:t>
+              <a:t>09:45</a:t>
             </a:fld>
             <a:endParaRPr lang="zh-CN" altLang="en-US"/>
           </a:p>
@@ -31641,7 +31816,7 @@
           <a:p>
             <a:fld id="{6E45DBF5-B756-47BE-B41E-FBAEEF05FD62}" type="datetime10">
               <a:rPr lang="zh-CN" altLang="en-US" smtClean="0"/>
-              <a:t>15:33</a:t>
+              <a:t>09:36</a:t>
             </a:fld>
             <a:endParaRPr lang="zh-CN" altLang="en-US"/>
           </a:p>
@@ -32956,7 +33131,7 @@
           <a:p>
             <a:fld id="{85A0177B-8AA1-48F5-862B-B20AC3E89A89}" type="datetime10">
               <a:rPr lang="zh-CN" altLang="en-US" smtClean="0"/>
-              <a:t>15:33</a:t>
+              <a:t>09:45</a:t>
             </a:fld>
             <a:endParaRPr lang="zh-CN" altLang="en-US"/>
           </a:p>
@@ -33521,7 +33696,7 @@
           <a:p>
             <a:fld id="{E14C8692-4A63-4ADD-A897-20248F0F8FEB}" type="datetime10">
               <a:rPr lang="zh-CN" altLang="en-US" smtClean="0"/>
-              <a:t>15:33</a:t>
+              <a:t>09:45</a:t>
             </a:fld>
             <a:endParaRPr lang="zh-CN" altLang="en-US"/>
           </a:p>
@@ -33926,7 +34101,7 @@
           <a:p>
             <a:fld id="{2FC65C35-36BD-456E-897A-4011AA0C7FCA}" type="datetime10">
               <a:rPr lang="zh-CN" altLang="en-US" smtClean="0"/>
-              <a:t>15:33</a:t>
+              <a:t>09:45</a:t>
             </a:fld>
             <a:endParaRPr lang="zh-CN" altLang="en-US"/>
           </a:p>
@@ -34201,7 +34376,7 @@
           <a:p>
             <a:fld id="{0A3C77DE-45D0-4E65-84ED-190440F28CD8}" type="datetime10">
               <a:rPr lang="zh-CN" altLang="en-US" smtClean="0"/>
-              <a:t>15:33</a:t>
+              <a:t>09:45</a:t>
             </a:fld>
             <a:endParaRPr lang="zh-CN" altLang="en-US"/>
           </a:p>
@@ -34562,7 +34737,7 @@
           <a:p>
             <a:fld id="{2D5ABED3-9ECF-4B8A-992D-04AF78D41A9B}" type="datetime10">
               <a:rPr lang="zh-CN" altLang="en-US" smtClean="0"/>
-              <a:t>15:33</a:t>
+              <a:t>09:45</a:t>
             </a:fld>
             <a:endParaRPr lang="zh-CN" altLang="en-US"/>
           </a:p>
@@ -34578,9 +34753,25 @@
   <p:clrMapOvr>
     <a:masterClrMapping/>
   </p:clrMapOvr>
-  <p:transition>
-    <p:random/>
-  </p:transition>
+  <mc:AlternateContent xmlns:mc="http://schemas.openxmlformats.org/markup-compatibility/2006">
+    <mc:Choice xmlns:p14="http://schemas.microsoft.com/office/powerpoint/2010/main" Requires="p14">
+      <p:transition spd="med" p14:dur="700">
+        <p:fade/>
+      </p:transition>
+    </mc:Choice>
+    <mc:Fallback>
+      <p:transition spd="med">
+        <p:fade/>
+      </p:transition>
+    </mc:Fallback>
+  </mc:AlternateContent>
+  <p:timing>
+    <p:tnLst>
+      <p:par>
+        <p:cTn id="1" dur="indefinite" restart="never" nodeType="tmRoot"/>
+      </p:par>
+    </p:tnLst>
+  </p:timing>
 </p:sld>
 </file>
 
@@ -34811,7 +35002,7 @@
           <a:p>
             <a:fld id="{63009937-3399-4835-8C0B-7BAB3F5943F9}" type="datetime10">
               <a:rPr lang="zh-CN" altLang="en-US" smtClean="0"/>
-              <a:t>15:33</a:t>
+              <a:t>09:45</a:t>
             </a:fld>
             <a:endParaRPr lang="zh-CN" altLang="en-US"/>
           </a:p>
@@ -34830,6 +35021,13 @@
   <p:transition>
     <p:random/>
   </p:transition>
+  <p:timing>
+    <p:tnLst>
+      <p:par>
+        <p:cTn id="1" dur="indefinite" restart="never" nodeType="tmRoot"/>
+      </p:par>
+    </p:tnLst>
+  </p:timing>
 </p:sld>
 </file>
 
@@ -35557,7 +35755,7 @@
           <a:p>
             <a:fld id="{ED49E5FD-0E58-4D33-9F9A-FE8C76855300}" type="datetime10">
               <a:rPr lang="zh-CN" altLang="en-US" smtClean="0"/>
-              <a:t>15:33</a:t>
+              <a:t>09:45</a:t>
             </a:fld>
             <a:endParaRPr lang="zh-CN" altLang="en-US"/>
           </a:p>
@@ -36102,7 +36300,7 @@
           <a:p>
             <a:fld id="{1B3645CC-3E08-4304-93E4-2D7A955CF558}" type="datetime10">
               <a:rPr lang="zh-CN" altLang="en-US" smtClean="0"/>
-              <a:t>15:33</a:t>
+              <a:t>09:45</a:t>
             </a:fld>
             <a:endParaRPr lang="zh-CN" altLang="en-US"/>
           </a:p>
@@ -36813,7 +37011,7 @@
           <a:p>
             <a:fld id="{44F66471-6FA6-4203-9C5C-41045CCAF8CE}" type="datetime10">
               <a:rPr lang="zh-CN" altLang="en-US" smtClean="0"/>
-              <a:t>15:33</a:t>
+              <a:t>09:45</a:t>
             </a:fld>
             <a:endParaRPr lang="zh-CN" altLang="en-US"/>
           </a:p>
@@ -37505,7 +37703,7 @@
           <a:p>
             <a:fld id="{EF1B528B-2CC7-4879-984A-89097D750F87}" type="datetime10">
               <a:rPr lang="zh-CN" altLang="en-US" smtClean="0"/>
-              <a:t>15:33</a:t>
+              <a:t>09:36</a:t>
             </a:fld>
             <a:endParaRPr lang="zh-CN" altLang="en-US"/>
           </a:p>
@@ -37949,15 +38147,27 @@
               <a:t>状态名称，</a:t>
             </a:r>
             <a:r>
-              <a:rPr lang="en-US" altLang="zh-CN" dirty="0"/>
+              <a:rPr lang="en-US" altLang="zh-CN" b="1" dirty="0">
+                <a:solidFill>
+                  <a:srgbClr val="FF0000"/>
+                </a:solidFill>
+              </a:rPr>
               <a:t>Verbs with “</a:t>
             </a:r>
             <a:r>
-              <a:rPr lang="en-US" altLang="zh-CN" dirty="0" err="1"/>
+              <a:rPr lang="en-US" altLang="zh-CN" b="1" dirty="0" err="1">
+                <a:solidFill>
+                  <a:srgbClr val="FF0000"/>
+                </a:solidFill>
+              </a:rPr>
               <a:t>ing</a:t>
             </a:r>
             <a:r>
-              <a:rPr lang="en-US" altLang="zh-CN" dirty="0" smtClean="0"/>
+              <a:rPr lang="en-US" altLang="zh-CN" b="1" dirty="0" smtClean="0">
+                <a:solidFill>
+                  <a:srgbClr val="FF0000"/>
+                </a:solidFill>
+              </a:rPr>
               <a:t>”</a:t>
             </a:r>
           </a:p>
@@ -38042,10 +38252,18 @@
               <a:t>状态名称，</a:t>
             </a:r>
             <a:r>
-              <a:rPr lang="en-US" altLang="zh-CN" dirty="0"/>
+              <a:rPr lang="en-US" altLang="zh-CN" b="1" dirty="0">
+                <a:solidFill>
+                  <a:srgbClr val="FF0000"/>
+                </a:solidFill>
+              </a:rPr>
               <a:t>Statement of condition</a:t>
             </a:r>
-            <a:endParaRPr lang="en-US" altLang="zh-CN" dirty="0" smtClean="0"/>
+            <a:endParaRPr lang="en-US" altLang="zh-CN" b="1" dirty="0" smtClean="0">
+              <a:solidFill>
+                <a:srgbClr val="FF0000"/>
+              </a:solidFill>
+            </a:endParaRPr>
           </a:p>
           <a:p>
             <a:pPr>
@@ -38324,7 +38542,7 @@
           <a:p>
             <a:fld id="{225BBFCE-D1A0-48A7-B208-D8F26EEC3AC3}" type="datetime10">
               <a:rPr lang="zh-CN" altLang="en-US" smtClean="0"/>
-              <a:t>15:33</a:t>
+              <a:t>09:36</a:t>
             </a:fld>
             <a:endParaRPr lang="zh-CN" altLang="en-US"/>
           </a:p>
@@ -39109,7 +39327,7 @@
           <a:p>
             <a:fld id="{65DEFA4A-0771-4AA5-8C70-A63112250E1E}" type="datetime10">
               <a:rPr lang="zh-CN" altLang="en-US" smtClean="0"/>
-              <a:t>15:33</a:t>
+              <a:t>09:36</a:t>
             </a:fld>
             <a:endParaRPr lang="zh-CN" altLang="en-US"/>
           </a:p>
@@ -39475,7 +39693,22 @@
               <a:rPr lang="zh-CN" altLang="en-US" sz="2400" kern="0" dirty="0">
                 <a:latin typeface="Times New Roman" pitchFamily="18" charset="0"/>
               </a:rPr>
-              <a:t>，表明对象将在第一个状态中执行一定的动作，并将在某个事件发生同时某个特定条件满足时进入第二个状态。 </a:t>
+              <a:t>，表明对象将在第一个状态中执行一定的动作，并将在某个</a:t>
+            </a:r>
+            <a:r>
+              <a:rPr lang="zh-CN" altLang="en-US" sz="2400" kern="0" dirty="0">
+                <a:solidFill>
+                  <a:schemeClr val="tx1"/>
+                </a:solidFill>
+                <a:latin typeface="Times New Roman" pitchFamily="18" charset="0"/>
+              </a:rPr>
+              <a:t>事件发生同时</a:t>
+            </a:r>
+            <a:r>
+              <a:rPr lang="zh-CN" altLang="en-US" sz="2400" kern="0" dirty="0">
+                <a:latin typeface="Times New Roman" pitchFamily="18" charset="0"/>
+              </a:rPr>
+              <a:t>某个特定条件满足时进入第二个状态。 </a:t>
             </a:r>
           </a:p>
         </p:txBody>
@@ -39991,7 +40224,7 @@
           <a:p>
             <a:fld id="{D970E9A2-F322-4BCB-8C96-9A745930F08D}" type="datetime10">
               <a:rPr lang="zh-CN" altLang="en-US" smtClean="0"/>
-              <a:t>15:33</a:t>
+              <a:t>09:36</a:t>
             </a:fld>
             <a:endParaRPr lang="zh-CN" altLang="en-US"/>
           </a:p>

--- a/2017/C语言课程设计/C语言课程设计.pptx
+++ b/2017/C语言课程设计/C语言课程设计.pptx
@@ -4244,7 +4244,7 @@
           <a:p>
             <a:fld id="{9B897E2D-957B-4D9D-A0C2-5B7D912FC07C}" type="datetime10">
               <a:rPr lang="zh-CN" altLang="en-US" smtClean="0"/>
-              <a:t>09:36</a:t>
+              <a:t>08:36</a:t>
             </a:fld>
             <a:endParaRPr lang="zh-CN" altLang="en-US"/>
           </a:p>
@@ -4457,7 +4457,7 @@
           <a:p>
             <a:fld id="{FEB5EFE7-A783-4554-B77F-DF14040FF23C}" type="datetime10">
               <a:rPr lang="zh-CN" altLang="en-US" smtClean="0"/>
-              <a:t>09:36</a:t>
+              <a:t>08:36</a:t>
             </a:fld>
             <a:endParaRPr lang="zh-CN" altLang="en-US"/>
           </a:p>
@@ -4767,7 +4767,7 @@
           <a:p>
             <a:fld id="{FAE39FCF-E57F-4C7B-8DA8-2F4FAAA6797D}" type="datetime10">
               <a:rPr lang="zh-CN" altLang="en-US" smtClean="0"/>
-              <a:t>09:36</a:t>
+              <a:t>08:36</a:t>
             </a:fld>
             <a:endParaRPr lang="zh-CN" altLang="en-US"/>
           </a:p>
@@ -4942,7 +4942,7 @@
           <a:p>
             <a:fld id="{027287E7-C195-4956-AB5F-C5E4FB6E648D}" type="datetime10">
               <a:rPr lang="zh-CN" altLang="en-US" smtClean="0"/>
-              <a:t>09:36</a:t>
+              <a:t>08:36</a:t>
             </a:fld>
             <a:endParaRPr lang="zh-CN" altLang="en-US"/>
           </a:p>
@@ -5066,7 +5066,7 @@
           <a:p>
             <a:fld id="{2BC22A67-3ECF-487E-A853-13104F322C26}" type="datetime10">
               <a:rPr lang="zh-CN" altLang="en-US" smtClean="0"/>
-              <a:t>09:36</a:t>
+              <a:t>08:36</a:t>
             </a:fld>
             <a:endParaRPr lang="zh-CN" altLang="en-US"/>
           </a:p>
@@ -5527,7 +5527,7 @@
           <a:p>
             <a:fld id="{CDF13AE3-D21E-49E3-A634-69B00BCC8341}" type="datetime10">
               <a:rPr lang="zh-CN" altLang="en-US" smtClean="0"/>
-              <a:t>09:36</a:t>
+              <a:t>08:36</a:t>
             </a:fld>
             <a:endParaRPr lang="zh-CN" altLang="en-US"/>
           </a:p>
@@ -7058,7 +7058,7 @@
           <a:p>
             <a:fld id="{D4B924C2-6AF3-4CA9-B4C1-E65BE2C5A8D2}" type="datetime10">
               <a:rPr lang="zh-CN" altLang="en-US" smtClean="0"/>
-              <a:t>09:36</a:t>
+              <a:t>08:36</a:t>
             </a:fld>
             <a:endParaRPr lang="zh-CN" altLang="en-US"/>
           </a:p>
@@ -7308,7 +7308,7 @@
           <a:p>
             <a:fld id="{1DF8ECE8-2F79-442C-B009-BF24F53FEA95}" type="datetime10">
               <a:rPr lang="zh-CN" altLang="en-US" smtClean="0"/>
-              <a:t>09:36</a:t>
+              <a:t>08:36</a:t>
             </a:fld>
             <a:endParaRPr lang="zh-CN" altLang="en-US"/>
           </a:p>
@@ -7708,7 +7708,7 @@
           <a:p>
             <a:fld id="{BD558A68-2CCC-49FA-A58C-536E17F3B137}" type="datetime10">
               <a:rPr lang="zh-CN" altLang="en-US" smtClean="0"/>
-              <a:t>09:36</a:t>
+              <a:t>08:36</a:t>
             </a:fld>
             <a:endParaRPr lang="zh-CN" altLang="en-US"/>
           </a:p>
@@ -8108,7 +8108,7 @@
           <a:p>
             <a:fld id="{1901CB65-9D5A-4CA6-98E1-6B263BA07C5F}" type="datetime10">
               <a:rPr lang="zh-CN" altLang="en-US" smtClean="0"/>
-              <a:t>09:36</a:t>
+              <a:t>08:36</a:t>
             </a:fld>
             <a:endParaRPr lang="zh-CN" altLang="en-US"/>
           </a:p>
@@ -8261,15 +8261,7 @@
             </a:r>
             <a:r>
               <a:rPr lang="en-US" altLang="zh-CN" dirty="0" smtClean="0"/>
-              <a:t> </a:t>
-            </a:r>
-            <a:r>
-              <a:rPr lang="en-US" altLang="zh-CN" dirty="0" smtClean="0"/>
-              <a:t>   </a:t>
-            </a:r>
-            <a:r>
-              <a:rPr lang="en-US" altLang="zh-CN" dirty="0" smtClean="0"/>
-              <a:t>1</a:t>
+              <a:t>    1</a:t>
             </a:r>
             <a:endParaRPr lang="en-US" altLang="zh-CN" dirty="0"/>
           </a:p>
@@ -8316,11 +8308,7 @@
             </a:r>
             <a:r>
               <a:rPr lang="en-US" altLang="zh-CN" dirty="0" smtClean="0"/>
-              <a:t>     </a:t>
-            </a:r>
-            <a:r>
-              <a:rPr lang="en-US" altLang="zh-CN" dirty="0" smtClean="0"/>
-              <a:t>  3</a:t>
+              <a:t>       3</a:t>
             </a:r>
             <a:endParaRPr lang="en-US" altLang="zh-CN" dirty="0"/>
           </a:p>
@@ -8344,11 +8332,7 @@
             </a:r>
             <a:r>
               <a:rPr lang="en-US" altLang="zh-CN" dirty="0" smtClean="0"/>
-              <a:t>  </a:t>
-            </a:r>
-            <a:r>
-              <a:rPr lang="en-US" altLang="zh-CN" dirty="0" smtClean="0"/>
-              <a:t>  4</a:t>
+              <a:t>    4</a:t>
             </a:r>
             <a:endParaRPr lang="zh-CN" altLang="en-US" dirty="0"/>
           </a:p>
@@ -9035,7 +9019,7 @@
           <a:p>
             <a:fld id="{C503C4C8-8C25-4B5F-9CBC-FB43B2AE1AF3}" type="datetime10">
               <a:rPr lang="zh-CN" altLang="en-US" smtClean="0"/>
-              <a:t>09:36</a:t>
+              <a:t>08:36</a:t>
             </a:fld>
             <a:endParaRPr lang="zh-CN" altLang="en-US"/>
           </a:p>
@@ -9926,7 +9910,7 @@
           <a:p>
             <a:fld id="{E94650C5-04D2-4978-9CD7-FA728BF25977}" type="datetime10">
               <a:rPr lang="zh-CN" altLang="en-US" smtClean="0"/>
-              <a:t>09:36</a:t>
+              <a:t>08:36</a:t>
             </a:fld>
             <a:endParaRPr lang="zh-CN" altLang="en-US"/>
           </a:p>
@@ -10791,7 +10775,7 @@
           <a:p>
             <a:fld id="{57A94393-DCF7-403D-A87F-F244F11AA608}" type="datetime10">
               <a:rPr lang="zh-CN" altLang="en-US" smtClean="0"/>
-              <a:t>09:36</a:t>
+              <a:t>08:36</a:t>
             </a:fld>
             <a:endParaRPr lang="zh-CN" altLang="en-US"/>
           </a:p>
@@ -11148,7 +11132,7 @@
           <a:p>
             <a:fld id="{6606D06D-BD90-4ECE-83BA-BFB60DA6A5BE}" type="datetime10">
               <a:rPr lang="zh-CN" altLang="en-US" smtClean="0"/>
-              <a:t>09:36</a:t>
+              <a:t>08:36</a:t>
             </a:fld>
             <a:endParaRPr lang="zh-CN" altLang="en-US"/>
           </a:p>
@@ -11673,7 +11657,7 @@
           <a:p>
             <a:fld id="{EB5ADC9E-F51B-47BE-99D3-DA62903491B0}" type="datetime10">
               <a:rPr lang="zh-CN" altLang="en-US" smtClean="0"/>
-              <a:t>09:36</a:t>
+              <a:t>08:36</a:t>
             </a:fld>
             <a:endParaRPr lang="zh-CN" altLang="en-US"/>
           </a:p>
@@ -12466,7 +12450,7 @@
           <a:p>
             <a:fld id="{5B15ED53-32A7-4FF4-BF75-7A0619B23433}" type="datetime10">
               <a:rPr lang="zh-CN" altLang="en-US" smtClean="0"/>
-              <a:t>09:37</a:t>
+              <a:t>08:36</a:t>
             </a:fld>
             <a:endParaRPr lang="zh-CN" altLang="en-US"/>
           </a:p>
@@ -12709,7 +12693,7 @@
           <a:p>
             <a:fld id="{2C1DB555-715E-4CC2-8236-9766A92FC189}" type="datetime10">
               <a:rPr lang="zh-CN" altLang="en-US" smtClean="0"/>
-              <a:t>09:36</a:t>
+              <a:t>08:36</a:t>
             </a:fld>
             <a:endParaRPr lang="zh-CN" altLang="en-US"/>
           </a:p>
@@ -13193,7 +13177,7 @@
           <a:p>
             <a:fld id="{E2546516-918C-4B93-8C28-8B85FDF9AEFB}" type="datetime10">
               <a:rPr lang="zh-CN" altLang="en-US" smtClean="0"/>
-              <a:t>09:37</a:t>
+              <a:t>08:36</a:t>
             </a:fld>
             <a:endParaRPr lang="zh-CN" altLang="en-US"/>
           </a:p>
@@ -14278,7 +14262,7 @@
           <a:p>
             <a:fld id="{9E518833-6C06-484D-8281-4FEA42096733}" type="datetime10">
               <a:rPr lang="zh-CN" altLang="en-US" smtClean="0"/>
-              <a:t>09:37</a:t>
+              <a:t>08:36</a:t>
             </a:fld>
             <a:endParaRPr lang="zh-CN" altLang="en-US"/>
           </a:p>
@@ -14498,7 +14482,7 @@
           <a:p>
             <a:fld id="{80F8C20A-6B4D-4497-8FEB-052C47EB3E84}" type="datetime10">
               <a:rPr lang="zh-CN" altLang="en-US" smtClean="0"/>
-              <a:t>09:37</a:t>
+              <a:t>08:36</a:t>
             </a:fld>
             <a:endParaRPr lang="zh-CN" altLang="en-US"/>
           </a:p>
@@ -14720,7 +14704,7 @@
           <a:p>
             <a:fld id="{27B67446-34F8-4747-A347-013A8B8DA8E4}" type="datetime10">
               <a:rPr lang="zh-CN" altLang="en-US" smtClean="0"/>
-              <a:t>09:37</a:t>
+              <a:t>08:36</a:t>
             </a:fld>
             <a:endParaRPr lang="zh-CN" altLang="en-US"/>
           </a:p>
@@ -15877,7 +15861,7 @@
           <a:p>
             <a:fld id="{E56CF979-7C5D-4B42-A02B-605B7DC1861E}" type="datetime10">
               <a:rPr lang="zh-CN" altLang="en-US" smtClean="0"/>
-              <a:t>09:37</a:t>
+              <a:t>08:36</a:t>
             </a:fld>
             <a:endParaRPr lang="zh-CN" altLang="en-US"/>
           </a:p>
@@ -16035,7 +16019,7 @@
           <a:p>
             <a:fld id="{5F37A737-29F8-4039-87B5-EF61464426AE}" type="datetime10">
               <a:rPr lang="zh-CN" altLang="en-US" smtClean="0"/>
-              <a:t>09:37</a:t>
+              <a:t>08:36</a:t>
             </a:fld>
             <a:endParaRPr lang="zh-CN" altLang="en-US"/>
           </a:p>
@@ -16521,7 +16505,7 @@
           <a:p>
             <a:fld id="{8D1F04B0-10ED-43F8-837A-0961035CB7FD}" type="datetime10">
               <a:rPr lang="zh-CN" altLang="en-US" smtClean="0"/>
-              <a:t>09:37</a:t>
+              <a:t>08:36</a:t>
             </a:fld>
             <a:endParaRPr lang="zh-CN" altLang="en-US"/>
           </a:p>
@@ -16887,7 +16871,7 @@
           <a:p>
             <a:fld id="{B87535FB-A371-4F35-9B28-911E89E9053A}" type="datetime10">
               <a:rPr lang="zh-CN" altLang="en-US" smtClean="0"/>
-              <a:t>09:45</a:t>
+              <a:t>08:36</a:t>
             </a:fld>
             <a:endParaRPr lang="zh-CN" altLang="en-US"/>
           </a:p>
@@ -17198,7 +17182,7 @@
           <a:p>
             <a:fld id="{806108C5-AE88-47AA-BB8B-5FD69F4B1CCD}" type="datetime10">
               <a:rPr lang="zh-CN" altLang="en-US" smtClean="0"/>
-              <a:t>09:45</a:t>
+              <a:t>08:36</a:t>
             </a:fld>
             <a:endParaRPr lang="zh-CN" altLang="en-US"/>
           </a:p>
@@ -17611,7 +17595,7 @@
           <a:p>
             <a:fld id="{A96F25E7-7818-4997-A486-52F03BB724F4}" type="datetime10">
               <a:rPr lang="zh-CN" altLang="en-US" smtClean="0"/>
-              <a:t>09:45</a:t>
+              <a:t>08:36</a:t>
             </a:fld>
             <a:endParaRPr lang="zh-CN" altLang="en-US" dirty="0"/>
           </a:p>
@@ -17811,11 +17795,7 @@
             </a:r>
             <a:r>
               <a:rPr lang="zh-CN" altLang="en-US" sz="2400" dirty="0" smtClean="0"/>
-              <a:t>楼教室</a:t>
-            </a:r>
-            <a:r>
-              <a:rPr lang="zh-CN" altLang="en-US" sz="2400" dirty="0" smtClean="0"/>
-              <a:t>完成课设，签到。</a:t>
+              <a:t>楼教室完成课设，签到。</a:t>
             </a:r>
             <a:endParaRPr lang="en-US" altLang="zh-CN" sz="2400" dirty="0" smtClean="0"/>
           </a:p>
@@ -17978,7 +17958,7 @@
           <a:p>
             <a:fld id="{E19C31DD-5C22-46AF-B21A-BFD9140BE8D8}" type="datetime10">
               <a:rPr lang="zh-CN" altLang="en-US" smtClean="0"/>
-              <a:t>09:36</a:t>
+              <a:t>08:36</a:t>
             </a:fld>
             <a:endParaRPr lang="zh-CN" altLang="en-US"/>
           </a:p>
@@ -18663,7 +18643,7 @@
           <a:p>
             <a:fld id="{ECDCA962-CA37-431E-A9AD-A883F0E3A72A}" type="datetime10">
               <a:rPr lang="zh-CN" altLang="en-US" smtClean="0"/>
-              <a:t>09:45</a:t>
+              <a:t>08:36</a:t>
             </a:fld>
             <a:endParaRPr lang="zh-CN" altLang="en-US"/>
           </a:p>
@@ -19210,7 +19190,7 @@
           <a:p>
             <a:fld id="{0504BC3E-8B07-48AF-AAA5-D94DBE3626EA}" type="datetime10">
               <a:rPr lang="zh-CN" altLang="en-US" smtClean="0"/>
-              <a:t>09:45</a:t>
+              <a:t>08:36</a:t>
             </a:fld>
             <a:endParaRPr lang="zh-CN" altLang="en-US"/>
           </a:p>
@@ -19618,7 +19598,7 @@
           <a:p>
             <a:fld id="{E19C31DD-5C22-46AF-B21A-BFD9140BE8D8}" type="datetime10">
               <a:rPr lang="zh-CN" altLang="en-US" smtClean="0"/>
-              <a:t>09:45</a:t>
+              <a:t>08:36</a:t>
             </a:fld>
             <a:endParaRPr lang="zh-CN" altLang="en-US"/>
           </a:p>
@@ -19849,7 +19829,7 @@
           <a:p>
             <a:fld id="{F70C1397-6B38-4600-BAA3-4520FF6B7512}" type="datetime10">
               <a:rPr lang="zh-CN" altLang="en-US" smtClean="0"/>
-              <a:t>09:45</a:t>
+              <a:t>08:36</a:t>
             </a:fld>
             <a:endParaRPr lang="zh-CN" altLang="en-US"/>
           </a:p>
@@ -20361,7 +20341,7 @@
           <a:p>
             <a:fld id="{062F2478-A231-4DD8-90F0-17632984B186}" type="datetime10">
               <a:rPr lang="zh-CN" altLang="en-US" smtClean="0"/>
-              <a:t>09:45</a:t>
+              <a:t>08:36</a:t>
             </a:fld>
             <a:endParaRPr lang="zh-CN" altLang="en-US"/>
           </a:p>
@@ -21076,7 +21056,7 @@
           <a:p>
             <a:fld id="{FFCBFCD3-6900-4801-A3A8-ABFF77EF36E9}" type="datetime10">
               <a:rPr lang="zh-CN" altLang="en-US" smtClean="0"/>
-              <a:t>09:45</a:t>
+              <a:t>08:36</a:t>
             </a:fld>
             <a:endParaRPr lang="zh-CN" altLang="en-US"/>
           </a:p>
@@ -21758,7 +21738,7 @@
           <a:p>
             <a:fld id="{FFCBFCD3-6900-4801-A3A8-ABFF77EF36E9}" type="datetime10">
               <a:rPr lang="zh-CN" altLang="en-US" smtClean="0"/>
-              <a:t>09:45</a:t>
+              <a:t>08:36</a:t>
             </a:fld>
             <a:endParaRPr lang="zh-CN" altLang="en-US"/>
           </a:p>
@@ -22424,7 +22404,7 @@
           <a:p>
             <a:fld id="{B3A5277A-74C6-4D5A-B698-EA3D9D662265}" type="datetime10">
               <a:rPr lang="zh-CN" altLang="en-US" smtClean="0"/>
-              <a:t>09:45</a:t>
+              <a:t>08:36</a:t>
             </a:fld>
             <a:endParaRPr lang="zh-CN" altLang="en-US"/>
           </a:p>
@@ -23040,7 +23020,7 @@
           <a:p>
             <a:fld id="{B3A5277A-74C6-4D5A-B698-EA3D9D662265}" type="datetime10">
               <a:rPr lang="zh-CN" altLang="en-US" smtClean="0"/>
-              <a:t>09:45</a:t>
+              <a:t>08:36</a:t>
             </a:fld>
             <a:endParaRPr lang="zh-CN" altLang="en-US"/>
           </a:p>
@@ -23835,7 +23815,7 @@
           <a:p>
             <a:fld id="{78FEED2D-F7E8-4C4A-84AE-93C7F94FE09E}" type="datetime10">
               <a:rPr lang="zh-CN" altLang="en-US" smtClean="0"/>
-              <a:t>09:45</a:t>
+              <a:t>08:36</a:t>
             </a:fld>
             <a:endParaRPr lang="zh-CN" altLang="en-US"/>
           </a:p>
@@ -24108,7 +24088,7 @@
           <a:p>
             <a:fld id="{E801C748-8E21-4420-98CB-69D901245379}" type="datetime10">
               <a:rPr lang="zh-CN" altLang="en-US" smtClean="0"/>
-              <a:t>09:36</a:t>
+              <a:t>08:36</a:t>
             </a:fld>
             <a:endParaRPr lang="zh-CN" altLang="en-US" dirty="0"/>
           </a:p>
@@ -25067,7 +25047,7 @@
           <a:p>
             <a:fld id="{78FEED2D-F7E8-4C4A-84AE-93C7F94FE09E}" type="datetime10">
               <a:rPr lang="zh-CN" altLang="en-US" smtClean="0"/>
-              <a:t>09:45</a:t>
+              <a:t>08:36</a:t>
             </a:fld>
             <a:endParaRPr lang="zh-CN" altLang="en-US"/>
           </a:p>
@@ -25674,8 +25654,8 @@
               <a:t>按钮</a:t>
             </a:r>
             <a:r>
-              <a:rPr lang="en-US" altLang="zh-CN" sz="2000" b="1" dirty="0" err="1" smtClean="0"/>
-              <a:t>SetUpLight</a:t>
+              <a:rPr lang="en-US" altLang="zh-CN" sz="2000" b="1" smtClean="0"/>
+              <a:t>SetCallLight</a:t>
             </a:r>
             <a:r>
               <a:rPr lang="en-US" altLang="zh-CN" sz="2000" b="1" dirty="0" smtClean="0"/>
@@ -25886,7 +25866,7 @@
           <a:p>
             <a:fld id="{78FEED2D-F7E8-4C4A-84AE-93C7F94FE09E}" type="datetime10">
               <a:rPr lang="zh-CN" altLang="en-US" smtClean="0"/>
-              <a:t>09:45</a:t>
+              <a:t>08:36</a:t>
             </a:fld>
             <a:endParaRPr lang="zh-CN" altLang="en-US" dirty="0"/>
           </a:p>
@@ -26307,7 +26287,7 @@
           <a:p>
             <a:fld id="{78FEED2D-F7E8-4C4A-84AE-93C7F94FE09E}" type="datetime10">
               <a:rPr lang="zh-CN" altLang="en-US" smtClean="0"/>
-              <a:t>09:45</a:t>
+              <a:t>08:36</a:t>
             </a:fld>
             <a:endParaRPr lang="zh-CN" altLang="en-US" dirty="0"/>
           </a:p>
@@ -27245,7 +27225,7 @@
           <a:p>
             <a:fld id="{ED09B6BC-40CC-4337-B768-71FED894D31A}" type="datetime10">
               <a:rPr lang="zh-CN" altLang="en-US" smtClean="0"/>
-              <a:t>09:45</a:t>
+              <a:t>08:36</a:t>
             </a:fld>
             <a:endParaRPr lang="zh-CN" altLang="en-US"/>
           </a:p>
@@ -28129,7 +28109,7 @@
           <a:p>
             <a:fld id="{ED09B6BC-40CC-4337-B768-71FED894D31A}" type="datetime10">
               <a:rPr lang="zh-CN" altLang="en-US" smtClean="0"/>
-              <a:t>09:45</a:t>
+              <a:t>08:36</a:t>
             </a:fld>
             <a:endParaRPr lang="zh-CN" altLang="en-US"/>
           </a:p>
@@ -28288,7 +28268,7 @@
           <a:p>
             <a:fld id="{027287E7-C195-4956-AB5F-C5E4FB6E648D}" type="datetime10">
               <a:rPr lang="zh-CN" altLang="en-US" smtClean="0"/>
-              <a:t>09:45</a:t>
+              <a:t>08:36</a:t>
             </a:fld>
             <a:endParaRPr lang="zh-CN" altLang="en-US"/>
           </a:p>
@@ -29648,7 +29628,7 @@
           <a:p>
             <a:fld id="{8939A372-A03C-433A-9E8B-DCC16223F0AC}" type="datetime10">
               <a:rPr lang="zh-CN" altLang="en-US" smtClean="0"/>
-              <a:t>09:45</a:t>
+              <a:t>08:36</a:t>
             </a:fld>
             <a:endParaRPr lang="zh-CN" altLang="en-US"/>
           </a:p>
@@ -30353,7 +30333,7 @@
           <a:p>
             <a:fld id="{A11504DA-9D07-4BAC-9342-4BE459119F9A}" type="datetime10">
               <a:rPr lang="zh-CN" altLang="en-US" smtClean="0"/>
-              <a:t>09:45</a:t>
+              <a:t>08:36</a:t>
             </a:fld>
             <a:endParaRPr lang="zh-CN" altLang="en-US"/>
           </a:p>
@@ -31101,7 +31081,7 @@
           <a:p>
             <a:fld id="{280E80CF-9183-4DEF-8CE1-65DF7D196D3D}" type="datetime10">
               <a:rPr lang="zh-CN" altLang="en-US" smtClean="0"/>
-              <a:t>09:45</a:t>
+              <a:t>08:36</a:t>
             </a:fld>
             <a:endParaRPr lang="zh-CN" altLang="en-US"/>
           </a:p>
@@ -31549,7 +31529,7 @@
           <a:p>
             <a:fld id="{5CA67B0E-786C-4D6D-A09E-10B07FBCED20}" type="datetime10">
               <a:rPr lang="zh-CN" altLang="en-US" smtClean="0"/>
-              <a:t>09:45</a:t>
+              <a:t>08:36</a:t>
             </a:fld>
             <a:endParaRPr lang="zh-CN" altLang="en-US"/>
           </a:p>
@@ -31816,7 +31796,7 @@
           <a:p>
             <a:fld id="{6E45DBF5-B756-47BE-B41E-FBAEEF05FD62}" type="datetime10">
               <a:rPr lang="zh-CN" altLang="en-US" smtClean="0"/>
-              <a:t>09:36</a:t>
+              <a:t>08:36</a:t>
             </a:fld>
             <a:endParaRPr lang="zh-CN" altLang="en-US"/>
           </a:p>
@@ -33131,7 +33111,7 @@
           <a:p>
             <a:fld id="{85A0177B-8AA1-48F5-862B-B20AC3E89A89}" type="datetime10">
               <a:rPr lang="zh-CN" altLang="en-US" smtClean="0"/>
-              <a:t>09:45</a:t>
+              <a:t>08:36</a:t>
             </a:fld>
             <a:endParaRPr lang="zh-CN" altLang="en-US"/>
           </a:p>
@@ -33696,7 +33676,7 @@
           <a:p>
             <a:fld id="{E14C8692-4A63-4ADD-A897-20248F0F8FEB}" type="datetime10">
               <a:rPr lang="zh-CN" altLang="en-US" smtClean="0"/>
-              <a:t>09:45</a:t>
+              <a:t>08:36</a:t>
             </a:fld>
             <a:endParaRPr lang="zh-CN" altLang="en-US"/>
           </a:p>
@@ -34101,7 +34081,7 @@
           <a:p>
             <a:fld id="{2FC65C35-36BD-456E-897A-4011AA0C7FCA}" type="datetime10">
               <a:rPr lang="zh-CN" altLang="en-US" smtClean="0"/>
-              <a:t>09:45</a:t>
+              <a:t>08:36</a:t>
             </a:fld>
             <a:endParaRPr lang="zh-CN" altLang="en-US"/>
           </a:p>
@@ -34376,7 +34356,7 @@
           <a:p>
             <a:fld id="{0A3C77DE-45D0-4E65-84ED-190440F28CD8}" type="datetime10">
               <a:rPr lang="zh-CN" altLang="en-US" smtClean="0"/>
-              <a:t>09:45</a:t>
+              <a:t>08:36</a:t>
             </a:fld>
             <a:endParaRPr lang="zh-CN" altLang="en-US"/>
           </a:p>
@@ -34737,7 +34717,7 @@
           <a:p>
             <a:fld id="{2D5ABED3-9ECF-4B8A-992D-04AF78D41A9B}" type="datetime10">
               <a:rPr lang="zh-CN" altLang="en-US" smtClean="0"/>
-              <a:t>09:45</a:t>
+              <a:t>08:36</a:t>
             </a:fld>
             <a:endParaRPr lang="zh-CN" altLang="en-US"/>
           </a:p>
@@ -34753,13 +34733,13 @@
   <p:clrMapOvr>
     <a:masterClrMapping/>
   </p:clrMapOvr>
-  <mc:AlternateContent xmlns:mc="http://schemas.openxmlformats.org/markup-compatibility/2006">
-    <mc:Choice xmlns:p14="http://schemas.microsoft.com/office/powerpoint/2010/main" Requires="p14">
+  <mc:AlternateContent xmlns:mc="http://schemas.openxmlformats.org/markup-compatibility/2006" xmlns:p14="http://schemas.microsoft.com/office/powerpoint/2010/main">
+    <mc:Choice Requires="p14">
       <p:transition spd="med" p14:dur="700">
         <p:fade/>
       </p:transition>
     </mc:Choice>
-    <mc:Fallback>
+    <mc:Fallback xmlns="">
       <p:transition spd="med">
         <p:fade/>
       </p:transition>
@@ -35002,7 +34982,7 @@
           <a:p>
             <a:fld id="{63009937-3399-4835-8C0B-7BAB3F5943F9}" type="datetime10">
               <a:rPr lang="zh-CN" altLang="en-US" smtClean="0"/>
-              <a:t>09:45</a:t>
+              <a:t>08:36</a:t>
             </a:fld>
             <a:endParaRPr lang="zh-CN" altLang="en-US"/>
           </a:p>
@@ -35755,7 +35735,7 @@
           <a:p>
             <a:fld id="{ED49E5FD-0E58-4D33-9F9A-FE8C76855300}" type="datetime10">
               <a:rPr lang="zh-CN" altLang="en-US" smtClean="0"/>
-              <a:t>09:45</a:t>
+              <a:t>08:36</a:t>
             </a:fld>
             <a:endParaRPr lang="zh-CN" altLang="en-US"/>
           </a:p>
@@ -36300,7 +36280,7 @@
           <a:p>
             <a:fld id="{1B3645CC-3E08-4304-93E4-2D7A955CF558}" type="datetime10">
               <a:rPr lang="zh-CN" altLang="en-US" smtClean="0"/>
-              <a:t>09:45</a:t>
+              <a:t>08:36</a:t>
             </a:fld>
             <a:endParaRPr lang="zh-CN" altLang="en-US"/>
           </a:p>
@@ -37011,7 +36991,7 @@
           <a:p>
             <a:fld id="{44F66471-6FA6-4203-9C5C-41045CCAF8CE}" type="datetime10">
               <a:rPr lang="zh-CN" altLang="en-US" smtClean="0"/>
-              <a:t>09:45</a:t>
+              <a:t>08:36</a:t>
             </a:fld>
             <a:endParaRPr lang="zh-CN" altLang="en-US"/>
           </a:p>
@@ -37703,7 +37683,7 @@
           <a:p>
             <a:fld id="{EF1B528B-2CC7-4879-984A-89097D750F87}" type="datetime10">
               <a:rPr lang="zh-CN" altLang="en-US" smtClean="0"/>
-              <a:t>09:36</a:t>
+              <a:t>08:36</a:t>
             </a:fld>
             <a:endParaRPr lang="zh-CN" altLang="en-US"/>
           </a:p>
@@ -38542,7 +38522,7 @@
           <a:p>
             <a:fld id="{225BBFCE-D1A0-48A7-B208-D8F26EEC3AC3}" type="datetime10">
               <a:rPr lang="zh-CN" altLang="en-US" smtClean="0"/>
-              <a:t>09:36</a:t>
+              <a:t>08:36</a:t>
             </a:fld>
             <a:endParaRPr lang="zh-CN" altLang="en-US"/>
           </a:p>
@@ -39327,7 +39307,7 @@
           <a:p>
             <a:fld id="{65DEFA4A-0771-4AA5-8C70-A63112250E1E}" type="datetime10">
               <a:rPr lang="zh-CN" altLang="en-US" smtClean="0"/>
-              <a:t>09:36</a:t>
+              <a:t>08:36</a:t>
             </a:fld>
             <a:endParaRPr lang="zh-CN" altLang="en-US"/>
           </a:p>
@@ -40224,7 +40204,7 @@
           <a:p>
             <a:fld id="{D970E9A2-F322-4BCB-8C96-9A745930F08D}" type="datetime10">
               <a:rPr lang="zh-CN" altLang="en-US" smtClean="0"/>
-              <a:t>09:36</a:t>
+              <a:t>08:36</a:t>
             </a:fld>
             <a:endParaRPr lang="zh-CN" altLang="en-US"/>
           </a:p>
